--- a/list/fig/slide.pptx
+++ b/list/fig/slide.pptx
@@ -5,7 +5,7 @@
     <p:sldMasterId id="2147483663" r:id="rId1"/>
   </p:sldMasterIdLst>
   <p:notesMasterIdLst>
-    <p:notesMasterId r:id="rId7"/>
+    <p:notesMasterId r:id="rId14"/>
   </p:notesMasterIdLst>
   <p:sldIdLst>
     <p:sldId id="256" r:id="rId2"/>
@@ -13,6 +13,13 @@
     <p:sldId id="289" r:id="rId4"/>
     <p:sldId id="290" r:id="rId5"/>
     <p:sldId id="291" r:id="rId6"/>
+    <p:sldId id="292" r:id="rId7"/>
+    <p:sldId id="295" r:id="rId8"/>
+    <p:sldId id="296" r:id="rId9"/>
+    <p:sldId id="297" r:id="rId10"/>
+    <p:sldId id="298" r:id="rId11"/>
+    <p:sldId id="293" r:id="rId12"/>
+    <p:sldId id="294" r:id="rId13"/>
   </p:sldIdLst>
   <p:sldSz cx="9144000" cy="6858000" type="screen4x3"/>
   <p:notesSz cx="6858000" cy="9144000"/>
@@ -211,7 +218,7 @@
           </a:lstStyle>
           <a:p>
             <a:fld id="{6B8D1B20-A248-FB47-8240-73C0C5F47C9D}" type="datetimeFigureOut">
-              <a:t>2019/9/28</a:t>
+              <a:t>2019/10/3</a:t>
             </a:fld>
             <a:endParaRPr kumimoji="1" lang="ja-JP" altLang="en-US"/>
           </a:p>
@@ -1068,7 +1075,7 @@
           <a:p>
             <a:pPr algn="ctr"/>
             <a:r>
-              <a:rPr lang="ja-JP" altLang="en-US" sz="3200" dirty="0" smtClean="0">
+              <a:rPr lang="ja-JP" altLang="en-US" sz="3200" dirty="0">
                 <a:solidFill>
                   <a:srgbClr val="011893"/>
                 </a:solidFill>
@@ -1221,17 +1228,3086 @@
           <a:lstStyle/>
           <a:p>
             <a:r>
-              <a:rPr kumimoji="1" lang="en-US" altLang="ja-JP" sz="4000" dirty="0" smtClean="0"/>
+              <a:rPr kumimoji="1" lang="en-US" altLang="ja-JP" sz="4000" dirty="0"/>
               <a:t>2019/10/15</a:t>
             </a:r>
             <a:endParaRPr kumimoji="1" lang="ja-JP" altLang="en-US" sz="4000" dirty="0"/>
           </a:p>
         </p:txBody>
       </p:sp>
+      <p:sp>
+        <p:nvSpPr>
+          <p:cNvPr id="8" name="テキスト ボックス 7">
+            <a:extLst>
+              <a:ext uri="{FF2B5EF4-FFF2-40B4-BE49-F238E27FC236}">
+                <a16:creationId xmlns:a16="http://schemas.microsoft.com/office/drawing/2014/main" id="{71D4ADEE-9E59-8A4A-88B8-D34187A71FF4}"/>
+              </a:ext>
+            </a:extLst>
+          </p:cNvPr>
+          <p:cNvSpPr txBox="1"/>
+          <p:nvPr/>
+        </p:nvSpPr>
+        <p:spPr>
+          <a:xfrm>
+            <a:off x="1043608" y="5949280"/>
+            <a:ext cx="2476960" cy="584775"/>
+          </a:xfrm>
+          <a:prstGeom prst="rect">
+            <a:avLst/>
+          </a:prstGeom>
+          <a:noFill/>
+        </p:spPr>
+        <p:txBody>
+          <a:bodyPr wrap="none" rtlCol="0">
+            <a:spAutoFit/>
+          </a:bodyPr>
+          <a:lstStyle/>
+          <a:p>
+            <a:r>
+              <a:rPr kumimoji="1" lang="en-US" altLang="ja-JP" sz="3200">
+                <a:solidFill>
+                  <a:srgbClr val="00B050"/>
+                </a:solidFill>
+              </a:rPr>
+              <a:t>#</a:t>
+            </a:r>
+            <a:r>
+              <a:rPr kumimoji="1" lang="ja-JP" altLang="en-US" sz="3200">
+                <a:solidFill>
+                  <a:srgbClr val="00B050"/>
+                </a:solidFill>
+              </a:rPr>
+              <a:t>プロ同演習</a:t>
+            </a:r>
+          </a:p>
+        </p:txBody>
+      </p:sp>
+      <p:pic>
+        <p:nvPicPr>
+          <p:cNvPr id="9" name="図 8">
+            <a:extLst>
+              <a:ext uri="{FF2B5EF4-FFF2-40B4-BE49-F238E27FC236}">
+                <a16:creationId xmlns:a16="http://schemas.microsoft.com/office/drawing/2014/main" id="{FB9F7F85-26CF-EB44-87B9-1825A2C5A76C}"/>
+              </a:ext>
+            </a:extLst>
+          </p:cNvPr>
+          <p:cNvPicPr>
+            <a:picLocks noChangeAspect="1"/>
+          </p:cNvPicPr>
+          <p:nvPr/>
+        </p:nvPicPr>
+        <p:blipFill>
+          <a:blip r:embed="rId2"/>
+          <a:stretch>
+            <a:fillRect/>
+          </a:stretch>
+        </p:blipFill>
+        <p:spPr>
+          <a:xfrm>
+            <a:off x="323528" y="5949280"/>
+            <a:ext cx="710444" cy="640978"/>
+          </a:xfrm>
+          <a:prstGeom prst="rect">
+            <a:avLst/>
+          </a:prstGeom>
+        </p:spPr>
+      </p:pic>
     </p:spTree>
     <p:extLst>
       <p:ext uri="{BB962C8B-B14F-4D97-AF65-F5344CB8AC3E}">
         <p14:creationId xmlns:p14="http://schemas.microsoft.com/office/powerpoint/2010/main" val="4079533921"/>
+      </p:ext>
+    </p:extLst>
+  </p:cSld>
+  <p:clrMapOvr>
+    <a:masterClrMapping/>
+  </p:clrMapOvr>
+</p:sld>
+</file>
+
+<file path=ppt/slides/slide10.xml><?xml version="1.0" encoding="utf-8"?>
+<p:sld xmlns:a="http://schemas.openxmlformats.org/drawingml/2006/main" xmlns:r="http://schemas.openxmlformats.org/officeDocument/2006/relationships" xmlns:p="http://schemas.openxmlformats.org/presentationml/2006/main">
+  <p:cSld>
+    <p:spTree>
+      <p:nvGrpSpPr>
+        <p:cNvPr id="1" name=""/>
+        <p:cNvGrpSpPr/>
+        <p:nvPr/>
+      </p:nvGrpSpPr>
+      <p:grpSpPr>
+        <a:xfrm>
+          <a:off x="0" y="0"/>
+          <a:ext cx="0" cy="0"/>
+          <a:chOff x="0" y="0"/>
+          <a:chExt cx="0" cy="0"/>
+        </a:xfrm>
+      </p:grpSpPr>
+      <p:sp>
+        <p:nvSpPr>
+          <p:cNvPr id="2" name="テキスト プレースホルダー 1">
+            <a:extLst>
+              <a:ext uri="{FF2B5EF4-FFF2-40B4-BE49-F238E27FC236}">
+                <a16:creationId xmlns:a16="http://schemas.microsoft.com/office/drawing/2014/main" id="{7677A4D3-13F3-4449-B23F-057D4C7A1336}"/>
+              </a:ext>
+            </a:extLst>
+          </p:cNvPr>
+          <p:cNvSpPr>
+            <a:spLocks noGrp="1"/>
+          </p:cNvSpPr>
+          <p:nvPr>
+            <p:ph type="body" sz="quarter" idx="10"/>
+          </p:nvPr>
+        </p:nvSpPr>
+        <p:spPr/>
+        <p:txBody>
+          <a:bodyPr/>
+          <a:lstStyle/>
+          <a:p>
+            <a:r>
+              <a:rPr kumimoji="1" lang="ja-JP" altLang="en-US"/>
+              <a:t>リストのコピー</a:t>
+            </a:r>
+          </a:p>
+        </p:txBody>
+      </p:sp>
+      <p:sp>
+        <p:nvSpPr>
+          <p:cNvPr id="3" name="正方形/長方形 2">
+            <a:extLst>
+              <a:ext uri="{FF2B5EF4-FFF2-40B4-BE49-F238E27FC236}">
+                <a16:creationId xmlns:a16="http://schemas.microsoft.com/office/drawing/2014/main" id="{0B75CDE2-0B67-7541-9E90-5FA42149D0D3}"/>
+              </a:ext>
+            </a:extLst>
+          </p:cNvPr>
+          <p:cNvSpPr/>
+          <p:nvPr/>
+        </p:nvSpPr>
+        <p:spPr>
+          <a:xfrm>
+            <a:off x="1763688" y="2492896"/>
+            <a:ext cx="1440160" cy="360040"/>
+          </a:xfrm>
+          <a:prstGeom prst="rect">
+            <a:avLst/>
+          </a:prstGeom>
+          <a:noFill/>
+          <a:ln>
+            <a:solidFill>
+              <a:schemeClr val="tx1"/>
+            </a:solidFill>
+          </a:ln>
+        </p:spPr>
+        <p:style>
+          <a:lnRef idx="2">
+            <a:schemeClr val="accent1">
+              <a:shade val="50000"/>
+            </a:schemeClr>
+          </a:lnRef>
+          <a:fillRef idx="1">
+            <a:schemeClr val="accent1"/>
+          </a:fillRef>
+          <a:effectRef idx="0">
+            <a:schemeClr val="accent1"/>
+          </a:effectRef>
+          <a:fontRef idx="minor">
+            <a:schemeClr val="lt1"/>
+          </a:fontRef>
+        </p:style>
+        <p:txBody>
+          <a:bodyPr rtlCol="0" anchor="ctr"/>
+          <a:lstStyle/>
+          <a:p>
+            <a:pPr algn="ctr"/>
+            <a:r>
+              <a:rPr kumimoji="1" lang="en-US" altLang="ja-JP">
+                <a:solidFill>
+                  <a:schemeClr val="tx1"/>
+                </a:solidFill>
+              </a:rPr>
+              <a:t>3</a:t>
+            </a:r>
+            <a:endParaRPr kumimoji="1" lang="ja-JP" altLang="en-US">
+              <a:solidFill>
+                <a:schemeClr val="tx1"/>
+              </a:solidFill>
+            </a:endParaRPr>
+          </a:p>
+        </p:txBody>
+      </p:sp>
+      <p:sp>
+        <p:nvSpPr>
+          <p:cNvPr id="4" name="正方形/長方形 3">
+            <a:extLst>
+              <a:ext uri="{FF2B5EF4-FFF2-40B4-BE49-F238E27FC236}">
+                <a16:creationId xmlns:a16="http://schemas.microsoft.com/office/drawing/2014/main" id="{6C6A4930-D427-D243-8260-A8AB920B30A5}"/>
+              </a:ext>
+            </a:extLst>
+          </p:cNvPr>
+          <p:cNvSpPr/>
+          <p:nvPr/>
+        </p:nvSpPr>
+        <p:spPr>
+          <a:xfrm>
+            <a:off x="1763688" y="2852936"/>
+            <a:ext cx="1440160" cy="360040"/>
+          </a:xfrm>
+          <a:prstGeom prst="rect">
+            <a:avLst/>
+          </a:prstGeom>
+          <a:noFill/>
+          <a:ln>
+            <a:solidFill>
+              <a:schemeClr val="tx1"/>
+            </a:solidFill>
+          </a:ln>
+        </p:spPr>
+        <p:style>
+          <a:lnRef idx="2">
+            <a:schemeClr val="accent1">
+              <a:shade val="50000"/>
+            </a:schemeClr>
+          </a:lnRef>
+          <a:fillRef idx="1">
+            <a:schemeClr val="accent1"/>
+          </a:fillRef>
+          <a:effectRef idx="0">
+            <a:schemeClr val="accent1"/>
+          </a:effectRef>
+          <a:fontRef idx="minor">
+            <a:schemeClr val="lt1"/>
+          </a:fontRef>
+        </p:style>
+        <p:txBody>
+          <a:bodyPr rtlCol="0" anchor="ctr"/>
+          <a:lstStyle/>
+          <a:p>
+            <a:pPr algn="ctr"/>
+            <a:r>
+              <a:rPr kumimoji="1" lang="en-US" altLang="ja-JP" sz="1600">
+                <a:solidFill>
+                  <a:schemeClr val="tx1"/>
+                </a:solidFill>
+              </a:rPr>
+              <a:t>0</a:t>
+            </a:r>
+            <a:r>
+              <a:rPr kumimoji="1" lang="ja-JP" altLang="en-US" sz="1600">
+                <a:solidFill>
+                  <a:schemeClr val="tx1"/>
+                </a:solidFill>
+              </a:rPr>
+              <a:t>番地を見よ</a:t>
+            </a:r>
+          </a:p>
+        </p:txBody>
+      </p:sp>
+      <p:sp>
+        <p:nvSpPr>
+          <p:cNvPr id="5" name="正方形/長方形 4">
+            <a:extLst>
+              <a:ext uri="{FF2B5EF4-FFF2-40B4-BE49-F238E27FC236}">
+                <a16:creationId xmlns:a16="http://schemas.microsoft.com/office/drawing/2014/main" id="{510B51A4-FFCE-5C4A-8EEF-064BED302C54}"/>
+              </a:ext>
+            </a:extLst>
+          </p:cNvPr>
+          <p:cNvSpPr/>
+          <p:nvPr/>
+        </p:nvSpPr>
+        <p:spPr>
+          <a:xfrm>
+            <a:off x="1763688" y="3212976"/>
+            <a:ext cx="1440160" cy="360040"/>
+          </a:xfrm>
+          <a:prstGeom prst="rect">
+            <a:avLst/>
+          </a:prstGeom>
+          <a:noFill/>
+          <a:ln>
+            <a:solidFill>
+              <a:schemeClr val="tx1"/>
+            </a:solidFill>
+          </a:ln>
+        </p:spPr>
+        <p:style>
+          <a:lnRef idx="2">
+            <a:schemeClr val="accent1">
+              <a:shade val="50000"/>
+            </a:schemeClr>
+          </a:lnRef>
+          <a:fillRef idx="1">
+            <a:schemeClr val="accent1"/>
+          </a:fillRef>
+          <a:effectRef idx="0">
+            <a:schemeClr val="accent1"/>
+          </a:effectRef>
+          <a:fontRef idx="minor">
+            <a:schemeClr val="lt1"/>
+          </a:fontRef>
+        </p:style>
+        <p:txBody>
+          <a:bodyPr rtlCol="0" anchor="ctr"/>
+          <a:lstStyle/>
+          <a:p>
+            <a:pPr algn="ctr"/>
+            <a:r>
+              <a:rPr lang="en-US" altLang="ja-JP" sz="1600">
+                <a:solidFill>
+                  <a:srgbClr val="FF0000"/>
+                </a:solidFill>
+              </a:rPr>
+              <a:t>0</a:t>
+            </a:r>
+            <a:r>
+              <a:rPr lang="ja-JP" altLang="en-US" sz="1600">
+                <a:solidFill>
+                  <a:srgbClr val="FF0000"/>
+                </a:solidFill>
+              </a:rPr>
+              <a:t>番地を見よ</a:t>
+            </a:r>
+          </a:p>
+        </p:txBody>
+      </p:sp>
+      <p:sp>
+        <p:nvSpPr>
+          <p:cNvPr id="7" name="正方形/長方形 6">
+            <a:extLst>
+              <a:ext uri="{FF2B5EF4-FFF2-40B4-BE49-F238E27FC236}">
+                <a16:creationId xmlns:a16="http://schemas.microsoft.com/office/drawing/2014/main" id="{04D2DB0D-43E1-0C4B-8708-41271258CA7B}"/>
+              </a:ext>
+            </a:extLst>
+          </p:cNvPr>
+          <p:cNvSpPr/>
+          <p:nvPr/>
+        </p:nvSpPr>
+        <p:spPr>
+          <a:xfrm>
+            <a:off x="1763688" y="1772816"/>
+            <a:ext cx="1440160" cy="360040"/>
+          </a:xfrm>
+          <a:prstGeom prst="rect">
+            <a:avLst/>
+          </a:prstGeom>
+          <a:noFill/>
+          <a:ln>
+            <a:solidFill>
+              <a:schemeClr val="tx1"/>
+            </a:solidFill>
+          </a:ln>
+        </p:spPr>
+        <p:style>
+          <a:lnRef idx="2">
+            <a:schemeClr val="accent1">
+              <a:shade val="50000"/>
+            </a:schemeClr>
+          </a:lnRef>
+          <a:fillRef idx="1">
+            <a:schemeClr val="accent1"/>
+          </a:fillRef>
+          <a:effectRef idx="0">
+            <a:schemeClr val="accent1"/>
+          </a:effectRef>
+          <a:fontRef idx="minor">
+            <a:schemeClr val="lt1"/>
+          </a:fontRef>
+        </p:style>
+        <p:txBody>
+          <a:bodyPr rtlCol="0" anchor="ctr"/>
+          <a:lstStyle/>
+          <a:p>
+            <a:pPr algn="ctr"/>
+            <a:r>
+              <a:rPr kumimoji="1" lang="en-US" altLang="ja-JP">
+                <a:solidFill>
+                  <a:schemeClr val="tx1"/>
+                </a:solidFill>
+              </a:rPr>
+              <a:t>1</a:t>
+            </a:r>
+            <a:endParaRPr kumimoji="1" lang="ja-JP" altLang="en-US">
+              <a:solidFill>
+                <a:schemeClr val="tx1"/>
+              </a:solidFill>
+            </a:endParaRPr>
+          </a:p>
+        </p:txBody>
+      </p:sp>
+      <p:sp>
+        <p:nvSpPr>
+          <p:cNvPr id="8" name="正方形/長方形 7">
+            <a:extLst>
+              <a:ext uri="{FF2B5EF4-FFF2-40B4-BE49-F238E27FC236}">
+                <a16:creationId xmlns:a16="http://schemas.microsoft.com/office/drawing/2014/main" id="{6E10F623-2838-844D-BBE2-6814ADCEAC4D}"/>
+              </a:ext>
+            </a:extLst>
+          </p:cNvPr>
+          <p:cNvSpPr/>
+          <p:nvPr/>
+        </p:nvSpPr>
+        <p:spPr>
+          <a:xfrm>
+            <a:off x="1763688" y="2132856"/>
+            <a:ext cx="1440160" cy="360040"/>
+          </a:xfrm>
+          <a:prstGeom prst="rect">
+            <a:avLst/>
+          </a:prstGeom>
+          <a:noFill/>
+          <a:ln>
+            <a:solidFill>
+              <a:schemeClr val="tx1"/>
+            </a:solidFill>
+          </a:ln>
+        </p:spPr>
+        <p:style>
+          <a:lnRef idx="2">
+            <a:schemeClr val="accent1">
+              <a:shade val="50000"/>
+            </a:schemeClr>
+          </a:lnRef>
+          <a:fillRef idx="1">
+            <a:schemeClr val="accent1"/>
+          </a:fillRef>
+          <a:effectRef idx="0">
+            <a:schemeClr val="accent1"/>
+          </a:effectRef>
+          <a:fontRef idx="minor">
+            <a:schemeClr val="lt1"/>
+          </a:fontRef>
+        </p:style>
+        <p:txBody>
+          <a:bodyPr rtlCol="0" anchor="ctr"/>
+          <a:lstStyle/>
+          <a:p>
+            <a:pPr algn="ctr"/>
+            <a:r>
+              <a:rPr kumimoji="1" lang="en-US" altLang="ja-JP">
+                <a:solidFill>
+                  <a:schemeClr val="tx1"/>
+                </a:solidFill>
+              </a:rPr>
+              <a:t>2</a:t>
+            </a:r>
+            <a:endParaRPr kumimoji="1" lang="ja-JP" altLang="en-US">
+              <a:solidFill>
+                <a:schemeClr val="tx1"/>
+              </a:solidFill>
+            </a:endParaRPr>
+          </a:p>
+        </p:txBody>
+      </p:sp>
+      <p:sp>
+        <p:nvSpPr>
+          <p:cNvPr id="9" name="正方形/長方形 8">
+            <a:extLst>
+              <a:ext uri="{FF2B5EF4-FFF2-40B4-BE49-F238E27FC236}">
+                <a16:creationId xmlns:a16="http://schemas.microsoft.com/office/drawing/2014/main" id="{920C1EB2-5EB5-D344-B006-D946BE136001}"/>
+              </a:ext>
+            </a:extLst>
+          </p:cNvPr>
+          <p:cNvSpPr/>
+          <p:nvPr/>
+        </p:nvSpPr>
+        <p:spPr>
+          <a:xfrm>
+            <a:off x="1763688" y="1772816"/>
+            <a:ext cx="1440160" cy="1080120"/>
+          </a:xfrm>
+          <a:prstGeom prst="rect">
+            <a:avLst/>
+          </a:prstGeom>
+          <a:noFill/>
+          <a:ln w="28575">
+            <a:solidFill>
+              <a:srgbClr val="FF0000"/>
+            </a:solidFill>
+          </a:ln>
+        </p:spPr>
+        <p:style>
+          <a:lnRef idx="2">
+            <a:schemeClr val="accent1">
+              <a:shade val="50000"/>
+            </a:schemeClr>
+          </a:lnRef>
+          <a:fillRef idx="1">
+            <a:schemeClr val="accent1"/>
+          </a:fillRef>
+          <a:effectRef idx="0">
+            <a:schemeClr val="accent1"/>
+          </a:effectRef>
+          <a:fontRef idx="minor">
+            <a:schemeClr val="lt1"/>
+          </a:fontRef>
+        </p:style>
+        <p:txBody>
+          <a:bodyPr rtlCol="0" anchor="ctr"/>
+          <a:lstStyle/>
+          <a:p>
+            <a:pPr algn="ctr"/>
+            <a:endParaRPr kumimoji="1" lang="ja-JP" altLang="en-US"/>
+          </a:p>
+        </p:txBody>
+      </p:sp>
+      <p:sp>
+        <p:nvSpPr>
+          <p:cNvPr id="10" name="1 つの角を切り取った四角形 9">
+            <a:extLst>
+              <a:ext uri="{FF2B5EF4-FFF2-40B4-BE49-F238E27FC236}">
+                <a16:creationId xmlns:a16="http://schemas.microsoft.com/office/drawing/2014/main" id="{C3CBD8D6-643D-C24F-9C2F-5F9D40A2656C}"/>
+              </a:ext>
+            </a:extLst>
+          </p:cNvPr>
+          <p:cNvSpPr/>
+          <p:nvPr/>
+        </p:nvSpPr>
+        <p:spPr>
+          <a:xfrm>
+            <a:off x="539552" y="2924944"/>
+            <a:ext cx="864096" cy="288032"/>
+          </a:xfrm>
+          <a:prstGeom prst="snip1Rect">
+            <a:avLst/>
+          </a:prstGeom>
+          <a:noFill/>
+          <a:ln>
+            <a:solidFill>
+              <a:schemeClr val="tx1"/>
+            </a:solidFill>
+          </a:ln>
+        </p:spPr>
+        <p:style>
+          <a:lnRef idx="2">
+            <a:schemeClr val="accent1">
+              <a:shade val="50000"/>
+            </a:schemeClr>
+          </a:lnRef>
+          <a:fillRef idx="1">
+            <a:schemeClr val="accent1"/>
+          </a:fillRef>
+          <a:effectRef idx="0">
+            <a:schemeClr val="accent1"/>
+          </a:effectRef>
+          <a:fontRef idx="minor">
+            <a:schemeClr val="lt1"/>
+          </a:fontRef>
+        </p:style>
+        <p:txBody>
+          <a:bodyPr rtlCol="0" anchor="ctr"/>
+          <a:lstStyle/>
+          <a:p>
+            <a:pPr algn="ctr"/>
+            <a:r>
+              <a:rPr kumimoji="1" lang="en-US" altLang="ja-JP" sz="2000">
+                <a:solidFill>
+                  <a:schemeClr val="tx1"/>
+                </a:solidFill>
+              </a:rPr>
+              <a:t>a</a:t>
+            </a:r>
+            <a:endParaRPr kumimoji="1" lang="ja-JP" altLang="en-US" sz="2000">
+              <a:solidFill>
+                <a:schemeClr val="tx1"/>
+              </a:solidFill>
+            </a:endParaRPr>
+          </a:p>
+        </p:txBody>
+      </p:sp>
+      <p:cxnSp>
+        <p:nvCxnSpPr>
+          <p:cNvPr id="11" name="直線矢印コネクタ 10">
+            <a:extLst>
+              <a:ext uri="{FF2B5EF4-FFF2-40B4-BE49-F238E27FC236}">
+                <a16:creationId xmlns:a16="http://schemas.microsoft.com/office/drawing/2014/main" id="{14AF33FA-CAAE-6D42-A505-B1CF2EEBBD84}"/>
+              </a:ext>
+            </a:extLst>
+          </p:cNvPr>
+          <p:cNvCxnSpPr>
+            <a:stCxn id="10" idx="0"/>
+          </p:cNvCxnSpPr>
+          <p:nvPr/>
+        </p:nvCxnSpPr>
+        <p:spPr>
+          <a:xfrm>
+            <a:off x="1403648" y="3068960"/>
+            <a:ext cx="288032" cy="0"/>
+          </a:xfrm>
+          <a:prstGeom prst="straightConnector1">
+            <a:avLst/>
+          </a:prstGeom>
+          <a:ln w="12700">
+            <a:solidFill>
+              <a:schemeClr val="tx1"/>
+            </a:solidFill>
+            <a:tailEnd type="triangle"/>
+          </a:ln>
+        </p:spPr>
+        <p:style>
+          <a:lnRef idx="1">
+            <a:schemeClr val="accent1"/>
+          </a:lnRef>
+          <a:fillRef idx="0">
+            <a:schemeClr val="accent1"/>
+          </a:fillRef>
+          <a:effectRef idx="0">
+            <a:schemeClr val="accent1"/>
+          </a:effectRef>
+          <a:fontRef idx="minor">
+            <a:schemeClr val="tx1"/>
+          </a:fontRef>
+        </p:style>
+      </p:cxnSp>
+      <p:cxnSp>
+        <p:nvCxnSpPr>
+          <p:cNvPr id="12" name="カギ線コネクタ 11">
+            <a:extLst>
+              <a:ext uri="{FF2B5EF4-FFF2-40B4-BE49-F238E27FC236}">
+                <a16:creationId xmlns:a16="http://schemas.microsoft.com/office/drawing/2014/main" id="{0166B2CD-538A-CE4C-9867-B555A5C17D91}"/>
+              </a:ext>
+            </a:extLst>
+          </p:cNvPr>
+          <p:cNvCxnSpPr>
+            <a:cxnSpLocks/>
+            <a:stCxn id="4" idx="3"/>
+            <a:endCxn id="7" idx="3"/>
+          </p:cNvCxnSpPr>
+          <p:nvPr/>
+        </p:nvCxnSpPr>
+        <p:spPr>
+          <a:xfrm flipV="1">
+            <a:off x="3203848" y="1952836"/>
+            <a:ext cx="12700" cy="1080120"/>
+          </a:xfrm>
+          <a:prstGeom prst="bentConnector3">
+            <a:avLst>
+              <a:gd name="adj1" fmla="val 1800000"/>
+            </a:avLst>
+          </a:prstGeom>
+          <a:ln w="28575">
+            <a:solidFill>
+              <a:srgbClr val="FF0000"/>
+            </a:solidFill>
+            <a:tailEnd type="triangle"/>
+          </a:ln>
+        </p:spPr>
+        <p:style>
+          <a:lnRef idx="1">
+            <a:schemeClr val="accent1"/>
+          </a:lnRef>
+          <a:fillRef idx="0">
+            <a:schemeClr val="accent1"/>
+          </a:fillRef>
+          <a:effectRef idx="0">
+            <a:schemeClr val="accent1"/>
+          </a:effectRef>
+          <a:fontRef idx="minor">
+            <a:schemeClr val="tx1"/>
+          </a:fontRef>
+        </p:style>
+      </p:cxnSp>
+      <p:sp>
+        <p:nvSpPr>
+          <p:cNvPr id="13" name="正方形/長方形 12">
+            <a:extLst>
+              <a:ext uri="{FF2B5EF4-FFF2-40B4-BE49-F238E27FC236}">
+                <a16:creationId xmlns:a16="http://schemas.microsoft.com/office/drawing/2014/main" id="{ECAE01AE-4FF8-654A-9107-AD2B8274040B}"/>
+              </a:ext>
+            </a:extLst>
+          </p:cNvPr>
+          <p:cNvSpPr/>
+          <p:nvPr/>
+        </p:nvSpPr>
+        <p:spPr>
+          <a:xfrm>
+            <a:off x="1907704" y="908720"/>
+            <a:ext cx="881973" cy="369332"/>
+          </a:xfrm>
+          <a:prstGeom prst="rect">
+            <a:avLst/>
+          </a:prstGeom>
+          <a:solidFill>
+            <a:schemeClr val="tx1"/>
+          </a:solidFill>
+        </p:spPr>
+        <p:txBody>
+          <a:bodyPr wrap="square">
+            <a:spAutoFit/>
+          </a:bodyPr>
+          <a:lstStyle/>
+          <a:p>
+            <a:r>
+              <a:rPr lang="en" altLang="ja-JP" b="0">
+                <a:solidFill>
+                  <a:srgbClr val="D4D4D4"/>
+                </a:solidFill>
+                <a:effectLst/>
+                <a:latin typeface="Menlo" panose="020B0609030804020204" pitchFamily="49" charset="0"/>
+              </a:rPr>
+              <a:t>b = a</a:t>
+            </a:r>
+          </a:p>
+        </p:txBody>
+      </p:sp>
+      <p:sp>
+        <p:nvSpPr>
+          <p:cNvPr id="14" name="テキスト ボックス 13">
+            <a:extLst>
+              <a:ext uri="{FF2B5EF4-FFF2-40B4-BE49-F238E27FC236}">
+                <a16:creationId xmlns:a16="http://schemas.microsoft.com/office/drawing/2014/main" id="{87B20D84-B298-3A4D-A1B1-1FEBF44B66DB}"/>
+              </a:ext>
+            </a:extLst>
+          </p:cNvPr>
+          <p:cNvSpPr txBox="1"/>
+          <p:nvPr/>
+        </p:nvSpPr>
+        <p:spPr>
+          <a:xfrm>
+            <a:off x="1259632" y="1412776"/>
+            <a:ext cx="2448272" cy="307777"/>
+          </a:xfrm>
+          <a:prstGeom prst="rect">
+            <a:avLst/>
+          </a:prstGeom>
+          <a:noFill/>
+        </p:spPr>
+        <p:txBody>
+          <a:bodyPr wrap="square" rtlCol="0">
+            <a:spAutoFit/>
+          </a:bodyPr>
+          <a:lstStyle/>
+          <a:p>
+            <a:r>
+              <a:rPr lang="en-US" altLang="ja-JP" sz="1400"/>
+              <a:t>a</a:t>
+            </a:r>
+            <a:r>
+              <a:rPr lang="ja-JP" altLang="en-US" sz="1400"/>
+              <a:t>の指す内容がコピーされる</a:t>
+            </a:r>
+            <a:endParaRPr kumimoji="1" lang="ja-JP" altLang="en-US" sz="1400"/>
+          </a:p>
+        </p:txBody>
+      </p:sp>
+      <p:sp>
+        <p:nvSpPr>
+          <p:cNvPr id="15" name="1 つの角を切り取った四角形 14">
+            <a:extLst>
+              <a:ext uri="{FF2B5EF4-FFF2-40B4-BE49-F238E27FC236}">
+                <a16:creationId xmlns:a16="http://schemas.microsoft.com/office/drawing/2014/main" id="{C0232879-556C-6047-A219-DBDA4BF6C026}"/>
+              </a:ext>
+            </a:extLst>
+          </p:cNvPr>
+          <p:cNvSpPr/>
+          <p:nvPr/>
+        </p:nvSpPr>
+        <p:spPr>
+          <a:xfrm>
+            <a:off x="539552" y="3284984"/>
+            <a:ext cx="864096" cy="288032"/>
+          </a:xfrm>
+          <a:prstGeom prst="snip1Rect">
+            <a:avLst/>
+          </a:prstGeom>
+          <a:noFill/>
+          <a:ln>
+            <a:solidFill>
+              <a:schemeClr val="tx1"/>
+            </a:solidFill>
+          </a:ln>
+        </p:spPr>
+        <p:style>
+          <a:lnRef idx="2">
+            <a:schemeClr val="accent1">
+              <a:shade val="50000"/>
+            </a:schemeClr>
+          </a:lnRef>
+          <a:fillRef idx="1">
+            <a:schemeClr val="accent1"/>
+          </a:fillRef>
+          <a:effectRef idx="0">
+            <a:schemeClr val="accent1"/>
+          </a:effectRef>
+          <a:fontRef idx="minor">
+            <a:schemeClr val="lt1"/>
+          </a:fontRef>
+        </p:style>
+        <p:txBody>
+          <a:bodyPr rtlCol="0" anchor="ctr"/>
+          <a:lstStyle/>
+          <a:p>
+            <a:pPr algn="ctr"/>
+            <a:r>
+              <a:rPr kumimoji="1" lang="en-US" altLang="ja-JP" sz="2000">
+                <a:solidFill>
+                  <a:schemeClr val="tx1"/>
+                </a:solidFill>
+              </a:rPr>
+              <a:t>b</a:t>
+            </a:r>
+            <a:endParaRPr kumimoji="1" lang="ja-JP" altLang="en-US" sz="2000">
+              <a:solidFill>
+                <a:schemeClr val="tx1"/>
+              </a:solidFill>
+            </a:endParaRPr>
+          </a:p>
+        </p:txBody>
+      </p:sp>
+      <p:cxnSp>
+        <p:nvCxnSpPr>
+          <p:cNvPr id="16" name="直線矢印コネクタ 15">
+            <a:extLst>
+              <a:ext uri="{FF2B5EF4-FFF2-40B4-BE49-F238E27FC236}">
+                <a16:creationId xmlns:a16="http://schemas.microsoft.com/office/drawing/2014/main" id="{D2808D7F-AFCA-3841-8233-4493596A1C4A}"/>
+              </a:ext>
+            </a:extLst>
+          </p:cNvPr>
+          <p:cNvCxnSpPr>
+            <a:stCxn id="15" idx="0"/>
+          </p:cNvCxnSpPr>
+          <p:nvPr/>
+        </p:nvCxnSpPr>
+        <p:spPr>
+          <a:xfrm>
+            <a:off x="1403648" y="3429000"/>
+            <a:ext cx="288032" cy="0"/>
+          </a:xfrm>
+          <a:prstGeom prst="straightConnector1">
+            <a:avLst/>
+          </a:prstGeom>
+          <a:ln w="12700">
+            <a:solidFill>
+              <a:schemeClr val="tx1"/>
+            </a:solidFill>
+            <a:tailEnd type="triangle"/>
+          </a:ln>
+        </p:spPr>
+        <p:style>
+          <a:lnRef idx="1">
+            <a:schemeClr val="accent1"/>
+          </a:lnRef>
+          <a:fillRef idx="0">
+            <a:schemeClr val="accent1"/>
+          </a:fillRef>
+          <a:effectRef idx="0">
+            <a:schemeClr val="accent1"/>
+          </a:effectRef>
+          <a:fontRef idx="minor">
+            <a:schemeClr val="tx1"/>
+          </a:fontRef>
+        </p:style>
+      </p:cxnSp>
+      <p:cxnSp>
+        <p:nvCxnSpPr>
+          <p:cNvPr id="17" name="カギ線コネクタ 16">
+            <a:extLst>
+              <a:ext uri="{FF2B5EF4-FFF2-40B4-BE49-F238E27FC236}">
+                <a16:creationId xmlns:a16="http://schemas.microsoft.com/office/drawing/2014/main" id="{AC0679E8-2514-344A-97D3-779D72FDAA02}"/>
+              </a:ext>
+            </a:extLst>
+          </p:cNvPr>
+          <p:cNvCxnSpPr>
+            <a:cxnSpLocks/>
+          </p:cNvCxnSpPr>
+          <p:nvPr/>
+        </p:nvCxnSpPr>
+        <p:spPr>
+          <a:xfrm flipV="1">
+            <a:off x="3275856" y="1916832"/>
+            <a:ext cx="12700" cy="1476164"/>
+          </a:xfrm>
+          <a:prstGeom prst="bentConnector4">
+            <a:avLst>
+              <a:gd name="adj1" fmla="val 3560000"/>
+              <a:gd name="adj2" fmla="val 100147"/>
+            </a:avLst>
+          </a:prstGeom>
+          <a:ln w="28575">
+            <a:solidFill>
+              <a:srgbClr val="FF0000"/>
+            </a:solidFill>
+            <a:tailEnd type="triangle"/>
+          </a:ln>
+        </p:spPr>
+        <p:style>
+          <a:lnRef idx="1">
+            <a:schemeClr val="accent1"/>
+          </a:lnRef>
+          <a:fillRef idx="0">
+            <a:schemeClr val="accent1"/>
+          </a:fillRef>
+          <a:effectRef idx="0">
+            <a:schemeClr val="accent1"/>
+          </a:effectRef>
+          <a:fontRef idx="minor">
+            <a:schemeClr val="tx1"/>
+          </a:fontRef>
+        </p:style>
+      </p:cxnSp>
+      <p:sp>
+        <p:nvSpPr>
+          <p:cNvPr id="18" name="正方形/長方形 17">
+            <a:extLst>
+              <a:ext uri="{FF2B5EF4-FFF2-40B4-BE49-F238E27FC236}">
+                <a16:creationId xmlns:a16="http://schemas.microsoft.com/office/drawing/2014/main" id="{32FBAA8F-31CE-CA44-95C6-D79056FFF08E}"/>
+              </a:ext>
+            </a:extLst>
+          </p:cNvPr>
+          <p:cNvSpPr/>
+          <p:nvPr/>
+        </p:nvSpPr>
+        <p:spPr>
+          <a:xfrm>
+            <a:off x="6084168" y="908720"/>
+            <a:ext cx="1300356" cy="369332"/>
+          </a:xfrm>
+          <a:prstGeom prst="rect">
+            <a:avLst/>
+          </a:prstGeom>
+          <a:solidFill>
+            <a:schemeClr val="tx1"/>
+          </a:solidFill>
+        </p:spPr>
+        <p:txBody>
+          <a:bodyPr wrap="square">
+            <a:spAutoFit/>
+          </a:bodyPr>
+          <a:lstStyle/>
+          <a:p>
+            <a:r>
+              <a:rPr lang="en" altLang="ja-JP" b="0">
+                <a:solidFill>
+                  <a:srgbClr val="D4D4D4"/>
+                </a:solidFill>
+                <a:effectLst/>
+                <a:latin typeface="Menlo" panose="020B0609030804020204" pitchFamily="49" charset="0"/>
+              </a:rPr>
+              <a:t>b[1] = 4</a:t>
+            </a:r>
+          </a:p>
+        </p:txBody>
+      </p:sp>
+      <p:sp>
+        <p:nvSpPr>
+          <p:cNvPr id="19" name="正方形/長方形 18">
+            <a:extLst>
+              <a:ext uri="{FF2B5EF4-FFF2-40B4-BE49-F238E27FC236}">
+                <a16:creationId xmlns:a16="http://schemas.microsoft.com/office/drawing/2014/main" id="{57F353C8-37EC-694F-A8FB-1E0B1792AA5B}"/>
+              </a:ext>
+            </a:extLst>
+          </p:cNvPr>
+          <p:cNvSpPr/>
+          <p:nvPr/>
+        </p:nvSpPr>
+        <p:spPr>
+          <a:xfrm>
+            <a:off x="6300192" y="2492896"/>
+            <a:ext cx="1440160" cy="360040"/>
+          </a:xfrm>
+          <a:prstGeom prst="rect">
+            <a:avLst/>
+          </a:prstGeom>
+          <a:noFill/>
+          <a:ln>
+            <a:solidFill>
+              <a:schemeClr val="tx1"/>
+            </a:solidFill>
+          </a:ln>
+        </p:spPr>
+        <p:style>
+          <a:lnRef idx="2">
+            <a:schemeClr val="accent1">
+              <a:shade val="50000"/>
+            </a:schemeClr>
+          </a:lnRef>
+          <a:fillRef idx="1">
+            <a:schemeClr val="accent1"/>
+          </a:fillRef>
+          <a:effectRef idx="0">
+            <a:schemeClr val="accent1"/>
+          </a:effectRef>
+          <a:fontRef idx="minor">
+            <a:schemeClr val="lt1"/>
+          </a:fontRef>
+        </p:style>
+        <p:txBody>
+          <a:bodyPr rtlCol="0" anchor="ctr"/>
+          <a:lstStyle/>
+          <a:p>
+            <a:pPr algn="ctr"/>
+            <a:r>
+              <a:rPr kumimoji="1" lang="en-US" altLang="ja-JP">
+                <a:solidFill>
+                  <a:schemeClr val="tx1"/>
+                </a:solidFill>
+              </a:rPr>
+              <a:t>3</a:t>
+            </a:r>
+            <a:endParaRPr kumimoji="1" lang="ja-JP" altLang="en-US">
+              <a:solidFill>
+                <a:schemeClr val="tx1"/>
+              </a:solidFill>
+            </a:endParaRPr>
+          </a:p>
+        </p:txBody>
+      </p:sp>
+      <p:sp>
+        <p:nvSpPr>
+          <p:cNvPr id="20" name="正方形/長方形 19">
+            <a:extLst>
+              <a:ext uri="{FF2B5EF4-FFF2-40B4-BE49-F238E27FC236}">
+                <a16:creationId xmlns:a16="http://schemas.microsoft.com/office/drawing/2014/main" id="{AA7FA353-F8A2-734A-8C6D-6EB10115607D}"/>
+              </a:ext>
+            </a:extLst>
+          </p:cNvPr>
+          <p:cNvSpPr/>
+          <p:nvPr/>
+        </p:nvSpPr>
+        <p:spPr>
+          <a:xfrm>
+            <a:off x="6300192" y="2852936"/>
+            <a:ext cx="1440160" cy="360040"/>
+          </a:xfrm>
+          <a:prstGeom prst="rect">
+            <a:avLst/>
+          </a:prstGeom>
+          <a:noFill/>
+          <a:ln>
+            <a:solidFill>
+              <a:schemeClr val="tx1"/>
+            </a:solidFill>
+          </a:ln>
+        </p:spPr>
+        <p:style>
+          <a:lnRef idx="2">
+            <a:schemeClr val="accent1">
+              <a:shade val="50000"/>
+            </a:schemeClr>
+          </a:lnRef>
+          <a:fillRef idx="1">
+            <a:schemeClr val="accent1"/>
+          </a:fillRef>
+          <a:effectRef idx="0">
+            <a:schemeClr val="accent1"/>
+          </a:effectRef>
+          <a:fontRef idx="minor">
+            <a:schemeClr val="lt1"/>
+          </a:fontRef>
+        </p:style>
+        <p:txBody>
+          <a:bodyPr rtlCol="0" anchor="ctr"/>
+          <a:lstStyle/>
+          <a:p>
+            <a:pPr algn="ctr"/>
+            <a:r>
+              <a:rPr kumimoji="1" lang="en-US" altLang="ja-JP" sz="1600">
+                <a:solidFill>
+                  <a:schemeClr val="tx1"/>
+                </a:solidFill>
+              </a:rPr>
+              <a:t>0</a:t>
+            </a:r>
+            <a:r>
+              <a:rPr kumimoji="1" lang="ja-JP" altLang="en-US" sz="1600">
+                <a:solidFill>
+                  <a:schemeClr val="tx1"/>
+                </a:solidFill>
+              </a:rPr>
+              <a:t>番地を見よ</a:t>
+            </a:r>
+          </a:p>
+        </p:txBody>
+      </p:sp>
+      <p:sp>
+        <p:nvSpPr>
+          <p:cNvPr id="21" name="正方形/長方形 20">
+            <a:extLst>
+              <a:ext uri="{FF2B5EF4-FFF2-40B4-BE49-F238E27FC236}">
+                <a16:creationId xmlns:a16="http://schemas.microsoft.com/office/drawing/2014/main" id="{3C95C70F-F3B9-3B41-8AF0-B6961A972ACA}"/>
+              </a:ext>
+            </a:extLst>
+          </p:cNvPr>
+          <p:cNvSpPr/>
+          <p:nvPr/>
+        </p:nvSpPr>
+        <p:spPr>
+          <a:xfrm>
+            <a:off x="6300192" y="3212976"/>
+            <a:ext cx="1440160" cy="360040"/>
+          </a:xfrm>
+          <a:prstGeom prst="rect">
+            <a:avLst/>
+          </a:prstGeom>
+          <a:noFill/>
+          <a:ln>
+            <a:solidFill>
+              <a:schemeClr val="tx1"/>
+            </a:solidFill>
+          </a:ln>
+        </p:spPr>
+        <p:style>
+          <a:lnRef idx="2">
+            <a:schemeClr val="accent1">
+              <a:shade val="50000"/>
+            </a:schemeClr>
+          </a:lnRef>
+          <a:fillRef idx="1">
+            <a:schemeClr val="accent1"/>
+          </a:fillRef>
+          <a:effectRef idx="0">
+            <a:schemeClr val="accent1"/>
+          </a:effectRef>
+          <a:fontRef idx="minor">
+            <a:schemeClr val="lt1"/>
+          </a:fontRef>
+        </p:style>
+        <p:txBody>
+          <a:bodyPr rtlCol="0" anchor="ctr"/>
+          <a:lstStyle/>
+          <a:p>
+            <a:pPr algn="ctr"/>
+            <a:r>
+              <a:rPr lang="en-US" altLang="ja-JP" sz="1600">
+                <a:solidFill>
+                  <a:schemeClr val="tx1"/>
+                </a:solidFill>
+              </a:rPr>
+              <a:t>0</a:t>
+            </a:r>
+            <a:r>
+              <a:rPr lang="ja-JP" altLang="en-US" sz="1600">
+                <a:solidFill>
+                  <a:schemeClr val="tx1"/>
+                </a:solidFill>
+              </a:rPr>
+              <a:t>番地を見よ</a:t>
+            </a:r>
+          </a:p>
+        </p:txBody>
+      </p:sp>
+      <p:sp>
+        <p:nvSpPr>
+          <p:cNvPr id="23" name="正方形/長方形 22">
+            <a:extLst>
+              <a:ext uri="{FF2B5EF4-FFF2-40B4-BE49-F238E27FC236}">
+                <a16:creationId xmlns:a16="http://schemas.microsoft.com/office/drawing/2014/main" id="{57412FDC-CC97-7641-A0A5-5EA1D05D3244}"/>
+              </a:ext>
+            </a:extLst>
+          </p:cNvPr>
+          <p:cNvSpPr/>
+          <p:nvPr/>
+        </p:nvSpPr>
+        <p:spPr>
+          <a:xfrm>
+            <a:off x="6300192" y="1772816"/>
+            <a:ext cx="1440160" cy="360040"/>
+          </a:xfrm>
+          <a:prstGeom prst="rect">
+            <a:avLst/>
+          </a:prstGeom>
+          <a:noFill/>
+          <a:ln>
+            <a:solidFill>
+              <a:schemeClr val="tx1"/>
+            </a:solidFill>
+          </a:ln>
+        </p:spPr>
+        <p:style>
+          <a:lnRef idx="2">
+            <a:schemeClr val="accent1">
+              <a:shade val="50000"/>
+            </a:schemeClr>
+          </a:lnRef>
+          <a:fillRef idx="1">
+            <a:schemeClr val="accent1"/>
+          </a:fillRef>
+          <a:effectRef idx="0">
+            <a:schemeClr val="accent1"/>
+          </a:effectRef>
+          <a:fontRef idx="minor">
+            <a:schemeClr val="lt1"/>
+          </a:fontRef>
+        </p:style>
+        <p:txBody>
+          <a:bodyPr rtlCol="0" anchor="ctr"/>
+          <a:lstStyle/>
+          <a:p>
+            <a:pPr algn="ctr"/>
+            <a:r>
+              <a:rPr kumimoji="1" lang="en-US" altLang="ja-JP">
+                <a:solidFill>
+                  <a:schemeClr val="tx1"/>
+                </a:solidFill>
+              </a:rPr>
+              <a:t>1</a:t>
+            </a:r>
+            <a:endParaRPr kumimoji="1" lang="ja-JP" altLang="en-US">
+              <a:solidFill>
+                <a:schemeClr val="tx1"/>
+              </a:solidFill>
+            </a:endParaRPr>
+          </a:p>
+        </p:txBody>
+      </p:sp>
+      <p:sp>
+        <p:nvSpPr>
+          <p:cNvPr id="24" name="正方形/長方形 23">
+            <a:extLst>
+              <a:ext uri="{FF2B5EF4-FFF2-40B4-BE49-F238E27FC236}">
+                <a16:creationId xmlns:a16="http://schemas.microsoft.com/office/drawing/2014/main" id="{836E56A2-9C93-FB46-8E09-23269F7FC21D}"/>
+              </a:ext>
+            </a:extLst>
+          </p:cNvPr>
+          <p:cNvSpPr/>
+          <p:nvPr/>
+        </p:nvSpPr>
+        <p:spPr>
+          <a:xfrm>
+            <a:off x="6300192" y="2132856"/>
+            <a:ext cx="1440160" cy="360040"/>
+          </a:xfrm>
+          <a:prstGeom prst="rect">
+            <a:avLst/>
+          </a:prstGeom>
+          <a:noFill/>
+          <a:ln>
+            <a:solidFill>
+              <a:schemeClr val="tx1"/>
+            </a:solidFill>
+          </a:ln>
+        </p:spPr>
+        <p:style>
+          <a:lnRef idx="2">
+            <a:schemeClr val="accent1">
+              <a:shade val="50000"/>
+            </a:schemeClr>
+          </a:lnRef>
+          <a:fillRef idx="1">
+            <a:schemeClr val="accent1"/>
+          </a:fillRef>
+          <a:effectRef idx="0">
+            <a:schemeClr val="accent1"/>
+          </a:effectRef>
+          <a:fontRef idx="minor">
+            <a:schemeClr val="lt1"/>
+          </a:fontRef>
+        </p:style>
+        <p:txBody>
+          <a:bodyPr rtlCol="0" anchor="ctr"/>
+          <a:lstStyle/>
+          <a:p>
+            <a:pPr algn="ctr"/>
+            <a:r>
+              <a:rPr kumimoji="1" lang="en-US" altLang="ja-JP">
+                <a:solidFill>
+                  <a:srgbClr val="FF0000"/>
+                </a:solidFill>
+              </a:rPr>
+              <a:t>4</a:t>
+            </a:r>
+            <a:endParaRPr kumimoji="1" lang="ja-JP" altLang="en-US">
+              <a:solidFill>
+                <a:srgbClr val="FF0000"/>
+              </a:solidFill>
+            </a:endParaRPr>
+          </a:p>
+        </p:txBody>
+      </p:sp>
+      <p:sp>
+        <p:nvSpPr>
+          <p:cNvPr id="25" name="正方形/長方形 24">
+            <a:extLst>
+              <a:ext uri="{FF2B5EF4-FFF2-40B4-BE49-F238E27FC236}">
+                <a16:creationId xmlns:a16="http://schemas.microsoft.com/office/drawing/2014/main" id="{3DCA0461-3F46-3A4F-9F24-C8D3753C6F83}"/>
+              </a:ext>
+            </a:extLst>
+          </p:cNvPr>
+          <p:cNvSpPr/>
+          <p:nvPr/>
+        </p:nvSpPr>
+        <p:spPr>
+          <a:xfrm>
+            <a:off x="6300192" y="1772816"/>
+            <a:ext cx="1440160" cy="1080120"/>
+          </a:xfrm>
+          <a:prstGeom prst="rect">
+            <a:avLst/>
+          </a:prstGeom>
+          <a:noFill/>
+          <a:ln w="28575">
+            <a:solidFill>
+              <a:srgbClr val="FF0000"/>
+            </a:solidFill>
+          </a:ln>
+        </p:spPr>
+        <p:style>
+          <a:lnRef idx="2">
+            <a:schemeClr val="accent1">
+              <a:shade val="50000"/>
+            </a:schemeClr>
+          </a:lnRef>
+          <a:fillRef idx="1">
+            <a:schemeClr val="accent1"/>
+          </a:fillRef>
+          <a:effectRef idx="0">
+            <a:schemeClr val="accent1"/>
+          </a:effectRef>
+          <a:fontRef idx="minor">
+            <a:schemeClr val="lt1"/>
+          </a:fontRef>
+        </p:style>
+        <p:txBody>
+          <a:bodyPr rtlCol="0" anchor="ctr"/>
+          <a:lstStyle/>
+          <a:p>
+            <a:pPr algn="ctr"/>
+            <a:endParaRPr kumimoji="1" lang="ja-JP" altLang="en-US"/>
+          </a:p>
+        </p:txBody>
+      </p:sp>
+      <p:sp>
+        <p:nvSpPr>
+          <p:cNvPr id="26" name="1 つの角を切り取った四角形 25">
+            <a:extLst>
+              <a:ext uri="{FF2B5EF4-FFF2-40B4-BE49-F238E27FC236}">
+                <a16:creationId xmlns:a16="http://schemas.microsoft.com/office/drawing/2014/main" id="{5A690153-86A2-7948-8E74-78F2E72DACC9}"/>
+              </a:ext>
+            </a:extLst>
+          </p:cNvPr>
+          <p:cNvSpPr/>
+          <p:nvPr/>
+        </p:nvSpPr>
+        <p:spPr>
+          <a:xfrm>
+            <a:off x="5076056" y="2924944"/>
+            <a:ext cx="864096" cy="288032"/>
+          </a:xfrm>
+          <a:prstGeom prst="snip1Rect">
+            <a:avLst/>
+          </a:prstGeom>
+          <a:noFill/>
+          <a:ln>
+            <a:solidFill>
+              <a:schemeClr val="tx1"/>
+            </a:solidFill>
+          </a:ln>
+        </p:spPr>
+        <p:style>
+          <a:lnRef idx="2">
+            <a:schemeClr val="accent1">
+              <a:shade val="50000"/>
+            </a:schemeClr>
+          </a:lnRef>
+          <a:fillRef idx="1">
+            <a:schemeClr val="accent1"/>
+          </a:fillRef>
+          <a:effectRef idx="0">
+            <a:schemeClr val="accent1"/>
+          </a:effectRef>
+          <a:fontRef idx="minor">
+            <a:schemeClr val="lt1"/>
+          </a:fontRef>
+        </p:style>
+        <p:txBody>
+          <a:bodyPr rtlCol="0" anchor="ctr"/>
+          <a:lstStyle/>
+          <a:p>
+            <a:pPr algn="ctr"/>
+            <a:r>
+              <a:rPr kumimoji="1" lang="en-US" altLang="ja-JP" sz="2000">
+                <a:solidFill>
+                  <a:schemeClr val="tx1"/>
+                </a:solidFill>
+              </a:rPr>
+              <a:t>a</a:t>
+            </a:r>
+            <a:endParaRPr kumimoji="1" lang="ja-JP" altLang="en-US" sz="2000">
+              <a:solidFill>
+                <a:schemeClr val="tx1"/>
+              </a:solidFill>
+            </a:endParaRPr>
+          </a:p>
+        </p:txBody>
+      </p:sp>
+      <p:cxnSp>
+        <p:nvCxnSpPr>
+          <p:cNvPr id="27" name="直線矢印コネクタ 26">
+            <a:extLst>
+              <a:ext uri="{FF2B5EF4-FFF2-40B4-BE49-F238E27FC236}">
+                <a16:creationId xmlns:a16="http://schemas.microsoft.com/office/drawing/2014/main" id="{D129D039-F995-3242-84D2-CA8F20964491}"/>
+              </a:ext>
+            </a:extLst>
+          </p:cNvPr>
+          <p:cNvCxnSpPr>
+            <a:cxnSpLocks/>
+            <a:stCxn id="26" idx="0"/>
+          </p:cNvCxnSpPr>
+          <p:nvPr/>
+        </p:nvCxnSpPr>
+        <p:spPr>
+          <a:xfrm>
+            <a:off x="5940152" y="3068960"/>
+            <a:ext cx="288032" cy="0"/>
+          </a:xfrm>
+          <a:prstGeom prst="straightConnector1">
+            <a:avLst/>
+          </a:prstGeom>
+          <a:ln w="12700">
+            <a:solidFill>
+              <a:schemeClr val="tx1"/>
+            </a:solidFill>
+            <a:tailEnd type="triangle"/>
+          </a:ln>
+        </p:spPr>
+        <p:style>
+          <a:lnRef idx="1">
+            <a:schemeClr val="accent1"/>
+          </a:lnRef>
+          <a:fillRef idx="0">
+            <a:schemeClr val="accent1"/>
+          </a:fillRef>
+          <a:effectRef idx="0">
+            <a:schemeClr val="accent1"/>
+          </a:effectRef>
+          <a:fontRef idx="minor">
+            <a:schemeClr val="tx1"/>
+          </a:fontRef>
+        </p:style>
+      </p:cxnSp>
+      <p:sp>
+        <p:nvSpPr>
+          <p:cNvPr id="28" name="1 つの角を切り取った四角形 27">
+            <a:extLst>
+              <a:ext uri="{FF2B5EF4-FFF2-40B4-BE49-F238E27FC236}">
+                <a16:creationId xmlns:a16="http://schemas.microsoft.com/office/drawing/2014/main" id="{D5E440BB-F24D-2846-90AA-789A413BAA44}"/>
+              </a:ext>
+            </a:extLst>
+          </p:cNvPr>
+          <p:cNvSpPr/>
+          <p:nvPr/>
+        </p:nvSpPr>
+        <p:spPr>
+          <a:xfrm>
+            <a:off x="5076056" y="3284984"/>
+            <a:ext cx="864096" cy="288032"/>
+          </a:xfrm>
+          <a:prstGeom prst="snip1Rect">
+            <a:avLst/>
+          </a:prstGeom>
+          <a:noFill/>
+          <a:ln>
+            <a:solidFill>
+              <a:schemeClr val="tx1"/>
+            </a:solidFill>
+          </a:ln>
+        </p:spPr>
+        <p:style>
+          <a:lnRef idx="2">
+            <a:schemeClr val="accent1">
+              <a:shade val="50000"/>
+            </a:schemeClr>
+          </a:lnRef>
+          <a:fillRef idx="1">
+            <a:schemeClr val="accent1"/>
+          </a:fillRef>
+          <a:effectRef idx="0">
+            <a:schemeClr val="accent1"/>
+          </a:effectRef>
+          <a:fontRef idx="minor">
+            <a:schemeClr val="lt1"/>
+          </a:fontRef>
+        </p:style>
+        <p:txBody>
+          <a:bodyPr rtlCol="0" anchor="ctr"/>
+          <a:lstStyle/>
+          <a:p>
+            <a:pPr algn="ctr"/>
+            <a:r>
+              <a:rPr kumimoji="1" lang="en-US" altLang="ja-JP" sz="2000">
+                <a:solidFill>
+                  <a:schemeClr val="tx1"/>
+                </a:solidFill>
+              </a:rPr>
+              <a:t>b</a:t>
+            </a:r>
+            <a:endParaRPr kumimoji="1" lang="ja-JP" altLang="en-US" sz="2000">
+              <a:solidFill>
+                <a:schemeClr val="tx1"/>
+              </a:solidFill>
+            </a:endParaRPr>
+          </a:p>
+        </p:txBody>
+      </p:sp>
+      <p:cxnSp>
+        <p:nvCxnSpPr>
+          <p:cNvPr id="29" name="直線矢印コネクタ 28">
+            <a:extLst>
+              <a:ext uri="{FF2B5EF4-FFF2-40B4-BE49-F238E27FC236}">
+                <a16:creationId xmlns:a16="http://schemas.microsoft.com/office/drawing/2014/main" id="{EF78A1CD-72A0-364C-A2BB-30F917DEA31E}"/>
+              </a:ext>
+            </a:extLst>
+          </p:cNvPr>
+          <p:cNvCxnSpPr>
+            <a:stCxn id="28" idx="0"/>
+          </p:cNvCxnSpPr>
+          <p:nvPr/>
+        </p:nvCxnSpPr>
+        <p:spPr>
+          <a:xfrm>
+            <a:off x="5940152" y="3429000"/>
+            <a:ext cx="288032" cy="0"/>
+          </a:xfrm>
+          <a:prstGeom prst="straightConnector1">
+            <a:avLst/>
+          </a:prstGeom>
+          <a:ln w="12700">
+            <a:solidFill>
+              <a:schemeClr val="tx1"/>
+            </a:solidFill>
+            <a:tailEnd type="triangle"/>
+          </a:ln>
+        </p:spPr>
+        <p:style>
+          <a:lnRef idx="1">
+            <a:schemeClr val="accent1"/>
+          </a:lnRef>
+          <a:fillRef idx="0">
+            <a:schemeClr val="accent1"/>
+          </a:fillRef>
+          <a:effectRef idx="0">
+            <a:schemeClr val="accent1"/>
+          </a:effectRef>
+          <a:fontRef idx="minor">
+            <a:schemeClr val="tx1"/>
+          </a:fontRef>
+        </p:style>
+      </p:cxnSp>
+      <p:cxnSp>
+        <p:nvCxnSpPr>
+          <p:cNvPr id="30" name="カギ線コネクタ 29">
+            <a:extLst>
+              <a:ext uri="{FF2B5EF4-FFF2-40B4-BE49-F238E27FC236}">
+                <a16:creationId xmlns:a16="http://schemas.microsoft.com/office/drawing/2014/main" id="{9F438852-8951-864E-ADDA-0DC105DF9D33}"/>
+              </a:ext>
+            </a:extLst>
+          </p:cNvPr>
+          <p:cNvCxnSpPr>
+            <a:cxnSpLocks/>
+            <a:stCxn id="21" idx="3"/>
+          </p:cNvCxnSpPr>
+          <p:nvPr/>
+        </p:nvCxnSpPr>
+        <p:spPr>
+          <a:xfrm flipV="1">
+            <a:off x="7740352" y="1916832"/>
+            <a:ext cx="12700" cy="1476164"/>
+          </a:xfrm>
+          <a:prstGeom prst="bentConnector4">
+            <a:avLst>
+              <a:gd name="adj1" fmla="val 3560000"/>
+              <a:gd name="adj2" fmla="val 100147"/>
+            </a:avLst>
+          </a:prstGeom>
+          <a:ln w="28575">
+            <a:solidFill>
+              <a:srgbClr val="FF0000"/>
+            </a:solidFill>
+            <a:tailEnd type="triangle"/>
+          </a:ln>
+        </p:spPr>
+        <p:style>
+          <a:lnRef idx="1">
+            <a:schemeClr val="accent1"/>
+          </a:lnRef>
+          <a:fillRef idx="0">
+            <a:schemeClr val="accent1"/>
+          </a:fillRef>
+          <a:effectRef idx="0">
+            <a:schemeClr val="accent1"/>
+          </a:effectRef>
+          <a:fontRef idx="minor">
+            <a:schemeClr val="tx1"/>
+          </a:fontRef>
+        </p:style>
+      </p:cxnSp>
+      <p:cxnSp>
+        <p:nvCxnSpPr>
+          <p:cNvPr id="31" name="カギ線コネクタ 30">
+            <a:extLst>
+              <a:ext uri="{FF2B5EF4-FFF2-40B4-BE49-F238E27FC236}">
+                <a16:creationId xmlns:a16="http://schemas.microsoft.com/office/drawing/2014/main" id="{01863308-FEDE-AC46-B806-2B0665C78C41}"/>
+              </a:ext>
+            </a:extLst>
+          </p:cNvPr>
+          <p:cNvCxnSpPr>
+            <a:cxnSpLocks/>
+            <a:stCxn id="23" idx="1"/>
+            <a:endCxn id="24" idx="1"/>
+          </p:cNvCxnSpPr>
+          <p:nvPr/>
+        </p:nvCxnSpPr>
+        <p:spPr>
+          <a:xfrm rot="10800000" flipV="1">
+            <a:off x="6300192" y="1952836"/>
+            <a:ext cx="12700" cy="360040"/>
+          </a:xfrm>
+          <a:prstGeom prst="bentConnector3">
+            <a:avLst>
+              <a:gd name="adj1" fmla="val 1800000"/>
+            </a:avLst>
+          </a:prstGeom>
+          <a:ln w="28575">
+            <a:solidFill>
+              <a:srgbClr val="0070C0"/>
+            </a:solidFill>
+            <a:tailEnd type="triangle"/>
+          </a:ln>
+        </p:spPr>
+        <p:style>
+          <a:lnRef idx="1">
+            <a:schemeClr val="accent1"/>
+          </a:lnRef>
+          <a:fillRef idx="0">
+            <a:schemeClr val="accent1"/>
+          </a:fillRef>
+          <a:effectRef idx="0">
+            <a:schemeClr val="accent1"/>
+          </a:effectRef>
+          <a:fontRef idx="minor">
+            <a:schemeClr val="tx1"/>
+          </a:fontRef>
+        </p:style>
+      </p:cxnSp>
+      <p:sp>
+        <p:nvSpPr>
+          <p:cNvPr id="32" name="テキスト ボックス 31">
+            <a:extLst>
+              <a:ext uri="{FF2B5EF4-FFF2-40B4-BE49-F238E27FC236}">
+                <a16:creationId xmlns:a16="http://schemas.microsoft.com/office/drawing/2014/main" id="{0E7829A6-F61A-F04E-A7A2-B874566AEE85}"/>
+              </a:ext>
+            </a:extLst>
+          </p:cNvPr>
+          <p:cNvSpPr txBox="1"/>
+          <p:nvPr/>
+        </p:nvSpPr>
+        <p:spPr>
+          <a:xfrm>
+            <a:off x="5724128" y="1412776"/>
+            <a:ext cx="2448272" cy="307777"/>
+          </a:xfrm>
+          <a:prstGeom prst="rect">
+            <a:avLst/>
+          </a:prstGeom>
+          <a:noFill/>
+        </p:spPr>
+        <p:txBody>
+          <a:bodyPr wrap="square" rtlCol="0">
+            <a:spAutoFit/>
+          </a:bodyPr>
+          <a:lstStyle/>
+          <a:p>
+            <a:r>
+              <a:rPr lang="en-US" altLang="ja-JP" sz="1400"/>
+              <a:t>b</a:t>
+            </a:r>
+            <a:r>
+              <a:rPr lang="ja-JP" altLang="en-US" sz="1400"/>
+              <a:t>を通じてリストを修正する</a:t>
+            </a:r>
+            <a:endParaRPr kumimoji="1" lang="ja-JP" altLang="en-US" sz="1400"/>
+          </a:p>
+        </p:txBody>
+      </p:sp>
+      <p:sp>
+        <p:nvSpPr>
+          <p:cNvPr id="33" name="右矢印 32">
+            <a:extLst>
+              <a:ext uri="{FF2B5EF4-FFF2-40B4-BE49-F238E27FC236}">
+                <a16:creationId xmlns:a16="http://schemas.microsoft.com/office/drawing/2014/main" id="{851E8528-BAB1-B24E-AC95-5E7239718A95}"/>
+              </a:ext>
+            </a:extLst>
+          </p:cNvPr>
+          <p:cNvSpPr/>
+          <p:nvPr/>
+        </p:nvSpPr>
+        <p:spPr>
+          <a:xfrm>
+            <a:off x="4355976" y="2492896"/>
+            <a:ext cx="360040" cy="288032"/>
+          </a:xfrm>
+          <a:prstGeom prst="rightArrow">
+            <a:avLst/>
+          </a:prstGeom>
+          <a:solidFill>
+            <a:srgbClr val="FF0000"/>
+          </a:solidFill>
+          <a:ln>
+            <a:solidFill>
+              <a:schemeClr val="tx1"/>
+            </a:solidFill>
+          </a:ln>
+        </p:spPr>
+        <p:style>
+          <a:lnRef idx="2">
+            <a:schemeClr val="accent1">
+              <a:shade val="50000"/>
+            </a:schemeClr>
+          </a:lnRef>
+          <a:fillRef idx="1">
+            <a:schemeClr val="accent1"/>
+          </a:fillRef>
+          <a:effectRef idx="0">
+            <a:schemeClr val="accent1"/>
+          </a:effectRef>
+          <a:fontRef idx="minor">
+            <a:schemeClr val="lt1"/>
+          </a:fontRef>
+        </p:style>
+        <p:txBody>
+          <a:bodyPr rtlCol="0" anchor="ctr"/>
+          <a:lstStyle/>
+          <a:p>
+            <a:pPr algn="ctr"/>
+            <a:endParaRPr kumimoji="1" lang="ja-JP" altLang="en-US"/>
+          </a:p>
+        </p:txBody>
+      </p:sp>
+      <p:sp>
+        <p:nvSpPr>
+          <p:cNvPr id="34" name="右矢印 33">
+            <a:extLst>
+              <a:ext uri="{FF2B5EF4-FFF2-40B4-BE49-F238E27FC236}">
+                <a16:creationId xmlns:a16="http://schemas.microsoft.com/office/drawing/2014/main" id="{9C1F0A08-A69D-AB49-BA8F-E2F1A6D910B7}"/>
+              </a:ext>
+            </a:extLst>
+          </p:cNvPr>
+          <p:cNvSpPr/>
+          <p:nvPr/>
+        </p:nvSpPr>
+        <p:spPr>
+          <a:xfrm rot="8100000">
+            <a:off x="4405084" y="4162184"/>
+            <a:ext cx="360040" cy="288032"/>
+          </a:xfrm>
+          <a:prstGeom prst="rightArrow">
+            <a:avLst/>
+          </a:prstGeom>
+          <a:solidFill>
+            <a:srgbClr val="FF0000"/>
+          </a:solidFill>
+          <a:ln>
+            <a:solidFill>
+              <a:schemeClr val="tx1"/>
+            </a:solidFill>
+          </a:ln>
+        </p:spPr>
+        <p:style>
+          <a:lnRef idx="2">
+            <a:schemeClr val="accent1">
+              <a:shade val="50000"/>
+            </a:schemeClr>
+          </a:lnRef>
+          <a:fillRef idx="1">
+            <a:schemeClr val="accent1"/>
+          </a:fillRef>
+          <a:effectRef idx="0">
+            <a:schemeClr val="accent1"/>
+          </a:effectRef>
+          <a:fontRef idx="minor">
+            <a:schemeClr val="lt1"/>
+          </a:fontRef>
+        </p:style>
+        <p:txBody>
+          <a:bodyPr rtlCol="0" anchor="ctr"/>
+          <a:lstStyle/>
+          <a:p>
+            <a:pPr algn="ctr"/>
+            <a:endParaRPr kumimoji="1" lang="ja-JP" altLang="en-US"/>
+          </a:p>
+        </p:txBody>
+      </p:sp>
+      <p:sp>
+        <p:nvSpPr>
+          <p:cNvPr id="35" name="正方形/長方形 34">
+            <a:extLst>
+              <a:ext uri="{FF2B5EF4-FFF2-40B4-BE49-F238E27FC236}">
+                <a16:creationId xmlns:a16="http://schemas.microsoft.com/office/drawing/2014/main" id="{F15D80E9-9B3F-D345-8473-76E0BA2828A5}"/>
+              </a:ext>
+            </a:extLst>
+          </p:cNvPr>
+          <p:cNvSpPr/>
+          <p:nvPr/>
+        </p:nvSpPr>
+        <p:spPr>
+          <a:xfrm>
+            <a:off x="1619672" y="4293096"/>
+            <a:ext cx="1718740" cy="369332"/>
+          </a:xfrm>
+          <a:prstGeom prst="rect">
+            <a:avLst/>
+          </a:prstGeom>
+          <a:solidFill>
+            <a:schemeClr val="tx1"/>
+          </a:solidFill>
+        </p:spPr>
+        <p:txBody>
+          <a:bodyPr wrap="square">
+            <a:spAutoFit/>
+          </a:bodyPr>
+          <a:lstStyle/>
+          <a:p>
+            <a:r>
+              <a:rPr lang="en" altLang="ja-JP" b="0">
+                <a:solidFill>
+                  <a:srgbClr val="D4D4D4"/>
+                </a:solidFill>
+                <a:effectLst/>
+                <a:latin typeface="Menlo" panose="020B0609030804020204" pitchFamily="49" charset="0"/>
+              </a:rPr>
+              <a:t>a[</a:t>
+            </a:r>
+            <a:r>
+              <a:rPr lang="en" altLang="ja-JP" b="0">
+                <a:solidFill>
+                  <a:srgbClr val="B5CEA8"/>
+                </a:solidFill>
+                <a:effectLst/>
+                <a:latin typeface="Menlo" panose="020B0609030804020204" pitchFamily="49" charset="0"/>
+              </a:rPr>
+              <a:t>1</a:t>
+            </a:r>
+            <a:r>
+              <a:rPr lang="en" altLang="ja-JP" b="0">
+                <a:solidFill>
+                  <a:srgbClr val="D4D4D4"/>
+                </a:solidFill>
+                <a:effectLst/>
+                <a:latin typeface="Menlo" panose="020B0609030804020204" pitchFamily="49" charset="0"/>
+              </a:rPr>
+              <a:t>] </a:t>
+            </a:r>
+            <a:r>
+              <a:rPr lang="en" altLang="ja-JP" b="0">
+                <a:solidFill>
+                  <a:srgbClr val="6A9955"/>
+                </a:solidFill>
+                <a:effectLst/>
+                <a:latin typeface="Menlo" panose="020B0609030804020204" pitchFamily="49" charset="0"/>
+              </a:rPr>
+              <a:t># =&gt; 4</a:t>
+            </a:r>
+            <a:endParaRPr lang="en" altLang="ja-JP" b="0">
+              <a:solidFill>
+                <a:srgbClr val="D4D4D4"/>
+              </a:solidFill>
+              <a:effectLst/>
+              <a:latin typeface="Menlo" panose="020B0609030804020204" pitchFamily="49" charset="0"/>
+            </a:endParaRPr>
+          </a:p>
+        </p:txBody>
+      </p:sp>
+      <p:sp>
+        <p:nvSpPr>
+          <p:cNvPr id="36" name="正方形/長方形 35">
+            <a:extLst>
+              <a:ext uri="{FF2B5EF4-FFF2-40B4-BE49-F238E27FC236}">
+                <a16:creationId xmlns:a16="http://schemas.microsoft.com/office/drawing/2014/main" id="{43DE13A8-6B21-7341-A0C7-5F84F609CD31}"/>
+              </a:ext>
+            </a:extLst>
+          </p:cNvPr>
+          <p:cNvSpPr/>
+          <p:nvPr/>
+        </p:nvSpPr>
+        <p:spPr>
+          <a:xfrm>
+            <a:off x="1835696" y="5589240"/>
+            <a:ext cx="1440160" cy="360040"/>
+          </a:xfrm>
+          <a:prstGeom prst="rect">
+            <a:avLst/>
+          </a:prstGeom>
+          <a:noFill/>
+          <a:ln>
+            <a:solidFill>
+              <a:schemeClr val="tx1"/>
+            </a:solidFill>
+          </a:ln>
+        </p:spPr>
+        <p:style>
+          <a:lnRef idx="2">
+            <a:schemeClr val="accent1">
+              <a:shade val="50000"/>
+            </a:schemeClr>
+          </a:lnRef>
+          <a:fillRef idx="1">
+            <a:schemeClr val="accent1"/>
+          </a:fillRef>
+          <a:effectRef idx="0">
+            <a:schemeClr val="accent1"/>
+          </a:effectRef>
+          <a:fontRef idx="minor">
+            <a:schemeClr val="lt1"/>
+          </a:fontRef>
+        </p:style>
+        <p:txBody>
+          <a:bodyPr rtlCol="0" anchor="ctr"/>
+          <a:lstStyle/>
+          <a:p>
+            <a:pPr algn="ctr"/>
+            <a:r>
+              <a:rPr kumimoji="1" lang="en-US" altLang="ja-JP">
+                <a:solidFill>
+                  <a:schemeClr val="tx1"/>
+                </a:solidFill>
+              </a:rPr>
+              <a:t>3</a:t>
+            </a:r>
+            <a:endParaRPr kumimoji="1" lang="ja-JP" altLang="en-US">
+              <a:solidFill>
+                <a:schemeClr val="tx1"/>
+              </a:solidFill>
+            </a:endParaRPr>
+          </a:p>
+        </p:txBody>
+      </p:sp>
+      <p:sp>
+        <p:nvSpPr>
+          <p:cNvPr id="37" name="正方形/長方形 36">
+            <a:extLst>
+              <a:ext uri="{FF2B5EF4-FFF2-40B4-BE49-F238E27FC236}">
+                <a16:creationId xmlns:a16="http://schemas.microsoft.com/office/drawing/2014/main" id="{7C0C70C0-2C5A-9342-BF6C-0B699610546A}"/>
+              </a:ext>
+            </a:extLst>
+          </p:cNvPr>
+          <p:cNvSpPr/>
+          <p:nvPr/>
+        </p:nvSpPr>
+        <p:spPr>
+          <a:xfrm>
+            <a:off x="1835696" y="5949280"/>
+            <a:ext cx="1440160" cy="360040"/>
+          </a:xfrm>
+          <a:prstGeom prst="rect">
+            <a:avLst/>
+          </a:prstGeom>
+          <a:noFill/>
+          <a:ln>
+            <a:solidFill>
+              <a:schemeClr val="tx1"/>
+            </a:solidFill>
+          </a:ln>
+        </p:spPr>
+        <p:style>
+          <a:lnRef idx="2">
+            <a:schemeClr val="accent1">
+              <a:shade val="50000"/>
+            </a:schemeClr>
+          </a:lnRef>
+          <a:fillRef idx="1">
+            <a:schemeClr val="accent1"/>
+          </a:fillRef>
+          <a:effectRef idx="0">
+            <a:schemeClr val="accent1"/>
+          </a:effectRef>
+          <a:fontRef idx="minor">
+            <a:schemeClr val="lt1"/>
+          </a:fontRef>
+        </p:style>
+        <p:txBody>
+          <a:bodyPr rtlCol="0" anchor="ctr"/>
+          <a:lstStyle/>
+          <a:p>
+            <a:pPr algn="ctr"/>
+            <a:r>
+              <a:rPr kumimoji="1" lang="en-US" altLang="ja-JP" sz="1600">
+                <a:solidFill>
+                  <a:schemeClr val="tx1"/>
+                </a:solidFill>
+              </a:rPr>
+              <a:t>0</a:t>
+            </a:r>
+            <a:r>
+              <a:rPr kumimoji="1" lang="ja-JP" altLang="en-US" sz="1600">
+                <a:solidFill>
+                  <a:schemeClr val="tx1"/>
+                </a:solidFill>
+              </a:rPr>
+              <a:t>番地を見よ</a:t>
+            </a:r>
+          </a:p>
+        </p:txBody>
+      </p:sp>
+      <p:sp>
+        <p:nvSpPr>
+          <p:cNvPr id="38" name="正方形/長方形 37">
+            <a:extLst>
+              <a:ext uri="{FF2B5EF4-FFF2-40B4-BE49-F238E27FC236}">
+                <a16:creationId xmlns:a16="http://schemas.microsoft.com/office/drawing/2014/main" id="{A0E1AFC7-82F1-A940-8625-3B853F2EAC15}"/>
+              </a:ext>
+            </a:extLst>
+          </p:cNvPr>
+          <p:cNvSpPr/>
+          <p:nvPr/>
+        </p:nvSpPr>
+        <p:spPr>
+          <a:xfrm>
+            <a:off x="1835696" y="6309320"/>
+            <a:ext cx="1440160" cy="360040"/>
+          </a:xfrm>
+          <a:prstGeom prst="rect">
+            <a:avLst/>
+          </a:prstGeom>
+          <a:noFill/>
+          <a:ln>
+            <a:solidFill>
+              <a:schemeClr val="tx1"/>
+            </a:solidFill>
+          </a:ln>
+        </p:spPr>
+        <p:style>
+          <a:lnRef idx="2">
+            <a:schemeClr val="accent1">
+              <a:shade val="50000"/>
+            </a:schemeClr>
+          </a:lnRef>
+          <a:fillRef idx="1">
+            <a:schemeClr val="accent1"/>
+          </a:fillRef>
+          <a:effectRef idx="0">
+            <a:schemeClr val="accent1"/>
+          </a:effectRef>
+          <a:fontRef idx="minor">
+            <a:schemeClr val="lt1"/>
+          </a:fontRef>
+        </p:style>
+        <p:txBody>
+          <a:bodyPr rtlCol="0" anchor="ctr"/>
+          <a:lstStyle/>
+          <a:p>
+            <a:pPr algn="ctr"/>
+            <a:r>
+              <a:rPr lang="en-US" altLang="ja-JP" sz="1600">
+                <a:solidFill>
+                  <a:schemeClr val="tx1"/>
+                </a:solidFill>
+              </a:rPr>
+              <a:t>0</a:t>
+            </a:r>
+            <a:r>
+              <a:rPr lang="ja-JP" altLang="en-US" sz="1600">
+                <a:solidFill>
+                  <a:schemeClr val="tx1"/>
+                </a:solidFill>
+              </a:rPr>
+              <a:t>番地を見よ</a:t>
+            </a:r>
+          </a:p>
+        </p:txBody>
+      </p:sp>
+      <p:sp>
+        <p:nvSpPr>
+          <p:cNvPr id="40" name="正方形/長方形 39">
+            <a:extLst>
+              <a:ext uri="{FF2B5EF4-FFF2-40B4-BE49-F238E27FC236}">
+                <a16:creationId xmlns:a16="http://schemas.microsoft.com/office/drawing/2014/main" id="{35CF70C6-6B39-164D-B5D5-7D50F093E9E2}"/>
+              </a:ext>
+            </a:extLst>
+          </p:cNvPr>
+          <p:cNvSpPr/>
+          <p:nvPr/>
+        </p:nvSpPr>
+        <p:spPr>
+          <a:xfrm>
+            <a:off x="1835696" y="4869160"/>
+            <a:ext cx="1440160" cy="360040"/>
+          </a:xfrm>
+          <a:prstGeom prst="rect">
+            <a:avLst/>
+          </a:prstGeom>
+          <a:noFill/>
+          <a:ln>
+            <a:solidFill>
+              <a:schemeClr val="tx1"/>
+            </a:solidFill>
+          </a:ln>
+        </p:spPr>
+        <p:style>
+          <a:lnRef idx="2">
+            <a:schemeClr val="accent1">
+              <a:shade val="50000"/>
+            </a:schemeClr>
+          </a:lnRef>
+          <a:fillRef idx="1">
+            <a:schemeClr val="accent1"/>
+          </a:fillRef>
+          <a:effectRef idx="0">
+            <a:schemeClr val="accent1"/>
+          </a:effectRef>
+          <a:fontRef idx="minor">
+            <a:schemeClr val="lt1"/>
+          </a:fontRef>
+        </p:style>
+        <p:txBody>
+          <a:bodyPr rtlCol="0" anchor="ctr"/>
+          <a:lstStyle/>
+          <a:p>
+            <a:pPr algn="ctr"/>
+            <a:r>
+              <a:rPr kumimoji="1" lang="en-US" altLang="ja-JP">
+                <a:solidFill>
+                  <a:schemeClr val="tx1"/>
+                </a:solidFill>
+              </a:rPr>
+              <a:t>1</a:t>
+            </a:r>
+            <a:endParaRPr kumimoji="1" lang="ja-JP" altLang="en-US">
+              <a:solidFill>
+                <a:schemeClr val="tx1"/>
+              </a:solidFill>
+            </a:endParaRPr>
+          </a:p>
+        </p:txBody>
+      </p:sp>
+      <p:sp>
+        <p:nvSpPr>
+          <p:cNvPr id="41" name="正方形/長方形 40">
+            <a:extLst>
+              <a:ext uri="{FF2B5EF4-FFF2-40B4-BE49-F238E27FC236}">
+                <a16:creationId xmlns:a16="http://schemas.microsoft.com/office/drawing/2014/main" id="{1437855D-5242-3C44-A998-90006C400893}"/>
+              </a:ext>
+            </a:extLst>
+          </p:cNvPr>
+          <p:cNvSpPr/>
+          <p:nvPr/>
+        </p:nvSpPr>
+        <p:spPr>
+          <a:xfrm>
+            <a:off x="1835696" y="5229200"/>
+            <a:ext cx="1440160" cy="360040"/>
+          </a:xfrm>
+          <a:prstGeom prst="rect">
+            <a:avLst/>
+          </a:prstGeom>
+          <a:noFill/>
+          <a:ln>
+            <a:solidFill>
+              <a:schemeClr val="tx1"/>
+            </a:solidFill>
+          </a:ln>
+        </p:spPr>
+        <p:style>
+          <a:lnRef idx="2">
+            <a:schemeClr val="accent1">
+              <a:shade val="50000"/>
+            </a:schemeClr>
+          </a:lnRef>
+          <a:fillRef idx="1">
+            <a:schemeClr val="accent1"/>
+          </a:fillRef>
+          <a:effectRef idx="0">
+            <a:schemeClr val="accent1"/>
+          </a:effectRef>
+          <a:fontRef idx="minor">
+            <a:schemeClr val="lt1"/>
+          </a:fontRef>
+        </p:style>
+        <p:txBody>
+          <a:bodyPr rtlCol="0" anchor="ctr"/>
+          <a:lstStyle/>
+          <a:p>
+            <a:pPr algn="ctr"/>
+            <a:r>
+              <a:rPr kumimoji="1" lang="en-US" altLang="ja-JP">
+                <a:solidFill>
+                  <a:srgbClr val="FF0000"/>
+                </a:solidFill>
+              </a:rPr>
+              <a:t>4</a:t>
+            </a:r>
+            <a:endParaRPr kumimoji="1" lang="ja-JP" altLang="en-US">
+              <a:solidFill>
+                <a:srgbClr val="FF0000"/>
+              </a:solidFill>
+            </a:endParaRPr>
+          </a:p>
+        </p:txBody>
+      </p:sp>
+      <p:sp>
+        <p:nvSpPr>
+          <p:cNvPr id="42" name="正方形/長方形 41">
+            <a:extLst>
+              <a:ext uri="{FF2B5EF4-FFF2-40B4-BE49-F238E27FC236}">
+                <a16:creationId xmlns:a16="http://schemas.microsoft.com/office/drawing/2014/main" id="{9A7B69FD-FC1C-BE47-B175-127DF5867A96}"/>
+              </a:ext>
+            </a:extLst>
+          </p:cNvPr>
+          <p:cNvSpPr/>
+          <p:nvPr/>
+        </p:nvSpPr>
+        <p:spPr>
+          <a:xfrm>
+            <a:off x="1835696" y="4869160"/>
+            <a:ext cx="1440160" cy="1080120"/>
+          </a:xfrm>
+          <a:prstGeom prst="rect">
+            <a:avLst/>
+          </a:prstGeom>
+          <a:noFill/>
+          <a:ln w="28575">
+            <a:solidFill>
+              <a:srgbClr val="FF0000"/>
+            </a:solidFill>
+          </a:ln>
+        </p:spPr>
+        <p:style>
+          <a:lnRef idx="2">
+            <a:schemeClr val="accent1">
+              <a:shade val="50000"/>
+            </a:schemeClr>
+          </a:lnRef>
+          <a:fillRef idx="1">
+            <a:schemeClr val="accent1"/>
+          </a:fillRef>
+          <a:effectRef idx="0">
+            <a:schemeClr val="accent1"/>
+          </a:effectRef>
+          <a:fontRef idx="minor">
+            <a:schemeClr val="lt1"/>
+          </a:fontRef>
+        </p:style>
+        <p:txBody>
+          <a:bodyPr rtlCol="0" anchor="ctr"/>
+          <a:lstStyle/>
+          <a:p>
+            <a:pPr algn="ctr"/>
+            <a:endParaRPr kumimoji="1" lang="ja-JP" altLang="en-US"/>
+          </a:p>
+        </p:txBody>
+      </p:sp>
+      <p:sp>
+        <p:nvSpPr>
+          <p:cNvPr id="43" name="1 つの角を切り取った四角形 42">
+            <a:extLst>
+              <a:ext uri="{FF2B5EF4-FFF2-40B4-BE49-F238E27FC236}">
+                <a16:creationId xmlns:a16="http://schemas.microsoft.com/office/drawing/2014/main" id="{75F4FE47-F1EF-BB4C-BEEC-283D47016BD0}"/>
+              </a:ext>
+            </a:extLst>
+          </p:cNvPr>
+          <p:cNvSpPr/>
+          <p:nvPr/>
+        </p:nvSpPr>
+        <p:spPr>
+          <a:xfrm>
+            <a:off x="611560" y="6021288"/>
+            <a:ext cx="864096" cy="288032"/>
+          </a:xfrm>
+          <a:prstGeom prst="snip1Rect">
+            <a:avLst/>
+          </a:prstGeom>
+          <a:noFill/>
+          <a:ln>
+            <a:solidFill>
+              <a:schemeClr val="tx1"/>
+            </a:solidFill>
+          </a:ln>
+        </p:spPr>
+        <p:style>
+          <a:lnRef idx="2">
+            <a:schemeClr val="accent1">
+              <a:shade val="50000"/>
+            </a:schemeClr>
+          </a:lnRef>
+          <a:fillRef idx="1">
+            <a:schemeClr val="accent1"/>
+          </a:fillRef>
+          <a:effectRef idx="0">
+            <a:schemeClr val="accent1"/>
+          </a:effectRef>
+          <a:fontRef idx="minor">
+            <a:schemeClr val="lt1"/>
+          </a:fontRef>
+        </p:style>
+        <p:txBody>
+          <a:bodyPr rtlCol="0" anchor="ctr"/>
+          <a:lstStyle/>
+          <a:p>
+            <a:pPr algn="ctr"/>
+            <a:r>
+              <a:rPr kumimoji="1" lang="en-US" altLang="ja-JP" sz="2000">
+                <a:solidFill>
+                  <a:schemeClr val="tx1"/>
+                </a:solidFill>
+              </a:rPr>
+              <a:t>a</a:t>
+            </a:r>
+            <a:endParaRPr kumimoji="1" lang="ja-JP" altLang="en-US" sz="2000">
+              <a:solidFill>
+                <a:schemeClr val="tx1"/>
+              </a:solidFill>
+            </a:endParaRPr>
+          </a:p>
+        </p:txBody>
+      </p:sp>
+      <p:cxnSp>
+        <p:nvCxnSpPr>
+          <p:cNvPr id="44" name="直線矢印コネクタ 43">
+            <a:extLst>
+              <a:ext uri="{FF2B5EF4-FFF2-40B4-BE49-F238E27FC236}">
+                <a16:creationId xmlns:a16="http://schemas.microsoft.com/office/drawing/2014/main" id="{71DFFA23-D11F-5547-8801-2BB572A8B2A3}"/>
+              </a:ext>
+            </a:extLst>
+          </p:cNvPr>
+          <p:cNvCxnSpPr>
+            <a:cxnSpLocks/>
+            <a:stCxn id="43" idx="0"/>
+          </p:cNvCxnSpPr>
+          <p:nvPr/>
+        </p:nvCxnSpPr>
+        <p:spPr>
+          <a:xfrm>
+            <a:off x="1475656" y="6165304"/>
+            <a:ext cx="288032" cy="0"/>
+          </a:xfrm>
+          <a:prstGeom prst="straightConnector1">
+            <a:avLst/>
+          </a:prstGeom>
+          <a:ln w="12700">
+            <a:solidFill>
+              <a:schemeClr val="tx1"/>
+            </a:solidFill>
+            <a:tailEnd type="triangle"/>
+          </a:ln>
+        </p:spPr>
+        <p:style>
+          <a:lnRef idx="1">
+            <a:schemeClr val="accent1"/>
+          </a:lnRef>
+          <a:fillRef idx="0">
+            <a:schemeClr val="accent1"/>
+          </a:fillRef>
+          <a:effectRef idx="0">
+            <a:schemeClr val="accent1"/>
+          </a:effectRef>
+          <a:fontRef idx="minor">
+            <a:schemeClr val="tx1"/>
+          </a:fontRef>
+        </p:style>
+      </p:cxnSp>
+      <p:sp>
+        <p:nvSpPr>
+          <p:cNvPr id="45" name="1 つの角を切り取った四角形 44">
+            <a:extLst>
+              <a:ext uri="{FF2B5EF4-FFF2-40B4-BE49-F238E27FC236}">
+                <a16:creationId xmlns:a16="http://schemas.microsoft.com/office/drawing/2014/main" id="{D7B20CF6-ADCB-8446-802A-B1112C57CC6B}"/>
+              </a:ext>
+            </a:extLst>
+          </p:cNvPr>
+          <p:cNvSpPr/>
+          <p:nvPr/>
+        </p:nvSpPr>
+        <p:spPr>
+          <a:xfrm>
+            <a:off x="611560" y="6381328"/>
+            <a:ext cx="864096" cy="288032"/>
+          </a:xfrm>
+          <a:prstGeom prst="snip1Rect">
+            <a:avLst/>
+          </a:prstGeom>
+          <a:noFill/>
+          <a:ln>
+            <a:solidFill>
+              <a:schemeClr val="tx1"/>
+            </a:solidFill>
+          </a:ln>
+        </p:spPr>
+        <p:style>
+          <a:lnRef idx="2">
+            <a:schemeClr val="accent1">
+              <a:shade val="50000"/>
+            </a:schemeClr>
+          </a:lnRef>
+          <a:fillRef idx="1">
+            <a:schemeClr val="accent1"/>
+          </a:fillRef>
+          <a:effectRef idx="0">
+            <a:schemeClr val="accent1"/>
+          </a:effectRef>
+          <a:fontRef idx="minor">
+            <a:schemeClr val="lt1"/>
+          </a:fontRef>
+        </p:style>
+        <p:txBody>
+          <a:bodyPr rtlCol="0" anchor="ctr"/>
+          <a:lstStyle/>
+          <a:p>
+            <a:pPr algn="ctr"/>
+            <a:r>
+              <a:rPr kumimoji="1" lang="en-US" altLang="ja-JP" sz="2000">
+                <a:solidFill>
+                  <a:schemeClr val="tx1"/>
+                </a:solidFill>
+              </a:rPr>
+              <a:t>b</a:t>
+            </a:r>
+            <a:endParaRPr kumimoji="1" lang="ja-JP" altLang="en-US" sz="2000">
+              <a:solidFill>
+                <a:schemeClr val="tx1"/>
+              </a:solidFill>
+            </a:endParaRPr>
+          </a:p>
+        </p:txBody>
+      </p:sp>
+      <p:cxnSp>
+        <p:nvCxnSpPr>
+          <p:cNvPr id="46" name="直線矢印コネクタ 45">
+            <a:extLst>
+              <a:ext uri="{FF2B5EF4-FFF2-40B4-BE49-F238E27FC236}">
+                <a16:creationId xmlns:a16="http://schemas.microsoft.com/office/drawing/2014/main" id="{C9E874F6-72EF-E944-A838-1431A0A3C2B1}"/>
+              </a:ext>
+            </a:extLst>
+          </p:cNvPr>
+          <p:cNvCxnSpPr>
+            <a:stCxn id="45" idx="0"/>
+          </p:cNvCxnSpPr>
+          <p:nvPr/>
+        </p:nvCxnSpPr>
+        <p:spPr>
+          <a:xfrm>
+            <a:off x="1475656" y="6525344"/>
+            <a:ext cx="288032" cy="0"/>
+          </a:xfrm>
+          <a:prstGeom prst="straightConnector1">
+            <a:avLst/>
+          </a:prstGeom>
+          <a:ln w="12700">
+            <a:solidFill>
+              <a:schemeClr val="tx1"/>
+            </a:solidFill>
+            <a:tailEnd type="triangle"/>
+          </a:ln>
+        </p:spPr>
+        <p:style>
+          <a:lnRef idx="1">
+            <a:schemeClr val="accent1"/>
+          </a:lnRef>
+          <a:fillRef idx="0">
+            <a:schemeClr val="accent1"/>
+          </a:fillRef>
+          <a:effectRef idx="0">
+            <a:schemeClr val="accent1"/>
+          </a:effectRef>
+          <a:fontRef idx="minor">
+            <a:schemeClr val="tx1"/>
+          </a:fontRef>
+        </p:style>
+      </p:cxnSp>
+      <p:cxnSp>
+        <p:nvCxnSpPr>
+          <p:cNvPr id="47" name="カギ線コネクタ 46">
+            <a:extLst>
+              <a:ext uri="{FF2B5EF4-FFF2-40B4-BE49-F238E27FC236}">
+                <a16:creationId xmlns:a16="http://schemas.microsoft.com/office/drawing/2014/main" id="{9BBBA99C-EB39-D641-B34F-4C3BFB90F19C}"/>
+              </a:ext>
+            </a:extLst>
+          </p:cNvPr>
+          <p:cNvCxnSpPr>
+            <a:cxnSpLocks/>
+            <a:stCxn id="37" idx="3"/>
+            <a:endCxn id="40" idx="3"/>
+          </p:cNvCxnSpPr>
+          <p:nvPr/>
+        </p:nvCxnSpPr>
+        <p:spPr>
+          <a:xfrm flipV="1">
+            <a:off x="3275856" y="5049180"/>
+            <a:ext cx="12700" cy="1080120"/>
+          </a:xfrm>
+          <a:prstGeom prst="bentConnector3">
+            <a:avLst>
+              <a:gd name="adj1" fmla="val 2920000"/>
+            </a:avLst>
+          </a:prstGeom>
+          <a:ln w="28575">
+            <a:solidFill>
+              <a:srgbClr val="FF0000"/>
+            </a:solidFill>
+            <a:tailEnd type="triangle"/>
+          </a:ln>
+        </p:spPr>
+        <p:style>
+          <a:lnRef idx="1">
+            <a:schemeClr val="accent1"/>
+          </a:lnRef>
+          <a:fillRef idx="0">
+            <a:schemeClr val="accent1"/>
+          </a:fillRef>
+          <a:effectRef idx="0">
+            <a:schemeClr val="accent1"/>
+          </a:effectRef>
+          <a:fontRef idx="minor">
+            <a:schemeClr val="tx1"/>
+          </a:fontRef>
+        </p:style>
+      </p:cxnSp>
+      <p:cxnSp>
+        <p:nvCxnSpPr>
+          <p:cNvPr id="48" name="カギ線コネクタ 47">
+            <a:extLst>
+              <a:ext uri="{FF2B5EF4-FFF2-40B4-BE49-F238E27FC236}">
+                <a16:creationId xmlns:a16="http://schemas.microsoft.com/office/drawing/2014/main" id="{4D9FC3BF-A26C-974C-9136-C466F8B24148}"/>
+              </a:ext>
+            </a:extLst>
+          </p:cNvPr>
+          <p:cNvCxnSpPr>
+            <a:cxnSpLocks/>
+            <a:stCxn id="40" idx="1"/>
+            <a:endCxn id="41" idx="1"/>
+          </p:cNvCxnSpPr>
+          <p:nvPr/>
+        </p:nvCxnSpPr>
+        <p:spPr>
+          <a:xfrm rot="10800000" flipV="1">
+            <a:off x="1835696" y="5049180"/>
+            <a:ext cx="12700" cy="360040"/>
+          </a:xfrm>
+          <a:prstGeom prst="bentConnector3">
+            <a:avLst>
+              <a:gd name="adj1" fmla="val 1800000"/>
+            </a:avLst>
+          </a:prstGeom>
+          <a:ln w="28575">
+            <a:solidFill>
+              <a:srgbClr val="0070C0"/>
+            </a:solidFill>
+            <a:tailEnd type="triangle"/>
+          </a:ln>
+        </p:spPr>
+        <p:style>
+          <a:lnRef idx="1">
+            <a:schemeClr val="accent1"/>
+          </a:lnRef>
+          <a:fillRef idx="0">
+            <a:schemeClr val="accent1"/>
+          </a:fillRef>
+          <a:effectRef idx="0">
+            <a:schemeClr val="accent1"/>
+          </a:effectRef>
+          <a:fontRef idx="minor">
+            <a:schemeClr val="tx1"/>
+          </a:fontRef>
+        </p:style>
+      </p:cxnSp>
+      <p:sp>
+        <p:nvSpPr>
+          <p:cNvPr id="49" name="テキスト ボックス 48">
+            <a:extLst>
+              <a:ext uri="{FF2B5EF4-FFF2-40B4-BE49-F238E27FC236}">
+                <a16:creationId xmlns:a16="http://schemas.microsoft.com/office/drawing/2014/main" id="{83B4BFAB-DFAB-4B4A-9807-D72B29F174F8}"/>
+              </a:ext>
+            </a:extLst>
+          </p:cNvPr>
+          <p:cNvSpPr txBox="1"/>
+          <p:nvPr/>
+        </p:nvSpPr>
+        <p:spPr>
+          <a:xfrm>
+            <a:off x="3995936" y="5301208"/>
+            <a:ext cx="4219425" cy="646331"/>
+          </a:xfrm>
+          <a:prstGeom prst="rect">
+            <a:avLst/>
+          </a:prstGeom>
+          <a:noFill/>
+        </p:spPr>
+        <p:txBody>
+          <a:bodyPr wrap="none" rtlCol="0">
+            <a:spAutoFit/>
+          </a:bodyPr>
+          <a:lstStyle/>
+          <a:p>
+            <a:r>
+              <a:rPr kumimoji="1" lang="ja-JP" altLang="en-US"/>
+              <a:t>この時、</a:t>
+            </a:r>
+            <a:r>
+              <a:rPr kumimoji="1" lang="en-US" altLang="ja-JP"/>
+              <a:t>a</a:t>
+            </a:r>
+            <a:r>
+              <a:rPr kumimoji="1" lang="ja-JP" altLang="en-US"/>
+              <a:t>の指す先も書き換わっている</a:t>
+            </a:r>
+            <a:endParaRPr kumimoji="1" lang="en-US" altLang="ja-JP"/>
+          </a:p>
+          <a:p>
+            <a:r>
+              <a:rPr lang="en-US" altLang="ja-JP"/>
+              <a:t>(</a:t>
+            </a:r>
+            <a:r>
+              <a:rPr lang="ja-JP" altLang="en-US"/>
+              <a:t>同じリストを共有しているから</a:t>
+            </a:r>
+            <a:r>
+              <a:rPr lang="en-US" altLang="ja-JP"/>
+              <a:t>)</a:t>
+            </a:r>
+            <a:endParaRPr kumimoji="1" lang="ja-JP" altLang="en-US"/>
+          </a:p>
+        </p:txBody>
+      </p:sp>
+    </p:spTree>
+    <p:extLst>
+      <p:ext uri="{BB962C8B-B14F-4D97-AF65-F5344CB8AC3E}">
+        <p14:creationId xmlns:p14="http://schemas.microsoft.com/office/powerpoint/2010/main" val="3010475707"/>
+      </p:ext>
+    </p:extLst>
+  </p:cSld>
+  <p:clrMapOvr>
+    <a:masterClrMapping/>
+  </p:clrMapOvr>
+</p:sld>
+</file>
+
+<file path=ppt/slides/slide11.xml><?xml version="1.0" encoding="utf-8"?>
+<p:sld xmlns:a="http://schemas.openxmlformats.org/drawingml/2006/main" xmlns:r="http://schemas.openxmlformats.org/officeDocument/2006/relationships" xmlns:p="http://schemas.openxmlformats.org/presentationml/2006/main">
+  <p:cSld>
+    <p:spTree>
+      <p:nvGrpSpPr>
+        <p:cNvPr id="1" name=""/>
+        <p:cNvGrpSpPr/>
+        <p:nvPr/>
+      </p:nvGrpSpPr>
+      <p:grpSpPr>
+        <a:xfrm>
+          <a:off x="0" y="0"/>
+          <a:ext cx="0" cy="0"/>
+          <a:chOff x="0" y="0"/>
+          <a:chExt cx="0" cy="0"/>
+        </a:xfrm>
+      </p:grpSpPr>
+      <p:sp>
+        <p:nvSpPr>
+          <p:cNvPr id="2" name="テキスト プレースホルダー 1">
+            <a:extLst>
+              <a:ext uri="{FF2B5EF4-FFF2-40B4-BE49-F238E27FC236}">
+                <a16:creationId xmlns:a16="http://schemas.microsoft.com/office/drawing/2014/main" id="{3A29D9BD-9F28-0E46-B07C-9EB819500C63}"/>
+              </a:ext>
+            </a:extLst>
+          </p:cNvPr>
+          <p:cNvSpPr>
+            <a:spLocks noGrp="1"/>
+          </p:cNvSpPr>
+          <p:nvPr>
+            <p:ph type="body" sz="quarter" idx="10"/>
+          </p:nvPr>
+        </p:nvSpPr>
+        <p:spPr/>
+        <p:txBody>
+          <a:bodyPr/>
+          <a:lstStyle/>
+          <a:p>
+            <a:r>
+              <a:rPr kumimoji="1" lang="ja-JP" altLang="en-US"/>
+              <a:t>タプルとは</a:t>
+            </a:r>
+          </a:p>
+        </p:txBody>
+      </p:sp>
+      <p:sp>
+        <p:nvSpPr>
+          <p:cNvPr id="3" name="テキスト ボックス 2">
+            <a:extLst>
+              <a:ext uri="{FF2B5EF4-FFF2-40B4-BE49-F238E27FC236}">
+                <a16:creationId xmlns:a16="http://schemas.microsoft.com/office/drawing/2014/main" id="{9BA7F396-C620-8E46-B3CD-4C6549E2B461}"/>
+              </a:ext>
+            </a:extLst>
+          </p:cNvPr>
+          <p:cNvSpPr txBox="1"/>
+          <p:nvPr/>
+        </p:nvSpPr>
+        <p:spPr>
+          <a:xfrm>
+            <a:off x="179512" y="1268760"/>
+            <a:ext cx="8494633" cy="646331"/>
+          </a:xfrm>
+          <a:prstGeom prst="rect">
+            <a:avLst/>
+          </a:prstGeom>
+          <a:noFill/>
+        </p:spPr>
+        <p:txBody>
+          <a:bodyPr wrap="none" rtlCol="0">
+            <a:spAutoFit/>
+          </a:bodyPr>
+          <a:lstStyle/>
+          <a:p>
+            <a:r>
+              <a:rPr lang="ja-JP" altLang="en-US" sz="3600" dirty="0"/>
+              <a:t>複数の値をまとめて管理するデータ構造</a:t>
+            </a:r>
+            <a:endParaRPr kumimoji="1" lang="ja-JP" altLang="en-US" sz="3600" dirty="0"/>
+          </a:p>
+        </p:txBody>
+      </p:sp>
+      <p:sp>
+        <p:nvSpPr>
+          <p:cNvPr id="4" name="テキスト ボックス 3">
+            <a:extLst>
+              <a:ext uri="{FF2B5EF4-FFF2-40B4-BE49-F238E27FC236}">
+                <a16:creationId xmlns:a16="http://schemas.microsoft.com/office/drawing/2014/main" id="{2A8C56C8-D37D-1642-9016-CA3D498107EB}"/>
+              </a:ext>
+            </a:extLst>
+          </p:cNvPr>
+          <p:cNvSpPr txBox="1"/>
+          <p:nvPr/>
+        </p:nvSpPr>
+        <p:spPr>
+          <a:xfrm>
+            <a:off x="395536" y="3068960"/>
+            <a:ext cx="3416320" cy="646331"/>
+          </a:xfrm>
+          <a:prstGeom prst="rect">
+            <a:avLst/>
+          </a:prstGeom>
+          <a:noFill/>
+        </p:spPr>
+        <p:txBody>
+          <a:bodyPr wrap="none" rtlCol="0">
+            <a:spAutoFit/>
+          </a:bodyPr>
+          <a:lstStyle/>
+          <a:p>
+            <a:r>
+              <a:rPr lang="ja-JP" altLang="en-US" sz="3600" dirty="0"/>
+              <a:t>カンマで区切る</a:t>
+            </a:r>
+            <a:endParaRPr kumimoji="1" lang="ja-JP" altLang="en-US" sz="3600" dirty="0"/>
+          </a:p>
+        </p:txBody>
+      </p:sp>
+      <p:sp>
+        <p:nvSpPr>
+          <p:cNvPr id="5" name="テキスト ボックス 4">
+            <a:extLst>
+              <a:ext uri="{FF2B5EF4-FFF2-40B4-BE49-F238E27FC236}">
+                <a16:creationId xmlns:a16="http://schemas.microsoft.com/office/drawing/2014/main" id="{03F65FC2-EAA8-BB41-A1AA-20C23FFEDD4D}"/>
+              </a:ext>
+            </a:extLst>
+          </p:cNvPr>
+          <p:cNvSpPr txBox="1"/>
+          <p:nvPr/>
+        </p:nvSpPr>
+        <p:spPr>
+          <a:xfrm>
+            <a:off x="1979712" y="1988840"/>
+            <a:ext cx="4667175" cy="1107996"/>
+          </a:xfrm>
+          <a:prstGeom prst="rect">
+            <a:avLst/>
+          </a:prstGeom>
+          <a:noFill/>
+        </p:spPr>
+        <p:txBody>
+          <a:bodyPr wrap="none" rtlCol="0">
+            <a:spAutoFit/>
+          </a:bodyPr>
+          <a:lstStyle/>
+          <a:p>
+            <a:r>
+              <a:rPr kumimoji="1" lang="ja-JP" altLang="en-US" sz="6600" dirty="0"/>
+              <a:t>値</a:t>
+            </a:r>
+            <a:r>
+              <a:rPr kumimoji="1" lang="en-US" altLang="ja-JP" sz="6600" dirty="0"/>
+              <a:t>1</a:t>
+            </a:r>
+            <a:r>
+              <a:rPr kumimoji="1" lang="en-US" altLang="ja-JP" sz="6600" dirty="0">
+                <a:solidFill>
+                  <a:srgbClr val="FF0000"/>
+                </a:solidFill>
+              </a:rPr>
+              <a:t>,</a:t>
+            </a:r>
+            <a:r>
+              <a:rPr kumimoji="1" lang="en-US" altLang="ja-JP" sz="6600" dirty="0"/>
+              <a:t> </a:t>
+            </a:r>
+            <a:r>
+              <a:rPr kumimoji="1" lang="ja-JP" altLang="en-US" sz="6600" dirty="0"/>
+              <a:t>値</a:t>
+            </a:r>
+            <a:r>
+              <a:rPr kumimoji="1" lang="en-US" altLang="ja-JP" sz="6600" dirty="0"/>
+              <a:t>2</a:t>
+            </a:r>
+            <a:r>
+              <a:rPr kumimoji="1" lang="en-US" altLang="ja-JP" sz="6600" dirty="0">
+                <a:solidFill>
+                  <a:srgbClr val="FF0000"/>
+                </a:solidFill>
+              </a:rPr>
+              <a:t>,</a:t>
+            </a:r>
+            <a:r>
+              <a:rPr kumimoji="1" lang="en-US" altLang="ja-JP" sz="6600" dirty="0"/>
+              <a:t> </a:t>
+            </a:r>
+            <a:r>
+              <a:rPr kumimoji="1" lang="ja-JP" altLang="en-US" sz="6600" dirty="0"/>
+              <a:t>値</a:t>
+            </a:r>
+            <a:r>
+              <a:rPr kumimoji="1" lang="en-US" altLang="ja-JP" sz="6600" dirty="0"/>
+              <a:t>3</a:t>
+            </a:r>
+            <a:endParaRPr kumimoji="1" lang="ja-JP" altLang="en-US" sz="6600" dirty="0">
+              <a:solidFill>
+                <a:srgbClr val="FF0000"/>
+              </a:solidFill>
+            </a:endParaRPr>
+          </a:p>
+        </p:txBody>
+      </p:sp>
+      <p:sp>
+        <p:nvSpPr>
+          <p:cNvPr id="6" name="テキスト ボックス 5">
+            <a:extLst>
+              <a:ext uri="{FF2B5EF4-FFF2-40B4-BE49-F238E27FC236}">
+                <a16:creationId xmlns:a16="http://schemas.microsoft.com/office/drawing/2014/main" id="{1E35540F-2C8C-2742-B855-715CB2AF12EB}"/>
+              </a:ext>
+            </a:extLst>
+          </p:cNvPr>
+          <p:cNvSpPr txBox="1"/>
+          <p:nvPr/>
+        </p:nvSpPr>
+        <p:spPr>
+          <a:xfrm>
+            <a:off x="1763688" y="3933056"/>
+            <a:ext cx="5231432" cy="1107996"/>
+          </a:xfrm>
+          <a:prstGeom prst="rect">
+            <a:avLst/>
+          </a:prstGeom>
+          <a:noFill/>
+        </p:spPr>
+        <p:txBody>
+          <a:bodyPr wrap="none" rtlCol="0">
+            <a:spAutoFit/>
+          </a:bodyPr>
+          <a:lstStyle/>
+          <a:p>
+            <a:r>
+              <a:rPr kumimoji="1" lang="en-US" altLang="ja-JP" sz="6600" dirty="0">
+                <a:solidFill>
+                  <a:srgbClr val="FF0000"/>
+                </a:solidFill>
+              </a:rPr>
+              <a:t>(</a:t>
+            </a:r>
+            <a:r>
+              <a:rPr kumimoji="1" lang="ja-JP" altLang="en-US" sz="6600" dirty="0"/>
+              <a:t>値</a:t>
+            </a:r>
+            <a:r>
+              <a:rPr kumimoji="1" lang="en-US" altLang="ja-JP" sz="6600" dirty="0"/>
+              <a:t>1</a:t>
+            </a:r>
+            <a:r>
+              <a:rPr kumimoji="1" lang="en-US" altLang="ja-JP" sz="6600" dirty="0">
+                <a:solidFill>
+                  <a:srgbClr val="FF0000"/>
+                </a:solidFill>
+              </a:rPr>
+              <a:t>,</a:t>
+            </a:r>
+            <a:r>
+              <a:rPr kumimoji="1" lang="en-US" altLang="ja-JP" sz="6600" dirty="0"/>
+              <a:t> </a:t>
+            </a:r>
+            <a:r>
+              <a:rPr kumimoji="1" lang="ja-JP" altLang="en-US" sz="6600" dirty="0"/>
+              <a:t>値</a:t>
+            </a:r>
+            <a:r>
+              <a:rPr kumimoji="1" lang="en-US" altLang="ja-JP" sz="6600" dirty="0"/>
+              <a:t>2</a:t>
+            </a:r>
+            <a:r>
+              <a:rPr kumimoji="1" lang="en-US" altLang="ja-JP" sz="6600" dirty="0">
+                <a:solidFill>
+                  <a:srgbClr val="FF0000"/>
+                </a:solidFill>
+              </a:rPr>
+              <a:t>,</a:t>
+            </a:r>
+            <a:r>
+              <a:rPr kumimoji="1" lang="en-US" altLang="ja-JP" sz="6600" dirty="0"/>
+              <a:t> </a:t>
+            </a:r>
+            <a:r>
+              <a:rPr kumimoji="1" lang="ja-JP" altLang="en-US" sz="6600" dirty="0"/>
+              <a:t>値</a:t>
+            </a:r>
+            <a:r>
+              <a:rPr kumimoji="1" lang="en-US" altLang="ja-JP" sz="6600" dirty="0"/>
+              <a:t>3</a:t>
+            </a:r>
+            <a:r>
+              <a:rPr kumimoji="1" lang="en-US" altLang="ja-JP" sz="6600" dirty="0">
+                <a:solidFill>
+                  <a:srgbClr val="FF0000"/>
+                </a:solidFill>
+              </a:rPr>
+              <a:t>)</a:t>
+            </a:r>
+            <a:endParaRPr kumimoji="1" lang="ja-JP" altLang="en-US" sz="6600" dirty="0">
+              <a:solidFill>
+                <a:srgbClr val="FF0000"/>
+              </a:solidFill>
+            </a:endParaRPr>
+          </a:p>
+        </p:txBody>
+      </p:sp>
+      <p:sp>
+        <p:nvSpPr>
+          <p:cNvPr id="7" name="テキスト ボックス 6">
+            <a:extLst>
+              <a:ext uri="{FF2B5EF4-FFF2-40B4-BE49-F238E27FC236}">
+                <a16:creationId xmlns:a16="http://schemas.microsoft.com/office/drawing/2014/main" id="{371D7750-86AB-1644-84EA-CF16617DEC11}"/>
+              </a:ext>
+            </a:extLst>
+          </p:cNvPr>
+          <p:cNvSpPr txBox="1"/>
+          <p:nvPr/>
+        </p:nvSpPr>
+        <p:spPr>
+          <a:xfrm>
+            <a:off x="467544" y="5301208"/>
+            <a:ext cx="4801314" cy="646331"/>
+          </a:xfrm>
+          <a:prstGeom prst="rect">
+            <a:avLst/>
+          </a:prstGeom>
+          <a:noFill/>
+        </p:spPr>
+        <p:txBody>
+          <a:bodyPr wrap="none" rtlCol="0">
+            <a:spAutoFit/>
+          </a:bodyPr>
+          <a:lstStyle/>
+          <a:p>
+            <a:r>
+              <a:rPr kumimoji="1" lang="ja-JP" altLang="en-US" sz="3600" dirty="0"/>
+              <a:t>丸括弧で</a:t>
+            </a:r>
+            <a:r>
+              <a:rPr kumimoji="1" lang="ja-JP" altLang="en-US" sz="3600" dirty="0">
+                <a:solidFill>
+                  <a:srgbClr val="FF0000"/>
+                </a:solidFill>
+              </a:rPr>
+              <a:t>囲んでも良い</a:t>
+            </a:r>
+          </a:p>
+        </p:txBody>
+      </p:sp>
+    </p:spTree>
+    <p:extLst>
+      <p:ext uri="{BB962C8B-B14F-4D97-AF65-F5344CB8AC3E}">
+        <p14:creationId xmlns:p14="http://schemas.microsoft.com/office/powerpoint/2010/main" val="4200846480"/>
+      </p:ext>
+    </p:extLst>
+  </p:cSld>
+  <p:clrMapOvr>
+    <a:masterClrMapping/>
+  </p:clrMapOvr>
+</p:sld>
+</file>
+
+<file path=ppt/slides/slide12.xml><?xml version="1.0" encoding="utf-8"?>
+<p:sld xmlns:a="http://schemas.openxmlformats.org/drawingml/2006/main" xmlns:r="http://schemas.openxmlformats.org/officeDocument/2006/relationships" xmlns:p="http://schemas.openxmlformats.org/presentationml/2006/main">
+  <p:cSld>
+    <p:spTree>
+      <p:nvGrpSpPr>
+        <p:cNvPr id="1" name=""/>
+        <p:cNvGrpSpPr/>
+        <p:nvPr/>
+      </p:nvGrpSpPr>
+      <p:grpSpPr>
+        <a:xfrm>
+          <a:off x="0" y="0"/>
+          <a:ext cx="0" cy="0"/>
+          <a:chOff x="0" y="0"/>
+          <a:chExt cx="0" cy="0"/>
+        </a:xfrm>
+      </p:grpSpPr>
+      <p:sp>
+        <p:nvSpPr>
+          <p:cNvPr id="2" name="テキスト プレースホルダー 1">
+            <a:extLst>
+              <a:ext uri="{FF2B5EF4-FFF2-40B4-BE49-F238E27FC236}">
+                <a16:creationId xmlns:a16="http://schemas.microsoft.com/office/drawing/2014/main" id="{172886B7-2430-0042-B11B-480E55F28CFE}"/>
+              </a:ext>
+            </a:extLst>
+          </p:cNvPr>
+          <p:cNvSpPr>
+            <a:spLocks noGrp="1"/>
+          </p:cNvSpPr>
+          <p:nvPr>
+            <p:ph type="body" sz="quarter" idx="10"/>
+          </p:nvPr>
+        </p:nvSpPr>
+        <p:spPr/>
+        <p:txBody>
+          <a:bodyPr/>
+          <a:lstStyle/>
+          <a:p>
+            <a:r>
+              <a:rPr kumimoji="1" lang="ja-JP" altLang="en-US"/>
+              <a:t>タプルとリストの違い</a:t>
+            </a:r>
+          </a:p>
+        </p:txBody>
+      </p:sp>
+      <p:sp>
+        <p:nvSpPr>
+          <p:cNvPr id="3" name="テキスト ボックス 2">
+            <a:extLst>
+              <a:ext uri="{FF2B5EF4-FFF2-40B4-BE49-F238E27FC236}">
+                <a16:creationId xmlns:a16="http://schemas.microsoft.com/office/drawing/2014/main" id="{5502FC62-7517-8E4C-ACF3-C1B053F25BD1}"/>
+              </a:ext>
+            </a:extLst>
+          </p:cNvPr>
+          <p:cNvSpPr txBox="1"/>
+          <p:nvPr/>
+        </p:nvSpPr>
+        <p:spPr>
+          <a:xfrm>
+            <a:off x="323528" y="1412776"/>
+            <a:ext cx="3775393" cy="523220"/>
+          </a:xfrm>
+          <a:prstGeom prst="rect">
+            <a:avLst/>
+          </a:prstGeom>
+          <a:noFill/>
+        </p:spPr>
+        <p:txBody>
+          <a:bodyPr wrap="none" rtlCol="0">
+            <a:spAutoFit/>
+          </a:bodyPr>
+          <a:lstStyle/>
+          <a:p>
+            <a:r>
+              <a:rPr kumimoji="1" lang="ja-JP" altLang="en-US" sz="2800"/>
+              <a:t>タプルは修正できない</a:t>
+            </a:r>
+          </a:p>
+        </p:txBody>
+      </p:sp>
+    </p:spTree>
+    <p:extLst>
+      <p:ext uri="{BB962C8B-B14F-4D97-AF65-F5344CB8AC3E}">
+        <p14:creationId xmlns:p14="http://schemas.microsoft.com/office/powerpoint/2010/main" val="990710308"/>
       </p:ext>
     </p:extLst>
   </p:cSld>
@@ -1315,7 +4391,7 @@
           <a:lstStyle/>
           <a:p>
             <a:r>
-              <a:rPr lang="ja-JP" altLang="en-US" sz="2800" dirty="0" smtClean="0"/>
+              <a:rPr lang="ja-JP" altLang="en-US" sz="2800" dirty="0"/>
               <a:t>リストとタプル</a:t>
             </a:r>
             <a:endParaRPr kumimoji="1" lang="ja-JP" altLang="en-US" sz="2800" dirty="0"/>
@@ -1351,7 +4427,7 @@
           <a:lstStyle/>
           <a:p>
             <a:r>
-              <a:rPr lang="ja-JP" altLang="en-US" sz="2800" dirty="0" smtClean="0"/>
+              <a:rPr lang="ja-JP" altLang="en-US" sz="2800" dirty="0"/>
               <a:t>値のコピーとリストのコピー</a:t>
             </a:r>
             <a:endParaRPr kumimoji="1" lang="ja-JP" altLang="en-US" sz="2800" dirty="0"/>
@@ -1387,7 +4463,7 @@
           <a:lstStyle/>
           <a:p>
             <a:r>
-              <a:rPr lang="ja-JP" altLang="en-US" sz="2800" dirty="0" smtClean="0">
+              <a:rPr lang="ja-JP" altLang="en-US" sz="2800" dirty="0">
                 <a:solidFill>
                   <a:srgbClr val="FF0000"/>
                 </a:solidFill>
@@ -1454,7 +4530,7 @@
           <a:lstStyle/>
           <a:p>
             <a:r>
-              <a:rPr lang="ja-JP" altLang="en-US" dirty="0" smtClean="0"/>
+              <a:rPr lang="ja-JP" altLang="en-US" dirty="0"/>
               <a:t>リストとは</a:t>
             </a:r>
             <a:endParaRPr kumimoji="1" lang="ja-JP" altLang="en-US" dirty="0"/>
@@ -1484,7 +4560,7 @@
           <a:lstStyle/>
           <a:p>
             <a:r>
-              <a:rPr lang="ja-JP" altLang="en-US" sz="3600" dirty="0" smtClean="0"/>
+              <a:rPr lang="ja-JP" altLang="en-US" sz="3600" dirty="0"/>
               <a:t>複数の値をまとめて管理するデータ構造</a:t>
             </a:r>
             <a:endParaRPr kumimoji="1" lang="ja-JP" altLang="en-US" sz="3600" dirty="0"/>
@@ -1514,7 +4590,7 @@
           <a:lstStyle/>
           <a:p>
             <a:r>
-              <a:rPr lang="ja-JP" altLang="en-US" sz="3600" dirty="0" smtClean="0"/>
+              <a:rPr lang="ja-JP" altLang="en-US" sz="3600" dirty="0"/>
               <a:t>角かっこで囲み、カンマで区切る</a:t>
             </a:r>
             <a:endParaRPr kumimoji="1" lang="ja-JP" altLang="en-US" sz="3600" dirty="0"/>
@@ -1544,7 +4620,7 @@
           <a:lstStyle/>
           <a:p>
             <a:r>
-              <a:rPr kumimoji="1" lang="en-US" altLang="ja-JP" sz="6600" dirty="0" smtClean="0">
+              <a:rPr kumimoji="1" lang="en-US" altLang="ja-JP" sz="6600" dirty="0">
                 <a:solidFill>
                   <a:srgbClr val="FF0000"/>
                 </a:solidFill>
@@ -1552,15 +4628,15 @@
               <a:t>[</a:t>
             </a:r>
             <a:r>
-              <a:rPr kumimoji="1" lang="ja-JP" altLang="en-US" sz="6600" dirty="0" smtClean="0"/>
+              <a:rPr kumimoji="1" lang="ja-JP" altLang="en-US" sz="6600" dirty="0"/>
               <a:t>値</a:t>
             </a:r>
             <a:r>
-              <a:rPr kumimoji="1" lang="en-US" altLang="ja-JP" sz="6600" dirty="0" smtClean="0"/>
+              <a:rPr kumimoji="1" lang="en-US" altLang="ja-JP" sz="6600" dirty="0"/>
               <a:t>1</a:t>
             </a:r>
             <a:r>
-              <a:rPr kumimoji="1" lang="en-US" altLang="ja-JP" sz="6600" dirty="0" smtClean="0">
+              <a:rPr kumimoji="1" lang="en-US" altLang="ja-JP" sz="6600" dirty="0">
                 <a:solidFill>
                   <a:srgbClr val="FF0000"/>
                 </a:solidFill>
@@ -1568,19 +4644,19 @@
               <a:t>,</a:t>
             </a:r>
             <a:r>
-              <a:rPr kumimoji="1" lang="en-US" altLang="ja-JP" sz="6600" dirty="0" smtClean="0"/>
+              <a:rPr kumimoji="1" lang="en-US" altLang="ja-JP" sz="6600" dirty="0"/>
               <a:t> </a:t>
             </a:r>
             <a:r>
-              <a:rPr kumimoji="1" lang="ja-JP" altLang="en-US" sz="6600" dirty="0" smtClean="0"/>
+              <a:rPr kumimoji="1" lang="ja-JP" altLang="en-US" sz="6600" dirty="0"/>
               <a:t>値</a:t>
             </a:r>
             <a:r>
-              <a:rPr kumimoji="1" lang="en-US" altLang="ja-JP" sz="6600" dirty="0" smtClean="0"/>
+              <a:rPr kumimoji="1" lang="en-US" altLang="ja-JP" sz="6600" dirty="0"/>
               <a:t>2</a:t>
             </a:r>
             <a:r>
-              <a:rPr kumimoji="1" lang="en-US" altLang="ja-JP" sz="6600" dirty="0" smtClean="0">
+              <a:rPr kumimoji="1" lang="en-US" altLang="ja-JP" sz="6600" dirty="0">
                 <a:solidFill>
                   <a:srgbClr val="FF0000"/>
                 </a:solidFill>
@@ -1588,19 +4664,19 @@
               <a:t>,</a:t>
             </a:r>
             <a:r>
-              <a:rPr kumimoji="1" lang="en-US" altLang="ja-JP" sz="6600" dirty="0" smtClean="0"/>
+              <a:rPr kumimoji="1" lang="en-US" altLang="ja-JP" sz="6600" dirty="0"/>
               <a:t> </a:t>
             </a:r>
             <a:r>
-              <a:rPr kumimoji="1" lang="ja-JP" altLang="en-US" sz="6600" dirty="0" smtClean="0"/>
+              <a:rPr kumimoji="1" lang="ja-JP" altLang="en-US" sz="6600" dirty="0"/>
               <a:t>値</a:t>
             </a:r>
             <a:r>
-              <a:rPr kumimoji="1" lang="en-US" altLang="ja-JP" sz="6600" dirty="0" smtClean="0"/>
+              <a:rPr kumimoji="1" lang="en-US" altLang="ja-JP" sz="6600" dirty="0"/>
               <a:t>3</a:t>
             </a:r>
             <a:r>
-              <a:rPr kumimoji="1" lang="en-US" altLang="ja-JP" sz="6600" dirty="0" smtClean="0">
+              <a:rPr kumimoji="1" lang="en-US" altLang="ja-JP" sz="6600" dirty="0">
                 <a:solidFill>
                   <a:srgbClr val="FF0000"/>
                 </a:solidFill>
@@ -1661,10 +4737,9 @@
           <a:lstStyle/>
           <a:p>
             <a:r>
-              <a:rPr kumimoji="1" lang="ja-JP" altLang="en-US" dirty="0" smtClean="0"/>
+              <a:rPr kumimoji="1" lang="ja-JP" altLang="en-US" dirty="0"/>
               <a:t>リストの例</a:t>
             </a:r>
-            <a:endParaRPr kumimoji="1" lang="ja-JP" altLang="en-US" dirty="0"/>
           </a:p>
         </p:txBody>
       </p:sp>
@@ -1691,7 +4766,7 @@
           <a:lstStyle/>
           <a:p>
             <a:r>
-              <a:rPr lang="ja-JP" altLang="en-US" sz="3200" dirty="0" smtClean="0"/>
+              <a:rPr lang="ja-JP" altLang="en-US" sz="3200" dirty="0"/>
               <a:t>なんでもリストにできる</a:t>
             </a:r>
             <a:endParaRPr kumimoji="1" lang="ja-JP" altLang="en-US" sz="3200" dirty="0"/>
@@ -1777,7 +4852,7 @@
               <a:t>3</a:t>
             </a:r>
             <a:r>
-              <a:rPr lang="en-US" altLang="ja-JP" sz="3600" dirty="0" smtClean="0">
+              <a:rPr lang="en-US" altLang="ja-JP" sz="3600" dirty="0">
                 <a:solidFill>
                   <a:srgbClr val="D4D4D4"/>
                 </a:solidFill>
@@ -1785,12 +4860,6 @@
               </a:rPr>
               <a:t>]</a:t>
             </a:r>
-            <a:endParaRPr lang="en-US" altLang="ja-JP" sz="3600" dirty="0">
-              <a:solidFill>
-                <a:srgbClr val="D4D4D4"/>
-              </a:solidFill>
-              <a:latin typeface="Consolas" panose="020B0609020204030204" pitchFamily="49" charset="0"/>
-            </a:endParaRPr>
           </a:p>
         </p:txBody>
       </p:sp>
@@ -1817,10 +4886,9 @@
           <a:lstStyle/>
           <a:p>
             <a:r>
-              <a:rPr kumimoji="1" lang="ja-JP" altLang="en-US" sz="2800" dirty="0" smtClean="0"/>
+              <a:rPr kumimoji="1" lang="ja-JP" altLang="en-US" sz="2800" dirty="0"/>
               <a:t>整数のリスト</a:t>
             </a:r>
-            <a:endParaRPr kumimoji="1" lang="ja-JP" altLang="en-US" sz="2800" dirty="0"/>
           </a:p>
         </p:txBody>
       </p:sp>
@@ -1944,7 +5012,7 @@
           <a:lstStyle/>
           <a:p>
             <a:r>
-              <a:rPr lang="ja-JP" altLang="en-US" sz="2800" dirty="0" smtClean="0"/>
+              <a:rPr lang="ja-JP" altLang="en-US" sz="2800" dirty="0"/>
               <a:t>文字列のリスト</a:t>
             </a:r>
             <a:endParaRPr kumimoji="1" lang="ja-JP" altLang="en-US" sz="2800" dirty="0"/>
@@ -1974,10 +5042,9 @@
           <a:lstStyle/>
           <a:p>
             <a:r>
-              <a:rPr kumimoji="1" lang="ja-JP" altLang="en-US" sz="3200" dirty="0" smtClean="0"/>
+              <a:rPr kumimoji="1" lang="ja-JP" altLang="en-US" sz="3200" dirty="0"/>
               <a:t>異なる種類のデータを混ぜることができる</a:t>
             </a:r>
-            <a:endParaRPr kumimoji="1" lang="ja-JP" altLang="en-US" sz="3200" dirty="0"/>
           </a:p>
         </p:txBody>
       </p:sp>
@@ -2101,7 +5168,7 @@
           <a:lstStyle/>
           <a:p>
             <a:r>
-              <a:rPr lang="ja-JP" altLang="en-US" sz="2400" dirty="0" smtClean="0"/>
+              <a:rPr lang="ja-JP" altLang="en-US" sz="2400" dirty="0"/>
               <a:t>文字列と整数と浮動小数のリスト</a:t>
             </a:r>
             <a:endParaRPr kumimoji="1" lang="ja-JP" altLang="en-US" sz="2400" dirty="0"/>
@@ -2154,8 +5221,8 @@
           <a:lstStyle/>
           <a:p>
             <a:r>
-              <a:rPr lang="ja-JP" altLang="en-US" dirty="0" smtClean="0"/>
-              <a:t>リストへのアクセス</a:t>
+              <a:rPr lang="ja-JP" altLang="en-US" dirty="0"/>
+              <a:t>リストの操作</a:t>
             </a:r>
             <a:endParaRPr kumimoji="1" lang="ja-JP" altLang="en-US" dirty="0"/>
           </a:p>
@@ -2169,7 +5236,7 @@
         </p:nvSpPr>
         <p:spPr>
           <a:xfrm>
-            <a:off x="539552" y="1916832"/>
+            <a:off x="242640" y="3501008"/>
             <a:ext cx="3477234" cy="646331"/>
           </a:xfrm>
           <a:prstGeom prst="rect">
@@ -2266,7 +5333,7 @@
         </p:nvSpPr>
         <p:spPr>
           <a:xfrm>
-            <a:off x="471021" y="1124744"/>
+            <a:off x="107504" y="2708920"/>
             <a:ext cx="5109091" cy="584775"/>
           </a:xfrm>
           <a:prstGeom prst="rect">
@@ -2281,10 +5348,478 @@
           <a:lstStyle/>
           <a:p>
             <a:r>
-              <a:rPr lang="ja-JP" altLang="en-US" sz="3200" smtClean="0"/>
+              <a:rPr lang="ja-JP" altLang="en-US" sz="3200"/>
               <a:t>リストを変数に代入できる</a:t>
             </a:r>
             <a:endParaRPr kumimoji="1" lang="ja-JP" altLang="en-US" sz="3200" dirty="0"/>
+          </a:p>
+        </p:txBody>
+      </p:sp>
+      <p:sp>
+        <p:nvSpPr>
+          <p:cNvPr id="7" name="テキスト ボックス 6">
+            <a:extLst>
+              <a:ext uri="{FF2B5EF4-FFF2-40B4-BE49-F238E27FC236}">
+                <a16:creationId xmlns:a16="http://schemas.microsoft.com/office/drawing/2014/main" id="{28A6F97E-1546-E04D-8EF7-0B2E6080CD46}"/>
+              </a:ext>
+            </a:extLst>
+          </p:cNvPr>
+          <p:cNvSpPr txBox="1"/>
+          <p:nvPr/>
+        </p:nvSpPr>
+        <p:spPr>
+          <a:xfrm>
+            <a:off x="179512" y="4509120"/>
+            <a:ext cx="4370107" cy="584775"/>
+          </a:xfrm>
+          <a:prstGeom prst="rect">
+            <a:avLst/>
+          </a:prstGeom>
+          <a:noFill/>
+        </p:spPr>
+        <p:txBody>
+          <a:bodyPr wrap="none" rtlCol="0">
+            <a:spAutoFit/>
+          </a:bodyPr>
+          <a:lstStyle/>
+          <a:p>
+            <a:r>
+              <a:rPr kumimoji="1" lang="en-US" altLang="ja-JP" sz="3200" dirty="0"/>
+              <a:t>len</a:t>
+            </a:r>
+            <a:r>
+              <a:rPr kumimoji="1" lang="ja-JP" altLang="en-US" sz="3200" dirty="0"/>
+              <a:t>で長さを取得できる</a:t>
+            </a:r>
+          </a:p>
+        </p:txBody>
+      </p:sp>
+      <p:sp>
+        <p:nvSpPr>
+          <p:cNvPr id="11" name="正方形/長方形 10">
+            <a:extLst>
+              <a:ext uri="{FF2B5EF4-FFF2-40B4-BE49-F238E27FC236}">
+                <a16:creationId xmlns:a16="http://schemas.microsoft.com/office/drawing/2014/main" id="{806758E9-7643-6D43-B26A-8E1C3A01962A}"/>
+              </a:ext>
+            </a:extLst>
+          </p:cNvPr>
+          <p:cNvSpPr/>
+          <p:nvPr/>
+        </p:nvSpPr>
+        <p:spPr>
+          <a:xfrm>
+            <a:off x="251520" y="5373216"/>
+            <a:ext cx="1944216" cy="646331"/>
+          </a:xfrm>
+          <a:prstGeom prst="rect">
+            <a:avLst/>
+          </a:prstGeom>
+          <a:solidFill>
+            <a:schemeClr val="tx1"/>
+          </a:solidFill>
+        </p:spPr>
+        <p:txBody>
+          <a:bodyPr wrap="square">
+            <a:spAutoFit/>
+          </a:bodyPr>
+          <a:lstStyle/>
+          <a:p>
+            <a:r>
+              <a:rPr lang="en" altLang="ja-JP" sz="3600" b="0">
+                <a:solidFill>
+                  <a:srgbClr val="DCDCAA"/>
+                </a:solidFill>
+                <a:effectLst/>
+                <a:latin typeface="Menlo" panose="020B0609030804020204" pitchFamily="49" charset="0"/>
+              </a:rPr>
+              <a:t>len</a:t>
+            </a:r>
+            <a:r>
+              <a:rPr lang="en" altLang="ja-JP" sz="3600" b="0">
+                <a:solidFill>
+                  <a:srgbClr val="D4D4D4"/>
+                </a:solidFill>
+                <a:effectLst/>
+                <a:latin typeface="Menlo" panose="020B0609030804020204" pitchFamily="49" charset="0"/>
+              </a:rPr>
+              <a:t>(a)</a:t>
+            </a:r>
+          </a:p>
+        </p:txBody>
+      </p:sp>
+      <p:sp>
+        <p:nvSpPr>
+          <p:cNvPr id="13" name="正方形/長方形 12">
+            <a:extLst>
+              <a:ext uri="{FF2B5EF4-FFF2-40B4-BE49-F238E27FC236}">
+                <a16:creationId xmlns:a16="http://schemas.microsoft.com/office/drawing/2014/main" id="{5765FBB8-6C06-8C44-9B1D-FD3F56947A10}"/>
+              </a:ext>
+            </a:extLst>
+          </p:cNvPr>
+          <p:cNvSpPr/>
+          <p:nvPr/>
+        </p:nvSpPr>
+        <p:spPr>
+          <a:xfrm>
+            <a:off x="179512" y="1772816"/>
+            <a:ext cx="4079963" cy="523220"/>
+          </a:xfrm>
+          <a:prstGeom prst="rect">
+            <a:avLst/>
+          </a:prstGeom>
+          <a:solidFill>
+            <a:schemeClr val="tx1"/>
+          </a:solidFill>
+        </p:spPr>
+        <p:txBody>
+          <a:bodyPr wrap="none">
+            <a:spAutoFit/>
+          </a:bodyPr>
+          <a:lstStyle/>
+          <a:p>
+            <a:r>
+              <a:rPr lang="en-US" altLang="ja-JP" sz="2800" b="0">
+                <a:solidFill>
+                  <a:srgbClr val="D4D4D4"/>
+                </a:solidFill>
+                <a:effectLst/>
+                <a:latin typeface="Menlo" panose="020B0609030804020204" pitchFamily="49" charset="0"/>
+              </a:rPr>
+              <a:t>[</a:t>
+            </a:r>
+            <a:r>
+              <a:rPr lang="en-US" altLang="ja-JP" sz="2800" b="0">
+                <a:solidFill>
+                  <a:srgbClr val="B5CEA8"/>
+                </a:solidFill>
+                <a:effectLst/>
+                <a:latin typeface="Menlo" panose="020B0609030804020204" pitchFamily="49" charset="0"/>
+              </a:rPr>
+              <a:t>1</a:t>
+            </a:r>
+            <a:r>
+              <a:rPr lang="en-US" altLang="ja-JP" sz="2800" b="0">
+                <a:solidFill>
+                  <a:srgbClr val="D4D4D4"/>
+                </a:solidFill>
+                <a:effectLst/>
+                <a:latin typeface="Menlo" panose="020B0609030804020204" pitchFamily="49" charset="0"/>
+              </a:rPr>
+              <a:t>, </a:t>
+            </a:r>
+            <a:r>
+              <a:rPr lang="en-US" altLang="ja-JP" sz="2800" b="0">
+                <a:solidFill>
+                  <a:srgbClr val="B5CEA8"/>
+                </a:solidFill>
+                <a:effectLst/>
+                <a:latin typeface="Menlo" panose="020B0609030804020204" pitchFamily="49" charset="0"/>
+              </a:rPr>
+              <a:t>2</a:t>
+            </a:r>
+            <a:r>
+              <a:rPr lang="en-US" altLang="ja-JP" sz="2800" b="0">
+                <a:solidFill>
+                  <a:srgbClr val="D4D4D4"/>
+                </a:solidFill>
+                <a:effectLst/>
+                <a:latin typeface="Menlo" panose="020B0609030804020204" pitchFamily="49" charset="0"/>
+              </a:rPr>
+              <a:t>] + [</a:t>
+            </a:r>
+            <a:r>
+              <a:rPr lang="en-US" altLang="ja-JP" sz="2800" b="0">
+                <a:solidFill>
+                  <a:srgbClr val="B5CEA8"/>
+                </a:solidFill>
+                <a:effectLst/>
+                <a:latin typeface="Menlo" panose="020B0609030804020204" pitchFamily="49" charset="0"/>
+              </a:rPr>
+              <a:t>3</a:t>
+            </a:r>
+            <a:r>
+              <a:rPr lang="en-US" altLang="ja-JP" sz="2800" b="0">
+                <a:solidFill>
+                  <a:srgbClr val="D4D4D4"/>
+                </a:solidFill>
+                <a:effectLst/>
+                <a:latin typeface="Menlo" panose="020B0609030804020204" pitchFamily="49" charset="0"/>
+              </a:rPr>
+              <a:t>, </a:t>
+            </a:r>
+            <a:r>
+              <a:rPr lang="en-US" altLang="ja-JP" sz="2800" b="0">
+                <a:solidFill>
+                  <a:srgbClr val="B5CEA8"/>
+                </a:solidFill>
+                <a:effectLst/>
+                <a:latin typeface="Menlo" panose="020B0609030804020204" pitchFamily="49" charset="0"/>
+              </a:rPr>
+              <a:t>4</a:t>
+            </a:r>
+            <a:r>
+              <a:rPr lang="en-US" altLang="ja-JP" sz="2800" b="0">
+                <a:solidFill>
+                  <a:srgbClr val="D4D4D4"/>
+                </a:solidFill>
+                <a:effectLst/>
+                <a:latin typeface="Menlo" panose="020B0609030804020204" pitchFamily="49" charset="0"/>
+              </a:rPr>
+              <a:t>, </a:t>
+            </a:r>
+            <a:r>
+              <a:rPr lang="en-US" altLang="ja-JP" sz="2800" b="0">
+                <a:solidFill>
+                  <a:srgbClr val="B5CEA8"/>
+                </a:solidFill>
+                <a:effectLst/>
+                <a:latin typeface="Menlo" panose="020B0609030804020204" pitchFamily="49" charset="0"/>
+              </a:rPr>
+              <a:t>5</a:t>
+            </a:r>
+            <a:r>
+              <a:rPr lang="en-US" altLang="ja-JP" sz="2800" b="0">
+                <a:solidFill>
+                  <a:srgbClr val="D4D4D4"/>
+                </a:solidFill>
+                <a:effectLst/>
+                <a:latin typeface="Menlo" panose="020B0609030804020204" pitchFamily="49" charset="0"/>
+              </a:rPr>
+              <a:t>]</a:t>
+            </a:r>
+          </a:p>
+        </p:txBody>
+      </p:sp>
+      <p:sp>
+        <p:nvSpPr>
+          <p:cNvPr id="14" name="テキスト ボックス 13">
+            <a:extLst>
+              <a:ext uri="{FF2B5EF4-FFF2-40B4-BE49-F238E27FC236}">
+                <a16:creationId xmlns:a16="http://schemas.microsoft.com/office/drawing/2014/main" id="{616FC85D-56D4-0041-8034-BD9E4001F834}"/>
+              </a:ext>
+            </a:extLst>
+          </p:cNvPr>
+          <p:cNvSpPr txBox="1"/>
+          <p:nvPr/>
+        </p:nvSpPr>
+        <p:spPr>
+          <a:xfrm>
+            <a:off x="107504" y="1052736"/>
+            <a:ext cx="3877985" cy="584775"/>
+          </a:xfrm>
+          <a:prstGeom prst="rect">
+            <a:avLst/>
+          </a:prstGeom>
+          <a:noFill/>
+        </p:spPr>
+        <p:txBody>
+          <a:bodyPr wrap="none" rtlCol="0">
+            <a:spAutoFit/>
+          </a:bodyPr>
+          <a:lstStyle/>
+          <a:p>
+            <a:r>
+              <a:rPr lang="ja-JP" altLang="en-US" sz="3200"/>
+              <a:t>リストは結合できる</a:t>
+            </a:r>
+            <a:endParaRPr kumimoji="1" lang="ja-JP" altLang="en-US" sz="3200" dirty="0"/>
+          </a:p>
+        </p:txBody>
+      </p:sp>
+      <p:sp>
+        <p:nvSpPr>
+          <p:cNvPr id="15" name="正方形/長方形 14">
+            <a:extLst>
+              <a:ext uri="{FF2B5EF4-FFF2-40B4-BE49-F238E27FC236}">
+                <a16:creationId xmlns:a16="http://schemas.microsoft.com/office/drawing/2014/main" id="{0DB0B2B0-8284-6A4B-B3D5-88428438DA27}"/>
+              </a:ext>
+            </a:extLst>
+          </p:cNvPr>
+          <p:cNvSpPr/>
+          <p:nvPr/>
+        </p:nvSpPr>
+        <p:spPr>
+          <a:xfrm>
+            <a:off x="5148064" y="1772816"/>
+            <a:ext cx="3430747" cy="523220"/>
+          </a:xfrm>
+          <a:prstGeom prst="rect">
+            <a:avLst/>
+          </a:prstGeom>
+          <a:solidFill>
+            <a:schemeClr val="tx1"/>
+          </a:solidFill>
+        </p:spPr>
+        <p:txBody>
+          <a:bodyPr wrap="none">
+            <a:spAutoFit/>
+          </a:bodyPr>
+          <a:lstStyle/>
+          <a:p>
+            <a:r>
+              <a:rPr lang="en-US" altLang="ja-JP" sz="2800" b="0">
+                <a:solidFill>
+                  <a:srgbClr val="D4D4D4"/>
+                </a:solidFill>
+                <a:effectLst/>
+                <a:latin typeface="Menlo" panose="020B0609030804020204" pitchFamily="49" charset="0"/>
+              </a:rPr>
+              <a:t>[</a:t>
+            </a:r>
+            <a:r>
+              <a:rPr lang="en-US" altLang="ja-JP" sz="2800" b="0">
+                <a:solidFill>
+                  <a:srgbClr val="B5CEA8"/>
+                </a:solidFill>
+                <a:effectLst/>
+                <a:latin typeface="Menlo" panose="020B0609030804020204" pitchFamily="49" charset="0"/>
+              </a:rPr>
+              <a:t>1</a:t>
+            </a:r>
+            <a:r>
+              <a:rPr lang="en-US" altLang="ja-JP" sz="2800" b="0">
+                <a:solidFill>
+                  <a:srgbClr val="D4D4D4"/>
+                </a:solidFill>
+                <a:effectLst/>
+                <a:latin typeface="Menlo" panose="020B0609030804020204" pitchFamily="49" charset="0"/>
+              </a:rPr>
+              <a:t>, </a:t>
+            </a:r>
+            <a:r>
+              <a:rPr lang="en-US" altLang="ja-JP" sz="2800" b="0">
+                <a:solidFill>
+                  <a:srgbClr val="B5CEA8"/>
+                </a:solidFill>
+                <a:effectLst/>
+                <a:latin typeface="Menlo" panose="020B0609030804020204" pitchFamily="49" charset="0"/>
+              </a:rPr>
+              <a:t>2</a:t>
+            </a:r>
+            <a:r>
+              <a:rPr lang="en-US" altLang="ja-JP" sz="2800" b="0">
+                <a:solidFill>
+                  <a:srgbClr val="D4D4D4"/>
+                </a:solidFill>
+                <a:effectLst/>
+                <a:latin typeface="Menlo" panose="020B0609030804020204" pitchFamily="49" charset="0"/>
+              </a:rPr>
+              <a:t>, </a:t>
+            </a:r>
+            <a:r>
+              <a:rPr lang="en-US" altLang="ja-JP" sz="2800" b="0">
+                <a:solidFill>
+                  <a:srgbClr val="B5CEA8"/>
+                </a:solidFill>
+                <a:effectLst/>
+                <a:latin typeface="Menlo" panose="020B0609030804020204" pitchFamily="49" charset="0"/>
+              </a:rPr>
+              <a:t>3</a:t>
+            </a:r>
+            <a:r>
+              <a:rPr lang="en-US" altLang="ja-JP" sz="2800" b="0">
+                <a:solidFill>
+                  <a:srgbClr val="D4D4D4"/>
+                </a:solidFill>
+                <a:effectLst/>
+                <a:latin typeface="Menlo" panose="020B0609030804020204" pitchFamily="49" charset="0"/>
+              </a:rPr>
+              <a:t>, </a:t>
+            </a:r>
+            <a:r>
+              <a:rPr lang="en-US" altLang="ja-JP" sz="2800" b="0">
+                <a:solidFill>
+                  <a:srgbClr val="B5CEA8"/>
+                </a:solidFill>
+                <a:effectLst/>
+                <a:latin typeface="Menlo" panose="020B0609030804020204" pitchFamily="49" charset="0"/>
+              </a:rPr>
+              <a:t>4</a:t>
+            </a:r>
+            <a:r>
+              <a:rPr lang="en-US" altLang="ja-JP" sz="2800" b="0">
+                <a:solidFill>
+                  <a:srgbClr val="D4D4D4"/>
+                </a:solidFill>
+                <a:effectLst/>
+                <a:latin typeface="Menlo" panose="020B0609030804020204" pitchFamily="49" charset="0"/>
+              </a:rPr>
+              <a:t>, </a:t>
+            </a:r>
+            <a:r>
+              <a:rPr lang="en-US" altLang="ja-JP" sz="2800" b="0">
+                <a:solidFill>
+                  <a:srgbClr val="B5CEA8"/>
+                </a:solidFill>
+                <a:effectLst/>
+                <a:latin typeface="Menlo" panose="020B0609030804020204" pitchFamily="49" charset="0"/>
+              </a:rPr>
+              <a:t>5</a:t>
+            </a:r>
+            <a:r>
+              <a:rPr lang="en-US" altLang="ja-JP" sz="2800" b="0">
+                <a:solidFill>
+                  <a:srgbClr val="D4D4D4"/>
+                </a:solidFill>
+                <a:effectLst/>
+                <a:latin typeface="Menlo" panose="020B0609030804020204" pitchFamily="49" charset="0"/>
+              </a:rPr>
+              <a:t>]</a:t>
+            </a:r>
+          </a:p>
+        </p:txBody>
+      </p:sp>
+      <p:sp>
+        <p:nvSpPr>
+          <p:cNvPr id="16" name="右矢印 15">
+            <a:extLst>
+              <a:ext uri="{FF2B5EF4-FFF2-40B4-BE49-F238E27FC236}">
+                <a16:creationId xmlns:a16="http://schemas.microsoft.com/office/drawing/2014/main" id="{C4E04B31-2D00-1140-8821-1E2360084B7B}"/>
+              </a:ext>
+            </a:extLst>
+          </p:cNvPr>
+          <p:cNvSpPr/>
+          <p:nvPr/>
+        </p:nvSpPr>
+        <p:spPr>
+          <a:xfrm>
+            <a:off x="4499992" y="1844824"/>
+            <a:ext cx="432048" cy="432048"/>
+          </a:xfrm>
+          <a:prstGeom prst="rightArrow">
+            <a:avLst/>
+          </a:prstGeom>
+          <a:solidFill>
+            <a:srgbClr val="FF0000"/>
+          </a:solidFill>
+          <a:ln>
+            <a:solidFill>
+              <a:schemeClr val="tx1"/>
+            </a:solidFill>
+          </a:ln>
+        </p:spPr>
+        <p:style>
+          <a:lnRef idx="2">
+            <a:schemeClr val="accent1">
+              <a:shade val="50000"/>
+            </a:schemeClr>
+          </a:lnRef>
+          <a:fillRef idx="1">
+            <a:schemeClr val="accent1"/>
+          </a:fillRef>
+          <a:effectRef idx="0">
+            <a:schemeClr val="accent1"/>
+          </a:effectRef>
+          <a:fontRef idx="minor">
+            <a:schemeClr val="lt1"/>
+          </a:fontRef>
+        </p:style>
+        <p:txBody>
+          <a:bodyPr rtlCol="0" anchor="ctr"/>
+          <a:lstStyle/>
+          <a:p>
+            <a:pPr algn="ctr"/>
+            <a:endParaRPr kumimoji="1" lang="ja-JP" altLang="en-US"/>
           </a:p>
         </p:txBody>
       </p:sp>
@@ -2292,6 +5827,5449 @@
     <p:extLst>
       <p:ext uri="{BB962C8B-B14F-4D97-AF65-F5344CB8AC3E}">
         <p14:creationId xmlns:p14="http://schemas.microsoft.com/office/powerpoint/2010/main" val="930147254"/>
+      </p:ext>
+    </p:extLst>
+  </p:cSld>
+  <p:clrMapOvr>
+    <a:masterClrMapping/>
+  </p:clrMapOvr>
+</p:sld>
+</file>
+
+<file path=ppt/slides/slide6.xml><?xml version="1.0" encoding="utf-8"?>
+<p:sld xmlns:a="http://schemas.openxmlformats.org/drawingml/2006/main" xmlns:r="http://schemas.openxmlformats.org/officeDocument/2006/relationships" xmlns:p="http://schemas.openxmlformats.org/presentationml/2006/main">
+  <p:cSld>
+    <p:spTree>
+      <p:nvGrpSpPr>
+        <p:cNvPr id="1" name=""/>
+        <p:cNvGrpSpPr/>
+        <p:nvPr/>
+      </p:nvGrpSpPr>
+      <p:grpSpPr>
+        <a:xfrm>
+          <a:off x="0" y="0"/>
+          <a:ext cx="0" cy="0"/>
+          <a:chOff x="0" y="0"/>
+          <a:chExt cx="0" cy="0"/>
+        </a:xfrm>
+      </p:grpSpPr>
+      <p:sp>
+        <p:nvSpPr>
+          <p:cNvPr id="2" name="テキスト プレースホルダー 1">
+            <a:extLst>
+              <a:ext uri="{FF2B5EF4-FFF2-40B4-BE49-F238E27FC236}">
+                <a16:creationId xmlns:a16="http://schemas.microsoft.com/office/drawing/2014/main" id="{55BBC973-CA40-4D4B-B618-433EA1A28456}"/>
+              </a:ext>
+            </a:extLst>
+          </p:cNvPr>
+          <p:cNvSpPr>
+            <a:spLocks noGrp="1"/>
+          </p:cNvSpPr>
+          <p:nvPr>
+            <p:ph type="body" sz="quarter" idx="10"/>
+          </p:nvPr>
+        </p:nvSpPr>
+        <p:spPr/>
+        <p:txBody>
+          <a:bodyPr/>
+          <a:lstStyle/>
+          <a:p>
+            <a:r>
+              <a:rPr kumimoji="1" lang="ja-JP" altLang="en-US"/>
+              <a:t>リストへのアクセス</a:t>
+            </a:r>
+          </a:p>
+        </p:txBody>
+      </p:sp>
+      <p:sp>
+        <p:nvSpPr>
+          <p:cNvPr id="4" name="正方形/長方形 3">
+            <a:extLst>
+              <a:ext uri="{FF2B5EF4-FFF2-40B4-BE49-F238E27FC236}">
+                <a16:creationId xmlns:a16="http://schemas.microsoft.com/office/drawing/2014/main" id="{D435CF03-CF72-EA48-A31A-2812BEC5124D}"/>
+              </a:ext>
+            </a:extLst>
+          </p:cNvPr>
+          <p:cNvSpPr/>
+          <p:nvPr/>
+        </p:nvSpPr>
+        <p:spPr>
+          <a:xfrm>
+            <a:off x="251520" y="1196752"/>
+            <a:ext cx="3477234" cy="646331"/>
+          </a:xfrm>
+          <a:prstGeom prst="rect">
+            <a:avLst/>
+          </a:prstGeom>
+          <a:solidFill>
+            <a:schemeClr val="tx1"/>
+          </a:solidFill>
+        </p:spPr>
+        <p:txBody>
+          <a:bodyPr wrap="none">
+            <a:spAutoFit/>
+          </a:bodyPr>
+          <a:lstStyle/>
+          <a:p>
+            <a:r>
+              <a:rPr lang="en-US" altLang="ja-JP" sz="3600" dirty="0">
+                <a:solidFill>
+                  <a:srgbClr val="D4D4D4"/>
+                </a:solidFill>
+                <a:latin typeface="Consolas" panose="020B0609020204030204" pitchFamily="49" charset="0"/>
+              </a:rPr>
+              <a:t>a = [</a:t>
+            </a:r>
+            <a:r>
+              <a:rPr lang="en-US" altLang="ja-JP" sz="3600" dirty="0">
+                <a:solidFill>
+                  <a:srgbClr val="B5CEA8"/>
+                </a:solidFill>
+                <a:latin typeface="Consolas" panose="020B0609020204030204" pitchFamily="49" charset="0"/>
+              </a:rPr>
+              <a:t>1</a:t>
+            </a:r>
+            <a:r>
+              <a:rPr lang="en-US" altLang="ja-JP" sz="3600" dirty="0">
+                <a:solidFill>
+                  <a:srgbClr val="D4D4D4"/>
+                </a:solidFill>
+                <a:latin typeface="Consolas" panose="020B0609020204030204" pitchFamily="49" charset="0"/>
+              </a:rPr>
+              <a:t>, </a:t>
+            </a:r>
+            <a:r>
+              <a:rPr lang="en-US" altLang="ja-JP" sz="3600" dirty="0">
+                <a:solidFill>
+                  <a:srgbClr val="B5CEA8"/>
+                </a:solidFill>
+                <a:latin typeface="Consolas" panose="020B0609020204030204" pitchFamily="49" charset="0"/>
+              </a:rPr>
+              <a:t>2</a:t>
+            </a:r>
+            <a:r>
+              <a:rPr lang="en-US" altLang="ja-JP" sz="3600" dirty="0">
+                <a:solidFill>
+                  <a:srgbClr val="D4D4D4"/>
+                </a:solidFill>
+                <a:latin typeface="Consolas" panose="020B0609020204030204" pitchFamily="49" charset="0"/>
+              </a:rPr>
+              <a:t>, </a:t>
+            </a:r>
+            <a:r>
+              <a:rPr lang="en-US" altLang="ja-JP" sz="3600" dirty="0">
+                <a:solidFill>
+                  <a:srgbClr val="B5CEA8"/>
+                </a:solidFill>
+                <a:latin typeface="Consolas" panose="020B0609020204030204" pitchFamily="49" charset="0"/>
+              </a:rPr>
+              <a:t>3</a:t>
+            </a:r>
+            <a:r>
+              <a:rPr lang="en-US" altLang="ja-JP" sz="3600" dirty="0">
+                <a:solidFill>
+                  <a:srgbClr val="D4D4D4"/>
+                </a:solidFill>
+                <a:latin typeface="Consolas" panose="020B0609020204030204" pitchFamily="49" charset="0"/>
+              </a:rPr>
+              <a:t>]</a:t>
+            </a:r>
+            <a:endParaRPr lang="en-US" altLang="ja-JP" sz="3600" b="0" dirty="0">
+              <a:solidFill>
+                <a:srgbClr val="D4D4D4"/>
+              </a:solidFill>
+              <a:effectLst/>
+              <a:latin typeface="Consolas" panose="020B0609020204030204" pitchFamily="49" charset="0"/>
+            </a:endParaRPr>
+          </a:p>
+        </p:txBody>
+      </p:sp>
+      <p:sp>
+        <p:nvSpPr>
+          <p:cNvPr id="5" name="テキスト ボックス 4">
+            <a:extLst>
+              <a:ext uri="{FF2B5EF4-FFF2-40B4-BE49-F238E27FC236}">
+                <a16:creationId xmlns:a16="http://schemas.microsoft.com/office/drawing/2014/main" id="{528DF915-6FD7-8940-9CC6-C8094C95DA24}"/>
+              </a:ext>
+            </a:extLst>
+          </p:cNvPr>
+          <p:cNvSpPr txBox="1"/>
+          <p:nvPr/>
+        </p:nvSpPr>
+        <p:spPr>
+          <a:xfrm>
+            <a:off x="179512" y="2060848"/>
+            <a:ext cx="6529352" cy="523220"/>
+          </a:xfrm>
+          <a:prstGeom prst="rect">
+            <a:avLst/>
+          </a:prstGeom>
+          <a:noFill/>
+        </p:spPr>
+        <p:txBody>
+          <a:bodyPr wrap="none" rtlCol="0">
+            <a:spAutoFit/>
+          </a:bodyPr>
+          <a:lstStyle/>
+          <a:p>
+            <a:r>
+              <a:rPr kumimoji="1" lang="ja-JP" altLang="en-US" sz="2800"/>
+              <a:t>リスト名</a:t>
+            </a:r>
+            <a:r>
+              <a:rPr kumimoji="1" lang="en-US" altLang="ja-JP" sz="2800"/>
+              <a:t>[</a:t>
+            </a:r>
+            <a:r>
+              <a:rPr kumimoji="1" lang="ja-JP" altLang="en-US" sz="2800"/>
+              <a:t>番号</a:t>
+            </a:r>
+            <a:r>
+              <a:rPr kumimoji="1" lang="en-US" altLang="ja-JP" sz="2800"/>
+              <a:t>]</a:t>
+            </a:r>
+            <a:r>
+              <a:rPr kumimoji="1" lang="ja-JP" altLang="en-US" sz="2800"/>
+              <a:t>で要素にアクセスできる</a:t>
+            </a:r>
+          </a:p>
+        </p:txBody>
+      </p:sp>
+      <p:sp>
+        <p:nvSpPr>
+          <p:cNvPr id="6" name="正方形/長方形 5">
+            <a:extLst>
+              <a:ext uri="{FF2B5EF4-FFF2-40B4-BE49-F238E27FC236}">
+                <a16:creationId xmlns:a16="http://schemas.microsoft.com/office/drawing/2014/main" id="{61357732-CE0E-7743-82FB-679E4D1838A1}"/>
+              </a:ext>
+            </a:extLst>
+          </p:cNvPr>
+          <p:cNvSpPr/>
+          <p:nvPr/>
+        </p:nvSpPr>
+        <p:spPr>
+          <a:xfrm>
+            <a:off x="251520" y="2852936"/>
+            <a:ext cx="1172116" cy="584775"/>
+          </a:xfrm>
+          <a:prstGeom prst="rect">
+            <a:avLst/>
+          </a:prstGeom>
+          <a:solidFill>
+            <a:schemeClr val="tx1"/>
+          </a:solidFill>
+        </p:spPr>
+        <p:txBody>
+          <a:bodyPr wrap="none">
+            <a:spAutoFit/>
+          </a:bodyPr>
+          <a:lstStyle/>
+          <a:p>
+            <a:r>
+              <a:rPr lang="en" altLang="ja-JP" sz="3200" b="0">
+                <a:solidFill>
+                  <a:srgbClr val="D4D4D4"/>
+                </a:solidFill>
+                <a:effectLst/>
+                <a:latin typeface="Menlo" panose="020B0609030804020204" pitchFamily="49" charset="0"/>
+              </a:rPr>
+              <a:t>a[</a:t>
+            </a:r>
+            <a:r>
+              <a:rPr lang="en" altLang="ja-JP" sz="3200" b="0">
+                <a:solidFill>
+                  <a:srgbClr val="B5CEA8"/>
+                </a:solidFill>
+                <a:effectLst/>
+                <a:latin typeface="Menlo" panose="020B0609030804020204" pitchFamily="49" charset="0"/>
+              </a:rPr>
+              <a:t>1</a:t>
+            </a:r>
+            <a:r>
+              <a:rPr lang="en" altLang="ja-JP" sz="3200" b="0">
+                <a:solidFill>
+                  <a:srgbClr val="D4D4D4"/>
+                </a:solidFill>
+                <a:effectLst/>
+                <a:latin typeface="Menlo" panose="020B0609030804020204" pitchFamily="49" charset="0"/>
+              </a:rPr>
+              <a:t>]</a:t>
+            </a:r>
+          </a:p>
+        </p:txBody>
+      </p:sp>
+      <p:sp>
+        <p:nvSpPr>
+          <p:cNvPr id="7" name="右矢印 6">
+            <a:extLst>
+              <a:ext uri="{FF2B5EF4-FFF2-40B4-BE49-F238E27FC236}">
+                <a16:creationId xmlns:a16="http://schemas.microsoft.com/office/drawing/2014/main" id="{E9E155C2-F8A9-A849-A8ED-CB859248F668}"/>
+              </a:ext>
+            </a:extLst>
+          </p:cNvPr>
+          <p:cNvSpPr/>
+          <p:nvPr/>
+        </p:nvSpPr>
+        <p:spPr>
+          <a:xfrm>
+            <a:off x="1691680" y="2924944"/>
+            <a:ext cx="432048" cy="432048"/>
+          </a:xfrm>
+          <a:prstGeom prst="rightArrow">
+            <a:avLst/>
+          </a:prstGeom>
+          <a:solidFill>
+            <a:srgbClr val="FF0000"/>
+          </a:solidFill>
+          <a:ln>
+            <a:solidFill>
+              <a:schemeClr val="tx1"/>
+            </a:solidFill>
+          </a:ln>
+        </p:spPr>
+        <p:style>
+          <a:lnRef idx="2">
+            <a:schemeClr val="accent1">
+              <a:shade val="50000"/>
+            </a:schemeClr>
+          </a:lnRef>
+          <a:fillRef idx="1">
+            <a:schemeClr val="accent1"/>
+          </a:fillRef>
+          <a:effectRef idx="0">
+            <a:schemeClr val="accent1"/>
+          </a:effectRef>
+          <a:fontRef idx="minor">
+            <a:schemeClr val="lt1"/>
+          </a:fontRef>
+        </p:style>
+        <p:txBody>
+          <a:bodyPr rtlCol="0" anchor="ctr"/>
+          <a:lstStyle/>
+          <a:p>
+            <a:pPr algn="ctr"/>
+            <a:endParaRPr kumimoji="1" lang="ja-JP" altLang="en-US"/>
+          </a:p>
+        </p:txBody>
+      </p:sp>
+      <p:sp>
+        <p:nvSpPr>
+          <p:cNvPr id="8" name="正方形/長方形 7">
+            <a:extLst>
+              <a:ext uri="{FF2B5EF4-FFF2-40B4-BE49-F238E27FC236}">
+                <a16:creationId xmlns:a16="http://schemas.microsoft.com/office/drawing/2014/main" id="{11E63838-7C0D-8A4C-BC85-12825FD1E93A}"/>
+              </a:ext>
+            </a:extLst>
+          </p:cNvPr>
+          <p:cNvSpPr/>
+          <p:nvPr/>
+        </p:nvSpPr>
+        <p:spPr>
+          <a:xfrm>
+            <a:off x="2411760" y="2852936"/>
+            <a:ext cx="431528" cy="584775"/>
+          </a:xfrm>
+          <a:prstGeom prst="rect">
+            <a:avLst/>
+          </a:prstGeom>
+          <a:solidFill>
+            <a:schemeClr val="tx1"/>
+          </a:solidFill>
+        </p:spPr>
+        <p:txBody>
+          <a:bodyPr wrap="none">
+            <a:spAutoFit/>
+          </a:bodyPr>
+          <a:lstStyle/>
+          <a:p>
+            <a:r>
+              <a:rPr lang="en-US" altLang="ja-JP" sz="3200" b="0">
+                <a:solidFill>
+                  <a:srgbClr val="B5CEA8"/>
+                </a:solidFill>
+                <a:effectLst/>
+                <a:latin typeface="Menlo" panose="020B0609030804020204" pitchFamily="49" charset="0"/>
+              </a:rPr>
+              <a:t>2</a:t>
+            </a:r>
+            <a:endParaRPr lang="ja-JP" altLang="en-US" sz="3200" b="0">
+              <a:solidFill>
+                <a:srgbClr val="D4D4D4"/>
+              </a:solidFill>
+              <a:effectLst/>
+              <a:latin typeface="Menlo" panose="020B0609030804020204" pitchFamily="49" charset="0"/>
+            </a:endParaRPr>
+          </a:p>
+        </p:txBody>
+      </p:sp>
+      <p:sp>
+        <p:nvSpPr>
+          <p:cNvPr id="9" name="正方形/長方形 8">
+            <a:extLst>
+              <a:ext uri="{FF2B5EF4-FFF2-40B4-BE49-F238E27FC236}">
+                <a16:creationId xmlns:a16="http://schemas.microsoft.com/office/drawing/2014/main" id="{34733187-DC2E-A44E-9A2D-1851684FCE07}"/>
+              </a:ext>
+            </a:extLst>
+          </p:cNvPr>
+          <p:cNvSpPr/>
+          <p:nvPr/>
+        </p:nvSpPr>
+        <p:spPr>
+          <a:xfrm>
+            <a:off x="251520" y="5589240"/>
+            <a:ext cx="2159566" cy="584775"/>
+          </a:xfrm>
+          <a:prstGeom prst="rect">
+            <a:avLst/>
+          </a:prstGeom>
+          <a:solidFill>
+            <a:schemeClr val="tx1"/>
+          </a:solidFill>
+        </p:spPr>
+        <p:txBody>
+          <a:bodyPr wrap="none">
+            <a:spAutoFit/>
+          </a:bodyPr>
+          <a:lstStyle/>
+          <a:p>
+            <a:r>
+              <a:rPr lang="en" altLang="ja-JP" sz="3200" b="0">
+                <a:solidFill>
+                  <a:srgbClr val="D4D4D4"/>
+                </a:solidFill>
+                <a:effectLst/>
+                <a:latin typeface="Menlo" panose="020B0609030804020204" pitchFamily="49" charset="0"/>
+              </a:rPr>
+              <a:t>a[</a:t>
+            </a:r>
+            <a:r>
+              <a:rPr lang="en" altLang="ja-JP" sz="3200" b="0">
+                <a:solidFill>
+                  <a:srgbClr val="B5CEA8"/>
+                </a:solidFill>
+                <a:effectLst/>
+                <a:latin typeface="Menlo" panose="020B0609030804020204" pitchFamily="49" charset="0"/>
+              </a:rPr>
+              <a:t>0</a:t>
+            </a:r>
+            <a:r>
+              <a:rPr lang="en" altLang="ja-JP" sz="3200" b="0">
+                <a:solidFill>
+                  <a:srgbClr val="D4D4D4"/>
+                </a:solidFill>
+                <a:effectLst/>
+                <a:latin typeface="Menlo" panose="020B0609030804020204" pitchFamily="49" charset="0"/>
+              </a:rPr>
+              <a:t>] = </a:t>
+            </a:r>
+            <a:r>
+              <a:rPr lang="en" altLang="ja-JP" sz="3200" b="0">
+                <a:solidFill>
+                  <a:srgbClr val="B5CEA8"/>
+                </a:solidFill>
+                <a:effectLst/>
+                <a:latin typeface="Menlo" panose="020B0609030804020204" pitchFamily="49" charset="0"/>
+              </a:rPr>
+              <a:t>5</a:t>
+            </a:r>
+            <a:endParaRPr lang="en" altLang="ja-JP" sz="3200" b="0">
+              <a:solidFill>
+                <a:srgbClr val="D4D4D4"/>
+              </a:solidFill>
+              <a:effectLst/>
+              <a:latin typeface="Menlo" panose="020B0609030804020204" pitchFamily="49" charset="0"/>
+            </a:endParaRPr>
+          </a:p>
+        </p:txBody>
+      </p:sp>
+      <p:sp>
+        <p:nvSpPr>
+          <p:cNvPr id="10" name="テキスト ボックス 9">
+            <a:extLst>
+              <a:ext uri="{FF2B5EF4-FFF2-40B4-BE49-F238E27FC236}">
+                <a16:creationId xmlns:a16="http://schemas.microsoft.com/office/drawing/2014/main" id="{5A083759-BB7F-CA4E-AD55-F5BE31DBEADF}"/>
+              </a:ext>
+            </a:extLst>
+          </p:cNvPr>
+          <p:cNvSpPr txBox="1"/>
+          <p:nvPr/>
+        </p:nvSpPr>
+        <p:spPr>
+          <a:xfrm>
+            <a:off x="107504" y="5013176"/>
+            <a:ext cx="6647974" cy="523220"/>
+          </a:xfrm>
+          <a:prstGeom prst="rect">
+            <a:avLst/>
+          </a:prstGeom>
+          <a:noFill/>
+        </p:spPr>
+        <p:txBody>
+          <a:bodyPr wrap="none" rtlCol="0">
+            <a:spAutoFit/>
+          </a:bodyPr>
+          <a:lstStyle/>
+          <a:p>
+            <a:r>
+              <a:rPr kumimoji="1" lang="ja-JP" altLang="en-US" sz="2800"/>
+              <a:t>リストの要素を書き換えることができる</a:t>
+            </a:r>
+          </a:p>
+        </p:txBody>
+      </p:sp>
+      <p:sp>
+        <p:nvSpPr>
+          <p:cNvPr id="11" name="正方形/長方形 10">
+            <a:extLst>
+              <a:ext uri="{FF2B5EF4-FFF2-40B4-BE49-F238E27FC236}">
+                <a16:creationId xmlns:a16="http://schemas.microsoft.com/office/drawing/2014/main" id="{1244CA33-10C9-2542-94F9-74C8AD8555AA}"/>
+              </a:ext>
+            </a:extLst>
+          </p:cNvPr>
+          <p:cNvSpPr/>
+          <p:nvPr/>
+        </p:nvSpPr>
+        <p:spPr>
+          <a:xfrm>
+            <a:off x="3275856" y="5589240"/>
+            <a:ext cx="3393878" cy="584775"/>
+          </a:xfrm>
+          <a:prstGeom prst="rect">
+            <a:avLst/>
+          </a:prstGeom>
+          <a:solidFill>
+            <a:schemeClr val="tx1"/>
+          </a:solidFill>
+        </p:spPr>
+        <p:txBody>
+          <a:bodyPr wrap="none">
+            <a:spAutoFit/>
+          </a:bodyPr>
+          <a:lstStyle/>
+          <a:p>
+            <a:r>
+              <a:rPr lang="en" altLang="ja-JP" sz="3200" b="0">
+                <a:solidFill>
+                  <a:srgbClr val="D4D4D4"/>
+                </a:solidFill>
+                <a:effectLst/>
+                <a:latin typeface="Menlo" panose="020B0609030804020204" pitchFamily="49" charset="0"/>
+              </a:rPr>
+              <a:t>a = [</a:t>
+            </a:r>
+            <a:r>
+              <a:rPr lang="en" altLang="ja-JP" sz="3200" b="0">
+                <a:solidFill>
+                  <a:srgbClr val="B5CEA8"/>
+                </a:solidFill>
+                <a:effectLst/>
+                <a:latin typeface="Menlo" panose="020B0609030804020204" pitchFamily="49" charset="0"/>
+              </a:rPr>
+              <a:t>5</a:t>
+            </a:r>
+            <a:r>
+              <a:rPr lang="en" altLang="ja-JP" sz="3200" b="0">
+                <a:solidFill>
+                  <a:srgbClr val="D4D4D4"/>
+                </a:solidFill>
+                <a:effectLst/>
+                <a:latin typeface="Menlo" panose="020B0609030804020204" pitchFamily="49" charset="0"/>
+              </a:rPr>
+              <a:t>, </a:t>
+            </a:r>
+            <a:r>
+              <a:rPr lang="en" altLang="ja-JP" sz="3200" b="0">
+                <a:solidFill>
+                  <a:srgbClr val="B5CEA8"/>
+                </a:solidFill>
+                <a:effectLst/>
+                <a:latin typeface="Menlo" panose="020B0609030804020204" pitchFamily="49" charset="0"/>
+              </a:rPr>
+              <a:t>2</a:t>
+            </a:r>
+            <a:r>
+              <a:rPr lang="en" altLang="ja-JP" sz="3200" b="0">
+                <a:solidFill>
+                  <a:srgbClr val="D4D4D4"/>
+                </a:solidFill>
+                <a:effectLst/>
+                <a:latin typeface="Menlo" panose="020B0609030804020204" pitchFamily="49" charset="0"/>
+              </a:rPr>
+              <a:t>, </a:t>
+            </a:r>
+            <a:r>
+              <a:rPr lang="en" altLang="ja-JP" sz="3200" b="0">
+                <a:solidFill>
+                  <a:srgbClr val="B5CEA8"/>
+                </a:solidFill>
+                <a:effectLst/>
+                <a:latin typeface="Menlo" panose="020B0609030804020204" pitchFamily="49" charset="0"/>
+              </a:rPr>
+              <a:t>3</a:t>
+            </a:r>
+            <a:r>
+              <a:rPr lang="en" altLang="ja-JP" sz="3200" b="0">
+                <a:solidFill>
+                  <a:srgbClr val="D4D4D4"/>
+                </a:solidFill>
+                <a:effectLst/>
+                <a:latin typeface="Menlo" panose="020B0609030804020204" pitchFamily="49" charset="0"/>
+              </a:rPr>
+              <a:t>]</a:t>
+            </a:r>
+          </a:p>
+        </p:txBody>
+      </p:sp>
+      <p:sp>
+        <p:nvSpPr>
+          <p:cNvPr id="12" name="右矢印 11">
+            <a:extLst>
+              <a:ext uri="{FF2B5EF4-FFF2-40B4-BE49-F238E27FC236}">
+                <a16:creationId xmlns:a16="http://schemas.microsoft.com/office/drawing/2014/main" id="{4CCEE2B9-8588-C54B-B6C9-363FFE1797A6}"/>
+              </a:ext>
+            </a:extLst>
+          </p:cNvPr>
+          <p:cNvSpPr/>
+          <p:nvPr/>
+        </p:nvSpPr>
+        <p:spPr>
+          <a:xfrm>
+            <a:off x="2555776" y="5661248"/>
+            <a:ext cx="432048" cy="432048"/>
+          </a:xfrm>
+          <a:prstGeom prst="rightArrow">
+            <a:avLst/>
+          </a:prstGeom>
+          <a:solidFill>
+            <a:srgbClr val="FF0000"/>
+          </a:solidFill>
+          <a:ln>
+            <a:solidFill>
+              <a:schemeClr val="tx1"/>
+            </a:solidFill>
+          </a:ln>
+        </p:spPr>
+        <p:style>
+          <a:lnRef idx="2">
+            <a:schemeClr val="accent1">
+              <a:shade val="50000"/>
+            </a:schemeClr>
+          </a:lnRef>
+          <a:fillRef idx="1">
+            <a:schemeClr val="accent1"/>
+          </a:fillRef>
+          <a:effectRef idx="0">
+            <a:schemeClr val="accent1"/>
+          </a:effectRef>
+          <a:fontRef idx="minor">
+            <a:schemeClr val="lt1"/>
+          </a:fontRef>
+        </p:style>
+        <p:txBody>
+          <a:bodyPr rtlCol="0" anchor="ctr"/>
+          <a:lstStyle/>
+          <a:p>
+            <a:pPr algn="ctr"/>
+            <a:endParaRPr kumimoji="1" lang="ja-JP" altLang="en-US"/>
+          </a:p>
+        </p:txBody>
+      </p:sp>
+      <p:sp>
+        <p:nvSpPr>
+          <p:cNvPr id="13" name="テキスト ボックス 12">
+            <a:extLst>
+              <a:ext uri="{FF2B5EF4-FFF2-40B4-BE49-F238E27FC236}">
+                <a16:creationId xmlns:a16="http://schemas.microsoft.com/office/drawing/2014/main" id="{5C712561-02AE-BC4A-B602-0AC6F202B510}"/>
+              </a:ext>
+            </a:extLst>
+          </p:cNvPr>
+          <p:cNvSpPr txBox="1"/>
+          <p:nvPr/>
+        </p:nvSpPr>
+        <p:spPr>
+          <a:xfrm>
+            <a:off x="179512" y="3645024"/>
+            <a:ext cx="6288901" cy="954107"/>
+          </a:xfrm>
+          <a:prstGeom prst="rect">
+            <a:avLst/>
+          </a:prstGeom>
+          <a:noFill/>
+        </p:spPr>
+        <p:txBody>
+          <a:bodyPr wrap="none" rtlCol="0">
+            <a:spAutoFit/>
+          </a:bodyPr>
+          <a:lstStyle/>
+          <a:p>
+            <a:r>
+              <a:rPr kumimoji="1" lang="ja-JP" altLang="en-US" sz="2800"/>
+              <a:t>括弧の中の数字を</a:t>
+            </a:r>
+            <a:r>
+              <a:rPr kumimoji="1" lang="ja-JP" altLang="en-US" sz="2800">
+                <a:solidFill>
+                  <a:srgbClr val="FF0000"/>
+                </a:solidFill>
+              </a:rPr>
+              <a:t>インデックス</a:t>
+            </a:r>
+            <a:r>
+              <a:rPr kumimoji="1" lang="ja-JP" altLang="en-US" sz="2800"/>
+              <a:t>と呼ぶ</a:t>
+            </a:r>
+            <a:endParaRPr kumimoji="1" lang="en-US" altLang="ja-JP" sz="2800"/>
+          </a:p>
+          <a:p>
+            <a:r>
+              <a:rPr lang="en-US" altLang="ja-JP" sz="2800"/>
+              <a:t>(0</a:t>
+            </a:r>
+            <a:r>
+              <a:rPr lang="ja-JP" altLang="en-US" sz="2800"/>
+              <a:t>スタートなのに注意</a:t>
+            </a:r>
+            <a:r>
+              <a:rPr lang="en-US" altLang="ja-JP" sz="2800"/>
+              <a:t>)</a:t>
+            </a:r>
+            <a:endParaRPr kumimoji="1" lang="ja-JP" altLang="en-US" sz="2800"/>
+          </a:p>
+        </p:txBody>
+      </p:sp>
+    </p:spTree>
+    <p:extLst>
+      <p:ext uri="{BB962C8B-B14F-4D97-AF65-F5344CB8AC3E}">
+        <p14:creationId xmlns:p14="http://schemas.microsoft.com/office/powerpoint/2010/main" val="795457696"/>
+      </p:ext>
+    </p:extLst>
+  </p:cSld>
+  <p:clrMapOvr>
+    <a:masterClrMapping/>
+  </p:clrMapOvr>
+</p:sld>
+</file>
+
+<file path=ppt/slides/slide7.xml><?xml version="1.0" encoding="utf-8"?>
+<p:sld xmlns:a="http://schemas.openxmlformats.org/drawingml/2006/main" xmlns:r="http://schemas.openxmlformats.org/officeDocument/2006/relationships" xmlns:p="http://schemas.openxmlformats.org/presentationml/2006/main">
+  <p:cSld>
+    <p:spTree>
+      <p:nvGrpSpPr>
+        <p:cNvPr id="1" name=""/>
+        <p:cNvGrpSpPr/>
+        <p:nvPr/>
+      </p:nvGrpSpPr>
+      <p:grpSpPr>
+        <a:xfrm>
+          <a:off x="0" y="0"/>
+          <a:ext cx="0" cy="0"/>
+          <a:chOff x="0" y="0"/>
+          <a:chExt cx="0" cy="0"/>
+        </a:xfrm>
+      </p:grpSpPr>
+      <p:sp>
+        <p:nvSpPr>
+          <p:cNvPr id="2" name="テキスト プレースホルダー 1">
+            <a:extLst>
+              <a:ext uri="{FF2B5EF4-FFF2-40B4-BE49-F238E27FC236}">
+                <a16:creationId xmlns:a16="http://schemas.microsoft.com/office/drawing/2014/main" id="{2A85B767-A9F3-AB41-A828-76BA57979C31}"/>
+              </a:ext>
+            </a:extLst>
+          </p:cNvPr>
+          <p:cNvSpPr>
+            <a:spLocks noGrp="1"/>
+          </p:cNvSpPr>
+          <p:nvPr>
+            <p:ph type="body" sz="quarter" idx="10"/>
+          </p:nvPr>
+        </p:nvSpPr>
+        <p:spPr/>
+        <p:txBody>
+          <a:bodyPr/>
+          <a:lstStyle/>
+          <a:p>
+            <a:r>
+              <a:rPr kumimoji="1" lang="ja-JP" altLang="en-US"/>
+              <a:t>メモリ上でのリストの表現</a:t>
+            </a:r>
+          </a:p>
+        </p:txBody>
+      </p:sp>
+      <p:sp>
+        <p:nvSpPr>
+          <p:cNvPr id="3" name="正方形/長方形 2">
+            <a:extLst>
+              <a:ext uri="{FF2B5EF4-FFF2-40B4-BE49-F238E27FC236}">
+                <a16:creationId xmlns:a16="http://schemas.microsoft.com/office/drawing/2014/main" id="{B4E4B958-7F33-D14B-86AF-1AF0B4A5EC2D}"/>
+              </a:ext>
+            </a:extLst>
+          </p:cNvPr>
+          <p:cNvSpPr/>
+          <p:nvPr/>
+        </p:nvSpPr>
+        <p:spPr>
+          <a:xfrm>
+            <a:off x="2411760" y="1196752"/>
+            <a:ext cx="3477234" cy="646331"/>
+          </a:xfrm>
+          <a:prstGeom prst="rect">
+            <a:avLst/>
+          </a:prstGeom>
+          <a:solidFill>
+            <a:schemeClr val="tx1"/>
+          </a:solidFill>
+        </p:spPr>
+        <p:txBody>
+          <a:bodyPr wrap="none">
+            <a:spAutoFit/>
+          </a:bodyPr>
+          <a:lstStyle/>
+          <a:p>
+            <a:r>
+              <a:rPr lang="en-US" altLang="ja-JP" sz="3600" dirty="0">
+                <a:solidFill>
+                  <a:srgbClr val="D4D4D4"/>
+                </a:solidFill>
+                <a:latin typeface="Consolas" panose="020B0609020204030204" pitchFamily="49" charset="0"/>
+              </a:rPr>
+              <a:t>a = [</a:t>
+            </a:r>
+            <a:r>
+              <a:rPr lang="en-US" altLang="ja-JP" sz="3600" dirty="0">
+                <a:solidFill>
+                  <a:srgbClr val="B5CEA8"/>
+                </a:solidFill>
+                <a:latin typeface="Consolas" panose="020B0609020204030204" pitchFamily="49" charset="0"/>
+              </a:rPr>
+              <a:t>1</a:t>
+            </a:r>
+            <a:r>
+              <a:rPr lang="en-US" altLang="ja-JP" sz="3600" dirty="0">
+                <a:solidFill>
+                  <a:srgbClr val="D4D4D4"/>
+                </a:solidFill>
+                <a:latin typeface="Consolas" panose="020B0609020204030204" pitchFamily="49" charset="0"/>
+              </a:rPr>
+              <a:t>, </a:t>
+            </a:r>
+            <a:r>
+              <a:rPr lang="en-US" altLang="ja-JP" sz="3600" dirty="0">
+                <a:solidFill>
+                  <a:srgbClr val="B5CEA8"/>
+                </a:solidFill>
+                <a:latin typeface="Consolas" panose="020B0609020204030204" pitchFamily="49" charset="0"/>
+              </a:rPr>
+              <a:t>2</a:t>
+            </a:r>
+            <a:r>
+              <a:rPr lang="en-US" altLang="ja-JP" sz="3600" dirty="0">
+                <a:solidFill>
+                  <a:srgbClr val="D4D4D4"/>
+                </a:solidFill>
+                <a:latin typeface="Consolas" panose="020B0609020204030204" pitchFamily="49" charset="0"/>
+              </a:rPr>
+              <a:t>, </a:t>
+            </a:r>
+            <a:r>
+              <a:rPr lang="en-US" altLang="ja-JP" sz="3600" dirty="0">
+                <a:solidFill>
+                  <a:srgbClr val="B5CEA8"/>
+                </a:solidFill>
+                <a:latin typeface="Consolas" panose="020B0609020204030204" pitchFamily="49" charset="0"/>
+              </a:rPr>
+              <a:t>3</a:t>
+            </a:r>
+            <a:r>
+              <a:rPr lang="en-US" altLang="ja-JP" sz="3600" dirty="0">
+                <a:solidFill>
+                  <a:srgbClr val="D4D4D4"/>
+                </a:solidFill>
+                <a:latin typeface="Consolas" panose="020B0609020204030204" pitchFamily="49" charset="0"/>
+              </a:rPr>
+              <a:t>]</a:t>
+            </a:r>
+            <a:endParaRPr lang="en-US" altLang="ja-JP" sz="3600" b="0" dirty="0">
+              <a:solidFill>
+                <a:srgbClr val="D4D4D4"/>
+              </a:solidFill>
+              <a:effectLst/>
+              <a:latin typeface="Consolas" panose="020B0609020204030204" pitchFamily="49" charset="0"/>
+            </a:endParaRPr>
+          </a:p>
+        </p:txBody>
+      </p:sp>
+      <p:sp>
+        <p:nvSpPr>
+          <p:cNvPr id="4" name="正方形/長方形 3">
+            <a:extLst>
+              <a:ext uri="{FF2B5EF4-FFF2-40B4-BE49-F238E27FC236}">
+                <a16:creationId xmlns:a16="http://schemas.microsoft.com/office/drawing/2014/main" id="{3E058CFD-B7E9-A642-B7CF-33ECDFCB3FDF}"/>
+              </a:ext>
+            </a:extLst>
+          </p:cNvPr>
+          <p:cNvSpPr/>
+          <p:nvPr/>
+        </p:nvSpPr>
+        <p:spPr>
+          <a:xfrm>
+            <a:off x="1475656" y="3789040"/>
+            <a:ext cx="1440160" cy="360040"/>
+          </a:xfrm>
+          <a:prstGeom prst="rect">
+            <a:avLst/>
+          </a:prstGeom>
+          <a:noFill/>
+          <a:ln>
+            <a:solidFill>
+              <a:schemeClr val="tx1"/>
+            </a:solidFill>
+          </a:ln>
+        </p:spPr>
+        <p:style>
+          <a:lnRef idx="2">
+            <a:schemeClr val="accent1">
+              <a:shade val="50000"/>
+            </a:schemeClr>
+          </a:lnRef>
+          <a:fillRef idx="1">
+            <a:schemeClr val="accent1"/>
+          </a:fillRef>
+          <a:effectRef idx="0">
+            <a:schemeClr val="accent1"/>
+          </a:effectRef>
+          <a:fontRef idx="minor">
+            <a:schemeClr val="lt1"/>
+          </a:fontRef>
+        </p:style>
+        <p:txBody>
+          <a:bodyPr rtlCol="0" anchor="ctr"/>
+          <a:lstStyle/>
+          <a:p>
+            <a:pPr algn="ctr"/>
+            <a:r>
+              <a:rPr kumimoji="1" lang="en-US" altLang="ja-JP">
+                <a:solidFill>
+                  <a:schemeClr val="tx1"/>
+                </a:solidFill>
+              </a:rPr>
+              <a:t>3</a:t>
+            </a:r>
+            <a:endParaRPr kumimoji="1" lang="ja-JP" altLang="en-US">
+              <a:solidFill>
+                <a:schemeClr val="tx1"/>
+              </a:solidFill>
+            </a:endParaRPr>
+          </a:p>
+        </p:txBody>
+      </p:sp>
+      <p:sp>
+        <p:nvSpPr>
+          <p:cNvPr id="5" name="正方形/長方形 4">
+            <a:extLst>
+              <a:ext uri="{FF2B5EF4-FFF2-40B4-BE49-F238E27FC236}">
+                <a16:creationId xmlns:a16="http://schemas.microsoft.com/office/drawing/2014/main" id="{B8D97A6C-0BA4-824E-9134-C05DCE0D315C}"/>
+              </a:ext>
+            </a:extLst>
+          </p:cNvPr>
+          <p:cNvSpPr/>
+          <p:nvPr/>
+        </p:nvSpPr>
+        <p:spPr>
+          <a:xfrm>
+            <a:off x="1475656" y="4149080"/>
+            <a:ext cx="1440160" cy="360040"/>
+          </a:xfrm>
+          <a:prstGeom prst="rect">
+            <a:avLst/>
+          </a:prstGeom>
+          <a:noFill/>
+          <a:ln>
+            <a:solidFill>
+              <a:schemeClr val="tx1"/>
+            </a:solidFill>
+          </a:ln>
+        </p:spPr>
+        <p:style>
+          <a:lnRef idx="2">
+            <a:schemeClr val="accent1">
+              <a:shade val="50000"/>
+            </a:schemeClr>
+          </a:lnRef>
+          <a:fillRef idx="1">
+            <a:schemeClr val="accent1"/>
+          </a:fillRef>
+          <a:effectRef idx="0">
+            <a:schemeClr val="accent1"/>
+          </a:effectRef>
+          <a:fontRef idx="minor">
+            <a:schemeClr val="lt1"/>
+          </a:fontRef>
+        </p:style>
+        <p:txBody>
+          <a:bodyPr rtlCol="0" anchor="ctr"/>
+          <a:lstStyle/>
+          <a:p>
+            <a:pPr algn="ctr"/>
+            <a:endParaRPr kumimoji="1" lang="ja-JP" altLang="en-US">
+              <a:solidFill>
+                <a:schemeClr val="tx1"/>
+              </a:solidFill>
+            </a:endParaRPr>
+          </a:p>
+        </p:txBody>
+      </p:sp>
+      <p:sp>
+        <p:nvSpPr>
+          <p:cNvPr id="6" name="正方形/長方形 5">
+            <a:extLst>
+              <a:ext uri="{FF2B5EF4-FFF2-40B4-BE49-F238E27FC236}">
+                <a16:creationId xmlns:a16="http://schemas.microsoft.com/office/drawing/2014/main" id="{1CE51CBC-5D2B-2346-A3AA-CDEBEE7636D9}"/>
+              </a:ext>
+            </a:extLst>
+          </p:cNvPr>
+          <p:cNvSpPr/>
+          <p:nvPr/>
+        </p:nvSpPr>
+        <p:spPr>
+          <a:xfrm>
+            <a:off x="1475656" y="4509120"/>
+            <a:ext cx="1440160" cy="360040"/>
+          </a:xfrm>
+          <a:prstGeom prst="rect">
+            <a:avLst/>
+          </a:prstGeom>
+          <a:noFill/>
+          <a:ln>
+            <a:solidFill>
+              <a:schemeClr val="tx1"/>
+            </a:solidFill>
+          </a:ln>
+        </p:spPr>
+        <p:style>
+          <a:lnRef idx="2">
+            <a:schemeClr val="accent1">
+              <a:shade val="50000"/>
+            </a:schemeClr>
+          </a:lnRef>
+          <a:fillRef idx="1">
+            <a:schemeClr val="accent1"/>
+          </a:fillRef>
+          <a:effectRef idx="0">
+            <a:schemeClr val="accent1"/>
+          </a:effectRef>
+          <a:fontRef idx="minor">
+            <a:schemeClr val="lt1"/>
+          </a:fontRef>
+        </p:style>
+        <p:txBody>
+          <a:bodyPr rtlCol="0" anchor="ctr"/>
+          <a:lstStyle/>
+          <a:p>
+            <a:pPr algn="ctr"/>
+            <a:endParaRPr kumimoji="1" lang="ja-JP" altLang="en-US">
+              <a:solidFill>
+                <a:schemeClr val="tx1"/>
+              </a:solidFill>
+            </a:endParaRPr>
+          </a:p>
+        </p:txBody>
+      </p:sp>
+      <p:sp>
+        <p:nvSpPr>
+          <p:cNvPr id="7" name="正方形/長方形 6">
+            <a:extLst>
+              <a:ext uri="{FF2B5EF4-FFF2-40B4-BE49-F238E27FC236}">
+                <a16:creationId xmlns:a16="http://schemas.microsoft.com/office/drawing/2014/main" id="{C1C233BA-E1AF-A24B-96F6-9369BF6F889F}"/>
+              </a:ext>
+            </a:extLst>
+          </p:cNvPr>
+          <p:cNvSpPr/>
+          <p:nvPr/>
+        </p:nvSpPr>
+        <p:spPr>
+          <a:xfrm>
+            <a:off x="1475656" y="4869160"/>
+            <a:ext cx="1440160" cy="360040"/>
+          </a:xfrm>
+          <a:prstGeom prst="rect">
+            <a:avLst/>
+          </a:prstGeom>
+          <a:noFill/>
+          <a:ln>
+            <a:solidFill>
+              <a:schemeClr val="tx1"/>
+            </a:solidFill>
+          </a:ln>
+        </p:spPr>
+        <p:style>
+          <a:lnRef idx="2">
+            <a:schemeClr val="accent1">
+              <a:shade val="50000"/>
+            </a:schemeClr>
+          </a:lnRef>
+          <a:fillRef idx="1">
+            <a:schemeClr val="accent1"/>
+          </a:fillRef>
+          <a:effectRef idx="0">
+            <a:schemeClr val="accent1"/>
+          </a:effectRef>
+          <a:fontRef idx="minor">
+            <a:schemeClr val="lt1"/>
+          </a:fontRef>
+        </p:style>
+        <p:txBody>
+          <a:bodyPr rtlCol="0" anchor="ctr"/>
+          <a:lstStyle/>
+          <a:p>
+            <a:pPr algn="ctr"/>
+            <a:endParaRPr kumimoji="1" lang="ja-JP" altLang="en-US">
+              <a:solidFill>
+                <a:schemeClr val="tx1"/>
+              </a:solidFill>
+            </a:endParaRPr>
+          </a:p>
+        </p:txBody>
+      </p:sp>
+      <p:sp>
+        <p:nvSpPr>
+          <p:cNvPr id="8" name="正方形/長方形 7">
+            <a:extLst>
+              <a:ext uri="{FF2B5EF4-FFF2-40B4-BE49-F238E27FC236}">
+                <a16:creationId xmlns:a16="http://schemas.microsoft.com/office/drawing/2014/main" id="{15D8FDA6-BAAE-F947-90F7-B7A426BDAE6F}"/>
+              </a:ext>
+            </a:extLst>
+          </p:cNvPr>
+          <p:cNvSpPr/>
+          <p:nvPr/>
+        </p:nvSpPr>
+        <p:spPr>
+          <a:xfrm>
+            <a:off x="1475656" y="3068960"/>
+            <a:ext cx="1440160" cy="360040"/>
+          </a:xfrm>
+          <a:prstGeom prst="rect">
+            <a:avLst/>
+          </a:prstGeom>
+          <a:noFill/>
+          <a:ln>
+            <a:solidFill>
+              <a:schemeClr val="tx1"/>
+            </a:solidFill>
+          </a:ln>
+        </p:spPr>
+        <p:style>
+          <a:lnRef idx="2">
+            <a:schemeClr val="accent1">
+              <a:shade val="50000"/>
+            </a:schemeClr>
+          </a:lnRef>
+          <a:fillRef idx="1">
+            <a:schemeClr val="accent1"/>
+          </a:fillRef>
+          <a:effectRef idx="0">
+            <a:schemeClr val="accent1"/>
+          </a:effectRef>
+          <a:fontRef idx="minor">
+            <a:schemeClr val="lt1"/>
+          </a:fontRef>
+        </p:style>
+        <p:txBody>
+          <a:bodyPr rtlCol="0" anchor="ctr"/>
+          <a:lstStyle/>
+          <a:p>
+            <a:pPr algn="ctr"/>
+            <a:r>
+              <a:rPr kumimoji="1" lang="en-US" altLang="ja-JP">
+                <a:solidFill>
+                  <a:schemeClr val="tx1"/>
+                </a:solidFill>
+              </a:rPr>
+              <a:t>1</a:t>
+            </a:r>
+            <a:endParaRPr kumimoji="1" lang="ja-JP" altLang="en-US">
+              <a:solidFill>
+                <a:schemeClr val="tx1"/>
+              </a:solidFill>
+            </a:endParaRPr>
+          </a:p>
+        </p:txBody>
+      </p:sp>
+      <p:sp>
+        <p:nvSpPr>
+          <p:cNvPr id="9" name="正方形/長方形 8">
+            <a:extLst>
+              <a:ext uri="{FF2B5EF4-FFF2-40B4-BE49-F238E27FC236}">
+                <a16:creationId xmlns:a16="http://schemas.microsoft.com/office/drawing/2014/main" id="{C0F128F3-DE15-304F-9184-630A74D762DE}"/>
+              </a:ext>
+            </a:extLst>
+          </p:cNvPr>
+          <p:cNvSpPr/>
+          <p:nvPr/>
+        </p:nvSpPr>
+        <p:spPr>
+          <a:xfrm>
+            <a:off x="1475656" y="3429000"/>
+            <a:ext cx="1440160" cy="360040"/>
+          </a:xfrm>
+          <a:prstGeom prst="rect">
+            <a:avLst/>
+          </a:prstGeom>
+          <a:noFill/>
+          <a:ln>
+            <a:solidFill>
+              <a:schemeClr val="tx1"/>
+            </a:solidFill>
+          </a:ln>
+        </p:spPr>
+        <p:style>
+          <a:lnRef idx="2">
+            <a:schemeClr val="accent1">
+              <a:shade val="50000"/>
+            </a:schemeClr>
+          </a:lnRef>
+          <a:fillRef idx="1">
+            <a:schemeClr val="accent1"/>
+          </a:fillRef>
+          <a:effectRef idx="0">
+            <a:schemeClr val="accent1"/>
+          </a:effectRef>
+          <a:fontRef idx="minor">
+            <a:schemeClr val="lt1"/>
+          </a:fontRef>
+        </p:style>
+        <p:txBody>
+          <a:bodyPr rtlCol="0" anchor="ctr"/>
+          <a:lstStyle/>
+          <a:p>
+            <a:pPr algn="ctr"/>
+            <a:r>
+              <a:rPr kumimoji="1" lang="en-US" altLang="ja-JP">
+                <a:solidFill>
+                  <a:schemeClr val="tx1"/>
+                </a:solidFill>
+              </a:rPr>
+              <a:t>2</a:t>
+            </a:r>
+            <a:endParaRPr kumimoji="1" lang="ja-JP" altLang="en-US">
+              <a:solidFill>
+                <a:schemeClr val="tx1"/>
+              </a:solidFill>
+            </a:endParaRPr>
+          </a:p>
+        </p:txBody>
+      </p:sp>
+      <p:sp>
+        <p:nvSpPr>
+          <p:cNvPr id="10" name="テキスト ボックス 9">
+            <a:extLst>
+              <a:ext uri="{FF2B5EF4-FFF2-40B4-BE49-F238E27FC236}">
+                <a16:creationId xmlns:a16="http://schemas.microsoft.com/office/drawing/2014/main" id="{E2C2B55E-D67E-CA48-9EB7-3A4DEFCBAEC2}"/>
+              </a:ext>
+            </a:extLst>
+          </p:cNvPr>
+          <p:cNvSpPr txBox="1"/>
+          <p:nvPr/>
+        </p:nvSpPr>
+        <p:spPr>
+          <a:xfrm>
+            <a:off x="755576" y="3068960"/>
+            <a:ext cx="763351" cy="369332"/>
+          </a:xfrm>
+          <a:prstGeom prst="rect">
+            <a:avLst/>
+          </a:prstGeom>
+          <a:noFill/>
+        </p:spPr>
+        <p:txBody>
+          <a:bodyPr wrap="none" rtlCol="0">
+            <a:spAutoFit/>
+          </a:bodyPr>
+          <a:lstStyle/>
+          <a:p>
+            <a:r>
+              <a:rPr kumimoji="1" lang="en-US" altLang="ja-JP"/>
+              <a:t>0</a:t>
+            </a:r>
+            <a:r>
+              <a:rPr lang="ja-JP" altLang="en-US"/>
+              <a:t>番地</a:t>
+            </a:r>
+            <a:endParaRPr kumimoji="1" lang="ja-JP" altLang="en-US"/>
+          </a:p>
+        </p:txBody>
+      </p:sp>
+      <p:sp>
+        <p:nvSpPr>
+          <p:cNvPr id="11" name="テキスト ボックス 10">
+            <a:extLst>
+              <a:ext uri="{FF2B5EF4-FFF2-40B4-BE49-F238E27FC236}">
+                <a16:creationId xmlns:a16="http://schemas.microsoft.com/office/drawing/2014/main" id="{AD8BB29A-A0DA-E84D-B312-12165D9F0A62}"/>
+              </a:ext>
+            </a:extLst>
+          </p:cNvPr>
+          <p:cNvSpPr txBox="1"/>
+          <p:nvPr/>
+        </p:nvSpPr>
+        <p:spPr>
+          <a:xfrm>
+            <a:off x="755576" y="3429000"/>
+            <a:ext cx="763351" cy="369332"/>
+          </a:xfrm>
+          <a:prstGeom prst="rect">
+            <a:avLst/>
+          </a:prstGeom>
+          <a:noFill/>
+        </p:spPr>
+        <p:txBody>
+          <a:bodyPr wrap="none" rtlCol="0">
+            <a:spAutoFit/>
+          </a:bodyPr>
+          <a:lstStyle/>
+          <a:p>
+            <a:r>
+              <a:rPr kumimoji="1" lang="en-US" altLang="ja-JP"/>
+              <a:t>1</a:t>
+            </a:r>
+            <a:r>
+              <a:rPr lang="ja-JP" altLang="en-US"/>
+              <a:t>番地</a:t>
+            </a:r>
+            <a:endParaRPr kumimoji="1" lang="ja-JP" altLang="en-US"/>
+          </a:p>
+        </p:txBody>
+      </p:sp>
+      <p:sp>
+        <p:nvSpPr>
+          <p:cNvPr id="12" name="テキスト ボックス 11">
+            <a:extLst>
+              <a:ext uri="{FF2B5EF4-FFF2-40B4-BE49-F238E27FC236}">
+                <a16:creationId xmlns:a16="http://schemas.microsoft.com/office/drawing/2014/main" id="{D4FE16CD-5201-3143-BF13-1E62CBDA60EB}"/>
+              </a:ext>
+            </a:extLst>
+          </p:cNvPr>
+          <p:cNvSpPr txBox="1"/>
+          <p:nvPr/>
+        </p:nvSpPr>
+        <p:spPr>
+          <a:xfrm>
+            <a:off x="755576" y="3789040"/>
+            <a:ext cx="763351" cy="369332"/>
+          </a:xfrm>
+          <a:prstGeom prst="rect">
+            <a:avLst/>
+          </a:prstGeom>
+          <a:noFill/>
+        </p:spPr>
+        <p:txBody>
+          <a:bodyPr wrap="none" rtlCol="0">
+            <a:spAutoFit/>
+          </a:bodyPr>
+          <a:lstStyle/>
+          <a:p>
+            <a:r>
+              <a:rPr kumimoji="1" lang="en-US" altLang="ja-JP"/>
+              <a:t>2</a:t>
+            </a:r>
+            <a:r>
+              <a:rPr lang="ja-JP" altLang="en-US"/>
+              <a:t>番地</a:t>
+            </a:r>
+            <a:endParaRPr kumimoji="1" lang="ja-JP" altLang="en-US"/>
+          </a:p>
+        </p:txBody>
+      </p:sp>
+      <p:sp>
+        <p:nvSpPr>
+          <p:cNvPr id="13" name="テキスト ボックス 12">
+            <a:extLst>
+              <a:ext uri="{FF2B5EF4-FFF2-40B4-BE49-F238E27FC236}">
+                <a16:creationId xmlns:a16="http://schemas.microsoft.com/office/drawing/2014/main" id="{8B51921D-1E47-844D-9587-B38C1C83F594}"/>
+              </a:ext>
+            </a:extLst>
+          </p:cNvPr>
+          <p:cNvSpPr txBox="1"/>
+          <p:nvPr/>
+        </p:nvSpPr>
+        <p:spPr>
+          <a:xfrm>
+            <a:off x="755576" y="4149080"/>
+            <a:ext cx="763351" cy="369332"/>
+          </a:xfrm>
+          <a:prstGeom prst="rect">
+            <a:avLst/>
+          </a:prstGeom>
+          <a:noFill/>
+        </p:spPr>
+        <p:txBody>
+          <a:bodyPr wrap="none" rtlCol="0">
+            <a:spAutoFit/>
+          </a:bodyPr>
+          <a:lstStyle/>
+          <a:p>
+            <a:r>
+              <a:rPr kumimoji="1" lang="en-US" altLang="ja-JP"/>
+              <a:t>3</a:t>
+            </a:r>
+            <a:r>
+              <a:rPr lang="ja-JP" altLang="en-US"/>
+              <a:t>番地</a:t>
+            </a:r>
+            <a:endParaRPr kumimoji="1" lang="ja-JP" altLang="en-US"/>
+          </a:p>
+        </p:txBody>
+      </p:sp>
+      <p:sp>
+        <p:nvSpPr>
+          <p:cNvPr id="14" name="テキスト ボックス 13">
+            <a:extLst>
+              <a:ext uri="{FF2B5EF4-FFF2-40B4-BE49-F238E27FC236}">
+                <a16:creationId xmlns:a16="http://schemas.microsoft.com/office/drawing/2014/main" id="{5F825A44-E50E-8C49-893B-798BCBBE5A0D}"/>
+              </a:ext>
+            </a:extLst>
+          </p:cNvPr>
+          <p:cNvSpPr txBox="1"/>
+          <p:nvPr/>
+        </p:nvSpPr>
+        <p:spPr>
+          <a:xfrm>
+            <a:off x="755576" y="4509120"/>
+            <a:ext cx="763351" cy="369332"/>
+          </a:xfrm>
+          <a:prstGeom prst="rect">
+            <a:avLst/>
+          </a:prstGeom>
+          <a:noFill/>
+        </p:spPr>
+        <p:txBody>
+          <a:bodyPr wrap="none" rtlCol="0">
+            <a:spAutoFit/>
+          </a:bodyPr>
+          <a:lstStyle/>
+          <a:p>
+            <a:r>
+              <a:rPr kumimoji="1" lang="en-US" altLang="ja-JP"/>
+              <a:t>4</a:t>
+            </a:r>
+            <a:r>
+              <a:rPr lang="ja-JP" altLang="en-US"/>
+              <a:t>番地</a:t>
+            </a:r>
+            <a:endParaRPr kumimoji="1" lang="ja-JP" altLang="en-US"/>
+          </a:p>
+        </p:txBody>
+      </p:sp>
+      <p:sp>
+        <p:nvSpPr>
+          <p:cNvPr id="15" name="テキスト ボックス 14">
+            <a:extLst>
+              <a:ext uri="{FF2B5EF4-FFF2-40B4-BE49-F238E27FC236}">
+                <a16:creationId xmlns:a16="http://schemas.microsoft.com/office/drawing/2014/main" id="{DB6682AA-7F11-284C-B5B7-6BCCC19A6234}"/>
+              </a:ext>
+            </a:extLst>
+          </p:cNvPr>
+          <p:cNvSpPr txBox="1"/>
+          <p:nvPr/>
+        </p:nvSpPr>
+        <p:spPr>
+          <a:xfrm>
+            <a:off x="755576" y="4869160"/>
+            <a:ext cx="763351" cy="369332"/>
+          </a:xfrm>
+          <a:prstGeom prst="rect">
+            <a:avLst/>
+          </a:prstGeom>
+          <a:noFill/>
+        </p:spPr>
+        <p:txBody>
+          <a:bodyPr wrap="none" rtlCol="0">
+            <a:spAutoFit/>
+          </a:bodyPr>
+          <a:lstStyle/>
+          <a:p>
+            <a:r>
+              <a:rPr lang="en-US" altLang="ja-JP"/>
+              <a:t>5</a:t>
+            </a:r>
+            <a:r>
+              <a:rPr lang="ja-JP" altLang="en-US"/>
+              <a:t>番地</a:t>
+            </a:r>
+            <a:endParaRPr kumimoji="1" lang="ja-JP" altLang="en-US"/>
+          </a:p>
+        </p:txBody>
+      </p:sp>
+      <p:sp>
+        <p:nvSpPr>
+          <p:cNvPr id="16" name="正方形/長方形 15">
+            <a:extLst>
+              <a:ext uri="{FF2B5EF4-FFF2-40B4-BE49-F238E27FC236}">
+                <a16:creationId xmlns:a16="http://schemas.microsoft.com/office/drawing/2014/main" id="{98B5E711-6A17-B04F-AA4C-0964326B506B}"/>
+              </a:ext>
+            </a:extLst>
+          </p:cNvPr>
+          <p:cNvSpPr/>
+          <p:nvPr/>
+        </p:nvSpPr>
+        <p:spPr>
+          <a:xfrm>
+            <a:off x="1475656" y="3068960"/>
+            <a:ext cx="1440160" cy="1080120"/>
+          </a:xfrm>
+          <a:prstGeom prst="rect">
+            <a:avLst/>
+          </a:prstGeom>
+          <a:noFill/>
+          <a:ln w="28575">
+            <a:solidFill>
+              <a:srgbClr val="FF0000"/>
+            </a:solidFill>
+          </a:ln>
+        </p:spPr>
+        <p:style>
+          <a:lnRef idx="2">
+            <a:schemeClr val="accent1">
+              <a:shade val="50000"/>
+            </a:schemeClr>
+          </a:lnRef>
+          <a:fillRef idx="1">
+            <a:schemeClr val="accent1"/>
+          </a:fillRef>
+          <a:effectRef idx="0">
+            <a:schemeClr val="accent1"/>
+          </a:effectRef>
+          <a:fontRef idx="minor">
+            <a:schemeClr val="lt1"/>
+          </a:fontRef>
+        </p:style>
+        <p:txBody>
+          <a:bodyPr rtlCol="0" anchor="ctr"/>
+          <a:lstStyle/>
+          <a:p>
+            <a:pPr algn="ctr"/>
+            <a:endParaRPr kumimoji="1" lang="ja-JP" altLang="en-US"/>
+          </a:p>
+        </p:txBody>
+      </p:sp>
+      <p:sp>
+        <p:nvSpPr>
+          <p:cNvPr id="17" name="テキスト ボックス 16">
+            <a:extLst>
+              <a:ext uri="{FF2B5EF4-FFF2-40B4-BE49-F238E27FC236}">
+                <a16:creationId xmlns:a16="http://schemas.microsoft.com/office/drawing/2014/main" id="{B6CB1B7D-15E3-9243-AD3C-EA4F5CCA7D83}"/>
+              </a:ext>
+            </a:extLst>
+          </p:cNvPr>
+          <p:cNvSpPr txBox="1"/>
+          <p:nvPr/>
+        </p:nvSpPr>
+        <p:spPr>
+          <a:xfrm>
+            <a:off x="323528" y="2276872"/>
+            <a:ext cx="3416320" cy="369332"/>
+          </a:xfrm>
+          <a:prstGeom prst="rect">
+            <a:avLst/>
+          </a:prstGeom>
+          <a:noFill/>
+        </p:spPr>
+        <p:txBody>
+          <a:bodyPr wrap="none" rtlCol="0">
+            <a:spAutoFit/>
+          </a:bodyPr>
+          <a:lstStyle/>
+          <a:p>
+            <a:r>
+              <a:rPr kumimoji="1" lang="ja-JP" altLang="en-US"/>
+              <a:t>メモリ上にリストが作成される</a:t>
+            </a:r>
+          </a:p>
+        </p:txBody>
+      </p:sp>
+      <p:sp>
+        <p:nvSpPr>
+          <p:cNvPr id="18" name="正方形/長方形 17">
+            <a:extLst>
+              <a:ext uri="{FF2B5EF4-FFF2-40B4-BE49-F238E27FC236}">
+                <a16:creationId xmlns:a16="http://schemas.microsoft.com/office/drawing/2014/main" id="{1D7E146A-1445-EF4C-B522-FDB5B0CB3C20}"/>
+              </a:ext>
+            </a:extLst>
+          </p:cNvPr>
+          <p:cNvSpPr/>
+          <p:nvPr/>
+        </p:nvSpPr>
+        <p:spPr>
+          <a:xfrm>
+            <a:off x="6372200" y="3717032"/>
+            <a:ext cx="1440160" cy="360040"/>
+          </a:xfrm>
+          <a:prstGeom prst="rect">
+            <a:avLst/>
+          </a:prstGeom>
+          <a:noFill/>
+          <a:ln>
+            <a:solidFill>
+              <a:schemeClr val="tx1"/>
+            </a:solidFill>
+          </a:ln>
+        </p:spPr>
+        <p:style>
+          <a:lnRef idx="2">
+            <a:schemeClr val="accent1">
+              <a:shade val="50000"/>
+            </a:schemeClr>
+          </a:lnRef>
+          <a:fillRef idx="1">
+            <a:schemeClr val="accent1"/>
+          </a:fillRef>
+          <a:effectRef idx="0">
+            <a:schemeClr val="accent1"/>
+          </a:effectRef>
+          <a:fontRef idx="minor">
+            <a:schemeClr val="lt1"/>
+          </a:fontRef>
+        </p:style>
+        <p:txBody>
+          <a:bodyPr rtlCol="0" anchor="ctr"/>
+          <a:lstStyle/>
+          <a:p>
+            <a:pPr algn="ctr"/>
+            <a:r>
+              <a:rPr kumimoji="1" lang="en-US" altLang="ja-JP">
+                <a:solidFill>
+                  <a:schemeClr val="tx1"/>
+                </a:solidFill>
+              </a:rPr>
+              <a:t>3</a:t>
+            </a:r>
+            <a:endParaRPr kumimoji="1" lang="ja-JP" altLang="en-US">
+              <a:solidFill>
+                <a:schemeClr val="tx1"/>
+              </a:solidFill>
+            </a:endParaRPr>
+          </a:p>
+        </p:txBody>
+      </p:sp>
+      <p:sp>
+        <p:nvSpPr>
+          <p:cNvPr id="19" name="正方形/長方形 18">
+            <a:extLst>
+              <a:ext uri="{FF2B5EF4-FFF2-40B4-BE49-F238E27FC236}">
+                <a16:creationId xmlns:a16="http://schemas.microsoft.com/office/drawing/2014/main" id="{11FC296C-71B2-7243-8DEC-12FA79348B4F}"/>
+              </a:ext>
+            </a:extLst>
+          </p:cNvPr>
+          <p:cNvSpPr/>
+          <p:nvPr/>
+        </p:nvSpPr>
+        <p:spPr>
+          <a:xfrm>
+            <a:off x="6372200" y="4077072"/>
+            <a:ext cx="1440160" cy="360040"/>
+          </a:xfrm>
+          <a:prstGeom prst="rect">
+            <a:avLst/>
+          </a:prstGeom>
+          <a:noFill/>
+          <a:ln>
+            <a:solidFill>
+              <a:schemeClr val="tx1"/>
+            </a:solidFill>
+          </a:ln>
+        </p:spPr>
+        <p:style>
+          <a:lnRef idx="2">
+            <a:schemeClr val="accent1">
+              <a:shade val="50000"/>
+            </a:schemeClr>
+          </a:lnRef>
+          <a:fillRef idx="1">
+            <a:schemeClr val="accent1"/>
+          </a:fillRef>
+          <a:effectRef idx="0">
+            <a:schemeClr val="accent1"/>
+          </a:effectRef>
+          <a:fontRef idx="minor">
+            <a:schemeClr val="lt1"/>
+          </a:fontRef>
+        </p:style>
+        <p:txBody>
+          <a:bodyPr rtlCol="0" anchor="ctr"/>
+          <a:lstStyle/>
+          <a:p>
+            <a:pPr algn="ctr"/>
+            <a:r>
+              <a:rPr kumimoji="1" lang="en-US" altLang="ja-JP" sz="1600">
+                <a:solidFill>
+                  <a:schemeClr val="tx1"/>
+                </a:solidFill>
+              </a:rPr>
+              <a:t>0</a:t>
+            </a:r>
+            <a:r>
+              <a:rPr kumimoji="1" lang="ja-JP" altLang="en-US" sz="1600">
+                <a:solidFill>
+                  <a:schemeClr val="tx1"/>
+                </a:solidFill>
+              </a:rPr>
+              <a:t>番地を見よ</a:t>
+            </a:r>
+          </a:p>
+        </p:txBody>
+      </p:sp>
+      <p:sp>
+        <p:nvSpPr>
+          <p:cNvPr id="20" name="正方形/長方形 19">
+            <a:extLst>
+              <a:ext uri="{FF2B5EF4-FFF2-40B4-BE49-F238E27FC236}">
+                <a16:creationId xmlns:a16="http://schemas.microsoft.com/office/drawing/2014/main" id="{66F08C6C-6476-354F-8C5B-282F1667CE8B}"/>
+              </a:ext>
+            </a:extLst>
+          </p:cNvPr>
+          <p:cNvSpPr/>
+          <p:nvPr/>
+        </p:nvSpPr>
+        <p:spPr>
+          <a:xfrm>
+            <a:off x="6372200" y="4437112"/>
+            <a:ext cx="1440160" cy="360040"/>
+          </a:xfrm>
+          <a:prstGeom prst="rect">
+            <a:avLst/>
+          </a:prstGeom>
+          <a:noFill/>
+          <a:ln>
+            <a:solidFill>
+              <a:schemeClr val="tx1"/>
+            </a:solidFill>
+          </a:ln>
+        </p:spPr>
+        <p:style>
+          <a:lnRef idx="2">
+            <a:schemeClr val="accent1">
+              <a:shade val="50000"/>
+            </a:schemeClr>
+          </a:lnRef>
+          <a:fillRef idx="1">
+            <a:schemeClr val="accent1"/>
+          </a:fillRef>
+          <a:effectRef idx="0">
+            <a:schemeClr val="accent1"/>
+          </a:effectRef>
+          <a:fontRef idx="minor">
+            <a:schemeClr val="lt1"/>
+          </a:fontRef>
+        </p:style>
+        <p:txBody>
+          <a:bodyPr rtlCol="0" anchor="ctr"/>
+          <a:lstStyle/>
+          <a:p>
+            <a:pPr algn="ctr"/>
+            <a:endParaRPr kumimoji="1" lang="ja-JP" altLang="en-US">
+              <a:solidFill>
+                <a:schemeClr val="tx1"/>
+              </a:solidFill>
+            </a:endParaRPr>
+          </a:p>
+        </p:txBody>
+      </p:sp>
+      <p:sp>
+        <p:nvSpPr>
+          <p:cNvPr id="21" name="正方形/長方形 20">
+            <a:extLst>
+              <a:ext uri="{FF2B5EF4-FFF2-40B4-BE49-F238E27FC236}">
+                <a16:creationId xmlns:a16="http://schemas.microsoft.com/office/drawing/2014/main" id="{1B768D98-51BC-984B-989F-3017B457F0B9}"/>
+              </a:ext>
+            </a:extLst>
+          </p:cNvPr>
+          <p:cNvSpPr/>
+          <p:nvPr/>
+        </p:nvSpPr>
+        <p:spPr>
+          <a:xfrm>
+            <a:off x="6372200" y="4797152"/>
+            <a:ext cx="1440160" cy="360040"/>
+          </a:xfrm>
+          <a:prstGeom prst="rect">
+            <a:avLst/>
+          </a:prstGeom>
+          <a:noFill/>
+          <a:ln>
+            <a:solidFill>
+              <a:schemeClr val="tx1"/>
+            </a:solidFill>
+          </a:ln>
+        </p:spPr>
+        <p:style>
+          <a:lnRef idx="2">
+            <a:schemeClr val="accent1">
+              <a:shade val="50000"/>
+            </a:schemeClr>
+          </a:lnRef>
+          <a:fillRef idx="1">
+            <a:schemeClr val="accent1"/>
+          </a:fillRef>
+          <a:effectRef idx="0">
+            <a:schemeClr val="accent1"/>
+          </a:effectRef>
+          <a:fontRef idx="minor">
+            <a:schemeClr val="lt1"/>
+          </a:fontRef>
+        </p:style>
+        <p:txBody>
+          <a:bodyPr rtlCol="0" anchor="ctr"/>
+          <a:lstStyle/>
+          <a:p>
+            <a:pPr algn="ctr"/>
+            <a:endParaRPr kumimoji="1" lang="ja-JP" altLang="en-US">
+              <a:solidFill>
+                <a:schemeClr val="tx1"/>
+              </a:solidFill>
+            </a:endParaRPr>
+          </a:p>
+        </p:txBody>
+      </p:sp>
+      <p:sp>
+        <p:nvSpPr>
+          <p:cNvPr id="22" name="正方形/長方形 21">
+            <a:extLst>
+              <a:ext uri="{FF2B5EF4-FFF2-40B4-BE49-F238E27FC236}">
+                <a16:creationId xmlns:a16="http://schemas.microsoft.com/office/drawing/2014/main" id="{9D5FABB5-52E2-7A4B-8A3F-E25A1938305F}"/>
+              </a:ext>
+            </a:extLst>
+          </p:cNvPr>
+          <p:cNvSpPr/>
+          <p:nvPr/>
+        </p:nvSpPr>
+        <p:spPr>
+          <a:xfrm>
+            <a:off x="6372200" y="2996952"/>
+            <a:ext cx="1440160" cy="360040"/>
+          </a:xfrm>
+          <a:prstGeom prst="rect">
+            <a:avLst/>
+          </a:prstGeom>
+          <a:noFill/>
+          <a:ln>
+            <a:solidFill>
+              <a:schemeClr val="tx1"/>
+            </a:solidFill>
+          </a:ln>
+        </p:spPr>
+        <p:style>
+          <a:lnRef idx="2">
+            <a:schemeClr val="accent1">
+              <a:shade val="50000"/>
+            </a:schemeClr>
+          </a:lnRef>
+          <a:fillRef idx="1">
+            <a:schemeClr val="accent1"/>
+          </a:fillRef>
+          <a:effectRef idx="0">
+            <a:schemeClr val="accent1"/>
+          </a:effectRef>
+          <a:fontRef idx="minor">
+            <a:schemeClr val="lt1"/>
+          </a:fontRef>
+        </p:style>
+        <p:txBody>
+          <a:bodyPr rtlCol="0" anchor="ctr"/>
+          <a:lstStyle/>
+          <a:p>
+            <a:pPr algn="ctr"/>
+            <a:r>
+              <a:rPr kumimoji="1" lang="en-US" altLang="ja-JP">
+                <a:solidFill>
+                  <a:schemeClr val="tx1"/>
+                </a:solidFill>
+              </a:rPr>
+              <a:t>1</a:t>
+            </a:r>
+            <a:endParaRPr kumimoji="1" lang="ja-JP" altLang="en-US">
+              <a:solidFill>
+                <a:schemeClr val="tx1"/>
+              </a:solidFill>
+            </a:endParaRPr>
+          </a:p>
+        </p:txBody>
+      </p:sp>
+      <p:sp>
+        <p:nvSpPr>
+          <p:cNvPr id="23" name="正方形/長方形 22">
+            <a:extLst>
+              <a:ext uri="{FF2B5EF4-FFF2-40B4-BE49-F238E27FC236}">
+                <a16:creationId xmlns:a16="http://schemas.microsoft.com/office/drawing/2014/main" id="{82B88606-3231-B94C-BCD0-173006D1A1C1}"/>
+              </a:ext>
+            </a:extLst>
+          </p:cNvPr>
+          <p:cNvSpPr/>
+          <p:nvPr/>
+        </p:nvSpPr>
+        <p:spPr>
+          <a:xfrm>
+            <a:off x="6372200" y="3356992"/>
+            <a:ext cx="1440160" cy="360040"/>
+          </a:xfrm>
+          <a:prstGeom prst="rect">
+            <a:avLst/>
+          </a:prstGeom>
+          <a:noFill/>
+          <a:ln>
+            <a:solidFill>
+              <a:schemeClr val="tx1"/>
+            </a:solidFill>
+          </a:ln>
+        </p:spPr>
+        <p:style>
+          <a:lnRef idx="2">
+            <a:schemeClr val="accent1">
+              <a:shade val="50000"/>
+            </a:schemeClr>
+          </a:lnRef>
+          <a:fillRef idx="1">
+            <a:schemeClr val="accent1"/>
+          </a:fillRef>
+          <a:effectRef idx="0">
+            <a:schemeClr val="accent1"/>
+          </a:effectRef>
+          <a:fontRef idx="minor">
+            <a:schemeClr val="lt1"/>
+          </a:fontRef>
+        </p:style>
+        <p:txBody>
+          <a:bodyPr rtlCol="0" anchor="ctr"/>
+          <a:lstStyle/>
+          <a:p>
+            <a:pPr algn="ctr"/>
+            <a:r>
+              <a:rPr kumimoji="1" lang="en-US" altLang="ja-JP">
+                <a:solidFill>
+                  <a:schemeClr val="tx1"/>
+                </a:solidFill>
+              </a:rPr>
+              <a:t>2</a:t>
+            </a:r>
+            <a:endParaRPr kumimoji="1" lang="ja-JP" altLang="en-US">
+              <a:solidFill>
+                <a:schemeClr val="tx1"/>
+              </a:solidFill>
+            </a:endParaRPr>
+          </a:p>
+        </p:txBody>
+      </p:sp>
+      <p:sp>
+        <p:nvSpPr>
+          <p:cNvPr id="24" name="正方形/長方形 23">
+            <a:extLst>
+              <a:ext uri="{FF2B5EF4-FFF2-40B4-BE49-F238E27FC236}">
+                <a16:creationId xmlns:a16="http://schemas.microsoft.com/office/drawing/2014/main" id="{5352D1CC-136D-3243-AC98-6097651103F2}"/>
+              </a:ext>
+            </a:extLst>
+          </p:cNvPr>
+          <p:cNvSpPr/>
+          <p:nvPr/>
+        </p:nvSpPr>
+        <p:spPr>
+          <a:xfrm>
+            <a:off x="6372200" y="2996952"/>
+            <a:ext cx="1440160" cy="1080120"/>
+          </a:xfrm>
+          <a:prstGeom prst="rect">
+            <a:avLst/>
+          </a:prstGeom>
+          <a:noFill/>
+          <a:ln w="28575">
+            <a:solidFill>
+              <a:srgbClr val="FF0000"/>
+            </a:solidFill>
+          </a:ln>
+        </p:spPr>
+        <p:style>
+          <a:lnRef idx="2">
+            <a:schemeClr val="accent1">
+              <a:shade val="50000"/>
+            </a:schemeClr>
+          </a:lnRef>
+          <a:fillRef idx="1">
+            <a:schemeClr val="accent1"/>
+          </a:fillRef>
+          <a:effectRef idx="0">
+            <a:schemeClr val="accent1"/>
+          </a:effectRef>
+          <a:fontRef idx="minor">
+            <a:schemeClr val="lt1"/>
+          </a:fontRef>
+        </p:style>
+        <p:txBody>
+          <a:bodyPr rtlCol="0" anchor="ctr"/>
+          <a:lstStyle/>
+          <a:p>
+            <a:pPr algn="ctr"/>
+            <a:endParaRPr kumimoji="1" lang="ja-JP" altLang="en-US"/>
+          </a:p>
+        </p:txBody>
+      </p:sp>
+      <p:sp>
+        <p:nvSpPr>
+          <p:cNvPr id="25" name="テキスト ボックス 24">
+            <a:extLst>
+              <a:ext uri="{FF2B5EF4-FFF2-40B4-BE49-F238E27FC236}">
+                <a16:creationId xmlns:a16="http://schemas.microsoft.com/office/drawing/2014/main" id="{A60AD966-644E-B047-A118-DDA6E7CEF864}"/>
+              </a:ext>
+            </a:extLst>
+          </p:cNvPr>
+          <p:cNvSpPr txBox="1"/>
+          <p:nvPr/>
+        </p:nvSpPr>
+        <p:spPr>
+          <a:xfrm>
+            <a:off x="4788024" y="2204864"/>
+            <a:ext cx="4108817" cy="369332"/>
+          </a:xfrm>
+          <a:prstGeom prst="rect">
+            <a:avLst/>
+          </a:prstGeom>
+          <a:noFill/>
+        </p:spPr>
+        <p:txBody>
+          <a:bodyPr wrap="none" rtlCol="0">
+            <a:spAutoFit/>
+          </a:bodyPr>
+          <a:lstStyle/>
+          <a:p>
+            <a:r>
+              <a:rPr kumimoji="1" lang="ja-JP" altLang="en-US"/>
+              <a:t>その先頭位置を指すラベルを作成する</a:t>
+            </a:r>
+          </a:p>
+        </p:txBody>
+      </p:sp>
+      <p:sp>
+        <p:nvSpPr>
+          <p:cNvPr id="26" name="1 つの角を切り取った四角形 25">
+            <a:extLst>
+              <a:ext uri="{FF2B5EF4-FFF2-40B4-BE49-F238E27FC236}">
+                <a16:creationId xmlns:a16="http://schemas.microsoft.com/office/drawing/2014/main" id="{715863D8-2B00-8441-8C82-103BE1AE9C3D}"/>
+              </a:ext>
+            </a:extLst>
+          </p:cNvPr>
+          <p:cNvSpPr/>
+          <p:nvPr/>
+        </p:nvSpPr>
+        <p:spPr>
+          <a:xfrm>
+            <a:off x="5148064" y="4149080"/>
+            <a:ext cx="864096" cy="288032"/>
+          </a:xfrm>
+          <a:prstGeom prst="snip1Rect">
+            <a:avLst/>
+          </a:prstGeom>
+          <a:noFill/>
+          <a:ln>
+            <a:solidFill>
+              <a:schemeClr val="tx1"/>
+            </a:solidFill>
+          </a:ln>
+        </p:spPr>
+        <p:style>
+          <a:lnRef idx="2">
+            <a:schemeClr val="accent1">
+              <a:shade val="50000"/>
+            </a:schemeClr>
+          </a:lnRef>
+          <a:fillRef idx="1">
+            <a:schemeClr val="accent1"/>
+          </a:fillRef>
+          <a:effectRef idx="0">
+            <a:schemeClr val="accent1"/>
+          </a:effectRef>
+          <a:fontRef idx="minor">
+            <a:schemeClr val="lt1"/>
+          </a:fontRef>
+        </p:style>
+        <p:txBody>
+          <a:bodyPr rtlCol="0" anchor="ctr"/>
+          <a:lstStyle/>
+          <a:p>
+            <a:pPr algn="ctr"/>
+            <a:r>
+              <a:rPr kumimoji="1" lang="en-US" altLang="ja-JP" sz="2000">
+                <a:solidFill>
+                  <a:schemeClr val="tx1"/>
+                </a:solidFill>
+              </a:rPr>
+              <a:t>a</a:t>
+            </a:r>
+            <a:endParaRPr kumimoji="1" lang="ja-JP" altLang="en-US" sz="2000">
+              <a:solidFill>
+                <a:schemeClr val="tx1"/>
+              </a:solidFill>
+            </a:endParaRPr>
+          </a:p>
+        </p:txBody>
+      </p:sp>
+      <p:cxnSp>
+        <p:nvCxnSpPr>
+          <p:cNvPr id="27" name="直線矢印コネクタ 26">
+            <a:extLst>
+              <a:ext uri="{FF2B5EF4-FFF2-40B4-BE49-F238E27FC236}">
+                <a16:creationId xmlns:a16="http://schemas.microsoft.com/office/drawing/2014/main" id="{072984E5-0056-0249-8FF2-47AC99274638}"/>
+              </a:ext>
+            </a:extLst>
+          </p:cNvPr>
+          <p:cNvCxnSpPr>
+            <a:stCxn id="26" idx="0"/>
+          </p:cNvCxnSpPr>
+          <p:nvPr/>
+        </p:nvCxnSpPr>
+        <p:spPr>
+          <a:xfrm>
+            <a:off x="6012160" y="4293096"/>
+            <a:ext cx="288032" cy="0"/>
+          </a:xfrm>
+          <a:prstGeom prst="straightConnector1">
+            <a:avLst/>
+          </a:prstGeom>
+          <a:ln w="12700">
+            <a:solidFill>
+              <a:schemeClr val="tx1"/>
+            </a:solidFill>
+            <a:tailEnd type="triangle"/>
+          </a:ln>
+        </p:spPr>
+        <p:style>
+          <a:lnRef idx="1">
+            <a:schemeClr val="accent1"/>
+          </a:lnRef>
+          <a:fillRef idx="0">
+            <a:schemeClr val="accent1"/>
+          </a:fillRef>
+          <a:effectRef idx="0">
+            <a:schemeClr val="accent1"/>
+          </a:effectRef>
+          <a:fontRef idx="minor">
+            <a:schemeClr val="tx1"/>
+          </a:fontRef>
+        </p:style>
+      </p:cxnSp>
+      <p:cxnSp>
+        <p:nvCxnSpPr>
+          <p:cNvPr id="28" name="カギ線コネクタ 27">
+            <a:extLst>
+              <a:ext uri="{FF2B5EF4-FFF2-40B4-BE49-F238E27FC236}">
+                <a16:creationId xmlns:a16="http://schemas.microsoft.com/office/drawing/2014/main" id="{DDD81743-4FE0-DC49-B4E9-38E7948D9C63}"/>
+              </a:ext>
+            </a:extLst>
+          </p:cNvPr>
+          <p:cNvCxnSpPr>
+            <a:cxnSpLocks/>
+            <a:stCxn id="19" idx="3"/>
+            <a:endCxn id="22" idx="3"/>
+          </p:cNvCxnSpPr>
+          <p:nvPr/>
+        </p:nvCxnSpPr>
+        <p:spPr>
+          <a:xfrm flipV="1">
+            <a:off x="7812360" y="3176972"/>
+            <a:ext cx="12700" cy="1080120"/>
+          </a:xfrm>
+          <a:prstGeom prst="bentConnector3">
+            <a:avLst>
+              <a:gd name="adj1" fmla="val 1800000"/>
+            </a:avLst>
+          </a:prstGeom>
+          <a:ln w="28575">
+            <a:solidFill>
+              <a:srgbClr val="FF0000"/>
+            </a:solidFill>
+            <a:tailEnd type="triangle"/>
+          </a:ln>
+        </p:spPr>
+        <p:style>
+          <a:lnRef idx="1">
+            <a:schemeClr val="accent1"/>
+          </a:lnRef>
+          <a:fillRef idx="0">
+            <a:schemeClr val="accent1"/>
+          </a:fillRef>
+          <a:effectRef idx="0">
+            <a:schemeClr val="accent1"/>
+          </a:effectRef>
+          <a:fontRef idx="minor">
+            <a:schemeClr val="tx1"/>
+          </a:fontRef>
+        </p:style>
+      </p:cxnSp>
+      <p:sp>
+        <p:nvSpPr>
+          <p:cNvPr id="29" name="右矢印 28">
+            <a:extLst>
+              <a:ext uri="{FF2B5EF4-FFF2-40B4-BE49-F238E27FC236}">
+                <a16:creationId xmlns:a16="http://schemas.microsoft.com/office/drawing/2014/main" id="{C759BF12-D685-B54D-9824-1A7FDCF1B8CB}"/>
+              </a:ext>
+            </a:extLst>
+          </p:cNvPr>
+          <p:cNvSpPr/>
+          <p:nvPr/>
+        </p:nvSpPr>
+        <p:spPr>
+          <a:xfrm>
+            <a:off x="4139952" y="3933056"/>
+            <a:ext cx="360040" cy="360040"/>
+          </a:xfrm>
+          <a:prstGeom prst="rightArrow">
+            <a:avLst/>
+          </a:prstGeom>
+          <a:solidFill>
+            <a:srgbClr val="FF0000"/>
+          </a:solidFill>
+          <a:ln>
+            <a:solidFill>
+              <a:schemeClr val="tx1"/>
+            </a:solidFill>
+          </a:ln>
+        </p:spPr>
+        <p:style>
+          <a:lnRef idx="2">
+            <a:schemeClr val="accent1">
+              <a:shade val="50000"/>
+            </a:schemeClr>
+          </a:lnRef>
+          <a:fillRef idx="1">
+            <a:schemeClr val="accent1"/>
+          </a:fillRef>
+          <a:effectRef idx="0">
+            <a:schemeClr val="accent1"/>
+          </a:effectRef>
+          <a:fontRef idx="minor">
+            <a:schemeClr val="lt1"/>
+          </a:fontRef>
+        </p:style>
+        <p:txBody>
+          <a:bodyPr rtlCol="0" anchor="ctr"/>
+          <a:lstStyle/>
+          <a:p>
+            <a:pPr algn="ctr"/>
+            <a:endParaRPr kumimoji="1" lang="ja-JP" altLang="en-US"/>
+          </a:p>
+        </p:txBody>
+      </p:sp>
+    </p:spTree>
+    <p:extLst>
+      <p:ext uri="{BB962C8B-B14F-4D97-AF65-F5344CB8AC3E}">
+        <p14:creationId xmlns:p14="http://schemas.microsoft.com/office/powerpoint/2010/main" val="3801443037"/>
+      </p:ext>
+    </p:extLst>
+  </p:cSld>
+  <p:clrMapOvr>
+    <a:masterClrMapping/>
+  </p:clrMapOvr>
+</p:sld>
+</file>
+
+<file path=ppt/slides/slide8.xml><?xml version="1.0" encoding="utf-8"?>
+<p:sld xmlns:a="http://schemas.openxmlformats.org/drawingml/2006/main" xmlns:r="http://schemas.openxmlformats.org/officeDocument/2006/relationships" xmlns:p="http://schemas.openxmlformats.org/presentationml/2006/main">
+  <p:cSld>
+    <p:spTree>
+      <p:nvGrpSpPr>
+        <p:cNvPr id="1" name=""/>
+        <p:cNvGrpSpPr/>
+        <p:nvPr/>
+      </p:nvGrpSpPr>
+      <p:grpSpPr>
+        <a:xfrm>
+          <a:off x="0" y="0"/>
+          <a:ext cx="0" cy="0"/>
+          <a:chOff x="0" y="0"/>
+          <a:chExt cx="0" cy="0"/>
+        </a:xfrm>
+      </p:grpSpPr>
+      <p:sp>
+        <p:nvSpPr>
+          <p:cNvPr id="2" name="テキスト プレースホルダー 1">
+            <a:extLst>
+              <a:ext uri="{FF2B5EF4-FFF2-40B4-BE49-F238E27FC236}">
+                <a16:creationId xmlns:a16="http://schemas.microsoft.com/office/drawing/2014/main" id="{E0E0E20D-B575-204E-94EB-F4D9D3AD8705}"/>
+              </a:ext>
+            </a:extLst>
+          </p:cNvPr>
+          <p:cNvSpPr>
+            <a:spLocks noGrp="1"/>
+          </p:cNvSpPr>
+          <p:nvPr>
+            <p:ph type="body" sz="quarter" idx="10"/>
+          </p:nvPr>
+        </p:nvSpPr>
+        <p:spPr/>
+        <p:txBody>
+          <a:bodyPr/>
+          <a:lstStyle/>
+          <a:p>
+            <a:r>
+              <a:rPr kumimoji="1" lang="ja-JP" altLang="en-US"/>
+              <a:t>リストの要素の書き換え</a:t>
+            </a:r>
+          </a:p>
+        </p:txBody>
+      </p:sp>
+      <p:sp>
+        <p:nvSpPr>
+          <p:cNvPr id="3" name="正方形/長方形 2">
+            <a:extLst>
+              <a:ext uri="{FF2B5EF4-FFF2-40B4-BE49-F238E27FC236}">
+                <a16:creationId xmlns:a16="http://schemas.microsoft.com/office/drawing/2014/main" id="{C0098B8D-13E7-BE4F-8A3D-BEEFA3356BA6}"/>
+              </a:ext>
+            </a:extLst>
+          </p:cNvPr>
+          <p:cNvSpPr/>
+          <p:nvPr/>
+        </p:nvSpPr>
+        <p:spPr>
+          <a:xfrm>
+            <a:off x="1475656" y="4005064"/>
+            <a:ext cx="1440160" cy="360040"/>
+          </a:xfrm>
+          <a:prstGeom prst="rect">
+            <a:avLst/>
+          </a:prstGeom>
+          <a:noFill/>
+          <a:ln>
+            <a:solidFill>
+              <a:schemeClr val="tx1"/>
+            </a:solidFill>
+          </a:ln>
+        </p:spPr>
+        <p:style>
+          <a:lnRef idx="2">
+            <a:schemeClr val="accent1">
+              <a:shade val="50000"/>
+            </a:schemeClr>
+          </a:lnRef>
+          <a:fillRef idx="1">
+            <a:schemeClr val="accent1"/>
+          </a:fillRef>
+          <a:effectRef idx="0">
+            <a:schemeClr val="accent1"/>
+          </a:effectRef>
+          <a:fontRef idx="minor">
+            <a:schemeClr val="lt1"/>
+          </a:fontRef>
+        </p:style>
+        <p:txBody>
+          <a:bodyPr rtlCol="0" anchor="ctr"/>
+          <a:lstStyle/>
+          <a:p>
+            <a:pPr algn="ctr"/>
+            <a:r>
+              <a:rPr kumimoji="1" lang="en-US" altLang="ja-JP">
+                <a:solidFill>
+                  <a:schemeClr val="tx1"/>
+                </a:solidFill>
+              </a:rPr>
+              <a:t>3</a:t>
+            </a:r>
+            <a:endParaRPr kumimoji="1" lang="ja-JP" altLang="en-US">
+              <a:solidFill>
+                <a:schemeClr val="tx1"/>
+              </a:solidFill>
+            </a:endParaRPr>
+          </a:p>
+        </p:txBody>
+      </p:sp>
+      <p:sp>
+        <p:nvSpPr>
+          <p:cNvPr id="4" name="正方形/長方形 3">
+            <a:extLst>
+              <a:ext uri="{FF2B5EF4-FFF2-40B4-BE49-F238E27FC236}">
+                <a16:creationId xmlns:a16="http://schemas.microsoft.com/office/drawing/2014/main" id="{4520A650-CEE4-2D49-85DB-FE484527C690}"/>
+              </a:ext>
+            </a:extLst>
+          </p:cNvPr>
+          <p:cNvSpPr/>
+          <p:nvPr/>
+        </p:nvSpPr>
+        <p:spPr>
+          <a:xfrm>
+            <a:off x="1475656" y="4365104"/>
+            <a:ext cx="1440160" cy="360040"/>
+          </a:xfrm>
+          <a:prstGeom prst="rect">
+            <a:avLst/>
+          </a:prstGeom>
+          <a:noFill/>
+          <a:ln>
+            <a:solidFill>
+              <a:schemeClr val="tx1"/>
+            </a:solidFill>
+          </a:ln>
+        </p:spPr>
+        <p:style>
+          <a:lnRef idx="2">
+            <a:schemeClr val="accent1">
+              <a:shade val="50000"/>
+            </a:schemeClr>
+          </a:lnRef>
+          <a:fillRef idx="1">
+            <a:schemeClr val="accent1"/>
+          </a:fillRef>
+          <a:effectRef idx="0">
+            <a:schemeClr val="accent1"/>
+          </a:effectRef>
+          <a:fontRef idx="minor">
+            <a:schemeClr val="lt1"/>
+          </a:fontRef>
+        </p:style>
+        <p:txBody>
+          <a:bodyPr rtlCol="0" anchor="ctr"/>
+          <a:lstStyle/>
+          <a:p>
+            <a:pPr algn="ctr"/>
+            <a:r>
+              <a:rPr kumimoji="1" lang="en-US" altLang="ja-JP" sz="1600">
+                <a:solidFill>
+                  <a:schemeClr val="tx1"/>
+                </a:solidFill>
+              </a:rPr>
+              <a:t>0</a:t>
+            </a:r>
+            <a:r>
+              <a:rPr kumimoji="1" lang="ja-JP" altLang="en-US" sz="1600">
+                <a:solidFill>
+                  <a:schemeClr val="tx1"/>
+                </a:solidFill>
+              </a:rPr>
+              <a:t>番地を見よ</a:t>
+            </a:r>
+          </a:p>
+        </p:txBody>
+      </p:sp>
+      <p:sp>
+        <p:nvSpPr>
+          <p:cNvPr id="5" name="正方形/長方形 4">
+            <a:extLst>
+              <a:ext uri="{FF2B5EF4-FFF2-40B4-BE49-F238E27FC236}">
+                <a16:creationId xmlns:a16="http://schemas.microsoft.com/office/drawing/2014/main" id="{555B166D-4F40-0246-ADDC-6076F4683EAC}"/>
+              </a:ext>
+            </a:extLst>
+          </p:cNvPr>
+          <p:cNvSpPr/>
+          <p:nvPr/>
+        </p:nvSpPr>
+        <p:spPr>
+          <a:xfrm>
+            <a:off x="1475656" y="4725144"/>
+            <a:ext cx="1440160" cy="360040"/>
+          </a:xfrm>
+          <a:prstGeom prst="rect">
+            <a:avLst/>
+          </a:prstGeom>
+          <a:noFill/>
+          <a:ln>
+            <a:solidFill>
+              <a:schemeClr val="tx1"/>
+            </a:solidFill>
+          </a:ln>
+        </p:spPr>
+        <p:style>
+          <a:lnRef idx="2">
+            <a:schemeClr val="accent1">
+              <a:shade val="50000"/>
+            </a:schemeClr>
+          </a:lnRef>
+          <a:fillRef idx="1">
+            <a:schemeClr val="accent1"/>
+          </a:fillRef>
+          <a:effectRef idx="0">
+            <a:schemeClr val="accent1"/>
+          </a:effectRef>
+          <a:fontRef idx="minor">
+            <a:schemeClr val="lt1"/>
+          </a:fontRef>
+        </p:style>
+        <p:txBody>
+          <a:bodyPr rtlCol="0" anchor="ctr"/>
+          <a:lstStyle/>
+          <a:p>
+            <a:pPr algn="ctr"/>
+            <a:endParaRPr kumimoji="1" lang="ja-JP" altLang="en-US">
+              <a:solidFill>
+                <a:schemeClr val="tx1"/>
+              </a:solidFill>
+            </a:endParaRPr>
+          </a:p>
+        </p:txBody>
+      </p:sp>
+      <p:sp>
+        <p:nvSpPr>
+          <p:cNvPr id="6" name="正方形/長方形 5">
+            <a:extLst>
+              <a:ext uri="{FF2B5EF4-FFF2-40B4-BE49-F238E27FC236}">
+                <a16:creationId xmlns:a16="http://schemas.microsoft.com/office/drawing/2014/main" id="{7C44A367-30F7-B14E-AF2E-AB76E31E9CDD}"/>
+              </a:ext>
+            </a:extLst>
+          </p:cNvPr>
+          <p:cNvSpPr/>
+          <p:nvPr/>
+        </p:nvSpPr>
+        <p:spPr>
+          <a:xfrm>
+            <a:off x="1475656" y="5085184"/>
+            <a:ext cx="1440160" cy="360040"/>
+          </a:xfrm>
+          <a:prstGeom prst="rect">
+            <a:avLst/>
+          </a:prstGeom>
+          <a:noFill/>
+          <a:ln>
+            <a:solidFill>
+              <a:schemeClr val="tx1"/>
+            </a:solidFill>
+          </a:ln>
+        </p:spPr>
+        <p:style>
+          <a:lnRef idx="2">
+            <a:schemeClr val="accent1">
+              <a:shade val="50000"/>
+            </a:schemeClr>
+          </a:lnRef>
+          <a:fillRef idx="1">
+            <a:schemeClr val="accent1"/>
+          </a:fillRef>
+          <a:effectRef idx="0">
+            <a:schemeClr val="accent1"/>
+          </a:effectRef>
+          <a:fontRef idx="minor">
+            <a:schemeClr val="lt1"/>
+          </a:fontRef>
+        </p:style>
+        <p:txBody>
+          <a:bodyPr rtlCol="0" anchor="ctr"/>
+          <a:lstStyle/>
+          <a:p>
+            <a:pPr algn="ctr"/>
+            <a:endParaRPr kumimoji="1" lang="ja-JP" altLang="en-US">
+              <a:solidFill>
+                <a:schemeClr val="tx1"/>
+              </a:solidFill>
+            </a:endParaRPr>
+          </a:p>
+        </p:txBody>
+      </p:sp>
+      <p:sp>
+        <p:nvSpPr>
+          <p:cNvPr id="7" name="正方形/長方形 6">
+            <a:extLst>
+              <a:ext uri="{FF2B5EF4-FFF2-40B4-BE49-F238E27FC236}">
+                <a16:creationId xmlns:a16="http://schemas.microsoft.com/office/drawing/2014/main" id="{E85C681D-7A69-244B-85A4-6171425CB48D}"/>
+              </a:ext>
+            </a:extLst>
+          </p:cNvPr>
+          <p:cNvSpPr/>
+          <p:nvPr/>
+        </p:nvSpPr>
+        <p:spPr>
+          <a:xfrm>
+            <a:off x="1475656" y="3284984"/>
+            <a:ext cx="1440160" cy="360040"/>
+          </a:xfrm>
+          <a:prstGeom prst="rect">
+            <a:avLst/>
+          </a:prstGeom>
+          <a:noFill/>
+          <a:ln>
+            <a:solidFill>
+              <a:schemeClr val="tx1"/>
+            </a:solidFill>
+          </a:ln>
+        </p:spPr>
+        <p:style>
+          <a:lnRef idx="2">
+            <a:schemeClr val="accent1">
+              <a:shade val="50000"/>
+            </a:schemeClr>
+          </a:lnRef>
+          <a:fillRef idx="1">
+            <a:schemeClr val="accent1"/>
+          </a:fillRef>
+          <a:effectRef idx="0">
+            <a:schemeClr val="accent1"/>
+          </a:effectRef>
+          <a:fontRef idx="minor">
+            <a:schemeClr val="lt1"/>
+          </a:fontRef>
+        </p:style>
+        <p:txBody>
+          <a:bodyPr rtlCol="0" anchor="ctr"/>
+          <a:lstStyle/>
+          <a:p>
+            <a:pPr algn="ctr"/>
+            <a:r>
+              <a:rPr kumimoji="1" lang="en-US" altLang="ja-JP">
+                <a:solidFill>
+                  <a:schemeClr val="tx1"/>
+                </a:solidFill>
+              </a:rPr>
+              <a:t>1</a:t>
+            </a:r>
+            <a:endParaRPr kumimoji="1" lang="ja-JP" altLang="en-US">
+              <a:solidFill>
+                <a:schemeClr val="tx1"/>
+              </a:solidFill>
+            </a:endParaRPr>
+          </a:p>
+        </p:txBody>
+      </p:sp>
+      <p:sp>
+        <p:nvSpPr>
+          <p:cNvPr id="8" name="正方形/長方形 7">
+            <a:extLst>
+              <a:ext uri="{FF2B5EF4-FFF2-40B4-BE49-F238E27FC236}">
+                <a16:creationId xmlns:a16="http://schemas.microsoft.com/office/drawing/2014/main" id="{A63F677F-9A33-814D-8A3F-E6863A50C0B3}"/>
+              </a:ext>
+            </a:extLst>
+          </p:cNvPr>
+          <p:cNvSpPr/>
+          <p:nvPr/>
+        </p:nvSpPr>
+        <p:spPr>
+          <a:xfrm>
+            <a:off x="1475656" y="3645024"/>
+            <a:ext cx="1440160" cy="360040"/>
+          </a:xfrm>
+          <a:prstGeom prst="rect">
+            <a:avLst/>
+          </a:prstGeom>
+          <a:noFill/>
+          <a:ln>
+            <a:solidFill>
+              <a:schemeClr val="tx1"/>
+            </a:solidFill>
+          </a:ln>
+        </p:spPr>
+        <p:style>
+          <a:lnRef idx="2">
+            <a:schemeClr val="accent1">
+              <a:shade val="50000"/>
+            </a:schemeClr>
+          </a:lnRef>
+          <a:fillRef idx="1">
+            <a:schemeClr val="accent1"/>
+          </a:fillRef>
+          <a:effectRef idx="0">
+            <a:schemeClr val="accent1"/>
+          </a:effectRef>
+          <a:fontRef idx="minor">
+            <a:schemeClr val="lt1"/>
+          </a:fontRef>
+        </p:style>
+        <p:txBody>
+          <a:bodyPr rtlCol="0" anchor="ctr"/>
+          <a:lstStyle/>
+          <a:p>
+            <a:pPr algn="ctr"/>
+            <a:r>
+              <a:rPr kumimoji="1" lang="en-US" altLang="ja-JP">
+                <a:solidFill>
+                  <a:schemeClr val="tx1"/>
+                </a:solidFill>
+              </a:rPr>
+              <a:t>2</a:t>
+            </a:r>
+            <a:endParaRPr kumimoji="1" lang="ja-JP" altLang="en-US">
+              <a:solidFill>
+                <a:schemeClr val="tx1"/>
+              </a:solidFill>
+            </a:endParaRPr>
+          </a:p>
+        </p:txBody>
+      </p:sp>
+      <p:sp>
+        <p:nvSpPr>
+          <p:cNvPr id="9" name="正方形/長方形 8">
+            <a:extLst>
+              <a:ext uri="{FF2B5EF4-FFF2-40B4-BE49-F238E27FC236}">
+                <a16:creationId xmlns:a16="http://schemas.microsoft.com/office/drawing/2014/main" id="{AE0DEC06-E3B1-7E4C-85D6-2AF1925A13C5}"/>
+              </a:ext>
+            </a:extLst>
+          </p:cNvPr>
+          <p:cNvSpPr/>
+          <p:nvPr/>
+        </p:nvSpPr>
+        <p:spPr>
+          <a:xfrm>
+            <a:off x="1475656" y="3284984"/>
+            <a:ext cx="1440160" cy="1080120"/>
+          </a:xfrm>
+          <a:prstGeom prst="rect">
+            <a:avLst/>
+          </a:prstGeom>
+          <a:noFill/>
+          <a:ln w="28575">
+            <a:solidFill>
+              <a:srgbClr val="FF0000"/>
+            </a:solidFill>
+          </a:ln>
+        </p:spPr>
+        <p:style>
+          <a:lnRef idx="2">
+            <a:schemeClr val="accent1">
+              <a:shade val="50000"/>
+            </a:schemeClr>
+          </a:lnRef>
+          <a:fillRef idx="1">
+            <a:schemeClr val="accent1"/>
+          </a:fillRef>
+          <a:effectRef idx="0">
+            <a:schemeClr val="accent1"/>
+          </a:effectRef>
+          <a:fontRef idx="minor">
+            <a:schemeClr val="lt1"/>
+          </a:fontRef>
+        </p:style>
+        <p:txBody>
+          <a:bodyPr rtlCol="0" anchor="ctr"/>
+          <a:lstStyle/>
+          <a:p>
+            <a:pPr algn="ctr"/>
+            <a:endParaRPr kumimoji="1" lang="ja-JP" altLang="en-US"/>
+          </a:p>
+        </p:txBody>
+      </p:sp>
+      <p:sp>
+        <p:nvSpPr>
+          <p:cNvPr id="10" name="1 つの角を切り取った四角形 9">
+            <a:extLst>
+              <a:ext uri="{FF2B5EF4-FFF2-40B4-BE49-F238E27FC236}">
+                <a16:creationId xmlns:a16="http://schemas.microsoft.com/office/drawing/2014/main" id="{9C11B64E-69BA-B842-B664-DB9C919B498F}"/>
+              </a:ext>
+            </a:extLst>
+          </p:cNvPr>
+          <p:cNvSpPr/>
+          <p:nvPr/>
+        </p:nvSpPr>
+        <p:spPr>
+          <a:xfrm>
+            <a:off x="251520" y="4437112"/>
+            <a:ext cx="864096" cy="288032"/>
+          </a:xfrm>
+          <a:prstGeom prst="snip1Rect">
+            <a:avLst/>
+          </a:prstGeom>
+          <a:noFill/>
+          <a:ln>
+            <a:solidFill>
+              <a:schemeClr val="tx1"/>
+            </a:solidFill>
+          </a:ln>
+        </p:spPr>
+        <p:style>
+          <a:lnRef idx="2">
+            <a:schemeClr val="accent1">
+              <a:shade val="50000"/>
+            </a:schemeClr>
+          </a:lnRef>
+          <a:fillRef idx="1">
+            <a:schemeClr val="accent1"/>
+          </a:fillRef>
+          <a:effectRef idx="0">
+            <a:schemeClr val="accent1"/>
+          </a:effectRef>
+          <a:fontRef idx="minor">
+            <a:schemeClr val="lt1"/>
+          </a:fontRef>
+        </p:style>
+        <p:txBody>
+          <a:bodyPr rtlCol="0" anchor="ctr"/>
+          <a:lstStyle/>
+          <a:p>
+            <a:pPr algn="ctr"/>
+            <a:r>
+              <a:rPr kumimoji="1" lang="en-US" altLang="ja-JP" sz="2000">
+                <a:solidFill>
+                  <a:schemeClr val="tx1"/>
+                </a:solidFill>
+              </a:rPr>
+              <a:t>a</a:t>
+            </a:r>
+            <a:endParaRPr kumimoji="1" lang="ja-JP" altLang="en-US" sz="2000">
+              <a:solidFill>
+                <a:schemeClr val="tx1"/>
+              </a:solidFill>
+            </a:endParaRPr>
+          </a:p>
+        </p:txBody>
+      </p:sp>
+      <p:cxnSp>
+        <p:nvCxnSpPr>
+          <p:cNvPr id="11" name="直線矢印コネクタ 10">
+            <a:extLst>
+              <a:ext uri="{FF2B5EF4-FFF2-40B4-BE49-F238E27FC236}">
+                <a16:creationId xmlns:a16="http://schemas.microsoft.com/office/drawing/2014/main" id="{B39A6A2D-1C83-D242-BFA3-3841D0B0CE46}"/>
+              </a:ext>
+            </a:extLst>
+          </p:cNvPr>
+          <p:cNvCxnSpPr>
+            <a:stCxn id="10" idx="0"/>
+          </p:cNvCxnSpPr>
+          <p:nvPr/>
+        </p:nvCxnSpPr>
+        <p:spPr>
+          <a:xfrm>
+            <a:off x="1115616" y="4581128"/>
+            <a:ext cx="288032" cy="0"/>
+          </a:xfrm>
+          <a:prstGeom prst="straightConnector1">
+            <a:avLst/>
+          </a:prstGeom>
+          <a:ln w="12700">
+            <a:solidFill>
+              <a:schemeClr val="tx1"/>
+            </a:solidFill>
+            <a:tailEnd type="triangle"/>
+          </a:ln>
+        </p:spPr>
+        <p:style>
+          <a:lnRef idx="1">
+            <a:schemeClr val="accent1"/>
+          </a:lnRef>
+          <a:fillRef idx="0">
+            <a:schemeClr val="accent1"/>
+          </a:fillRef>
+          <a:effectRef idx="0">
+            <a:schemeClr val="accent1"/>
+          </a:effectRef>
+          <a:fontRef idx="minor">
+            <a:schemeClr val="tx1"/>
+          </a:fontRef>
+        </p:style>
+      </p:cxnSp>
+      <p:cxnSp>
+        <p:nvCxnSpPr>
+          <p:cNvPr id="12" name="カギ線コネクタ 11">
+            <a:extLst>
+              <a:ext uri="{FF2B5EF4-FFF2-40B4-BE49-F238E27FC236}">
+                <a16:creationId xmlns:a16="http://schemas.microsoft.com/office/drawing/2014/main" id="{84B25199-3CA4-FC47-AC04-BF159D8A96D9}"/>
+              </a:ext>
+            </a:extLst>
+          </p:cNvPr>
+          <p:cNvCxnSpPr>
+            <a:cxnSpLocks/>
+            <a:stCxn id="4" idx="3"/>
+            <a:endCxn id="7" idx="3"/>
+          </p:cNvCxnSpPr>
+          <p:nvPr/>
+        </p:nvCxnSpPr>
+        <p:spPr>
+          <a:xfrm flipV="1">
+            <a:off x="2915816" y="3465004"/>
+            <a:ext cx="12700" cy="1080120"/>
+          </a:xfrm>
+          <a:prstGeom prst="bentConnector3">
+            <a:avLst>
+              <a:gd name="adj1" fmla="val 1800000"/>
+            </a:avLst>
+          </a:prstGeom>
+          <a:ln w="28575">
+            <a:solidFill>
+              <a:srgbClr val="FF0000"/>
+            </a:solidFill>
+            <a:tailEnd type="triangle"/>
+          </a:ln>
+        </p:spPr>
+        <p:style>
+          <a:lnRef idx="1">
+            <a:schemeClr val="accent1"/>
+          </a:lnRef>
+          <a:fillRef idx="0">
+            <a:schemeClr val="accent1"/>
+          </a:fillRef>
+          <a:effectRef idx="0">
+            <a:schemeClr val="accent1"/>
+          </a:effectRef>
+          <a:fontRef idx="minor">
+            <a:schemeClr val="tx1"/>
+          </a:fontRef>
+        </p:style>
+      </p:cxnSp>
+      <p:cxnSp>
+        <p:nvCxnSpPr>
+          <p:cNvPr id="13" name="カギ線コネクタ 12">
+            <a:extLst>
+              <a:ext uri="{FF2B5EF4-FFF2-40B4-BE49-F238E27FC236}">
+                <a16:creationId xmlns:a16="http://schemas.microsoft.com/office/drawing/2014/main" id="{2394C0B4-C101-D447-A499-758F643C272C}"/>
+              </a:ext>
+            </a:extLst>
+          </p:cNvPr>
+          <p:cNvCxnSpPr>
+            <a:cxnSpLocks/>
+            <a:stCxn id="7" idx="1"/>
+            <a:endCxn id="8" idx="1"/>
+          </p:cNvCxnSpPr>
+          <p:nvPr/>
+        </p:nvCxnSpPr>
+        <p:spPr>
+          <a:xfrm rot="10800000" flipV="1">
+            <a:off x="1475656" y="3465004"/>
+            <a:ext cx="12700" cy="360040"/>
+          </a:xfrm>
+          <a:prstGeom prst="bentConnector3">
+            <a:avLst>
+              <a:gd name="adj1" fmla="val 1800000"/>
+            </a:avLst>
+          </a:prstGeom>
+          <a:ln w="28575">
+            <a:solidFill>
+              <a:srgbClr val="0070C0"/>
+            </a:solidFill>
+            <a:tailEnd type="triangle"/>
+          </a:ln>
+        </p:spPr>
+        <p:style>
+          <a:lnRef idx="1">
+            <a:schemeClr val="accent1"/>
+          </a:lnRef>
+          <a:fillRef idx="0">
+            <a:schemeClr val="accent1"/>
+          </a:fillRef>
+          <a:effectRef idx="0">
+            <a:schemeClr val="accent1"/>
+          </a:effectRef>
+          <a:fontRef idx="minor">
+            <a:schemeClr val="tx1"/>
+          </a:fontRef>
+        </p:style>
+      </p:cxnSp>
+      <p:sp>
+        <p:nvSpPr>
+          <p:cNvPr id="14" name="テキスト ボックス 13">
+            <a:extLst>
+              <a:ext uri="{FF2B5EF4-FFF2-40B4-BE49-F238E27FC236}">
+                <a16:creationId xmlns:a16="http://schemas.microsoft.com/office/drawing/2014/main" id="{6092C2C7-10BE-344F-BAD8-0AFC23377C59}"/>
+              </a:ext>
+            </a:extLst>
+          </p:cNvPr>
+          <p:cNvSpPr txBox="1"/>
+          <p:nvPr/>
+        </p:nvSpPr>
+        <p:spPr>
+          <a:xfrm>
+            <a:off x="0" y="2492896"/>
+            <a:ext cx="4544834" cy="400110"/>
+          </a:xfrm>
+          <a:prstGeom prst="rect">
+            <a:avLst/>
+          </a:prstGeom>
+          <a:noFill/>
+        </p:spPr>
+        <p:txBody>
+          <a:bodyPr wrap="none" rtlCol="0">
+            <a:spAutoFit/>
+          </a:bodyPr>
+          <a:lstStyle/>
+          <a:p>
+            <a:r>
+              <a:rPr kumimoji="1" lang="ja-JP" altLang="en-US" sz="2000">
+                <a:solidFill>
+                  <a:srgbClr val="FF0000"/>
+                </a:solidFill>
+              </a:rPr>
+              <a:t>リストの先頭</a:t>
+            </a:r>
+            <a:r>
+              <a:rPr kumimoji="1" lang="ja-JP" altLang="en-US" sz="2000"/>
+              <a:t>から</a:t>
+            </a:r>
+            <a:r>
+              <a:rPr kumimoji="1" lang="ja-JP" altLang="en-US" sz="2000">
+                <a:solidFill>
+                  <a:srgbClr val="0070C0"/>
+                </a:solidFill>
+              </a:rPr>
+              <a:t>二番目</a:t>
+            </a:r>
+            <a:r>
+              <a:rPr kumimoji="1" lang="ja-JP" altLang="en-US" sz="2000"/>
+              <a:t>の場所を探す</a:t>
+            </a:r>
+          </a:p>
+        </p:txBody>
+      </p:sp>
+      <p:sp>
+        <p:nvSpPr>
+          <p:cNvPr id="15" name="正方形/長方形 14">
+            <a:extLst>
+              <a:ext uri="{FF2B5EF4-FFF2-40B4-BE49-F238E27FC236}">
+                <a16:creationId xmlns:a16="http://schemas.microsoft.com/office/drawing/2014/main" id="{E362C400-C9F6-9348-A56C-AF94AA8C2842}"/>
+              </a:ext>
+            </a:extLst>
+          </p:cNvPr>
+          <p:cNvSpPr/>
+          <p:nvPr/>
+        </p:nvSpPr>
+        <p:spPr>
+          <a:xfrm>
+            <a:off x="3419872" y="1412776"/>
+            <a:ext cx="2159566" cy="584775"/>
+          </a:xfrm>
+          <a:prstGeom prst="rect">
+            <a:avLst/>
+          </a:prstGeom>
+          <a:solidFill>
+            <a:schemeClr val="tx1"/>
+          </a:solidFill>
+        </p:spPr>
+        <p:txBody>
+          <a:bodyPr wrap="none">
+            <a:spAutoFit/>
+          </a:bodyPr>
+          <a:lstStyle/>
+          <a:p>
+            <a:r>
+              <a:rPr lang="en" altLang="ja-JP" sz="3200" b="0">
+                <a:solidFill>
+                  <a:srgbClr val="D4D4D4"/>
+                </a:solidFill>
+                <a:effectLst/>
+                <a:latin typeface="Menlo" panose="020B0609030804020204" pitchFamily="49" charset="0"/>
+              </a:rPr>
+              <a:t>a[</a:t>
+            </a:r>
+            <a:r>
+              <a:rPr lang="en" altLang="ja-JP" sz="3200" b="0">
+                <a:solidFill>
+                  <a:srgbClr val="B5CEA8"/>
+                </a:solidFill>
+                <a:effectLst/>
+                <a:latin typeface="Menlo" panose="020B0609030804020204" pitchFamily="49" charset="0"/>
+              </a:rPr>
+              <a:t>1</a:t>
+            </a:r>
+            <a:r>
+              <a:rPr lang="en" altLang="ja-JP" sz="3200" b="0">
+                <a:solidFill>
+                  <a:srgbClr val="D4D4D4"/>
+                </a:solidFill>
+                <a:effectLst/>
+                <a:latin typeface="Menlo" panose="020B0609030804020204" pitchFamily="49" charset="0"/>
+              </a:rPr>
+              <a:t>] = </a:t>
+            </a:r>
+            <a:r>
+              <a:rPr lang="en" altLang="ja-JP" sz="3200" b="0">
+                <a:solidFill>
+                  <a:srgbClr val="B5CEA8"/>
+                </a:solidFill>
+                <a:effectLst/>
+                <a:latin typeface="Menlo" panose="020B0609030804020204" pitchFamily="49" charset="0"/>
+              </a:rPr>
+              <a:t>4</a:t>
+            </a:r>
+            <a:endParaRPr lang="en" altLang="ja-JP" sz="3200" b="0">
+              <a:solidFill>
+                <a:srgbClr val="D4D4D4"/>
+              </a:solidFill>
+              <a:effectLst/>
+              <a:latin typeface="Menlo" panose="020B0609030804020204" pitchFamily="49" charset="0"/>
+            </a:endParaRPr>
+          </a:p>
+        </p:txBody>
+      </p:sp>
+      <p:sp>
+        <p:nvSpPr>
+          <p:cNvPr id="16" name="右矢印 15">
+            <a:extLst>
+              <a:ext uri="{FF2B5EF4-FFF2-40B4-BE49-F238E27FC236}">
+                <a16:creationId xmlns:a16="http://schemas.microsoft.com/office/drawing/2014/main" id="{CECD4AA9-87A3-5546-B745-6DF78181F509}"/>
+              </a:ext>
+            </a:extLst>
+          </p:cNvPr>
+          <p:cNvSpPr/>
+          <p:nvPr/>
+        </p:nvSpPr>
+        <p:spPr>
+          <a:xfrm>
+            <a:off x="3995936" y="4005064"/>
+            <a:ext cx="360040" cy="360040"/>
+          </a:xfrm>
+          <a:prstGeom prst="rightArrow">
+            <a:avLst/>
+          </a:prstGeom>
+          <a:solidFill>
+            <a:srgbClr val="FF0000"/>
+          </a:solidFill>
+          <a:ln>
+            <a:solidFill>
+              <a:schemeClr val="tx1"/>
+            </a:solidFill>
+          </a:ln>
+        </p:spPr>
+        <p:style>
+          <a:lnRef idx="2">
+            <a:schemeClr val="accent1">
+              <a:shade val="50000"/>
+            </a:schemeClr>
+          </a:lnRef>
+          <a:fillRef idx="1">
+            <a:schemeClr val="accent1"/>
+          </a:fillRef>
+          <a:effectRef idx="0">
+            <a:schemeClr val="accent1"/>
+          </a:effectRef>
+          <a:fontRef idx="minor">
+            <a:schemeClr val="lt1"/>
+          </a:fontRef>
+        </p:style>
+        <p:txBody>
+          <a:bodyPr rtlCol="0" anchor="ctr"/>
+          <a:lstStyle/>
+          <a:p>
+            <a:pPr algn="ctr"/>
+            <a:endParaRPr kumimoji="1" lang="ja-JP" altLang="en-US"/>
+          </a:p>
+        </p:txBody>
+      </p:sp>
+      <p:sp>
+        <p:nvSpPr>
+          <p:cNvPr id="17" name="正方形/長方形 16">
+            <a:extLst>
+              <a:ext uri="{FF2B5EF4-FFF2-40B4-BE49-F238E27FC236}">
+                <a16:creationId xmlns:a16="http://schemas.microsoft.com/office/drawing/2014/main" id="{30A2787A-A46B-7E48-8001-C37D68858996}"/>
+              </a:ext>
+            </a:extLst>
+          </p:cNvPr>
+          <p:cNvSpPr/>
+          <p:nvPr/>
+        </p:nvSpPr>
+        <p:spPr>
+          <a:xfrm>
+            <a:off x="6300192" y="4005064"/>
+            <a:ext cx="1440160" cy="360040"/>
+          </a:xfrm>
+          <a:prstGeom prst="rect">
+            <a:avLst/>
+          </a:prstGeom>
+          <a:noFill/>
+          <a:ln>
+            <a:solidFill>
+              <a:schemeClr val="tx1"/>
+            </a:solidFill>
+          </a:ln>
+        </p:spPr>
+        <p:style>
+          <a:lnRef idx="2">
+            <a:schemeClr val="accent1">
+              <a:shade val="50000"/>
+            </a:schemeClr>
+          </a:lnRef>
+          <a:fillRef idx="1">
+            <a:schemeClr val="accent1"/>
+          </a:fillRef>
+          <a:effectRef idx="0">
+            <a:schemeClr val="accent1"/>
+          </a:effectRef>
+          <a:fontRef idx="minor">
+            <a:schemeClr val="lt1"/>
+          </a:fontRef>
+        </p:style>
+        <p:txBody>
+          <a:bodyPr rtlCol="0" anchor="ctr"/>
+          <a:lstStyle/>
+          <a:p>
+            <a:pPr algn="ctr"/>
+            <a:r>
+              <a:rPr kumimoji="1" lang="en-US" altLang="ja-JP">
+                <a:solidFill>
+                  <a:schemeClr val="tx1"/>
+                </a:solidFill>
+              </a:rPr>
+              <a:t>3</a:t>
+            </a:r>
+            <a:endParaRPr kumimoji="1" lang="ja-JP" altLang="en-US">
+              <a:solidFill>
+                <a:schemeClr val="tx1"/>
+              </a:solidFill>
+            </a:endParaRPr>
+          </a:p>
+        </p:txBody>
+      </p:sp>
+      <p:sp>
+        <p:nvSpPr>
+          <p:cNvPr id="18" name="正方形/長方形 17">
+            <a:extLst>
+              <a:ext uri="{FF2B5EF4-FFF2-40B4-BE49-F238E27FC236}">
+                <a16:creationId xmlns:a16="http://schemas.microsoft.com/office/drawing/2014/main" id="{03F7BD04-F8F2-3341-8BC3-6690C4EA9710}"/>
+              </a:ext>
+            </a:extLst>
+          </p:cNvPr>
+          <p:cNvSpPr/>
+          <p:nvPr/>
+        </p:nvSpPr>
+        <p:spPr>
+          <a:xfrm>
+            <a:off x="6300192" y="4365104"/>
+            <a:ext cx="1440160" cy="360040"/>
+          </a:xfrm>
+          <a:prstGeom prst="rect">
+            <a:avLst/>
+          </a:prstGeom>
+          <a:noFill/>
+          <a:ln>
+            <a:solidFill>
+              <a:schemeClr val="tx1"/>
+            </a:solidFill>
+          </a:ln>
+        </p:spPr>
+        <p:style>
+          <a:lnRef idx="2">
+            <a:schemeClr val="accent1">
+              <a:shade val="50000"/>
+            </a:schemeClr>
+          </a:lnRef>
+          <a:fillRef idx="1">
+            <a:schemeClr val="accent1"/>
+          </a:fillRef>
+          <a:effectRef idx="0">
+            <a:schemeClr val="accent1"/>
+          </a:effectRef>
+          <a:fontRef idx="minor">
+            <a:schemeClr val="lt1"/>
+          </a:fontRef>
+        </p:style>
+        <p:txBody>
+          <a:bodyPr rtlCol="0" anchor="ctr"/>
+          <a:lstStyle/>
+          <a:p>
+            <a:pPr algn="ctr"/>
+            <a:r>
+              <a:rPr kumimoji="1" lang="en-US" altLang="ja-JP" sz="1600">
+                <a:solidFill>
+                  <a:schemeClr val="tx1"/>
+                </a:solidFill>
+              </a:rPr>
+              <a:t>0</a:t>
+            </a:r>
+            <a:r>
+              <a:rPr kumimoji="1" lang="ja-JP" altLang="en-US" sz="1600">
+                <a:solidFill>
+                  <a:schemeClr val="tx1"/>
+                </a:solidFill>
+              </a:rPr>
+              <a:t>番地を見よ</a:t>
+            </a:r>
+          </a:p>
+        </p:txBody>
+      </p:sp>
+      <p:sp>
+        <p:nvSpPr>
+          <p:cNvPr id="19" name="正方形/長方形 18">
+            <a:extLst>
+              <a:ext uri="{FF2B5EF4-FFF2-40B4-BE49-F238E27FC236}">
+                <a16:creationId xmlns:a16="http://schemas.microsoft.com/office/drawing/2014/main" id="{F0D0AE50-E6E1-3F48-A65C-1500FAC526AB}"/>
+              </a:ext>
+            </a:extLst>
+          </p:cNvPr>
+          <p:cNvSpPr/>
+          <p:nvPr/>
+        </p:nvSpPr>
+        <p:spPr>
+          <a:xfrm>
+            <a:off x="6300192" y="4725144"/>
+            <a:ext cx="1440160" cy="360040"/>
+          </a:xfrm>
+          <a:prstGeom prst="rect">
+            <a:avLst/>
+          </a:prstGeom>
+          <a:noFill/>
+          <a:ln>
+            <a:solidFill>
+              <a:schemeClr val="tx1"/>
+            </a:solidFill>
+          </a:ln>
+        </p:spPr>
+        <p:style>
+          <a:lnRef idx="2">
+            <a:schemeClr val="accent1">
+              <a:shade val="50000"/>
+            </a:schemeClr>
+          </a:lnRef>
+          <a:fillRef idx="1">
+            <a:schemeClr val="accent1"/>
+          </a:fillRef>
+          <a:effectRef idx="0">
+            <a:schemeClr val="accent1"/>
+          </a:effectRef>
+          <a:fontRef idx="minor">
+            <a:schemeClr val="lt1"/>
+          </a:fontRef>
+        </p:style>
+        <p:txBody>
+          <a:bodyPr rtlCol="0" anchor="ctr"/>
+          <a:lstStyle/>
+          <a:p>
+            <a:pPr algn="ctr"/>
+            <a:endParaRPr kumimoji="1" lang="ja-JP" altLang="en-US">
+              <a:solidFill>
+                <a:schemeClr val="tx1"/>
+              </a:solidFill>
+            </a:endParaRPr>
+          </a:p>
+        </p:txBody>
+      </p:sp>
+      <p:sp>
+        <p:nvSpPr>
+          <p:cNvPr id="20" name="正方形/長方形 19">
+            <a:extLst>
+              <a:ext uri="{FF2B5EF4-FFF2-40B4-BE49-F238E27FC236}">
+                <a16:creationId xmlns:a16="http://schemas.microsoft.com/office/drawing/2014/main" id="{75184797-800B-8045-B779-36AF311E73D9}"/>
+              </a:ext>
+            </a:extLst>
+          </p:cNvPr>
+          <p:cNvSpPr/>
+          <p:nvPr/>
+        </p:nvSpPr>
+        <p:spPr>
+          <a:xfrm>
+            <a:off x="6300192" y="5085184"/>
+            <a:ext cx="1440160" cy="360040"/>
+          </a:xfrm>
+          <a:prstGeom prst="rect">
+            <a:avLst/>
+          </a:prstGeom>
+          <a:noFill/>
+          <a:ln>
+            <a:solidFill>
+              <a:schemeClr val="tx1"/>
+            </a:solidFill>
+          </a:ln>
+        </p:spPr>
+        <p:style>
+          <a:lnRef idx="2">
+            <a:schemeClr val="accent1">
+              <a:shade val="50000"/>
+            </a:schemeClr>
+          </a:lnRef>
+          <a:fillRef idx="1">
+            <a:schemeClr val="accent1"/>
+          </a:fillRef>
+          <a:effectRef idx="0">
+            <a:schemeClr val="accent1"/>
+          </a:effectRef>
+          <a:fontRef idx="minor">
+            <a:schemeClr val="lt1"/>
+          </a:fontRef>
+        </p:style>
+        <p:txBody>
+          <a:bodyPr rtlCol="0" anchor="ctr"/>
+          <a:lstStyle/>
+          <a:p>
+            <a:pPr algn="ctr"/>
+            <a:endParaRPr kumimoji="1" lang="ja-JP" altLang="en-US">
+              <a:solidFill>
+                <a:schemeClr val="tx1"/>
+              </a:solidFill>
+            </a:endParaRPr>
+          </a:p>
+        </p:txBody>
+      </p:sp>
+      <p:sp>
+        <p:nvSpPr>
+          <p:cNvPr id="21" name="正方形/長方形 20">
+            <a:extLst>
+              <a:ext uri="{FF2B5EF4-FFF2-40B4-BE49-F238E27FC236}">
+                <a16:creationId xmlns:a16="http://schemas.microsoft.com/office/drawing/2014/main" id="{D174A6C5-EF0A-1D4C-97EB-E41DC98FE934}"/>
+              </a:ext>
+            </a:extLst>
+          </p:cNvPr>
+          <p:cNvSpPr/>
+          <p:nvPr/>
+        </p:nvSpPr>
+        <p:spPr>
+          <a:xfrm>
+            <a:off x="6300192" y="3284984"/>
+            <a:ext cx="1440160" cy="360040"/>
+          </a:xfrm>
+          <a:prstGeom prst="rect">
+            <a:avLst/>
+          </a:prstGeom>
+          <a:noFill/>
+          <a:ln>
+            <a:solidFill>
+              <a:schemeClr val="tx1"/>
+            </a:solidFill>
+          </a:ln>
+        </p:spPr>
+        <p:style>
+          <a:lnRef idx="2">
+            <a:schemeClr val="accent1">
+              <a:shade val="50000"/>
+            </a:schemeClr>
+          </a:lnRef>
+          <a:fillRef idx="1">
+            <a:schemeClr val="accent1"/>
+          </a:fillRef>
+          <a:effectRef idx="0">
+            <a:schemeClr val="accent1"/>
+          </a:effectRef>
+          <a:fontRef idx="minor">
+            <a:schemeClr val="lt1"/>
+          </a:fontRef>
+        </p:style>
+        <p:txBody>
+          <a:bodyPr rtlCol="0" anchor="ctr"/>
+          <a:lstStyle/>
+          <a:p>
+            <a:pPr algn="ctr"/>
+            <a:r>
+              <a:rPr kumimoji="1" lang="en-US" altLang="ja-JP">
+                <a:solidFill>
+                  <a:schemeClr val="tx1"/>
+                </a:solidFill>
+              </a:rPr>
+              <a:t>1</a:t>
+            </a:r>
+            <a:endParaRPr kumimoji="1" lang="ja-JP" altLang="en-US">
+              <a:solidFill>
+                <a:schemeClr val="tx1"/>
+              </a:solidFill>
+            </a:endParaRPr>
+          </a:p>
+        </p:txBody>
+      </p:sp>
+      <p:sp>
+        <p:nvSpPr>
+          <p:cNvPr id="22" name="正方形/長方形 21">
+            <a:extLst>
+              <a:ext uri="{FF2B5EF4-FFF2-40B4-BE49-F238E27FC236}">
+                <a16:creationId xmlns:a16="http://schemas.microsoft.com/office/drawing/2014/main" id="{D7CA8620-893F-EA4F-959D-C5E939C08793}"/>
+              </a:ext>
+            </a:extLst>
+          </p:cNvPr>
+          <p:cNvSpPr/>
+          <p:nvPr/>
+        </p:nvSpPr>
+        <p:spPr>
+          <a:xfrm>
+            <a:off x="6300192" y="3645024"/>
+            <a:ext cx="1440160" cy="360040"/>
+          </a:xfrm>
+          <a:prstGeom prst="rect">
+            <a:avLst/>
+          </a:prstGeom>
+          <a:noFill/>
+          <a:ln>
+            <a:solidFill>
+              <a:schemeClr val="tx1"/>
+            </a:solidFill>
+          </a:ln>
+        </p:spPr>
+        <p:style>
+          <a:lnRef idx="2">
+            <a:schemeClr val="accent1">
+              <a:shade val="50000"/>
+            </a:schemeClr>
+          </a:lnRef>
+          <a:fillRef idx="1">
+            <a:schemeClr val="accent1"/>
+          </a:fillRef>
+          <a:effectRef idx="0">
+            <a:schemeClr val="accent1"/>
+          </a:effectRef>
+          <a:fontRef idx="minor">
+            <a:schemeClr val="lt1"/>
+          </a:fontRef>
+        </p:style>
+        <p:txBody>
+          <a:bodyPr rtlCol="0" anchor="ctr"/>
+          <a:lstStyle/>
+          <a:p>
+            <a:pPr algn="ctr"/>
+            <a:r>
+              <a:rPr kumimoji="1" lang="en-US" altLang="ja-JP">
+                <a:solidFill>
+                  <a:srgbClr val="FF0000"/>
+                </a:solidFill>
+              </a:rPr>
+              <a:t>4</a:t>
+            </a:r>
+            <a:endParaRPr kumimoji="1" lang="ja-JP" altLang="en-US">
+              <a:solidFill>
+                <a:srgbClr val="FF0000"/>
+              </a:solidFill>
+            </a:endParaRPr>
+          </a:p>
+        </p:txBody>
+      </p:sp>
+      <p:sp>
+        <p:nvSpPr>
+          <p:cNvPr id="23" name="正方形/長方形 22">
+            <a:extLst>
+              <a:ext uri="{FF2B5EF4-FFF2-40B4-BE49-F238E27FC236}">
+                <a16:creationId xmlns:a16="http://schemas.microsoft.com/office/drawing/2014/main" id="{82968DC3-03BD-9042-9B4C-0B81A0400411}"/>
+              </a:ext>
+            </a:extLst>
+          </p:cNvPr>
+          <p:cNvSpPr/>
+          <p:nvPr/>
+        </p:nvSpPr>
+        <p:spPr>
+          <a:xfrm>
+            <a:off x="6300192" y="3284984"/>
+            <a:ext cx="1440160" cy="1080120"/>
+          </a:xfrm>
+          <a:prstGeom prst="rect">
+            <a:avLst/>
+          </a:prstGeom>
+          <a:noFill/>
+          <a:ln w="28575">
+            <a:solidFill>
+              <a:srgbClr val="FF0000"/>
+            </a:solidFill>
+          </a:ln>
+        </p:spPr>
+        <p:style>
+          <a:lnRef idx="2">
+            <a:schemeClr val="accent1">
+              <a:shade val="50000"/>
+            </a:schemeClr>
+          </a:lnRef>
+          <a:fillRef idx="1">
+            <a:schemeClr val="accent1"/>
+          </a:fillRef>
+          <a:effectRef idx="0">
+            <a:schemeClr val="accent1"/>
+          </a:effectRef>
+          <a:fontRef idx="minor">
+            <a:schemeClr val="lt1"/>
+          </a:fontRef>
+        </p:style>
+        <p:txBody>
+          <a:bodyPr rtlCol="0" anchor="ctr"/>
+          <a:lstStyle/>
+          <a:p>
+            <a:pPr algn="ctr"/>
+            <a:endParaRPr kumimoji="1" lang="ja-JP" altLang="en-US"/>
+          </a:p>
+        </p:txBody>
+      </p:sp>
+      <p:sp>
+        <p:nvSpPr>
+          <p:cNvPr id="24" name="1 つの角を切り取った四角形 23">
+            <a:extLst>
+              <a:ext uri="{FF2B5EF4-FFF2-40B4-BE49-F238E27FC236}">
+                <a16:creationId xmlns:a16="http://schemas.microsoft.com/office/drawing/2014/main" id="{DC64D05F-C5BC-7847-A17A-0126BA24ED5A}"/>
+              </a:ext>
+            </a:extLst>
+          </p:cNvPr>
+          <p:cNvSpPr/>
+          <p:nvPr/>
+        </p:nvSpPr>
+        <p:spPr>
+          <a:xfrm>
+            <a:off x="5076056" y="4437112"/>
+            <a:ext cx="864096" cy="288032"/>
+          </a:xfrm>
+          <a:prstGeom prst="snip1Rect">
+            <a:avLst/>
+          </a:prstGeom>
+          <a:noFill/>
+          <a:ln>
+            <a:solidFill>
+              <a:schemeClr val="tx1"/>
+            </a:solidFill>
+          </a:ln>
+        </p:spPr>
+        <p:style>
+          <a:lnRef idx="2">
+            <a:schemeClr val="accent1">
+              <a:shade val="50000"/>
+            </a:schemeClr>
+          </a:lnRef>
+          <a:fillRef idx="1">
+            <a:schemeClr val="accent1"/>
+          </a:fillRef>
+          <a:effectRef idx="0">
+            <a:schemeClr val="accent1"/>
+          </a:effectRef>
+          <a:fontRef idx="minor">
+            <a:schemeClr val="lt1"/>
+          </a:fontRef>
+        </p:style>
+        <p:txBody>
+          <a:bodyPr rtlCol="0" anchor="ctr"/>
+          <a:lstStyle/>
+          <a:p>
+            <a:pPr algn="ctr"/>
+            <a:r>
+              <a:rPr kumimoji="1" lang="en-US" altLang="ja-JP" sz="2000">
+                <a:solidFill>
+                  <a:schemeClr val="tx1"/>
+                </a:solidFill>
+              </a:rPr>
+              <a:t>a</a:t>
+            </a:r>
+            <a:endParaRPr kumimoji="1" lang="ja-JP" altLang="en-US" sz="2000">
+              <a:solidFill>
+                <a:schemeClr val="tx1"/>
+              </a:solidFill>
+            </a:endParaRPr>
+          </a:p>
+        </p:txBody>
+      </p:sp>
+      <p:cxnSp>
+        <p:nvCxnSpPr>
+          <p:cNvPr id="25" name="直線矢印コネクタ 24">
+            <a:extLst>
+              <a:ext uri="{FF2B5EF4-FFF2-40B4-BE49-F238E27FC236}">
+                <a16:creationId xmlns:a16="http://schemas.microsoft.com/office/drawing/2014/main" id="{CBA36DEC-871B-254D-806A-FF3F38D86464}"/>
+              </a:ext>
+            </a:extLst>
+          </p:cNvPr>
+          <p:cNvCxnSpPr>
+            <a:stCxn id="24" idx="0"/>
+          </p:cNvCxnSpPr>
+          <p:nvPr/>
+        </p:nvCxnSpPr>
+        <p:spPr>
+          <a:xfrm>
+            <a:off x="5940152" y="4581128"/>
+            <a:ext cx="288032" cy="0"/>
+          </a:xfrm>
+          <a:prstGeom prst="straightConnector1">
+            <a:avLst/>
+          </a:prstGeom>
+          <a:ln w="12700">
+            <a:solidFill>
+              <a:schemeClr val="tx1"/>
+            </a:solidFill>
+            <a:tailEnd type="triangle"/>
+          </a:ln>
+        </p:spPr>
+        <p:style>
+          <a:lnRef idx="1">
+            <a:schemeClr val="accent1"/>
+          </a:lnRef>
+          <a:fillRef idx="0">
+            <a:schemeClr val="accent1"/>
+          </a:fillRef>
+          <a:effectRef idx="0">
+            <a:schemeClr val="accent1"/>
+          </a:effectRef>
+          <a:fontRef idx="minor">
+            <a:schemeClr val="tx1"/>
+          </a:fontRef>
+        </p:style>
+      </p:cxnSp>
+      <p:cxnSp>
+        <p:nvCxnSpPr>
+          <p:cNvPr id="26" name="カギ線コネクタ 25">
+            <a:extLst>
+              <a:ext uri="{FF2B5EF4-FFF2-40B4-BE49-F238E27FC236}">
+                <a16:creationId xmlns:a16="http://schemas.microsoft.com/office/drawing/2014/main" id="{12D02D7C-4B2A-6A49-AB43-CA4ED77589C5}"/>
+              </a:ext>
+            </a:extLst>
+          </p:cNvPr>
+          <p:cNvCxnSpPr>
+            <a:cxnSpLocks/>
+            <a:stCxn id="18" idx="3"/>
+            <a:endCxn id="21" idx="3"/>
+          </p:cNvCxnSpPr>
+          <p:nvPr/>
+        </p:nvCxnSpPr>
+        <p:spPr>
+          <a:xfrm flipV="1">
+            <a:off x="7740352" y="3465004"/>
+            <a:ext cx="12700" cy="1080120"/>
+          </a:xfrm>
+          <a:prstGeom prst="bentConnector3">
+            <a:avLst>
+              <a:gd name="adj1" fmla="val 1800000"/>
+            </a:avLst>
+          </a:prstGeom>
+          <a:ln w="28575">
+            <a:solidFill>
+              <a:srgbClr val="FF0000"/>
+            </a:solidFill>
+            <a:tailEnd type="triangle"/>
+          </a:ln>
+        </p:spPr>
+        <p:style>
+          <a:lnRef idx="1">
+            <a:schemeClr val="accent1"/>
+          </a:lnRef>
+          <a:fillRef idx="0">
+            <a:schemeClr val="accent1"/>
+          </a:fillRef>
+          <a:effectRef idx="0">
+            <a:schemeClr val="accent1"/>
+          </a:effectRef>
+          <a:fontRef idx="minor">
+            <a:schemeClr val="tx1"/>
+          </a:fontRef>
+        </p:style>
+      </p:cxnSp>
+      <p:cxnSp>
+        <p:nvCxnSpPr>
+          <p:cNvPr id="27" name="カギ線コネクタ 26">
+            <a:extLst>
+              <a:ext uri="{FF2B5EF4-FFF2-40B4-BE49-F238E27FC236}">
+                <a16:creationId xmlns:a16="http://schemas.microsoft.com/office/drawing/2014/main" id="{E4747F4E-8541-734B-AB38-26C196B1762D}"/>
+              </a:ext>
+            </a:extLst>
+          </p:cNvPr>
+          <p:cNvCxnSpPr>
+            <a:cxnSpLocks/>
+            <a:stCxn id="21" idx="1"/>
+            <a:endCxn id="22" idx="1"/>
+          </p:cNvCxnSpPr>
+          <p:nvPr/>
+        </p:nvCxnSpPr>
+        <p:spPr>
+          <a:xfrm rot="10800000" flipV="1">
+            <a:off x="6300192" y="3465004"/>
+            <a:ext cx="12700" cy="360040"/>
+          </a:xfrm>
+          <a:prstGeom prst="bentConnector3">
+            <a:avLst>
+              <a:gd name="adj1" fmla="val 1800000"/>
+            </a:avLst>
+          </a:prstGeom>
+          <a:ln w="28575">
+            <a:solidFill>
+              <a:srgbClr val="0070C0"/>
+            </a:solidFill>
+            <a:tailEnd type="triangle"/>
+          </a:ln>
+        </p:spPr>
+        <p:style>
+          <a:lnRef idx="1">
+            <a:schemeClr val="accent1"/>
+          </a:lnRef>
+          <a:fillRef idx="0">
+            <a:schemeClr val="accent1"/>
+          </a:fillRef>
+          <a:effectRef idx="0">
+            <a:schemeClr val="accent1"/>
+          </a:effectRef>
+          <a:fontRef idx="minor">
+            <a:schemeClr val="tx1"/>
+          </a:fontRef>
+        </p:style>
+      </p:cxnSp>
+      <p:sp>
+        <p:nvSpPr>
+          <p:cNvPr id="28" name="テキスト ボックス 27">
+            <a:extLst>
+              <a:ext uri="{FF2B5EF4-FFF2-40B4-BE49-F238E27FC236}">
+                <a16:creationId xmlns:a16="http://schemas.microsoft.com/office/drawing/2014/main" id="{1722F411-E56A-6948-A608-3DFB6EF531D5}"/>
+              </a:ext>
+            </a:extLst>
+          </p:cNvPr>
+          <p:cNvSpPr txBox="1"/>
+          <p:nvPr/>
+        </p:nvSpPr>
+        <p:spPr>
+          <a:xfrm>
+            <a:off x="5508104" y="2492896"/>
+            <a:ext cx="2749471" cy="400110"/>
+          </a:xfrm>
+          <a:prstGeom prst="rect">
+            <a:avLst/>
+          </a:prstGeom>
+          <a:noFill/>
+        </p:spPr>
+        <p:txBody>
+          <a:bodyPr wrap="none" rtlCol="0">
+            <a:spAutoFit/>
+          </a:bodyPr>
+          <a:lstStyle/>
+          <a:p>
+            <a:r>
+              <a:rPr kumimoji="1" lang="ja-JP" altLang="en-US" sz="2000"/>
+              <a:t>該当箇所を書き換える</a:t>
+            </a:r>
+          </a:p>
+        </p:txBody>
+      </p:sp>
+    </p:spTree>
+    <p:extLst>
+      <p:ext uri="{BB962C8B-B14F-4D97-AF65-F5344CB8AC3E}">
+        <p14:creationId xmlns:p14="http://schemas.microsoft.com/office/powerpoint/2010/main" val="2845245343"/>
+      </p:ext>
+    </p:extLst>
+  </p:cSld>
+  <p:clrMapOvr>
+    <a:masterClrMapping/>
+  </p:clrMapOvr>
+</p:sld>
+</file>
+
+<file path=ppt/slides/slide9.xml><?xml version="1.0" encoding="utf-8"?>
+<p:sld xmlns:a="http://schemas.openxmlformats.org/drawingml/2006/main" xmlns:r="http://schemas.openxmlformats.org/officeDocument/2006/relationships" xmlns:p="http://schemas.openxmlformats.org/presentationml/2006/main">
+  <p:cSld>
+    <p:spTree>
+      <p:nvGrpSpPr>
+        <p:cNvPr id="1" name=""/>
+        <p:cNvGrpSpPr/>
+        <p:nvPr/>
+      </p:nvGrpSpPr>
+      <p:grpSpPr>
+        <a:xfrm>
+          <a:off x="0" y="0"/>
+          <a:ext cx="0" cy="0"/>
+          <a:chOff x="0" y="0"/>
+          <a:chExt cx="0" cy="0"/>
+        </a:xfrm>
+      </p:grpSpPr>
+      <p:sp>
+        <p:nvSpPr>
+          <p:cNvPr id="2" name="テキスト プレースホルダー 1">
+            <a:extLst>
+              <a:ext uri="{FF2B5EF4-FFF2-40B4-BE49-F238E27FC236}">
+                <a16:creationId xmlns:a16="http://schemas.microsoft.com/office/drawing/2014/main" id="{6AFDFDE6-C46C-9049-9F78-5BD2FF27120D}"/>
+              </a:ext>
+            </a:extLst>
+          </p:cNvPr>
+          <p:cNvSpPr>
+            <a:spLocks noGrp="1"/>
+          </p:cNvSpPr>
+          <p:nvPr>
+            <p:ph type="body" sz="quarter" idx="10"/>
+          </p:nvPr>
+        </p:nvSpPr>
+        <p:spPr/>
+        <p:txBody>
+          <a:bodyPr/>
+          <a:lstStyle/>
+          <a:p>
+            <a:r>
+              <a:rPr kumimoji="1" lang="ja-JP" altLang="en-US"/>
+              <a:t>変数のコピー</a:t>
+            </a:r>
+          </a:p>
+        </p:txBody>
+      </p:sp>
+      <p:sp>
+        <p:nvSpPr>
+          <p:cNvPr id="3" name="正方形/長方形 2">
+            <a:extLst>
+              <a:ext uri="{FF2B5EF4-FFF2-40B4-BE49-F238E27FC236}">
+                <a16:creationId xmlns:a16="http://schemas.microsoft.com/office/drawing/2014/main" id="{0B7B7B13-E223-D14C-93A9-751680245E51}"/>
+              </a:ext>
+            </a:extLst>
+          </p:cNvPr>
+          <p:cNvSpPr/>
+          <p:nvPr/>
+        </p:nvSpPr>
+        <p:spPr>
+          <a:xfrm>
+            <a:off x="1763688" y="2564904"/>
+            <a:ext cx="1440160" cy="360040"/>
+          </a:xfrm>
+          <a:prstGeom prst="rect">
+            <a:avLst/>
+          </a:prstGeom>
+          <a:noFill/>
+          <a:ln>
+            <a:solidFill>
+              <a:schemeClr val="tx1"/>
+            </a:solidFill>
+          </a:ln>
+        </p:spPr>
+        <p:style>
+          <a:lnRef idx="2">
+            <a:schemeClr val="accent1">
+              <a:shade val="50000"/>
+            </a:schemeClr>
+          </a:lnRef>
+          <a:fillRef idx="1">
+            <a:schemeClr val="accent1"/>
+          </a:fillRef>
+          <a:effectRef idx="0">
+            <a:schemeClr val="accent1"/>
+          </a:effectRef>
+          <a:fontRef idx="minor">
+            <a:schemeClr val="lt1"/>
+          </a:fontRef>
+        </p:style>
+        <p:txBody>
+          <a:bodyPr rtlCol="0" anchor="ctr"/>
+          <a:lstStyle/>
+          <a:p>
+            <a:pPr algn="ctr"/>
+            <a:r>
+              <a:rPr kumimoji="1" lang="en-US" altLang="ja-JP">
+                <a:solidFill>
+                  <a:schemeClr val="tx1"/>
+                </a:solidFill>
+              </a:rPr>
+              <a:t>10</a:t>
+            </a:r>
+            <a:endParaRPr kumimoji="1" lang="ja-JP" altLang="en-US">
+              <a:solidFill>
+                <a:schemeClr val="tx1"/>
+              </a:solidFill>
+            </a:endParaRPr>
+          </a:p>
+        </p:txBody>
+      </p:sp>
+      <p:sp>
+        <p:nvSpPr>
+          <p:cNvPr id="4" name="正方形/長方形 3">
+            <a:extLst>
+              <a:ext uri="{FF2B5EF4-FFF2-40B4-BE49-F238E27FC236}">
+                <a16:creationId xmlns:a16="http://schemas.microsoft.com/office/drawing/2014/main" id="{FE4670B9-A234-2040-8DF8-EA1C46EEE0B6}"/>
+              </a:ext>
+            </a:extLst>
+          </p:cNvPr>
+          <p:cNvSpPr/>
+          <p:nvPr/>
+        </p:nvSpPr>
+        <p:spPr>
+          <a:xfrm>
+            <a:off x="1763688" y="2924944"/>
+            <a:ext cx="1440160" cy="360040"/>
+          </a:xfrm>
+          <a:prstGeom prst="rect">
+            <a:avLst/>
+          </a:prstGeom>
+          <a:noFill/>
+          <a:ln>
+            <a:solidFill>
+              <a:schemeClr val="tx1"/>
+            </a:solidFill>
+          </a:ln>
+        </p:spPr>
+        <p:style>
+          <a:lnRef idx="2">
+            <a:schemeClr val="accent1">
+              <a:shade val="50000"/>
+            </a:schemeClr>
+          </a:lnRef>
+          <a:fillRef idx="1">
+            <a:schemeClr val="accent1"/>
+          </a:fillRef>
+          <a:effectRef idx="0">
+            <a:schemeClr val="accent1"/>
+          </a:effectRef>
+          <a:fontRef idx="minor">
+            <a:schemeClr val="lt1"/>
+          </a:fontRef>
+        </p:style>
+        <p:txBody>
+          <a:bodyPr rtlCol="0" anchor="ctr"/>
+          <a:lstStyle/>
+          <a:p>
+            <a:pPr algn="ctr"/>
+            <a:endParaRPr kumimoji="1" lang="ja-JP" altLang="en-US">
+              <a:solidFill>
+                <a:schemeClr val="tx1"/>
+              </a:solidFill>
+            </a:endParaRPr>
+          </a:p>
+        </p:txBody>
+      </p:sp>
+      <p:sp>
+        <p:nvSpPr>
+          <p:cNvPr id="5" name="正方形/長方形 4">
+            <a:extLst>
+              <a:ext uri="{FF2B5EF4-FFF2-40B4-BE49-F238E27FC236}">
+                <a16:creationId xmlns:a16="http://schemas.microsoft.com/office/drawing/2014/main" id="{E7BADB1D-FEF8-E643-A83F-92856C649F1A}"/>
+              </a:ext>
+            </a:extLst>
+          </p:cNvPr>
+          <p:cNvSpPr/>
+          <p:nvPr/>
+        </p:nvSpPr>
+        <p:spPr>
+          <a:xfrm>
+            <a:off x="1763688" y="3284984"/>
+            <a:ext cx="1440160" cy="360040"/>
+          </a:xfrm>
+          <a:prstGeom prst="rect">
+            <a:avLst/>
+          </a:prstGeom>
+          <a:noFill/>
+          <a:ln>
+            <a:solidFill>
+              <a:schemeClr val="tx1"/>
+            </a:solidFill>
+          </a:ln>
+        </p:spPr>
+        <p:style>
+          <a:lnRef idx="2">
+            <a:schemeClr val="accent1">
+              <a:shade val="50000"/>
+            </a:schemeClr>
+          </a:lnRef>
+          <a:fillRef idx="1">
+            <a:schemeClr val="accent1"/>
+          </a:fillRef>
+          <a:effectRef idx="0">
+            <a:schemeClr val="accent1"/>
+          </a:effectRef>
+          <a:fontRef idx="minor">
+            <a:schemeClr val="lt1"/>
+          </a:fontRef>
+        </p:style>
+        <p:txBody>
+          <a:bodyPr rtlCol="0" anchor="ctr"/>
+          <a:lstStyle/>
+          <a:p>
+            <a:pPr algn="ctr"/>
+            <a:endParaRPr kumimoji="1" lang="ja-JP" altLang="en-US">
+              <a:solidFill>
+                <a:srgbClr val="FF0000"/>
+              </a:solidFill>
+            </a:endParaRPr>
+          </a:p>
+        </p:txBody>
+      </p:sp>
+      <p:sp>
+        <p:nvSpPr>
+          <p:cNvPr id="6" name="テキスト ボックス 5">
+            <a:extLst>
+              <a:ext uri="{FF2B5EF4-FFF2-40B4-BE49-F238E27FC236}">
+                <a16:creationId xmlns:a16="http://schemas.microsoft.com/office/drawing/2014/main" id="{2F24BD91-19E9-E549-8F07-2818AE0094CC}"/>
+              </a:ext>
+            </a:extLst>
+          </p:cNvPr>
+          <p:cNvSpPr txBox="1"/>
+          <p:nvPr/>
+        </p:nvSpPr>
+        <p:spPr>
+          <a:xfrm>
+            <a:off x="3203848" y="2564904"/>
+            <a:ext cx="763351" cy="369332"/>
+          </a:xfrm>
+          <a:prstGeom prst="rect">
+            <a:avLst/>
+          </a:prstGeom>
+          <a:noFill/>
+        </p:spPr>
+        <p:txBody>
+          <a:bodyPr wrap="none" rtlCol="0">
+            <a:spAutoFit/>
+          </a:bodyPr>
+          <a:lstStyle/>
+          <a:p>
+            <a:r>
+              <a:rPr kumimoji="1" lang="en-US" altLang="ja-JP"/>
+              <a:t>0</a:t>
+            </a:r>
+            <a:r>
+              <a:rPr lang="ja-JP" altLang="en-US"/>
+              <a:t>番地</a:t>
+            </a:r>
+            <a:endParaRPr kumimoji="1" lang="ja-JP" altLang="en-US"/>
+          </a:p>
+        </p:txBody>
+      </p:sp>
+      <p:sp>
+        <p:nvSpPr>
+          <p:cNvPr id="7" name="テキスト ボックス 6">
+            <a:extLst>
+              <a:ext uri="{FF2B5EF4-FFF2-40B4-BE49-F238E27FC236}">
+                <a16:creationId xmlns:a16="http://schemas.microsoft.com/office/drawing/2014/main" id="{2A1C1183-7FEB-D042-AEFC-445D9FE6D8D9}"/>
+              </a:ext>
+            </a:extLst>
+          </p:cNvPr>
+          <p:cNvSpPr txBox="1"/>
+          <p:nvPr/>
+        </p:nvSpPr>
+        <p:spPr>
+          <a:xfrm>
+            <a:off x="3203848" y="2924944"/>
+            <a:ext cx="763351" cy="369332"/>
+          </a:xfrm>
+          <a:prstGeom prst="rect">
+            <a:avLst/>
+          </a:prstGeom>
+          <a:noFill/>
+        </p:spPr>
+        <p:txBody>
+          <a:bodyPr wrap="none" rtlCol="0">
+            <a:spAutoFit/>
+          </a:bodyPr>
+          <a:lstStyle/>
+          <a:p>
+            <a:r>
+              <a:rPr kumimoji="1" lang="en-US" altLang="ja-JP"/>
+              <a:t>1</a:t>
+            </a:r>
+            <a:r>
+              <a:rPr lang="ja-JP" altLang="en-US"/>
+              <a:t>番地</a:t>
+            </a:r>
+            <a:endParaRPr kumimoji="1" lang="ja-JP" altLang="en-US"/>
+          </a:p>
+        </p:txBody>
+      </p:sp>
+      <p:sp>
+        <p:nvSpPr>
+          <p:cNvPr id="8" name="テキスト ボックス 7">
+            <a:extLst>
+              <a:ext uri="{FF2B5EF4-FFF2-40B4-BE49-F238E27FC236}">
+                <a16:creationId xmlns:a16="http://schemas.microsoft.com/office/drawing/2014/main" id="{4EFC1185-9865-6342-A007-18F821BF1981}"/>
+              </a:ext>
+            </a:extLst>
+          </p:cNvPr>
+          <p:cNvSpPr txBox="1"/>
+          <p:nvPr/>
+        </p:nvSpPr>
+        <p:spPr>
+          <a:xfrm>
+            <a:off x="3203848" y="3284984"/>
+            <a:ext cx="763351" cy="369332"/>
+          </a:xfrm>
+          <a:prstGeom prst="rect">
+            <a:avLst/>
+          </a:prstGeom>
+          <a:noFill/>
+        </p:spPr>
+        <p:txBody>
+          <a:bodyPr wrap="none" rtlCol="0">
+            <a:spAutoFit/>
+          </a:bodyPr>
+          <a:lstStyle/>
+          <a:p>
+            <a:r>
+              <a:rPr kumimoji="1" lang="en-US" altLang="ja-JP"/>
+              <a:t>2</a:t>
+            </a:r>
+            <a:r>
+              <a:rPr lang="ja-JP" altLang="en-US"/>
+              <a:t>番地</a:t>
+            </a:r>
+            <a:endParaRPr kumimoji="1" lang="ja-JP" altLang="en-US"/>
+          </a:p>
+        </p:txBody>
+      </p:sp>
+      <p:sp>
+        <p:nvSpPr>
+          <p:cNvPr id="9" name="1 つの角を切り取った四角形 8">
+            <a:extLst>
+              <a:ext uri="{FF2B5EF4-FFF2-40B4-BE49-F238E27FC236}">
+                <a16:creationId xmlns:a16="http://schemas.microsoft.com/office/drawing/2014/main" id="{F962623A-BA34-E748-9000-B6B214C7065D}"/>
+              </a:ext>
+            </a:extLst>
+          </p:cNvPr>
+          <p:cNvSpPr/>
+          <p:nvPr/>
+        </p:nvSpPr>
+        <p:spPr>
+          <a:xfrm>
+            <a:off x="611560" y="2600908"/>
+            <a:ext cx="864096" cy="288032"/>
+          </a:xfrm>
+          <a:prstGeom prst="snip1Rect">
+            <a:avLst/>
+          </a:prstGeom>
+          <a:noFill/>
+          <a:ln>
+            <a:solidFill>
+              <a:schemeClr val="tx1"/>
+            </a:solidFill>
+          </a:ln>
+        </p:spPr>
+        <p:style>
+          <a:lnRef idx="2">
+            <a:schemeClr val="accent1">
+              <a:shade val="50000"/>
+            </a:schemeClr>
+          </a:lnRef>
+          <a:fillRef idx="1">
+            <a:schemeClr val="accent1"/>
+          </a:fillRef>
+          <a:effectRef idx="0">
+            <a:schemeClr val="accent1"/>
+          </a:effectRef>
+          <a:fontRef idx="minor">
+            <a:schemeClr val="lt1"/>
+          </a:fontRef>
+        </p:style>
+        <p:txBody>
+          <a:bodyPr rtlCol="0" anchor="ctr"/>
+          <a:lstStyle/>
+          <a:p>
+            <a:pPr algn="ctr"/>
+            <a:r>
+              <a:rPr kumimoji="1" lang="en-US" altLang="ja-JP" sz="2000">
+                <a:solidFill>
+                  <a:schemeClr val="tx1"/>
+                </a:solidFill>
+              </a:rPr>
+              <a:t>a</a:t>
+            </a:r>
+            <a:endParaRPr kumimoji="1" lang="ja-JP" altLang="en-US" sz="2000">
+              <a:solidFill>
+                <a:schemeClr val="tx1"/>
+              </a:solidFill>
+            </a:endParaRPr>
+          </a:p>
+        </p:txBody>
+      </p:sp>
+      <p:cxnSp>
+        <p:nvCxnSpPr>
+          <p:cNvPr id="10" name="直線矢印コネクタ 9">
+            <a:extLst>
+              <a:ext uri="{FF2B5EF4-FFF2-40B4-BE49-F238E27FC236}">
+                <a16:creationId xmlns:a16="http://schemas.microsoft.com/office/drawing/2014/main" id="{8F86315F-0240-2241-A654-C07E2093B4C0}"/>
+              </a:ext>
+            </a:extLst>
+          </p:cNvPr>
+          <p:cNvCxnSpPr>
+            <a:stCxn id="9" idx="0"/>
+            <a:endCxn id="3" idx="1"/>
+          </p:cNvCxnSpPr>
+          <p:nvPr/>
+        </p:nvCxnSpPr>
+        <p:spPr>
+          <a:xfrm>
+            <a:off x="1475656" y="2744924"/>
+            <a:ext cx="288032" cy="0"/>
+          </a:xfrm>
+          <a:prstGeom prst="straightConnector1">
+            <a:avLst/>
+          </a:prstGeom>
+          <a:ln w="12700">
+            <a:solidFill>
+              <a:schemeClr val="tx1"/>
+            </a:solidFill>
+            <a:tailEnd type="triangle"/>
+          </a:ln>
+        </p:spPr>
+        <p:style>
+          <a:lnRef idx="1">
+            <a:schemeClr val="accent1"/>
+          </a:lnRef>
+          <a:fillRef idx="0">
+            <a:schemeClr val="accent1"/>
+          </a:fillRef>
+          <a:effectRef idx="0">
+            <a:schemeClr val="accent1"/>
+          </a:effectRef>
+          <a:fontRef idx="minor">
+            <a:schemeClr val="tx1"/>
+          </a:fontRef>
+        </p:style>
+      </p:cxnSp>
+      <p:sp>
+        <p:nvSpPr>
+          <p:cNvPr id="11" name="正方形/長方形 10">
+            <a:extLst>
+              <a:ext uri="{FF2B5EF4-FFF2-40B4-BE49-F238E27FC236}">
+                <a16:creationId xmlns:a16="http://schemas.microsoft.com/office/drawing/2014/main" id="{60D2BFD4-5A44-4C46-ADCB-94DD00B04C16}"/>
+              </a:ext>
+            </a:extLst>
+          </p:cNvPr>
+          <p:cNvSpPr/>
+          <p:nvPr/>
+        </p:nvSpPr>
+        <p:spPr>
+          <a:xfrm>
+            <a:off x="1763688" y="1412776"/>
+            <a:ext cx="1123136" cy="369332"/>
+          </a:xfrm>
+          <a:prstGeom prst="rect">
+            <a:avLst/>
+          </a:prstGeom>
+          <a:solidFill>
+            <a:schemeClr val="tx1"/>
+          </a:solidFill>
+        </p:spPr>
+        <p:txBody>
+          <a:bodyPr wrap="square">
+            <a:spAutoFit/>
+          </a:bodyPr>
+          <a:lstStyle/>
+          <a:p>
+            <a:r>
+              <a:rPr lang="en" altLang="ja-JP" b="0">
+                <a:solidFill>
+                  <a:srgbClr val="D4D4D4"/>
+                </a:solidFill>
+                <a:effectLst/>
+                <a:latin typeface="Menlo" panose="020B0609030804020204" pitchFamily="49" charset="0"/>
+              </a:rPr>
+              <a:t>a = </a:t>
+            </a:r>
+            <a:r>
+              <a:rPr lang="en" altLang="ja-JP" b="0">
+                <a:solidFill>
+                  <a:srgbClr val="B5CEA8"/>
+                </a:solidFill>
+                <a:effectLst/>
+                <a:latin typeface="Menlo" panose="020B0609030804020204" pitchFamily="49" charset="0"/>
+              </a:rPr>
+              <a:t>10</a:t>
+            </a:r>
+            <a:endParaRPr lang="en" altLang="ja-JP" b="0">
+              <a:solidFill>
+                <a:srgbClr val="D4D4D4"/>
+              </a:solidFill>
+              <a:effectLst/>
+              <a:latin typeface="Menlo" panose="020B0609030804020204" pitchFamily="49" charset="0"/>
+            </a:endParaRPr>
+          </a:p>
+        </p:txBody>
+      </p:sp>
+      <p:sp>
+        <p:nvSpPr>
+          <p:cNvPr id="12" name="正方形/長方形 11">
+            <a:extLst>
+              <a:ext uri="{FF2B5EF4-FFF2-40B4-BE49-F238E27FC236}">
+                <a16:creationId xmlns:a16="http://schemas.microsoft.com/office/drawing/2014/main" id="{D5B81E1C-E387-6348-BBEA-8FAA5C210C46}"/>
+              </a:ext>
+            </a:extLst>
+          </p:cNvPr>
+          <p:cNvSpPr/>
+          <p:nvPr/>
+        </p:nvSpPr>
+        <p:spPr>
+          <a:xfrm>
+            <a:off x="6228184" y="2636912"/>
+            <a:ext cx="1440160" cy="360040"/>
+          </a:xfrm>
+          <a:prstGeom prst="rect">
+            <a:avLst/>
+          </a:prstGeom>
+          <a:noFill/>
+          <a:ln>
+            <a:solidFill>
+              <a:schemeClr val="tx1"/>
+            </a:solidFill>
+          </a:ln>
+        </p:spPr>
+        <p:style>
+          <a:lnRef idx="2">
+            <a:schemeClr val="accent1">
+              <a:shade val="50000"/>
+            </a:schemeClr>
+          </a:lnRef>
+          <a:fillRef idx="1">
+            <a:schemeClr val="accent1"/>
+          </a:fillRef>
+          <a:effectRef idx="0">
+            <a:schemeClr val="accent1"/>
+          </a:effectRef>
+          <a:fontRef idx="minor">
+            <a:schemeClr val="lt1"/>
+          </a:fontRef>
+        </p:style>
+        <p:txBody>
+          <a:bodyPr rtlCol="0" anchor="ctr"/>
+          <a:lstStyle/>
+          <a:p>
+            <a:pPr algn="ctr"/>
+            <a:r>
+              <a:rPr kumimoji="1" lang="en-US" altLang="ja-JP">
+                <a:solidFill>
+                  <a:schemeClr val="tx1"/>
+                </a:solidFill>
+              </a:rPr>
+              <a:t>10</a:t>
+            </a:r>
+            <a:endParaRPr kumimoji="1" lang="ja-JP" altLang="en-US">
+              <a:solidFill>
+                <a:schemeClr val="tx1"/>
+              </a:solidFill>
+            </a:endParaRPr>
+          </a:p>
+        </p:txBody>
+      </p:sp>
+      <p:sp>
+        <p:nvSpPr>
+          <p:cNvPr id="13" name="正方形/長方形 12">
+            <a:extLst>
+              <a:ext uri="{FF2B5EF4-FFF2-40B4-BE49-F238E27FC236}">
+                <a16:creationId xmlns:a16="http://schemas.microsoft.com/office/drawing/2014/main" id="{A1B174FE-D8B9-D843-8ACC-36DD04A6966F}"/>
+              </a:ext>
+            </a:extLst>
+          </p:cNvPr>
+          <p:cNvSpPr/>
+          <p:nvPr/>
+        </p:nvSpPr>
+        <p:spPr>
+          <a:xfrm>
+            <a:off x="6228184" y="2996952"/>
+            <a:ext cx="1440160" cy="360040"/>
+          </a:xfrm>
+          <a:prstGeom prst="rect">
+            <a:avLst/>
+          </a:prstGeom>
+          <a:noFill/>
+          <a:ln>
+            <a:solidFill>
+              <a:schemeClr val="tx1"/>
+            </a:solidFill>
+          </a:ln>
+        </p:spPr>
+        <p:style>
+          <a:lnRef idx="2">
+            <a:schemeClr val="accent1">
+              <a:shade val="50000"/>
+            </a:schemeClr>
+          </a:lnRef>
+          <a:fillRef idx="1">
+            <a:schemeClr val="accent1"/>
+          </a:fillRef>
+          <a:effectRef idx="0">
+            <a:schemeClr val="accent1"/>
+          </a:effectRef>
+          <a:fontRef idx="minor">
+            <a:schemeClr val="lt1"/>
+          </a:fontRef>
+        </p:style>
+        <p:txBody>
+          <a:bodyPr rtlCol="0" anchor="ctr"/>
+          <a:lstStyle/>
+          <a:p>
+            <a:pPr algn="ctr"/>
+            <a:r>
+              <a:rPr kumimoji="1" lang="en-US" altLang="ja-JP">
+                <a:solidFill>
+                  <a:srgbClr val="FF0000"/>
+                </a:solidFill>
+              </a:rPr>
+              <a:t>10</a:t>
+            </a:r>
+            <a:endParaRPr kumimoji="1" lang="ja-JP" altLang="en-US">
+              <a:solidFill>
+                <a:srgbClr val="FF0000"/>
+              </a:solidFill>
+            </a:endParaRPr>
+          </a:p>
+        </p:txBody>
+      </p:sp>
+      <p:sp>
+        <p:nvSpPr>
+          <p:cNvPr id="14" name="正方形/長方形 13">
+            <a:extLst>
+              <a:ext uri="{FF2B5EF4-FFF2-40B4-BE49-F238E27FC236}">
+                <a16:creationId xmlns:a16="http://schemas.microsoft.com/office/drawing/2014/main" id="{8BD6B4D3-B5D9-6F46-AC2A-0E558BCEC6D9}"/>
+              </a:ext>
+            </a:extLst>
+          </p:cNvPr>
+          <p:cNvSpPr/>
+          <p:nvPr/>
+        </p:nvSpPr>
+        <p:spPr>
+          <a:xfrm>
+            <a:off x="6228184" y="3356992"/>
+            <a:ext cx="1440160" cy="360040"/>
+          </a:xfrm>
+          <a:prstGeom prst="rect">
+            <a:avLst/>
+          </a:prstGeom>
+          <a:noFill/>
+          <a:ln>
+            <a:solidFill>
+              <a:schemeClr val="tx1"/>
+            </a:solidFill>
+          </a:ln>
+        </p:spPr>
+        <p:style>
+          <a:lnRef idx="2">
+            <a:schemeClr val="accent1">
+              <a:shade val="50000"/>
+            </a:schemeClr>
+          </a:lnRef>
+          <a:fillRef idx="1">
+            <a:schemeClr val="accent1"/>
+          </a:fillRef>
+          <a:effectRef idx="0">
+            <a:schemeClr val="accent1"/>
+          </a:effectRef>
+          <a:fontRef idx="minor">
+            <a:schemeClr val="lt1"/>
+          </a:fontRef>
+        </p:style>
+        <p:txBody>
+          <a:bodyPr rtlCol="0" anchor="ctr"/>
+          <a:lstStyle/>
+          <a:p>
+            <a:pPr algn="ctr"/>
+            <a:endParaRPr kumimoji="1" lang="ja-JP" altLang="en-US">
+              <a:solidFill>
+                <a:srgbClr val="FF0000"/>
+              </a:solidFill>
+            </a:endParaRPr>
+          </a:p>
+        </p:txBody>
+      </p:sp>
+      <p:sp>
+        <p:nvSpPr>
+          <p:cNvPr id="15" name="1 つの角を切り取った四角形 14">
+            <a:extLst>
+              <a:ext uri="{FF2B5EF4-FFF2-40B4-BE49-F238E27FC236}">
+                <a16:creationId xmlns:a16="http://schemas.microsoft.com/office/drawing/2014/main" id="{FCC04973-A691-204C-97F0-E08CCBFB457C}"/>
+              </a:ext>
+            </a:extLst>
+          </p:cNvPr>
+          <p:cNvSpPr/>
+          <p:nvPr/>
+        </p:nvSpPr>
+        <p:spPr>
+          <a:xfrm>
+            <a:off x="5076056" y="2672916"/>
+            <a:ext cx="864096" cy="288032"/>
+          </a:xfrm>
+          <a:prstGeom prst="snip1Rect">
+            <a:avLst/>
+          </a:prstGeom>
+          <a:noFill/>
+          <a:ln>
+            <a:solidFill>
+              <a:schemeClr val="tx1"/>
+            </a:solidFill>
+          </a:ln>
+        </p:spPr>
+        <p:style>
+          <a:lnRef idx="2">
+            <a:schemeClr val="accent1">
+              <a:shade val="50000"/>
+            </a:schemeClr>
+          </a:lnRef>
+          <a:fillRef idx="1">
+            <a:schemeClr val="accent1"/>
+          </a:fillRef>
+          <a:effectRef idx="0">
+            <a:schemeClr val="accent1"/>
+          </a:effectRef>
+          <a:fontRef idx="minor">
+            <a:schemeClr val="lt1"/>
+          </a:fontRef>
+        </p:style>
+        <p:txBody>
+          <a:bodyPr rtlCol="0" anchor="ctr"/>
+          <a:lstStyle/>
+          <a:p>
+            <a:pPr algn="ctr"/>
+            <a:r>
+              <a:rPr kumimoji="1" lang="en-US" altLang="ja-JP" sz="2000">
+                <a:solidFill>
+                  <a:schemeClr val="tx1"/>
+                </a:solidFill>
+              </a:rPr>
+              <a:t>a</a:t>
+            </a:r>
+            <a:endParaRPr kumimoji="1" lang="ja-JP" altLang="en-US" sz="2000">
+              <a:solidFill>
+                <a:schemeClr val="tx1"/>
+              </a:solidFill>
+            </a:endParaRPr>
+          </a:p>
+        </p:txBody>
+      </p:sp>
+      <p:sp>
+        <p:nvSpPr>
+          <p:cNvPr id="16" name="1 つの角を切り取った四角形 15">
+            <a:extLst>
+              <a:ext uri="{FF2B5EF4-FFF2-40B4-BE49-F238E27FC236}">
+                <a16:creationId xmlns:a16="http://schemas.microsoft.com/office/drawing/2014/main" id="{8FB3D267-C14E-114A-92C9-B5520198B736}"/>
+              </a:ext>
+            </a:extLst>
+          </p:cNvPr>
+          <p:cNvSpPr/>
+          <p:nvPr/>
+        </p:nvSpPr>
+        <p:spPr>
+          <a:xfrm>
+            <a:off x="5076056" y="3032956"/>
+            <a:ext cx="864096" cy="288032"/>
+          </a:xfrm>
+          <a:prstGeom prst="snip1Rect">
+            <a:avLst/>
+          </a:prstGeom>
+          <a:noFill/>
+          <a:ln>
+            <a:solidFill>
+              <a:schemeClr val="tx1"/>
+            </a:solidFill>
+          </a:ln>
+        </p:spPr>
+        <p:style>
+          <a:lnRef idx="2">
+            <a:schemeClr val="accent1">
+              <a:shade val="50000"/>
+            </a:schemeClr>
+          </a:lnRef>
+          <a:fillRef idx="1">
+            <a:schemeClr val="accent1"/>
+          </a:fillRef>
+          <a:effectRef idx="0">
+            <a:schemeClr val="accent1"/>
+          </a:effectRef>
+          <a:fontRef idx="minor">
+            <a:schemeClr val="lt1"/>
+          </a:fontRef>
+        </p:style>
+        <p:txBody>
+          <a:bodyPr rtlCol="0" anchor="ctr"/>
+          <a:lstStyle/>
+          <a:p>
+            <a:pPr algn="ctr"/>
+            <a:r>
+              <a:rPr kumimoji="1" lang="en-US" altLang="ja-JP" sz="2000">
+                <a:solidFill>
+                  <a:schemeClr val="tx1"/>
+                </a:solidFill>
+              </a:rPr>
+              <a:t>b</a:t>
+            </a:r>
+            <a:endParaRPr kumimoji="1" lang="ja-JP" altLang="en-US" sz="2000">
+              <a:solidFill>
+                <a:schemeClr val="tx1"/>
+              </a:solidFill>
+            </a:endParaRPr>
+          </a:p>
+        </p:txBody>
+      </p:sp>
+      <p:cxnSp>
+        <p:nvCxnSpPr>
+          <p:cNvPr id="17" name="直線矢印コネクタ 16">
+            <a:extLst>
+              <a:ext uri="{FF2B5EF4-FFF2-40B4-BE49-F238E27FC236}">
+                <a16:creationId xmlns:a16="http://schemas.microsoft.com/office/drawing/2014/main" id="{EEEDFA11-D62B-A145-87A5-BF3A25FCE2B5}"/>
+              </a:ext>
+            </a:extLst>
+          </p:cNvPr>
+          <p:cNvCxnSpPr>
+            <a:stCxn id="15" idx="0"/>
+            <a:endCxn id="12" idx="1"/>
+          </p:cNvCxnSpPr>
+          <p:nvPr/>
+        </p:nvCxnSpPr>
+        <p:spPr>
+          <a:xfrm>
+            <a:off x="5940152" y="2816932"/>
+            <a:ext cx="288032" cy="0"/>
+          </a:xfrm>
+          <a:prstGeom prst="straightConnector1">
+            <a:avLst/>
+          </a:prstGeom>
+          <a:ln w="12700">
+            <a:solidFill>
+              <a:schemeClr val="tx1"/>
+            </a:solidFill>
+            <a:tailEnd type="triangle"/>
+          </a:ln>
+        </p:spPr>
+        <p:style>
+          <a:lnRef idx="1">
+            <a:schemeClr val="accent1"/>
+          </a:lnRef>
+          <a:fillRef idx="0">
+            <a:schemeClr val="accent1"/>
+          </a:fillRef>
+          <a:effectRef idx="0">
+            <a:schemeClr val="accent1"/>
+          </a:effectRef>
+          <a:fontRef idx="minor">
+            <a:schemeClr val="tx1"/>
+          </a:fontRef>
+        </p:style>
+      </p:cxnSp>
+      <p:cxnSp>
+        <p:nvCxnSpPr>
+          <p:cNvPr id="18" name="直線矢印コネクタ 17">
+            <a:extLst>
+              <a:ext uri="{FF2B5EF4-FFF2-40B4-BE49-F238E27FC236}">
+                <a16:creationId xmlns:a16="http://schemas.microsoft.com/office/drawing/2014/main" id="{570F9D41-A176-D542-A9AB-6D52BE861F93}"/>
+              </a:ext>
+            </a:extLst>
+          </p:cNvPr>
+          <p:cNvCxnSpPr>
+            <a:cxnSpLocks/>
+            <a:stCxn id="16" idx="0"/>
+            <a:endCxn id="13" idx="1"/>
+          </p:cNvCxnSpPr>
+          <p:nvPr/>
+        </p:nvCxnSpPr>
+        <p:spPr>
+          <a:xfrm>
+            <a:off x="5940152" y="3176972"/>
+            <a:ext cx="288032" cy="0"/>
+          </a:xfrm>
+          <a:prstGeom prst="straightConnector1">
+            <a:avLst/>
+          </a:prstGeom>
+          <a:ln w="12700">
+            <a:solidFill>
+              <a:schemeClr val="tx1"/>
+            </a:solidFill>
+            <a:tailEnd type="triangle"/>
+          </a:ln>
+        </p:spPr>
+        <p:style>
+          <a:lnRef idx="1">
+            <a:schemeClr val="accent1"/>
+          </a:lnRef>
+          <a:fillRef idx="0">
+            <a:schemeClr val="accent1"/>
+          </a:fillRef>
+          <a:effectRef idx="0">
+            <a:schemeClr val="accent1"/>
+          </a:effectRef>
+          <a:fontRef idx="minor">
+            <a:schemeClr val="tx1"/>
+          </a:fontRef>
+        </p:style>
+      </p:cxnSp>
+      <p:sp>
+        <p:nvSpPr>
+          <p:cNvPr id="19" name="正方形/長方形 18">
+            <a:extLst>
+              <a:ext uri="{FF2B5EF4-FFF2-40B4-BE49-F238E27FC236}">
+                <a16:creationId xmlns:a16="http://schemas.microsoft.com/office/drawing/2014/main" id="{001CF550-F91C-3C42-9411-68C83B013A9C}"/>
+              </a:ext>
+            </a:extLst>
+          </p:cNvPr>
+          <p:cNvSpPr/>
+          <p:nvPr/>
+        </p:nvSpPr>
+        <p:spPr>
+          <a:xfrm>
+            <a:off x="6084168" y="1412776"/>
+            <a:ext cx="881973" cy="369332"/>
+          </a:xfrm>
+          <a:prstGeom prst="rect">
+            <a:avLst/>
+          </a:prstGeom>
+          <a:solidFill>
+            <a:schemeClr val="tx1"/>
+          </a:solidFill>
+        </p:spPr>
+        <p:txBody>
+          <a:bodyPr wrap="none">
+            <a:spAutoFit/>
+          </a:bodyPr>
+          <a:lstStyle/>
+          <a:p>
+            <a:r>
+              <a:rPr lang="en" altLang="ja-JP" b="0">
+                <a:solidFill>
+                  <a:srgbClr val="D4D4D4"/>
+                </a:solidFill>
+                <a:effectLst/>
+                <a:latin typeface="Menlo" panose="020B0609030804020204" pitchFamily="49" charset="0"/>
+              </a:rPr>
+              <a:t>b = a</a:t>
+            </a:r>
+          </a:p>
+        </p:txBody>
+      </p:sp>
+      <p:sp>
+        <p:nvSpPr>
+          <p:cNvPr id="20" name="テキスト ボックス 19">
+            <a:extLst>
+              <a:ext uri="{FF2B5EF4-FFF2-40B4-BE49-F238E27FC236}">
+                <a16:creationId xmlns:a16="http://schemas.microsoft.com/office/drawing/2014/main" id="{77C03E43-9C84-1349-AD14-C354C2D7D9B4}"/>
+              </a:ext>
+            </a:extLst>
+          </p:cNvPr>
+          <p:cNvSpPr txBox="1"/>
+          <p:nvPr/>
+        </p:nvSpPr>
+        <p:spPr>
+          <a:xfrm>
+            <a:off x="5076056" y="1916832"/>
+            <a:ext cx="3238387" cy="307777"/>
+          </a:xfrm>
+          <a:prstGeom prst="rect">
+            <a:avLst/>
+          </a:prstGeom>
+          <a:noFill/>
+        </p:spPr>
+        <p:txBody>
+          <a:bodyPr wrap="none" rtlCol="0">
+            <a:spAutoFit/>
+          </a:bodyPr>
+          <a:lstStyle/>
+          <a:p>
+            <a:r>
+              <a:rPr kumimoji="1" lang="ja-JP" altLang="en-US" sz="1400"/>
+              <a:t>ラベル</a:t>
+            </a:r>
+            <a:r>
+              <a:rPr kumimoji="1" lang="en-US" altLang="ja-JP" sz="1400"/>
+              <a:t>a</a:t>
+            </a:r>
+            <a:r>
+              <a:rPr kumimoji="1" lang="ja-JP" altLang="en-US" sz="1400"/>
+              <a:t>の指す内容が</a:t>
+            </a:r>
+            <a:r>
+              <a:rPr kumimoji="1" lang="en-US" altLang="ja-JP" sz="1400"/>
+              <a:t>b</a:t>
+            </a:r>
+            <a:r>
+              <a:rPr kumimoji="1" lang="ja-JP" altLang="en-US" sz="1400"/>
+              <a:t>にコピーされる</a:t>
+            </a:r>
+          </a:p>
+        </p:txBody>
+      </p:sp>
+      <p:sp>
+        <p:nvSpPr>
+          <p:cNvPr id="21" name="正方形/長方形 20">
+            <a:extLst>
+              <a:ext uri="{FF2B5EF4-FFF2-40B4-BE49-F238E27FC236}">
+                <a16:creationId xmlns:a16="http://schemas.microsoft.com/office/drawing/2014/main" id="{A37A65B1-ED21-B64B-B21C-FCC9B7456ADB}"/>
+              </a:ext>
+            </a:extLst>
+          </p:cNvPr>
+          <p:cNvSpPr/>
+          <p:nvPr/>
+        </p:nvSpPr>
+        <p:spPr>
+          <a:xfrm>
+            <a:off x="2267744" y="5661248"/>
+            <a:ext cx="1440160" cy="360040"/>
+          </a:xfrm>
+          <a:prstGeom prst="rect">
+            <a:avLst/>
+          </a:prstGeom>
+          <a:noFill/>
+          <a:ln>
+            <a:solidFill>
+              <a:schemeClr val="tx1"/>
+            </a:solidFill>
+          </a:ln>
+        </p:spPr>
+        <p:style>
+          <a:lnRef idx="2">
+            <a:schemeClr val="accent1">
+              <a:shade val="50000"/>
+            </a:schemeClr>
+          </a:lnRef>
+          <a:fillRef idx="1">
+            <a:schemeClr val="accent1"/>
+          </a:fillRef>
+          <a:effectRef idx="0">
+            <a:schemeClr val="accent1"/>
+          </a:effectRef>
+          <a:fontRef idx="minor">
+            <a:schemeClr val="lt1"/>
+          </a:fontRef>
+        </p:style>
+        <p:txBody>
+          <a:bodyPr rtlCol="0" anchor="ctr"/>
+          <a:lstStyle/>
+          <a:p>
+            <a:pPr algn="ctr"/>
+            <a:r>
+              <a:rPr kumimoji="1" lang="en-US" altLang="ja-JP">
+                <a:solidFill>
+                  <a:schemeClr val="tx1"/>
+                </a:solidFill>
+              </a:rPr>
+              <a:t>10</a:t>
+            </a:r>
+            <a:endParaRPr kumimoji="1" lang="ja-JP" altLang="en-US">
+              <a:solidFill>
+                <a:schemeClr val="tx1"/>
+              </a:solidFill>
+            </a:endParaRPr>
+          </a:p>
+        </p:txBody>
+      </p:sp>
+      <p:sp>
+        <p:nvSpPr>
+          <p:cNvPr id="22" name="正方形/長方形 21">
+            <a:extLst>
+              <a:ext uri="{FF2B5EF4-FFF2-40B4-BE49-F238E27FC236}">
+                <a16:creationId xmlns:a16="http://schemas.microsoft.com/office/drawing/2014/main" id="{D4D4FA7D-2A59-494A-828A-59CA3EC6318E}"/>
+              </a:ext>
+            </a:extLst>
+          </p:cNvPr>
+          <p:cNvSpPr/>
+          <p:nvPr/>
+        </p:nvSpPr>
+        <p:spPr>
+          <a:xfrm>
+            <a:off x="2267744" y="6021288"/>
+            <a:ext cx="1440160" cy="360040"/>
+          </a:xfrm>
+          <a:prstGeom prst="rect">
+            <a:avLst/>
+          </a:prstGeom>
+          <a:noFill/>
+          <a:ln>
+            <a:solidFill>
+              <a:schemeClr val="tx1"/>
+            </a:solidFill>
+          </a:ln>
+        </p:spPr>
+        <p:style>
+          <a:lnRef idx="2">
+            <a:schemeClr val="accent1">
+              <a:shade val="50000"/>
+            </a:schemeClr>
+          </a:lnRef>
+          <a:fillRef idx="1">
+            <a:schemeClr val="accent1"/>
+          </a:fillRef>
+          <a:effectRef idx="0">
+            <a:schemeClr val="accent1"/>
+          </a:effectRef>
+          <a:fontRef idx="minor">
+            <a:schemeClr val="lt1"/>
+          </a:fontRef>
+        </p:style>
+        <p:txBody>
+          <a:bodyPr rtlCol="0" anchor="ctr"/>
+          <a:lstStyle/>
+          <a:p>
+            <a:pPr algn="ctr"/>
+            <a:r>
+              <a:rPr kumimoji="1" lang="en-US" altLang="ja-JP">
+                <a:solidFill>
+                  <a:srgbClr val="FF0000"/>
+                </a:solidFill>
+              </a:rPr>
+              <a:t>20</a:t>
+            </a:r>
+            <a:endParaRPr kumimoji="1" lang="ja-JP" altLang="en-US">
+              <a:solidFill>
+                <a:srgbClr val="FF0000"/>
+              </a:solidFill>
+            </a:endParaRPr>
+          </a:p>
+        </p:txBody>
+      </p:sp>
+      <p:sp>
+        <p:nvSpPr>
+          <p:cNvPr id="23" name="正方形/長方形 22">
+            <a:extLst>
+              <a:ext uri="{FF2B5EF4-FFF2-40B4-BE49-F238E27FC236}">
+                <a16:creationId xmlns:a16="http://schemas.microsoft.com/office/drawing/2014/main" id="{EA1C407D-8F95-C242-82A4-A5461C93965B}"/>
+              </a:ext>
+            </a:extLst>
+          </p:cNvPr>
+          <p:cNvSpPr/>
+          <p:nvPr/>
+        </p:nvSpPr>
+        <p:spPr>
+          <a:xfrm>
+            <a:off x="2267744" y="6381328"/>
+            <a:ext cx="1440160" cy="360040"/>
+          </a:xfrm>
+          <a:prstGeom prst="rect">
+            <a:avLst/>
+          </a:prstGeom>
+          <a:noFill/>
+          <a:ln>
+            <a:solidFill>
+              <a:schemeClr val="tx1"/>
+            </a:solidFill>
+          </a:ln>
+        </p:spPr>
+        <p:style>
+          <a:lnRef idx="2">
+            <a:schemeClr val="accent1">
+              <a:shade val="50000"/>
+            </a:schemeClr>
+          </a:lnRef>
+          <a:fillRef idx="1">
+            <a:schemeClr val="accent1"/>
+          </a:fillRef>
+          <a:effectRef idx="0">
+            <a:schemeClr val="accent1"/>
+          </a:effectRef>
+          <a:fontRef idx="minor">
+            <a:schemeClr val="lt1"/>
+          </a:fontRef>
+        </p:style>
+        <p:txBody>
+          <a:bodyPr rtlCol="0" anchor="ctr"/>
+          <a:lstStyle/>
+          <a:p>
+            <a:pPr algn="ctr"/>
+            <a:endParaRPr kumimoji="1" lang="ja-JP" altLang="en-US">
+              <a:solidFill>
+                <a:srgbClr val="FF0000"/>
+              </a:solidFill>
+            </a:endParaRPr>
+          </a:p>
+        </p:txBody>
+      </p:sp>
+      <p:sp>
+        <p:nvSpPr>
+          <p:cNvPr id="24" name="1 つの角を切り取った四角形 23">
+            <a:extLst>
+              <a:ext uri="{FF2B5EF4-FFF2-40B4-BE49-F238E27FC236}">
+                <a16:creationId xmlns:a16="http://schemas.microsoft.com/office/drawing/2014/main" id="{4930CA2F-3379-D742-93A8-B77EDDCD9CF8}"/>
+              </a:ext>
+            </a:extLst>
+          </p:cNvPr>
+          <p:cNvSpPr/>
+          <p:nvPr/>
+        </p:nvSpPr>
+        <p:spPr>
+          <a:xfrm>
+            <a:off x="1115616" y="5697252"/>
+            <a:ext cx="864096" cy="288032"/>
+          </a:xfrm>
+          <a:prstGeom prst="snip1Rect">
+            <a:avLst/>
+          </a:prstGeom>
+          <a:noFill/>
+          <a:ln>
+            <a:solidFill>
+              <a:schemeClr val="tx1"/>
+            </a:solidFill>
+          </a:ln>
+        </p:spPr>
+        <p:style>
+          <a:lnRef idx="2">
+            <a:schemeClr val="accent1">
+              <a:shade val="50000"/>
+            </a:schemeClr>
+          </a:lnRef>
+          <a:fillRef idx="1">
+            <a:schemeClr val="accent1"/>
+          </a:fillRef>
+          <a:effectRef idx="0">
+            <a:schemeClr val="accent1"/>
+          </a:effectRef>
+          <a:fontRef idx="minor">
+            <a:schemeClr val="lt1"/>
+          </a:fontRef>
+        </p:style>
+        <p:txBody>
+          <a:bodyPr rtlCol="0" anchor="ctr"/>
+          <a:lstStyle/>
+          <a:p>
+            <a:pPr algn="ctr"/>
+            <a:r>
+              <a:rPr kumimoji="1" lang="en-US" altLang="ja-JP" sz="2000">
+                <a:solidFill>
+                  <a:schemeClr val="tx1"/>
+                </a:solidFill>
+              </a:rPr>
+              <a:t>a</a:t>
+            </a:r>
+            <a:endParaRPr kumimoji="1" lang="ja-JP" altLang="en-US" sz="2000">
+              <a:solidFill>
+                <a:schemeClr val="tx1"/>
+              </a:solidFill>
+            </a:endParaRPr>
+          </a:p>
+        </p:txBody>
+      </p:sp>
+      <p:sp>
+        <p:nvSpPr>
+          <p:cNvPr id="25" name="1 つの角を切り取った四角形 24">
+            <a:extLst>
+              <a:ext uri="{FF2B5EF4-FFF2-40B4-BE49-F238E27FC236}">
+                <a16:creationId xmlns:a16="http://schemas.microsoft.com/office/drawing/2014/main" id="{2E97F5CA-F61C-2842-BD86-D06A5941C5A2}"/>
+              </a:ext>
+            </a:extLst>
+          </p:cNvPr>
+          <p:cNvSpPr/>
+          <p:nvPr/>
+        </p:nvSpPr>
+        <p:spPr>
+          <a:xfrm>
+            <a:off x="1115616" y="6057292"/>
+            <a:ext cx="864096" cy="288032"/>
+          </a:xfrm>
+          <a:prstGeom prst="snip1Rect">
+            <a:avLst/>
+          </a:prstGeom>
+          <a:noFill/>
+          <a:ln>
+            <a:solidFill>
+              <a:schemeClr val="tx1"/>
+            </a:solidFill>
+          </a:ln>
+        </p:spPr>
+        <p:style>
+          <a:lnRef idx="2">
+            <a:schemeClr val="accent1">
+              <a:shade val="50000"/>
+            </a:schemeClr>
+          </a:lnRef>
+          <a:fillRef idx="1">
+            <a:schemeClr val="accent1"/>
+          </a:fillRef>
+          <a:effectRef idx="0">
+            <a:schemeClr val="accent1"/>
+          </a:effectRef>
+          <a:fontRef idx="minor">
+            <a:schemeClr val="lt1"/>
+          </a:fontRef>
+        </p:style>
+        <p:txBody>
+          <a:bodyPr rtlCol="0" anchor="ctr"/>
+          <a:lstStyle/>
+          <a:p>
+            <a:pPr algn="ctr"/>
+            <a:r>
+              <a:rPr kumimoji="1" lang="en-US" altLang="ja-JP" sz="2000">
+                <a:solidFill>
+                  <a:schemeClr val="tx1"/>
+                </a:solidFill>
+              </a:rPr>
+              <a:t>b</a:t>
+            </a:r>
+            <a:endParaRPr kumimoji="1" lang="ja-JP" altLang="en-US" sz="2000">
+              <a:solidFill>
+                <a:schemeClr val="tx1"/>
+              </a:solidFill>
+            </a:endParaRPr>
+          </a:p>
+        </p:txBody>
+      </p:sp>
+      <p:cxnSp>
+        <p:nvCxnSpPr>
+          <p:cNvPr id="26" name="直線矢印コネクタ 25">
+            <a:extLst>
+              <a:ext uri="{FF2B5EF4-FFF2-40B4-BE49-F238E27FC236}">
+                <a16:creationId xmlns:a16="http://schemas.microsoft.com/office/drawing/2014/main" id="{98A10F8E-3921-054C-BB51-5FA598F0B495}"/>
+              </a:ext>
+            </a:extLst>
+          </p:cNvPr>
+          <p:cNvCxnSpPr>
+            <a:stCxn id="24" idx="0"/>
+            <a:endCxn id="21" idx="1"/>
+          </p:cNvCxnSpPr>
+          <p:nvPr/>
+        </p:nvCxnSpPr>
+        <p:spPr>
+          <a:xfrm>
+            <a:off x="1979712" y="5841268"/>
+            <a:ext cx="288032" cy="0"/>
+          </a:xfrm>
+          <a:prstGeom prst="straightConnector1">
+            <a:avLst/>
+          </a:prstGeom>
+          <a:ln w="12700">
+            <a:solidFill>
+              <a:schemeClr val="tx1"/>
+            </a:solidFill>
+            <a:tailEnd type="triangle"/>
+          </a:ln>
+        </p:spPr>
+        <p:style>
+          <a:lnRef idx="1">
+            <a:schemeClr val="accent1"/>
+          </a:lnRef>
+          <a:fillRef idx="0">
+            <a:schemeClr val="accent1"/>
+          </a:fillRef>
+          <a:effectRef idx="0">
+            <a:schemeClr val="accent1"/>
+          </a:effectRef>
+          <a:fontRef idx="minor">
+            <a:schemeClr val="tx1"/>
+          </a:fontRef>
+        </p:style>
+      </p:cxnSp>
+      <p:cxnSp>
+        <p:nvCxnSpPr>
+          <p:cNvPr id="27" name="直線矢印コネクタ 26">
+            <a:extLst>
+              <a:ext uri="{FF2B5EF4-FFF2-40B4-BE49-F238E27FC236}">
+                <a16:creationId xmlns:a16="http://schemas.microsoft.com/office/drawing/2014/main" id="{2CCAA81C-705D-F94B-AB25-0BE0C56E86B2}"/>
+              </a:ext>
+            </a:extLst>
+          </p:cNvPr>
+          <p:cNvCxnSpPr>
+            <a:cxnSpLocks/>
+            <a:stCxn id="25" idx="0"/>
+            <a:endCxn id="22" idx="1"/>
+          </p:cNvCxnSpPr>
+          <p:nvPr/>
+        </p:nvCxnSpPr>
+        <p:spPr>
+          <a:xfrm>
+            <a:off x="1979712" y="6201308"/>
+            <a:ext cx="288032" cy="0"/>
+          </a:xfrm>
+          <a:prstGeom prst="straightConnector1">
+            <a:avLst/>
+          </a:prstGeom>
+          <a:ln w="12700">
+            <a:solidFill>
+              <a:schemeClr val="tx1"/>
+            </a:solidFill>
+            <a:tailEnd type="triangle"/>
+          </a:ln>
+        </p:spPr>
+        <p:style>
+          <a:lnRef idx="1">
+            <a:schemeClr val="accent1"/>
+          </a:lnRef>
+          <a:fillRef idx="0">
+            <a:schemeClr val="accent1"/>
+          </a:fillRef>
+          <a:effectRef idx="0">
+            <a:schemeClr val="accent1"/>
+          </a:effectRef>
+          <a:fontRef idx="minor">
+            <a:schemeClr val="tx1"/>
+          </a:fontRef>
+        </p:style>
+      </p:cxnSp>
+      <p:sp>
+        <p:nvSpPr>
+          <p:cNvPr id="28" name="正方形/長方形 27">
+            <a:extLst>
+              <a:ext uri="{FF2B5EF4-FFF2-40B4-BE49-F238E27FC236}">
+                <a16:creationId xmlns:a16="http://schemas.microsoft.com/office/drawing/2014/main" id="{EDF92683-D3F3-704A-A1AE-D7A9955E28C9}"/>
+              </a:ext>
+            </a:extLst>
+          </p:cNvPr>
+          <p:cNvSpPr/>
+          <p:nvPr/>
+        </p:nvSpPr>
+        <p:spPr>
+          <a:xfrm>
+            <a:off x="2123728" y="4437112"/>
+            <a:ext cx="1021433" cy="369332"/>
+          </a:xfrm>
+          <a:prstGeom prst="rect">
+            <a:avLst/>
+          </a:prstGeom>
+          <a:solidFill>
+            <a:schemeClr val="tx1"/>
+          </a:solidFill>
+        </p:spPr>
+        <p:txBody>
+          <a:bodyPr wrap="none">
+            <a:spAutoFit/>
+          </a:bodyPr>
+          <a:lstStyle/>
+          <a:p>
+            <a:r>
+              <a:rPr lang="en" altLang="ja-JP" b="0">
+                <a:solidFill>
+                  <a:srgbClr val="D4D4D4"/>
+                </a:solidFill>
+                <a:effectLst/>
+                <a:latin typeface="Menlo" panose="020B0609030804020204" pitchFamily="49" charset="0"/>
+              </a:rPr>
+              <a:t>b = 20</a:t>
+            </a:r>
+          </a:p>
+        </p:txBody>
+      </p:sp>
+      <p:sp>
+        <p:nvSpPr>
+          <p:cNvPr id="29" name="テキスト ボックス 28">
+            <a:extLst>
+              <a:ext uri="{FF2B5EF4-FFF2-40B4-BE49-F238E27FC236}">
+                <a16:creationId xmlns:a16="http://schemas.microsoft.com/office/drawing/2014/main" id="{802D9975-6522-C44A-8FA0-DE1DAEE8FF23}"/>
+              </a:ext>
+            </a:extLst>
+          </p:cNvPr>
+          <p:cNvSpPr txBox="1"/>
+          <p:nvPr/>
+        </p:nvSpPr>
+        <p:spPr>
+          <a:xfrm>
+            <a:off x="827584" y="5085184"/>
+            <a:ext cx="3597460" cy="307777"/>
+          </a:xfrm>
+          <a:prstGeom prst="rect">
+            <a:avLst/>
+          </a:prstGeom>
+          <a:noFill/>
+        </p:spPr>
+        <p:txBody>
+          <a:bodyPr wrap="none" rtlCol="0">
+            <a:spAutoFit/>
+          </a:bodyPr>
+          <a:lstStyle/>
+          <a:p>
+            <a:r>
+              <a:rPr kumimoji="1" lang="ja-JP" altLang="en-US" sz="1400"/>
+              <a:t>その後</a:t>
+            </a:r>
+            <a:r>
+              <a:rPr kumimoji="1" lang="en-US" altLang="ja-JP" sz="1400"/>
+              <a:t>b</a:t>
+            </a:r>
+            <a:r>
+              <a:rPr kumimoji="1" lang="ja-JP" altLang="en-US" sz="1400"/>
+              <a:t>を書き換えても</a:t>
+            </a:r>
+            <a:r>
+              <a:rPr kumimoji="1" lang="en-US" altLang="ja-JP" sz="1400"/>
+              <a:t>a</a:t>
+            </a:r>
+            <a:r>
+              <a:rPr kumimoji="1" lang="ja-JP" altLang="en-US" sz="1400"/>
+              <a:t>は影響を受けない</a:t>
+            </a:r>
+          </a:p>
+        </p:txBody>
+      </p:sp>
+      <p:sp>
+        <p:nvSpPr>
+          <p:cNvPr id="30" name="右矢印 29">
+            <a:extLst>
+              <a:ext uri="{FF2B5EF4-FFF2-40B4-BE49-F238E27FC236}">
+                <a16:creationId xmlns:a16="http://schemas.microsoft.com/office/drawing/2014/main" id="{04CA92E4-1ADA-7444-A2C5-AB7781D4D0E8}"/>
+              </a:ext>
+            </a:extLst>
+          </p:cNvPr>
+          <p:cNvSpPr/>
+          <p:nvPr/>
+        </p:nvSpPr>
+        <p:spPr>
+          <a:xfrm>
+            <a:off x="4283968" y="2924944"/>
+            <a:ext cx="360040" cy="288032"/>
+          </a:xfrm>
+          <a:prstGeom prst="rightArrow">
+            <a:avLst/>
+          </a:prstGeom>
+          <a:solidFill>
+            <a:srgbClr val="FF0000"/>
+          </a:solidFill>
+          <a:ln>
+            <a:solidFill>
+              <a:schemeClr val="tx1"/>
+            </a:solidFill>
+          </a:ln>
+        </p:spPr>
+        <p:style>
+          <a:lnRef idx="2">
+            <a:schemeClr val="accent1">
+              <a:shade val="50000"/>
+            </a:schemeClr>
+          </a:lnRef>
+          <a:fillRef idx="1">
+            <a:schemeClr val="accent1"/>
+          </a:fillRef>
+          <a:effectRef idx="0">
+            <a:schemeClr val="accent1"/>
+          </a:effectRef>
+          <a:fontRef idx="minor">
+            <a:schemeClr val="lt1"/>
+          </a:fontRef>
+        </p:style>
+        <p:txBody>
+          <a:bodyPr rtlCol="0" anchor="ctr"/>
+          <a:lstStyle/>
+          <a:p>
+            <a:pPr algn="ctr"/>
+            <a:endParaRPr kumimoji="1" lang="ja-JP" altLang="en-US"/>
+          </a:p>
+        </p:txBody>
+      </p:sp>
+      <p:sp>
+        <p:nvSpPr>
+          <p:cNvPr id="31" name="右矢印 30">
+            <a:extLst>
+              <a:ext uri="{FF2B5EF4-FFF2-40B4-BE49-F238E27FC236}">
+                <a16:creationId xmlns:a16="http://schemas.microsoft.com/office/drawing/2014/main" id="{A390DDB7-78BE-4A4D-AD8A-8B53605AB8CC}"/>
+              </a:ext>
+            </a:extLst>
+          </p:cNvPr>
+          <p:cNvSpPr/>
+          <p:nvPr/>
+        </p:nvSpPr>
+        <p:spPr>
+          <a:xfrm rot="8100000">
+            <a:off x="4117052" y="4378208"/>
+            <a:ext cx="360040" cy="288032"/>
+          </a:xfrm>
+          <a:prstGeom prst="rightArrow">
+            <a:avLst/>
+          </a:prstGeom>
+          <a:solidFill>
+            <a:srgbClr val="FF0000"/>
+          </a:solidFill>
+          <a:ln>
+            <a:solidFill>
+              <a:schemeClr val="tx1"/>
+            </a:solidFill>
+          </a:ln>
+        </p:spPr>
+        <p:style>
+          <a:lnRef idx="2">
+            <a:schemeClr val="accent1">
+              <a:shade val="50000"/>
+            </a:schemeClr>
+          </a:lnRef>
+          <a:fillRef idx="1">
+            <a:schemeClr val="accent1"/>
+          </a:fillRef>
+          <a:effectRef idx="0">
+            <a:schemeClr val="accent1"/>
+          </a:effectRef>
+          <a:fontRef idx="minor">
+            <a:schemeClr val="lt1"/>
+          </a:fontRef>
+        </p:style>
+        <p:txBody>
+          <a:bodyPr rtlCol="0" anchor="ctr"/>
+          <a:lstStyle/>
+          <a:p>
+            <a:pPr algn="ctr"/>
+            <a:endParaRPr kumimoji="1" lang="ja-JP" altLang="en-US"/>
+          </a:p>
+        </p:txBody>
+      </p:sp>
+      <p:sp>
+        <p:nvSpPr>
+          <p:cNvPr id="32" name="テキスト ボックス 31">
+            <a:extLst>
+              <a:ext uri="{FF2B5EF4-FFF2-40B4-BE49-F238E27FC236}">
+                <a16:creationId xmlns:a16="http://schemas.microsoft.com/office/drawing/2014/main" id="{A2AAE556-DC83-D64F-A699-BC055D19BA06}"/>
+              </a:ext>
+            </a:extLst>
+          </p:cNvPr>
+          <p:cNvSpPr txBox="1"/>
+          <p:nvPr/>
+        </p:nvSpPr>
+        <p:spPr>
+          <a:xfrm>
+            <a:off x="611560" y="1916832"/>
+            <a:ext cx="3744416" cy="523220"/>
+          </a:xfrm>
+          <a:prstGeom prst="rect">
+            <a:avLst/>
+          </a:prstGeom>
+          <a:noFill/>
+        </p:spPr>
+        <p:txBody>
+          <a:bodyPr wrap="square" rtlCol="0">
+            <a:spAutoFit/>
+          </a:bodyPr>
+          <a:lstStyle/>
+          <a:p>
+            <a:r>
+              <a:rPr lang="ja-JP" altLang="en-US" sz="1400"/>
+              <a:t>メモリ上に「</a:t>
+            </a:r>
+            <a:r>
+              <a:rPr lang="en-US" altLang="ja-JP" sz="1400"/>
+              <a:t>10</a:t>
+            </a:r>
+            <a:r>
+              <a:rPr lang="ja-JP" altLang="en-US" sz="1400"/>
+              <a:t>」を表現する場所が作られ、そこに</a:t>
+            </a:r>
+            <a:r>
+              <a:rPr lang="en-US" altLang="ja-JP" sz="1400"/>
+              <a:t>a</a:t>
+            </a:r>
+            <a:r>
+              <a:rPr lang="ja-JP" altLang="en-US" sz="1400"/>
+              <a:t>というラベルを貼る</a:t>
+            </a:r>
+            <a:endParaRPr lang="en-US" altLang="ja-JP" sz="1400"/>
+          </a:p>
+        </p:txBody>
+      </p:sp>
+    </p:spTree>
+    <p:extLst>
+      <p:ext uri="{BB962C8B-B14F-4D97-AF65-F5344CB8AC3E}">
+        <p14:creationId xmlns:p14="http://schemas.microsoft.com/office/powerpoint/2010/main" val="799593804"/>
       </p:ext>
     </p:extLst>
   </p:cSld>

--- a/list/fig/slide.pptx
+++ b/list/fig/slide.pptx
@@ -5,7 +5,7 @@
     <p:sldMasterId id="2147483663" r:id="rId1"/>
   </p:sldMasterIdLst>
   <p:notesMasterIdLst>
-    <p:notesMasterId r:id="rId20"/>
+    <p:notesMasterId r:id="rId25"/>
   </p:notesMasterIdLst>
   <p:sldIdLst>
     <p:sldId id="256" r:id="rId2"/>
@@ -26,6 +26,11 @@
     <p:sldId id="302" r:id="rId17"/>
     <p:sldId id="303" r:id="rId18"/>
     <p:sldId id="304" r:id="rId19"/>
+    <p:sldId id="305" r:id="rId20"/>
+    <p:sldId id="306" r:id="rId21"/>
+    <p:sldId id="307" r:id="rId22"/>
+    <p:sldId id="308" r:id="rId23"/>
+    <p:sldId id="309" r:id="rId24"/>
   </p:sldIdLst>
   <p:sldSz cx="9144000" cy="6858000" type="screen4x3"/>
   <p:notesSz cx="6858000" cy="9144000"/>
@@ -16026,6 +16031,2149 @@
 </p:sld>
 </file>
 
+<file path=ppt/slides/slide19.xml><?xml version="1.0" encoding="utf-8"?>
+<p:sld xmlns:a="http://schemas.openxmlformats.org/drawingml/2006/main" xmlns:r="http://schemas.openxmlformats.org/officeDocument/2006/relationships" xmlns:p="http://schemas.openxmlformats.org/presentationml/2006/main">
+  <p:cSld>
+    <p:spTree>
+      <p:nvGrpSpPr>
+        <p:cNvPr id="1" name=""/>
+        <p:cNvGrpSpPr/>
+        <p:nvPr/>
+      </p:nvGrpSpPr>
+      <p:grpSpPr>
+        <a:xfrm>
+          <a:off x="0" y="0"/>
+          <a:ext cx="0" cy="0"/>
+          <a:chOff x="0" y="0"/>
+          <a:chExt cx="0" cy="0"/>
+        </a:xfrm>
+      </p:grpSpPr>
+      <p:sp>
+        <p:nvSpPr>
+          <p:cNvPr id="2" name="テキスト プレースホルダー 1">
+            <a:extLst>
+              <a:ext uri="{FF2B5EF4-FFF2-40B4-BE49-F238E27FC236}">
+                <a16:creationId xmlns:a16="http://schemas.microsoft.com/office/drawing/2014/main" id="{E8594448-C8C0-E841-88E0-9B8666272203}"/>
+              </a:ext>
+            </a:extLst>
+          </p:cNvPr>
+          <p:cNvSpPr>
+            <a:spLocks noGrp="1"/>
+          </p:cNvSpPr>
+          <p:nvPr>
+            <p:ph type="body" sz="quarter" idx="10"/>
+          </p:nvPr>
+        </p:nvSpPr>
+        <p:spPr/>
+        <p:txBody>
+          <a:bodyPr/>
+          <a:lstStyle/>
+          <a:p>
+            <a:r>
+              <a:rPr kumimoji="1" lang="ja-JP" altLang="en-US"/>
+              <a:t>課題</a:t>
+            </a:r>
+            <a:r>
+              <a:rPr kumimoji="1" lang="en-US" altLang="ja-JP"/>
+              <a:t>1</a:t>
+            </a:r>
+            <a:r>
+              <a:rPr kumimoji="1" lang="ja-JP" altLang="en-US"/>
+              <a:t>：コッホ曲線</a:t>
+            </a:r>
+          </a:p>
+        </p:txBody>
+      </p:sp>
+      <p:cxnSp>
+        <p:nvCxnSpPr>
+          <p:cNvPr id="18" name="直線コネクタ 17">
+            <a:extLst>
+              <a:ext uri="{FF2B5EF4-FFF2-40B4-BE49-F238E27FC236}">
+                <a16:creationId xmlns:a16="http://schemas.microsoft.com/office/drawing/2014/main" id="{1351DD24-4352-834F-9933-A82F1E7C92BC}"/>
+              </a:ext>
+            </a:extLst>
+          </p:cNvPr>
+          <p:cNvCxnSpPr/>
+          <p:nvPr/>
+        </p:nvCxnSpPr>
+        <p:spPr>
+          <a:xfrm>
+            <a:off x="747204" y="2705419"/>
+            <a:ext cx="2160240" cy="0"/>
+          </a:xfrm>
+          <a:prstGeom prst="line">
+            <a:avLst/>
+          </a:prstGeom>
+          <a:ln w="12700">
+            <a:solidFill>
+              <a:schemeClr val="tx1"/>
+            </a:solidFill>
+          </a:ln>
+        </p:spPr>
+        <p:style>
+          <a:lnRef idx="1">
+            <a:schemeClr val="accent1"/>
+          </a:lnRef>
+          <a:fillRef idx="0">
+            <a:schemeClr val="accent1"/>
+          </a:fillRef>
+          <a:effectRef idx="0">
+            <a:schemeClr val="accent1"/>
+          </a:effectRef>
+          <a:fontRef idx="minor">
+            <a:schemeClr val="tx1"/>
+          </a:fontRef>
+        </p:style>
+      </p:cxnSp>
+      <p:cxnSp>
+        <p:nvCxnSpPr>
+          <p:cNvPr id="19" name="直線コネクタ 18">
+            <a:extLst>
+              <a:ext uri="{FF2B5EF4-FFF2-40B4-BE49-F238E27FC236}">
+                <a16:creationId xmlns:a16="http://schemas.microsoft.com/office/drawing/2014/main" id="{0554C808-882C-1A4A-80BA-A3E9DF1579B0}"/>
+              </a:ext>
+            </a:extLst>
+          </p:cNvPr>
+          <p:cNvCxnSpPr/>
+          <p:nvPr/>
+        </p:nvCxnSpPr>
+        <p:spPr>
+          <a:xfrm>
+            <a:off x="1467284" y="2633411"/>
+            <a:ext cx="0" cy="144016"/>
+          </a:xfrm>
+          <a:prstGeom prst="line">
+            <a:avLst/>
+          </a:prstGeom>
+          <a:ln w="38100">
+            <a:solidFill>
+              <a:srgbClr val="FF0000"/>
+            </a:solidFill>
+          </a:ln>
+        </p:spPr>
+        <p:style>
+          <a:lnRef idx="1">
+            <a:schemeClr val="accent1"/>
+          </a:lnRef>
+          <a:fillRef idx="0">
+            <a:schemeClr val="accent1"/>
+          </a:fillRef>
+          <a:effectRef idx="0">
+            <a:schemeClr val="accent1"/>
+          </a:effectRef>
+          <a:fontRef idx="minor">
+            <a:schemeClr val="tx1"/>
+          </a:fontRef>
+        </p:style>
+      </p:cxnSp>
+      <p:cxnSp>
+        <p:nvCxnSpPr>
+          <p:cNvPr id="20" name="直線コネクタ 19">
+            <a:extLst>
+              <a:ext uri="{FF2B5EF4-FFF2-40B4-BE49-F238E27FC236}">
+                <a16:creationId xmlns:a16="http://schemas.microsoft.com/office/drawing/2014/main" id="{427C35E9-F5EB-C548-BB30-CD34AACCDCA5}"/>
+              </a:ext>
+            </a:extLst>
+          </p:cNvPr>
+          <p:cNvCxnSpPr/>
+          <p:nvPr/>
+        </p:nvCxnSpPr>
+        <p:spPr>
+          <a:xfrm>
+            <a:off x="2187364" y="2633411"/>
+            <a:ext cx="0" cy="144016"/>
+          </a:xfrm>
+          <a:prstGeom prst="line">
+            <a:avLst/>
+          </a:prstGeom>
+          <a:ln w="38100">
+            <a:solidFill>
+              <a:srgbClr val="FF0000"/>
+            </a:solidFill>
+          </a:ln>
+        </p:spPr>
+        <p:style>
+          <a:lnRef idx="1">
+            <a:schemeClr val="accent1"/>
+          </a:lnRef>
+          <a:fillRef idx="0">
+            <a:schemeClr val="accent1"/>
+          </a:fillRef>
+          <a:effectRef idx="0">
+            <a:schemeClr val="accent1"/>
+          </a:effectRef>
+          <a:fontRef idx="minor">
+            <a:schemeClr val="tx1"/>
+          </a:fontRef>
+        </p:style>
+      </p:cxnSp>
+      <p:sp>
+        <p:nvSpPr>
+          <p:cNvPr id="21" name="右矢印 20">
+            <a:extLst>
+              <a:ext uri="{FF2B5EF4-FFF2-40B4-BE49-F238E27FC236}">
+                <a16:creationId xmlns:a16="http://schemas.microsoft.com/office/drawing/2014/main" id="{53B2F673-8C86-DB4B-BE24-9F0E25BA831F}"/>
+              </a:ext>
+            </a:extLst>
+          </p:cNvPr>
+          <p:cNvSpPr/>
+          <p:nvPr/>
+        </p:nvSpPr>
+        <p:spPr>
+          <a:xfrm>
+            <a:off x="3480172" y="2511513"/>
+            <a:ext cx="432048" cy="432048"/>
+          </a:xfrm>
+          <a:prstGeom prst="rightArrow">
+            <a:avLst/>
+          </a:prstGeom>
+          <a:solidFill>
+            <a:srgbClr val="FF0000"/>
+          </a:solidFill>
+          <a:ln>
+            <a:solidFill>
+              <a:schemeClr val="tx1"/>
+            </a:solidFill>
+          </a:ln>
+        </p:spPr>
+        <p:style>
+          <a:lnRef idx="2">
+            <a:schemeClr val="accent1">
+              <a:shade val="50000"/>
+            </a:schemeClr>
+          </a:lnRef>
+          <a:fillRef idx="1">
+            <a:schemeClr val="accent1"/>
+          </a:fillRef>
+          <a:effectRef idx="0">
+            <a:schemeClr val="accent1"/>
+          </a:effectRef>
+          <a:fontRef idx="minor">
+            <a:schemeClr val="lt1"/>
+          </a:fontRef>
+        </p:style>
+        <p:txBody>
+          <a:bodyPr rtlCol="0" anchor="ctr"/>
+          <a:lstStyle/>
+          <a:p>
+            <a:pPr algn="ctr"/>
+            <a:endParaRPr kumimoji="1" lang="ja-JP" altLang="en-US"/>
+          </a:p>
+        </p:txBody>
+      </p:sp>
+      <p:sp>
+        <p:nvSpPr>
+          <p:cNvPr id="22" name="テキスト ボックス 21">
+            <a:extLst>
+              <a:ext uri="{FF2B5EF4-FFF2-40B4-BE49-F238E27FC236}">
+                <a16:creationId xmlns:a16="http://schemas.microsoft.com/office/drawing/2014/main" id="{7FF1612E-0940-5448-AC3B-1894771121BE}"/>
+              </a:ext>
+            </a:extLst>
+          </p:cNvPr>
+          <p:cNvSpPr txBox="1"/>
+          <p:nvPr/>
+        </p:nvSpPr>
+        <p:spPr>
+          <a:xfrm>
+            <a:off x="926518" y="1654357"/>
+            <a:ext cx="2232248" cy="369332"/>
+          </a:xfrm>
+          <a:prstGeom prst="rect">
+            <a:avLst/>
+          </a:prstGeom>
+          <a:noFill/>
+        </p:spPr>
+        <p:txBody>
+          <a:bodyPr wrap="square" rtlCol="0">
+            <a:spAutoFit/>
+          </a:bodyPr>
+          <a:lstStyle/>
+          <a:p>
+            <a:r>
+              <a:rPr lang="ja-JP" altLang="en-US" dirty="0"/>
+              <a:t>直線を三等分する</a:t>
+            </a:r>
+            <a:endParaRPr kumimoji="1" lang="ja-JP" altLang="en-US" dirty="0"/>
+          </a:p>
+        </p:txBody>
+      </p:sp>
+      <p:sp>
+        <p:nvSpPr>
+          <p:cNvPr id="23" name="テキスト ボックス 22">
+            <a:extLst>
+              <a:ext uri="{FF2B5EF4-FFF2-40B4-BE49-F238E27FC236}">
+                <a16:creationId xmlns:a16="http://schemas.microsoft.com/office/drawing/2014/main" id="{F930DD82-A2DE-B345-B6A7-6A8D6D6AFE72}"/>
+              </a:ext>
+            </a:extLst>
+          </p:cNvPr>
+          <p:cNvSpPr txBox="1"/>
+          <p:nvPr/>
+        </p:nvSpPr>
+        <p:spPr>
+          <a:xfrm>
+            <a:off x="3920284" y="1644475"/>
+            <a:ext cx="3672408" cy="369332"/>
+          </a:xfrm>
+          <a:prstGeom prst="rect">
+            <a:avLst/>
+          </a:prstGeom>
+          <a:noFill/>
+        </p:spPr>
+        <p:txBody>
+          <a:bodyPr wrap="square" rtlCol="0">
+            <a:spAutoFit/>
+          </a:bodyPr>
+          <a:lstStyle/>
+          <a:p>
+            <a:r>
+              <a:rPr kumimoji="1" lang="ja-JP" altLang="en-US" dirty="0"/>
+              <a:t>中央を正三角形の形に盛り上げる</a:t>
+            </a:r>
+          </a:p>
+        </p:txBody>
+      </p:sp>
+      <p:sp>
+        <p:nvSpPr>
+          <p:cNvPr id="25" name="テキスト ボックス 24">
+            <a:extLst>
+              <a:ext uri="{FF2B5EF4-FFF2-40B4-BE49-F238E27FC236}">
+                <a16:creationId xmlns:a16="http://schemas.microsoft.com/office/drawing/2014/main" id="{F04717D0-C7C2-AB4E-AB90-B4B7861292B2}"/>
+              </a:ext>
+            </a:extLst>
+          </p:cNvPr>
+          <p:cNvSpPr txBox="1"/>
+          <p:nvPr/>
+        </p:nvSpPr>
+        <p:spPr>
+          <a:xfrm>
+            <a:off x="483961" y="3799167"/>
+            <a:ext cx="2890498" cy="369332"/>
+          </a:xfrm>
+          <a:prstGeom prst="rect">
+            <a:avLst/>
+          </a:prstGeom>
+          <a:noFill/>
+        </p:spPr>
+        <p:txBody>
+          <a:bodyPr wrap="square" rtlCol="0">
+            <a:spAutoFit/>
+          </a:bodyPr>
+          <a:lstStyle/>
+          <a:p>
+            <a:r>
+              <a:rPr lang="ja-JP" altLang="en-US" dirty="0"/>
+              <a:t>全ての直線を三等分する</a:t>
+            </a:r>
+            <a:endParaRPr kumimoji="1" lang="ja-JP" altLang="en-US" dirty="0"/>
+          </a:p>
+        </p:txBody>
+      </p:sp>
+      <p:sp>
+        <p:nvSpPr>
+          <p:cNvPr id="26" name="右矢印 25">
+            <a:extLst>
+              <a:ext uri="{FF2B5EF4-FFF2-40B4-BE49-F238E27FC236}">
+                <a16:creationId xmlns:a16="http://schemas.microsoft.com/office/drawing/2014/main" id="{D6CD4B72-B92B-7A4A-B63E-E6B8AD2A23B9}"/>
+              </a:ext>
+            </a:extLst>
+          </p:cNvPr>
+          <p:cNvSpPr/>
+          <p:nvPr/>
+        </p:nvSpPr>
+        <p:spPr>
+          <a:xfrm>
+            <a:off x="3447596" y="4689735"/>
+            <a:ext cx="432048" cy="432048"/>
+          </a:xfrm>
+          <a:prstGeom prst="rightArrow">
+            <a:avLst/>
+          </a:prstGeom>
+          <a:solidFill>
+            <a:srgbClr val="FF0000"/>
+          </a:solidFill>
+          <a:ln>
+            <a:solidFill>
+              <a:schemeClr val="tx1"/>
+            </a:solidFill>
+          </a:ln>
+        </p:spPr>
+        <p:style>
+          <a:lnRef idx="2">
+            <a:schemeClr val="accent1">
+              <a:shade val="50000"/>
+            </a:schemeClr>
+          </a:lnRef>
+          <a:fillRef idx="1">
+            <a:schemeClr val="accent1"/>
+          </a:fillRef>
+          <a:effectRef idx="0">
+            <a:schemeClr val="accent1"/>
+          </a:effectRef>
+          <a:fontRef idx="minor">
+            <a:schemeClr val="lt1"/>
+          </a:fontRef>
+        </p:style>
+        <p:txBody>
+          <a:bodyPr rtlCol="0" anchor="ctr"/>
+          <a:lstStyle/>
+          <a:p>
+            <a:pPr algn="ctr"/>
+            <a:endParaRPr kumimoji="1" lang="ja-JP" altLang="en-US"/>
+          </a:p>
+        </p:txBody>
+      </p:sp>
+      <p:sp>
+        <p:nvSpPr>
+          <p:cNvPr id="27" name="右矢印 26">
+            <a:extLst>
+              <a:ext uri="{FF2B5EF4-FFF2-40B4-BE49-F238E27FC236}">
+                <a16:creationId xmlns:a16="http://schemas.microsoft.com/office/drawing/2014/main" id="{711256C0-2C0A-4F46-8A60-20F5FA43AAB2}"/>
+              </a:ext>
+            </a:extLst>
+          </p:cNvPr>
+          <p:cNvSpPr/>
+          <p:nvPr/>
+        </p:nvSpPr>
+        <p:spPr>
+          <a:xfrm rot="8496491">
+            <a:off x="3488236" y="3435325"/>
+            <a:ext cx="432048" cy="432048"/>
+          </a:xfrm>
+          <a:prstGeom prst="rightArrow">
+            <a:avLst/>
+          </a:prstGeom>
+          <a:solidFill>
+            <a:srgbClr val="FF0000"/>
+          </a:solidFill>
+          <a:ln>
+            <a:solidFill>
+              <a:schemeClr val="tx1"/>
+            </a:solidFill>
+          </a:ln>
+        </p:spPr>
+        <p:style>
+          <a:lnRef idx="2">
+            <a:schemeClr val="accent1">
+              <a:shade val="50000"/>
+            </a:schemeClr>
+          </a:lnRef>
+          <a:fillRef idx="1">
+            <a:schemeClr val="accent1"/>
+          </a:fillRef>
+          <a:effectRef idx="0">
+            <a:schemeClr val="accent1"/>
+          </a:effectRef>
+          <a:fontRef idx="minor">
+            <a:schemeClr val="lt1"/>
+          </a:fontRef>
+        </p:style>
+        <p:txBody>
+          <a:bodyPr rtlCol="0" anchor="ctr"/>
+          <a:lstStyle/>
+          <a:p>
+            <a:pPr algn="ctr"/>
+            <a:endParaRPr kumimoji="1" lang="ja-JP" altLang="en-US"/>
+          </a:p>
+        </p:txBody>
+      </p:sp>
+      <p:sp>
+        <p:nvSpPr>
+          <p:cNvPr id="28" name="テキスト ボックス 27">
+            <a:extLst>
+              <a:ext uri="{FF2B5EF4-FFF2-40B4-BE49-F238E27FC236}">
+                <a16:creationId xmlns:a16="http://schemas.microsoft.com/office/drawing/2014/main" id="{014A37B0-4589-E341-9184-7BC6FDC423F1}"/>
+              </a:ext>
+            </a:extLst>
+          </p:cNvPr>
+          <p:cNvSpPr txBox="1"/>
+          <p:nvPr/>
+        </p:nvSpPr>
+        <p:spPr>
+          <a:xfrm>
+            <a:off x="4384680" y="3878704"/>
+            <a:ext cx="3192524" cy="369332"/>
+          </a:xfrm>
+          <a:prstGeom prst="rect">
+            <a:avLst/>
+          </a:prstGeom>
+          <a:noFill/>
+        </p:spPr>
+        <p:txBody>
+          <a:bodyPr wrap="square" rtlCol="0">
+            <a:spAutoFit/>
+          </a:bodyPr>
+          <a:lstStyle/>
+          <a:p>
+            <a:r>
+              <a:rPr kumimoji="1" lang="ja-JP" altLang="en-US" dirty="0"/>
+              <a:t>それぞれ中央を盛り上げる</a:t>
+            </a:r>
+          </a:p>
+        </p:txBody>
+      </p:sp>
+      <p:grpSp>
+        <p:nvGrpSpPr>
+          <p:cNvPr id="38" name="グループ化 37">
+            <a:extLst>
+              <a:ext uri="{FF2B5EF4-FFF2-40B4-BE49-F238E27FC236}">
+                <a16:creationId xmlns:a16="http://schemas.microsoft.com/office/drawing/2014/main" id="{BCBB2E35-0211-F14B-9009-2F8777D76512}"/>
+              </a:ext>
+            </a:extLst>
+          </p:cNvPr>
+          <p:cNvGrpSpPr/>
+          <p:nvPr/>
+        </p:nvGrpSpPr>
+        <p:grpSpPr>
+          <a:xfrm>
+            <a:off x="4498975" y="2457450"/>
+            <a:ext cx="2187575" cy="631825"/>
+            <a:chOff x="4498975" y="2457450"/>
+            <a:chExt cx="2187575" cy="631825"/>
+          </a:xfrm>
+        </p:grpSpPr>
+        <p:cxnSp>
+          <p:nvCxnSpPr>
+            <p:cNvPr id="31" name="直線コネクタ 30">
+              <a:extLst>
+                <a:ext uri="{FF2B5EF4-FFF2-40B4-BE49-F238E27FC236}">
+                  <a16:creationId xmlns:a16="http://schemas.microsoft.com/office/drawing/2014/main" id="{CA348A80-99FD-3040-A68B-AFBBBFA07425}"/>
+                </a:ext>
+              </a:extLst>
+            </p:cNvPr>
+            <p:cNvCxnSpPr/>
+            <p:nvPr/>
+          </p:nvCxnSpPr>
+          <p:spPr>
+            <a:xfrm flipH="1">
+              <a:off x="4498975" y="3086100"/>
+              <a:ext cx="730250" cy="0"/>
+            </a:xfrm>
+            <a:prstGeom prst="line">
+              <a:avLst/>
+            </a:prstGeom>
+            <a:ln>
+              <a:solidFill>
+                <a:schemeClr val="tx1"/>
+              </a:solidFill>
+              <a:headEnd type="none" w="med" len="med"/>
+              <a:tailEnd type="none" w="med" len="med"/>
+            </a:ln>
+          </p:spPr>
+          <p:style>
+            <a:lnRef idx="1">
+              <a:schemeClr val="accent1"/>
+            </a:lnRef>
+            <a:fillRef idx="0">
+              <a:schemeClr val="accent1"/>
+            </a:fillRef>
+            <a:effectRef idx="0">
+              <a:schemeClr val="accent1"/>
+            </a:effectRef>
+            <a:fontRef idx="minor">
+              <a:schemeClr val="tx1"/>
+            </a:fontRef>
+          </p:style>
+        </p:cxnSp>
+        <p:cxnSp>
+          <p:nvCxnSpPr>
+            <p:cNvPr id="32" name="直線コネクタ 31">
+              <a:extLst>
+                <a:ext uri="{FF2B5EF4-FFF2-40B4-BE49-F238E27FC236}">
+                  <a16:creationId xmlns:a16="http://schemas.microsoft.com/office/drawing/2014/main" id="{006E4647-BB23-7A4A-A86A-9B3C26549D0E}"/>
+                </a:ext>
+              </a:extLst>
+            </p:cNvPr>
+            <p:cNvCxnSpPr/>
+            <p:nvPr/>
+          </p:nvCxnSpPr>
+          <p:spPr>
+            <a:xfrm flipH="1">
+              <a:off x="5956300" y="3089275"/>
+              <a:ext cx="730250" cy="0"/>
+            </a:xfrm>
+            <a:prstGeom prst="line">
+              <a:avLst/>
+            </a:prstGeom>
+            <a:ln>
+              <a:solidFill>
+                <a:schemeClr val="tx1"/>
+              </a:solidFill>
+              <a:headEnd type="none" w="med" len="med"/>
+              <a:tailEnd type="none" w="med" len="med"/>
+            </a:ln>
+          </p:spPr>
+          <p:style>
+            <a:lnRef idx="1">
+              <a:schemeClr val="accent1"/>
+            </a:lnRef>
+            <a:fillRef idx="0">
+              <a:schemeClr val="accent1"/>
+            </a:fillRef>
+            <a:effectRef idx="0">
+              <a:schemeClr val="accent1"/>
+            </a:effectRef>
+            <a:fontRef idx="minor">
+              <a:schemeClr val="tx1"/>
+            </a:fontRef>
+          </p:style>
+        </p:cxnSp>
+        <p:cxnSp>
+          <p:nvCxnSpPr>
+            <p:cNvPr id="33" name="直線コネクタ 32">
+              <a:extLst>
+                <a:ext uri="{FF2B5EF4-FFF2-40B4-BE49-F238E27FC236}">
+                  <a16:creationId xmlns:a16="http://schemas.microsoft.com/office/drawing/2014/main" id="{F5DB4471-12A7-8C48-9AEE-33307ADE86BC}"/>
+                </a:ext>
+              </a:extLst>
+            </p:cNvPr>
+            <p:cNvCxnSpPr>
+              <a:cxnSpLocks/>
+            </p:cNvCxnSpPr>
+            <p:nvPr/>
+          </p:nvCxnSpPr>
+          <p:spPr>
+            <a:xfrm>
+              <a:off x="5588000" y="2463800"/>
+              <a:ext cx="368300" cy="625475"/>
+            </a:xfrm>
+            <a:prstGeom prst="line">
+              <a:avLst/>
+            </a:prstGeom>
+            <a:ln>
+              <a:solidFill>
+                <a:schemeClr val="tx1"/>
+              </a:solidFill>
+              <a:headEnd type="none" w="med" len="med"/>
+              <a:tailEnd type="none" w="med" len="med"/>
+            </a:ln>
+          </p:spPr>
+          <p:style>
+            <a:lnRef idx="1">
+              <a:schemeClr val="accent1"/>
+            </a:lnRef>
+            <a:fillRef idx="0">
+              <a:schemeClr val="accent1"/>
+            </a:fillRef>
+            <a:effectRef idx="0">
+              <a:schemeClr val="accent1"/>
+            </a:effectRef>
+            <a:fontRef idx="minor">
+              <a:schemeClr val="tx1"/>
+            </a:fontRef>
+          </p:style>
+        </p:cxnSp>
+        <p:cxnSp>
+          <p:nvCxnSpPr>
+            <p:cNvPr id="35" name="直線コネクタ 34">
+              <a:extLst>
+                <a:ext uri="{FF2B5EF4-FFF2-40B4-BE49-F238E27FC236}">
+                  <a16:creationId xmlns:a16="http://schemas.microsoft.com/office/drawing/2014/main" id="{550B9FCA-EFF8-7345-A646-A72DB611F737}"/>
+                </a:ext>
+              </a:extLst>
+            </p:cNvPr>
+            <p:cNvCxnSpPr>
+              <a:cxnSpLocks/>
+            </p:cNvCxnSpPr>
+            <p:nvPr/>
+          </p:nvCxnSpPr>
+          <p:spPr>
+            <a:xfrm flipH="1">
+              <a:off x="5229226" y="2457450"/>
+              <a:ext cx="358774" cy="631825"/>
+            </a:xfrm>
+            <a:prstGeom prst="line">
+              <a:avLst/>
+            </a:prstGeom>
+            <a:ln>
+              <a:solidFill>
+                <a:schemeClr val="tx1"/>
+              </a:solidFill>
+              <a:headEnd type="none" w="med" len="med"/>
+              <a:tailEnd type="none" w="med" len="med"/>
+            </a:ln>
+          </p:spPr>
+          <p:style>
+            <a:lnRef idx="1">
+              <a:schemeClr val="accent1"/>
+            </a:lnRef>
+            <a:fillRef idx="0">
+              <a:schemeClr val="accent1"/>
+            </a:fillRef>
+            <a:effectRef idx="0">
+              <a:schemeClr val="accent1"/>
+            </a:effectRef>
+            <a:fontRef idx="minor">
+              <a:schemeClr val="tx1"/>
+            </a:fontRef>
+          </p:style>
+        </p:cxnSp>
+      </p:grpSp>
+      <p:grpSp>
+        <p:nvGrpSpPr>
+          <p:cNvPr id="91" name="グループ化 90">
+            <a:extLst>
+              <a:ext uri="{FF2B5EF4-FFF2-40B4-BE49-F238E27FC236}">
+                <a16:creationId xmlns:a16="http://schemas.microsoft.com/office/drawing/2014/main" id="{0ADC20E6-B078-1E40-823D-2494A30F4EB6}"/>
+              </a:ext>
+            </a:extLst>
+          </p:cNvPr>
+          <p:cNvGrpSpPr/>
+          <p:nvPr/>
+        </p:nvGrpSpPr>
+        <p:grpSpPr>
+          <a:xfrm>
+            <a:off x="661670" y="4373245"/>
+            <a:ext cx="2187575" cy="664341"/>
+            <a:chOff x="1352550" y="4149725"/>
+            <a:chExt cx="2187575" cy="664341"/>
+          </a:xfrm>
+        </p:grpSpPr>
+        <p:grpSp>
+          <p:nvGrpSpPr>
+            <p:cNvPr id="52" name="グループ化 51">
+              <a:extLst>
+                <a:ext uri="{FF2B5EF4-FFF2-40B4-BE49-F238E27FC236}">
+                  <a16:creationId xmlns:a16="http://schemas.microsoft.com/office/drawing/2014/main" id="{62152BB1-B826-9D4E-88F6-558C5F166A7E}"/>
+                </a:ext>
+              </a:extLst>
+            </p:cNvPr>
+            <p:cNvGrpSpPr/>
+            <p:nvPr/>
+          </p:nvGrpSpPr>
+          <p:grpSpPr>
+            <a:xfrm>
+              <a:off x="1352550" y="4149725"/>
+              <a:ext cx="2187575" cy="631825"/>
+              <a:chOff x="4498975" y="2457450"/>
+              <a:chExt cx="2187575" cy="631825"/>
+            </a:xfrm>
+          </p:grpSpPr>
+          <p:cxnSp>
+            <p:nvCxnSpPr>
+              <p:cNvPr id="53" name="直線コネクタ 52">
+                <a:extLst>
+                  <a:ext uri="{FF2B5EF4-FFF2-40B4-BE49-F238E27FC236}">
+                    <a16:creationId xmlns:a16="http://schemas.microsoft.com/office/drawing/2014/main" id="{C48A03E3-BB1F-4A42-B85B-C6098A24C8BF}"/>
+                  </a:ext>
+                </a:extLst>
+              </p:cNvPr>
+              <p:cNvCxnSpPr/>
+              <p:nvPr/>
+            </p:nvCxnSpPr>
+            <p:spPr>
+              <a:xfrm flipH="1">
+                <a:off x="4498975" y="3086100"/>
+                <a:ext cx="730250" cy="0"/>
+              </a:xfrm>
+              <a:prstGeom prst="line">
+                <a:avLst/>
+              </a:prstGeom>
+              <a:ln>
+                <a:solidFill>
+                  <a:schemeClr val="tx1"/>
+                </a:solidFill>
+                <a:headEnd type="none" w="med" len="med"/>
+                <a:tailEnd type="none" w="med" len="med"/>
+              </a:ln>
+            </p:spPr>
+            <p:style>
+              <a:lnRef idx="1">
+                <a:schemeClr val="accent1"/>
+              </a:lnRef>
+              <a:fillRef idx="0">
+                <a:schemeClr val="accent1"/>
+              </a:fillRef>
+              <a:effectRef idx="0">
+                <a:schemeClr val="accent1"/>
+              </a:effectRef>
+              <a:fontRef idx="minor">
+                <a:schemeClr val="tx1"/>
+              </a:fontRef>
+            </p:style>
+          </p:cxnSp>
+          <p:cxnSp>
+            <p:nvCxnSpPr>
+              <p:cNvPr id="54" name="直線コネクタ 53">
+                <a:extLst>
+                  <a:ext uri="{FF2B5EF4-FFF2-40B4-BE49-F238E27FC236}">
+                    <a16:creationId xmlns:a16="http://schemas.microsoft.com/office/drawing/2014/main" id="{F53AF87B-8E54-4146-8A40-6DD7D9FC7F2A}"/>
+                  </a:ext>
+                </a:extLst>
+              </p:cNvPr>
+              <p:cNvCxnSpPr/>
+              <p:nvPr/>
+            </p:nvCxnSpPr>
+            <p:spPr>
+              <a:xfrm flipH="1">
+                <a:off x="5956300" y="3089275"/>
+                <a:ext cx="730250" cy="0"/>
+              </a:xfrm>
+              <a:prstGeom prst="line">
+                <a:avLst/>
+              </a:prstGeom>
+              <a:ln>
+                <a:solidFill>
+                  <a:schemeClr val="tx1"/>
+                </a:solidFill>
+                <a:headEnd type="none" w="med" len="med"/>
+                <a:tailEnd type="none" w="med" len="med"/>
+              </a:ln>
+            </p:spPr>
+            <p:style>
+              <a:lnRef idx="1">
+                <a:schemeClr val="accent1"/>
+              </a:lnRef>
+              <a:fillRef idx="0">
+                <a:schemeClr val="accent1"/>
+              </a:fillRef>
+              <a:effectRef idx="0">
+                <a:schemeClr val="accent1"/>
+              </a:effectRef>
+              <a:fontRef idx="minor">
+                <a:schemeClr val="tx1"/>
+              </a:fontRef>
+            </p:style>
+          </p:cxnSp>
+          <p:cxnSp>
+            <p:nvCxnSpPr>
+              <p:cNvPr id="55" name="直線コネクタ 54">
+                <a:extLst>
+                  <a:ext uri="{FF2B5EF4-FFF2-40B4-BE49-F238E27FC236}">
+                    <a16:creationId xmlns:a16="http://schemas.microsoft.com/office/drawing/2014/main" id="{E9706DF4-EE2F-6F4E-8C8D-D22B7EBDC687}"/>
+                  </a:ext>
+                </a:extLst>
+              </p:cNvPr>
+              <p:cNvCxnSpPr>
+                <a:cxnSpLocks/>
+              </p:cNvCxnSpPr>
+              <p:nvPr/>
+            </p:nvCxnSpPr>
+            <p:spPr>
+              <a:xfrm>
+                <a:off x="5588000" y="2463800"/>
+                <a:ext cx="368300" cy="625475"/>
+              </a:xfrm>
+              <a:prstGeom prst="line">
+                <a:avLst/>
+              </a:prstGeom>
+              <a:ln>
+                <a:solidFill>
+                  <a:schemeClr val="tx1"/>
+                </a:solidFill>
+                <a:headEnd type="none" w="med" len="med"/>
+                <a:tailEnd type="none" w="med" len="med"/>
+              </a:ln>
+            </p:spPr>
+            <p:style>
+              <a:lnRef idx="1">
+                <a:schemeClr val="accent1"/>
+              </a:lnRef>
+              <a:fillRef idx="0">
+                <a:schemeClr val="accent1"/>
+              </a:fillRef>
+              <a:effectRef idx="0">
+                <a:schemeClr val="accent1"/>
+              </a:effectRef>
+              <a:fontRef idx="minor">
+                <a:schemeClr val="tx1"/>
+              </a:fontRef>
+            </p:style>
+          </p:cxnSp>
+          <p:cxnSp>
+            <p:nvCxnSpPr>
+              <p:cNvPr id="56" name="直線コネクタ 55">
+                <a:extLst>
+                  <a:ext uri="{FF2B5EF4-FFF2-40B4-BE49-F238E27FC236}">
+                    <a16:creationId xmlns:a16="http://schemas.microsoft.com/office/drawing/2014/main" id="{5D1CFA31-0A5B-9644-8FD6-5B4DDDEE06D7}"/>
+                  </a:ext>
+                </a:extLst>
+              </p:cNvPr>
+              <p:cNvCxnSpPr>
+                <a:cxnSpLocks/>
+              </p:cNvCxnSpPr>
+              <p:nvPr/>
+            </p:nvCxnSpPr>
+            <p:spPr>
+              <a:xfrm flipH="1">
+                <a:off x="5229226" y="2457450"/>
+                <a:ext cx="358774" cy="631825"/>
+              </a:xfrm>
+              <a:prstGeom prst="line">
+                <a:avLst/>
+              </a:prstGeom>
+              <a:ln>
+                <a:solidFill>
+                  <a:schemeClr val="tx1"/>
+                </a:solidFill>
+                <a:headEnd type="none" w="med" len="med"/>
+                <a:tailEnd type="none" w="med" len="med"/>
+              </a:ln>
+            </p:spPr>
+            <p:style>
+              <a:lnRef idx="1">
+                <a:schemeClr val="accent1"/>
+              </a:lnRef>
+              <a:fillRef idx="0">
+                <a:schemeClr val="accent1"/>
+              </a:fillRef>
+              <a:effectRef idx="0">
+                <a:schemeClr val="accent1"/>
+              </a:effectRef>
+              <a:fontRef idx="minor">
+                <a:schemeClr val="tx1"/>
+              </a:fontRef>
+            </p:style>
+          </p:cxnSp>
+        </p:grpSp>
+        <p:cxnSp>
+          <p:nvCxnSpPr>
+            <p:cNvPr id="59" name="直線コネクタ 58">
+              <a:extLst>
+                <a:ext uri="{FF2B5EF4-FFF2-40B4-BE49-F238E27FC236}">
+                  <a16:creationId xmlns:a16="http://schemas.microsoft.com/office/drawing/2014/main" id="{62122AC5-B18F-264C-83A9-1AB72E93A2BB}"/>
+                </a:ext>
+              </a:extLst>
+            </p:cNvPr>
+            <p:cNvCxnSpPr/>
+            <p:nvPr/>
+          </p:nvCxnSpPr>
+          <p:spPr>
+            <a:xfrm>
+              <a:off x="1839597" y="4746625"/>
+              <a:ext cx="0" cy="67441"/>
+            </a:xfrm>
+            <a:prstGeom prst="line">
+              <a:avLst/>
+            </a:prstGeom>
+            <a:ln w="38100">
+              <a:solidFill>
+                <a:srgbClr val="FF0000"/>
+              </a:solidFill>
+            </a:ln>
+          </p:spPr>
+          <p:style>
+            <a:lnRef idx="1">
+              <a:schemeClr val="accent1"/>
+            </a:lnRef>
+            <a:fillRef idx="0">
+              <a:schemeClr val="accent1"/>
+            </a:fillRef>
+            <a:effectRef idx="0">
+              <a:schemeClr val="accent1"/>
+            </a:effectRef>
+            <a:fontRef idx="minor">
+              <a:schemeClr val="tx1"/>
+            </a:fontRef>
+          </p:style>
+        </p:cxnSp>
+        <p:cxnSp>
+          <p:nvCxnSpPr>
+            <p:cNvPr id="60" name="直線コネクタ 59">
+              <a:extLst>
+                <a:ext uri="{FF2B5EF4-FFF2-40B4-BE49-F238E27FC236}">
+                  <a16:creationId xmlns:a16="http://schemas.microsoft.com/office/drawing/2014/main" id="{48D9FCDF-9009-6B46-B320-74D3C71C58FA}"/>
+                </a:ext>
+              </a:extLst>
+            </p:cNvPr>
+            <p:cNvCxnSpPr/>
+            <p:nvPr/>
+          </p:nvCxnSpPr>
+          <p:spPr>
+            <a:xfrm>
+              <a:off x="1591947" y="4746625"/>
+              <a:ext cx="0" cy="67441"/>
+            </a:xfrm>
+            <a:prstGeom prst="line">
+              <a:avLst/>
+            </a:prstGeom>
+            <a:ln w="38100">
+              <a:solidFill>
+                <a:srgbClr val="FF0000"/>
+              </a:solidFill>
+            </a:ln>
+          </p:spPr>
+          <p:style>
+            <a:lnRef idx="1">
+              <a:schemeClr val="accent1"/>
+            </a:lnRef>
+            <a:fillRef idx="0">
+              <a:schemeClr val="accent1"/>
+            </a:fillRef>
+            <a:effectRef idx="0">
+              <a:schemeClr val="accent1"/>
+            </a:effectRef>
+            <a:fontRef idx="minor">
+              <a:schemeClr val="tx1"/>
+            </a:fontRef>
+          </p:style>
+        </p:cxnSp>
+        <p:grpSp>
+          <p:nvGrpSpPr>
+            <p:cNvPr id="61" name="グループ化 60">
+              <a:extLst>
+                <a:ext uri="{FF2B5EF4-FFF2-40B4-BE49-F238E27FC236}">
+                  <a16:creationId xmlns:a16="http://schemas.microsoft.com/office/drawing/2014/main" id="{E50ED0DF-B778-D04C-8682-EB07F76C111D}"/>
+                </a:ext>
+              </a:extLst>
+            </p:cNvPr>
+            <p:cNvGrpSpPr/>
+            <p:nvPr/>
+          </p:nvGrpSpPr>
+          <p:grpSpPr>
+            <a:xfrm>
+              <a:off x="3049272" y="4746625"/>
+              <a:ext cx="247650" cy="67441"/>
+              <a:chOff x="1933577" y="3409950"/>
+              <a:chExt cx="247650" cy="67441"/>
+            </a:xfrm>
+          </p:grpSpPr>
+          <p:cxnSp>
+            <p:nvCxnSpPr>
+              <p:cNvPr id="68" name="直線コネクタ 67">
+                <a:extLst>
+                  <a:ext uri="{FF2B5EF4-FFF2-40B4-BE49-F238E27FC236}">
+                    <a16:creationId xmlns:a16="http://schemas.microsoft.com/office/drawing/2014/main" id="{011E723E-3DCC-0848-9CAF-4065CE7CD421}"/>
+                  </a:ext>
+                </a:extLst>
+              </p:cNvPr>
+              <p:cNvCxnSpPr/>
+              <p:nvPr/>
+            </p:nvCxnSpPr>
+            <p:spPr>
+              <a:xfrm>
+                <a:off x="2181227" y="3409950"/>
+                <a:ext cx="0" cy="67441"/>
+              </a:xfrm>
+              <a:prstGeom prst="line">
+                <a:avLst/>
+              </a:prstGeom>
+              <a:ln w="38100">
+                <a:solidFill>
+                  <a:srgbClr val="FF0000"/>
+                </a:solidFill>
+              </a:ln>
+            </p:spPr>
+            <p:style>
+              <a:lnRef idx="1">
+                <a:schemeClr val="accent1"/>
+              </a:lnRef>
+              <a:fillRef idx="0">
+                <a:schemeClr val="accent1"/>
+              </a:fillRef>
+              <a:effectRef idx="0">
+                <a:schemeClr val="accent1"/>
+              </a:effectRef>
+              <a:fontRef idx="minor">
+                <a:schemeClr val="tx1"/>
+              </a:fontRef>
+            </p:style>
+          </p:cxnSp>
+          <p:cxnSp>
+            <p:nvCxnSpPr>
+              <p:cNvPr id="69" name="直線コネクタ 68">
+                <a:extLst>
+                  <a:ext uri="{FF2B5EF4-FFF2-40B4-BE49-F238E27FC236}">
+                    <a16:creationId xmlns:a16="http://schemas.microsoft.com/office/drawing/2014/main" id="{EE4F66E2-D77F-8D40-8E14-0101203A1C9E}"/>
+                  </a:ext>
+                </a:extLst>
+              </p:cNvPr>
+              <p:cNvCxnSpPr/>
+              <p:nvPr/>
+            </p:nvCxnSpPr>
+            <p:spPr>
+              <a:xfrm>
+                <a:off x="1933577" y="3409950"/>
+                <a:ext cx="0" cy="67441"/>
+              </a:xfrm>
+              <a:prstGeom prst="line">
+                <a:avLst/>
+              </a:prstGeom>
+              <a:ln w="38100">
+                <a:solidFill>
+                  <a:srgbClr val="FF0000"/>
+                </a:solidFill>
+              </a:ln>
+            </p:spPr>
+            <p:style>
+              <a:lnRef idx="1">
+                <a:schemeClr val="accent1"/>
+              </a:lnRef>
+              <a:fillRef idx="0">
+                <a:schemeClr val="accent1"/>
+              </a:fillRef>
+              <a:effectRef idx="0">
+                <a:schemeClr val="accent1"/>
+              </a:effectRef>
+              <a:fontRef idx="minor">
+                <a:schemeClr val="tx1"/>
+              </a:fontRef>
+            </p:style>
+          </p:cxnSp>
+        </p:grpSp>
+        <p:grpSp>
+          <p:nvGrpSpPr>
+            <p:cNvPr id="62" name="グループ化 61">
+              <a:extLst>
+                <a:ext uri="{FF2B5EF4-FFF2-40B4-BE49-F238E27FC236}">
+                  <a16:creationId xmlns:a16="http://schemas.microsoft.com/office/drawing/2014/main" id="{28335D1D-5C12-D74D-86BE-1062DD6DF5FA}"/>
+                </a:ext>
+              </a:extLst>
+            </p:cNvPr>
+            <p:cNvGrpSpPr/>
+            <p:nvPr/>
+          </p:nvGrpSpPr>
+          <p:grpSpPr>
+            <a:xfrm rot="3520920">
+              <a:off x="2503273" y="4436699"/>
+              <a:ext cx="247650" cy="67441"/>
+              <a:chOff x="1933577" y="3409950"/>
+              <a:chExt cx="247650" cy="67441"/>
+            </a:xfrm>
+          </p:grpSpPr>
+          <p:cxnSp>
+            <p:nvCxnSpPr>
+              <p:cNvPr id="66" name="直線コネクタ 65">
+                <a:extLst>
+                  <a:ext uri="{FF2B5EF4-FFF2-40B4-BE49-F238E27FC236}">
+                    <a16:creationId xmlns:a16="http://schemas.microsoft.com/office/drawing/2014/main" id="{BA0CB6B6-9839-8B48-9E2F-65BFE34268A1}"/>
+                  </a:ext>
+                </a:extLst>
+              </p:cNvPr>
+              <p:cNvCxnSpPr/>
+              <p:nvPr/>
+            </p:nvCxnSpPr>
+            <p:spPr>
+              <a:xfrm>
+                <a:off x="2181227" y="3409950"/>
+                <a:ext cx="0" cy="67441"/>
+              </a:xfrm>
+              <a:prstGeom prst="line">
+                <a:avLst/>
+              </a:prstGeom>
+              <a:ln w="38100">
+                <a:solidFill>
+                  <a:srgbClr val="FF0000"/>
+                </a:solidFill>
+              </a:ln>
+            </p:spPr>
+            <p:style>
+              <a:lnRef idx="1">
+                <a:schemeClr val="accent1"/>
+              </a:lnRef>
+              <a:fillRef idx="0">
+                <a:schemeClr val="accent1"/>
+              </a:fillRef>
+              <a:effectRef idx="0">
+                <a:schemeClr val="accent1"/>
+              </a:effectRef>
+              <a:fontRef idx="minor">
+                <a:schemeClr val="tx1"/>
+              </a:fontRef>
+            </p:style>
+          </p:cxnSp>
+          <p:cxnSp>
+            <p:nvCxnSpPr>
+              <p:cNvPr id="67" name="直線コネクタ 66">
+                <a:extLst>
+                  <a:ext uri="{FF2B5EF4-FFF2-40B4-BE49-F238E27FC236}">
+                    <a16:creationId xmlns:a16="http://schemas.microsoft.com/office/drawing/2014/main" id="{C28F5C63-7FFE-6248-8556-93FFA244EB8D}"/>
+                  </a:ext>
+                </a:extLst>
+              </p:cNvPr>
+              <p:cNvCxnSpPr/>
+              <p:nvPr/>
+            </p:nvCxnSpPr>
+            <p:spPr>
+              <a:xfrm>
+                <a:off x="1933577" y="3409950"/>
+                <a:ext cx="0" cy="67441"/>
+              </a:xfrm>
+              <a:prstGeom prst="line">
+                <a:avLst/>
+              </a:prstGeom>
+              <a:ln w="38100">
+                <a:solidFill>
+                  <a:srgbClr val="FF0000"/>
+                </a:solidFill>
+              </a:ln>
+            </p:spPr>
+            <p:style>
+              <a:lnRef idx="1">
+                <a:schemeClr val="accent1"/>
+              </a:lnRef>
+              <a:fillRef idx="0">
+                <a:schemeClr val="accent1"/>
+              </a:fillRef>
+              <a:effectRef idx="0">
+                <a:schemeClr val="accent1"/>
+              </a:effectRef>
+              <a:fontRef idx="minor">
+                <a:schemeClr val="tx1"/>
+              </a:fontRef>
+            </p:style>
+          </p:cxnSp>
+        </p:grpSp>
+        <p:grpSp>
+          <p:nvGrpSpPr>
+            <p:cNvPr id="63" name="グループ化 62">
+              <a:extLst>
+                <a:ext uri="{FF2B5EF4-FFF2-40B4-BE49-F238E27FC236}">
+                  <a16:creationId xmlns:a16="http://schemas.microsoft.com/office/drawing/2014/main" id="{F3E4EE0B-BE63-3348-B22E-61AC87506C5D}"/>
+                </a:ext>
+              </a:extLst>
+            </p:cNvPr>
+            <p:cNvGrpSpPr/>
+            <p:nvPr/>
+          </p:nvGrpSpPr>
+          <p:grpSpPr>
+            <a:xfrm rot="18016243">
+              <a:off x="2128623" y="4435852"/>
+              <a:ext cx="247650" cy="67441"/>
+              <a:chOff x="1933577" y="3409950"/>
+              <a:chExt cx="247650" cy="67441"/>
+            </a:xfrm>
+          </p:grpSpPr>
+          <p:cxnSp>
+            <p:nvCxnSpPr>
+              <p:cNvPr id="64" name="直線コネクタ 63">
+                <a:extLst>
+                  <a:ext uri="{FF2B5EF4-FFF2-40B4-BE49-F238E27FC236}">
+                    <a16:creationId xmlns:a16="http://schemas.microsoft.com/office/drawing/2014/main" id="{EBEC2DCA-FB99-814B-B714-BD966F246680}"/>
+                  </a:ext>
+                </a:extLst>
+              </p:cNvPr>
+              <p:cNvCxnSpPr/>
+              <p:nvPr/>
+            </p:nvCxnSpPr>
+            <p:spPr>
+              <a:xfrm>
+                <a:off x="2181227" y="3409950"/>
+                <a:ext cx="0" cy="67441"/>
+              </a:xfrm>
+              <a:prstGeom prst="line">
+                <a:avLst/>
+              </a:prstGeom>
+              <a:ln w="38100">
+                <a:solidFill>
+                  <a:srgbClr val="FF0000"/>
+                </a:solidFill>
+              </a:ln>
+            </p:spPr>
+            <p:style>
+              <a:lnRef idx="1">
+                <a:schemeClr val="accent1"/>
+              </a:lnRef>
+              <a:fillRef idx="0">
+                <a:schemeClr val="accent1"/>
+              </a:fillRef>
+              <a:effectRef idx="0">
+                <a:schemeClr val="accent1"/>
+              </a:effectRef>
+              <a:fontRef idx="minor">
+                <a:schemeClr val="tx1"/>
+              </a:fontRef>
+            </p:style>
+          </p:cxnSp>
+          <p:cxnSp>
+            <p:nvCxnSpPr>
+              <p:cNvPr id="65" name="直線コネクタ 64">
+                <a:extLst>
+                  <a:ext uri="{FF2B5EF4-FFF2-40B4-BE49-F238E27FC236}">
+                    <a16:creationId xmlns:a16="http://schemas.microsoft.com/office/drawing/2014/main" id="{3DA66CF5-FA27-524D-97B3-7A4A96EC2335}"/>
+                  </a:ext>
+                </a:extLst>
+              </p:cNvPr>
+              <p:cNvCxnSpPr/>
+              <p:nvPr/>
+            </p:nvCxnSpPr>
+            <p:spPr>
+              <a:xfrm>
+                <a:off x="1933577" y="3409950"/>
+                <a:ext cx="0" cy="67441"/>
+              </a:xfrm>
+              <a:prstGeom prst="line">
+                <a:avLst/>
+              </a:prstGeom>
+              <a:ln w="38100">
+                <a:solidFill>
+                  <a:srgbClr val="FF0000"/>
+                </a:solidFill>
+              </a:ln>
+            </p:spPr>
+            <p:style>
+              <a:lnRef idx="1">
+                <a:schemeClr val="accent1"/>
+              </a:lnRef>
+              <a:fillRef idx="0">
+                <a:schemeClr val="accent1"/>
+              </a:fillRef>
+              <a:effectRef idx="0">
+                <a:schemeClr val="accent1"/>
+              </a:effectRef>
+              <a:fontRef idx="minor">
+                <a:schemeClr val="tx1"/>
+              </a:fontRef>
+            </p:style>
+          </p:cxnSp>
+        </p:grpSp>
+      </p:grpSp>
+      <p:grpSp>
+        <p:nvGrpSpPr>
+          <p:cNvPr id="90" name="グループ化 89">
+            <a:extLst>
+              <a:ext uri="{FF2B5EF4-FFF2-40B4-BE49-F238E27FC236}">
+                <a16:creationId xmlns:a16="http://schemas.microsoft.com/office/drawing/2014/main" id="{A4817821-2443-534D-B255-8D83B991C763}"/>
+              </a:ext>
+            </a:extLst>
+          </p:cNvPr>
+          <p:cNvGrpSpPr/>
+          <p:nvPr/>
+        </p:nvGrpSpPr>
+        <p:grpSpPr>
+          <a:xfrm>
+            <a:off x="4632960" y="4310333"/>
+            <a:ext cx="2119630" cy="712517"/>
+            <a:chOff x="4165600" y="4107133"/>
+            <a:chExt cx="2119630" cy="712517"/>
+          </a:xfrm>
+        </p:grpSpPr>
+        <p:grpSp>
+          <p:nvGrpSpPr>
+            <p:cNvPr id="70" name="グループ化 69">
+              <a:extLst>
+                <a:ext uri="{FF2B5EF4-FFF2-40B4-BE49-F238E27FC236}">
+                  <a16:creationId xmlns:a16="http://schemas.microsoft.com/office/drawing/2014/main" id="{FFC705C0-B55A-3548-A447-3E3BA169A8A1}"/>
+                </a:ext>
+              </a:extLst>
+            </p:cNvPr>
+            <p:cNvGrpSpPr/>
+            <p:nvPr/>
+          </p:nvGrpSpPr>
+          <p:grpSpPr>
+            <a:xfrm>
+              <a:off x="5583555" y="4616989"/>
+              <a:ext cx="701675" cy="202661"/>
+              <a:chOff x="4498975" y="2457450"/>
+              <a:chExt cx="2187575" cy="631825"/>
+            </a:xfrm>
+          </p:grpSpPr>
+          <p:cxnSp>
+            <p:nvCxnSpPr>
+              <p:cNvPr id="71" name="直線コネクタ 70">
+                <a:extLst>
+                  <a:ext uri="{FF2B5EF4-FFF2-40B4-BE49-F238E27FC236}">
+                    <a16:creationId xmlns:a16="http://schemas.microsoft.com/office/drawing/2014/main" id="{C9774EC1-947A-F545-BC51-A3C185F0723B}"/>
+                  </a:ext>
+                </a:extLst>
+              </p:cNvPr>
+              <p:cNvCxnSpPr/>
+              <p:nvPr/>
+            </p:nvCxnSpPr>
+            <p:spPr>
+              <a:xfrm flipH="1">
+                <a:off x="4498975" y="3086100"/>
+                <a:ext cx="730250" cy="0"/>
+              </a:xfrm>
+              <a:prstGeom prst="line">
+                <a:avLst/>
+              </a:prstGeom>
+              <a:ln>
+                <a:solidFill>
+                  <a:schemeClr val="tx1"/>
+                </a:solidFill>
+                <a:headEnd type="none" w="med" len="med"/>
+                <a:tailEnd type="none" w="med" len="med"/>
+              </a:ln>
+            </p:spPr>
+            <p:style>
+              <a:lnRef idx="1">
+                <a:schemeClr val="accent1"/>
+              </a:lnRef>
+              <a:fillRef idx="0">
+                <a:schemeClr val="accent1"/>
+              </a:fillRef>
+              <a:effectRef idx="0">
+                <a:schemeClr val="accent1"/>
+              </a:effectRef>
+              <a:fontRef idx="minor">
+                <a:schemeClr val="tx1"/>
+              </a:fontRef>
+            </p:style>
+          </p:cxnSp>
+          <p:cxnSp>
+            <p:nvCxnSpPr>
+              <p:cNvPr id="72" name="直線コネクタ 71">
+                <a:extLst>
+                  <a:ext uri="{FF2B5EF4-FFF2-40B4-BE49-F238E27FC236}">
+                    <a16:creationId xmlns:a16="http://schemas.microsoft.com/office/drawing/2014/main" id="{CCCF88B1-2213-0743-B8FB-E0C0A6181949}"/>
+                  </a:ext>
+                </a:extLst>
+              </p:cNvPr>
+              <p:cNvCxnSpPr/>
+              <p:nvPr/>
+            </p:nvCxnSpPr>
+            <p:spPr>
+              <a:xfrm flipH="1">
+                <a:off x="5956300" y="3089275"/>
+                <a:ext cx="730250" cy="0"/>
+              </a:xfrm>
+              <a:prstGeom prst="line">
+                <a:avLst/>
+              </a:prstGeom>
+              <a:ln>
+                <a:solidFill>
+                  <a:schemeClr val="tx1"/>
+                </a:solidFill>
+                <a:headEnd type="none" w="med" len="med"/>
+                <a:tailEnd type="none" w="med" len="med"/>
+              </a:ln>
+            </p:spPr>
+            <p:style>
+              <a:lnRef idx="1">
+                <a:schemeClr val="accent1"/>
+              </a:lnRef>
+              <a:fillRef idx="0">
+                <a:schemeClr val="accent1"/>
+              </a:fillRef>
+              <a:effectRef idx="0">
+                <a:schemeClr val="accent1"/>
+              </a:effectRef>
+              <a:fontRef idx="minor">
+                <a:schemeClr val="tx1"/>
+              </a:fontRef>
+            </p:style>
+          </p:cxnSp>
+          <p:cxnSp>
+            <p:nvCxnSpPr>
+              <p:cNvPr id="73" name="直線コネクタ 72">
+                <a:extLst>
+                  <a:ext uri="{FF2B5EF4-FFF2-40B4-BE49-F238E27FC236}">
+                    <a16:creationId xmlns:a16="http://schemas.microsoft.com/office/drawing/2014/main" id="{8C153C2D-AAEC-9843-ACE7-85EEB216C38D}"/>
+                  </a:ext>
+                </a:extLst>
+              </p:cNvPr>
+              <p:cNvCxnSpPr>
+                <a:cxnSpLocks/>
+              </p:cNvCxnSpPr>
+              <p:nvPr/>
+            </p:nvCxnSpPr>
+            <p:spPr>
+              <a:xfrm>
+                <a:off x="5588000" y="2463800"/>
+                <a:ext cx="368300" cy="625475"/>
+              </a:xfrm>
+              <a:prstGeom prst="line">
+                <a:avLst/>
+              </a:prstGeom>
+              <a:ln>
+                <a:solidFill>
+                  <a:schemeClr val="tx1"/>
+                </a:solidFill>
+                <a:headEnd type="none" w="med" len="med"/>
+                <a:tailEnd type="none" w="med" len="med"/>
+              </a:ln>
+            </p:spPr>
+            <p:style>
+              <a:lnRef idx="1">
+                <a:schemeClr val="accent1"/>
+              </a:lnRef>
+              <a:fillRef idx="0">
+                <a:schemeClr val="accent1"/>
+              </a:fillRef>
+              <a:effectRef idx="0">
+                <a:schemeClr val="accent1"/>
+              </a:effectRef>
+              <a:fontRef idx="minor">
+                <a:schemeClr val="tx1"/>
+              </a:fontRef>
+            </p:style>
+          </p:cxnSp>
+          <p:cxnSp>
+            <p:nvCxnSpPr>
+              <p:cNvPr id="74" name="直線コネクタ 73">
+                <a:extLst>
+                  <a:ext uri="{FF2B5EF4-FFF2-40B4-BE49-F238E27FC236}">
+                    <a16:creationId xmlns:a16="http://schemas.microsoft.com/office/drawing/2014/main" id="{EBA4DADE-23ED-F047-9875-E19FF21EAFDD}"/>
+                  </a:ext>
+                </a:extLst>
+              </p:cNvPr>
+              <p:cNvCxnSpPr>
+                <a:cxnSpLocks/>
+              </p:cNvCxnSpPr>
+              <p:nvPr/>
+            </p:nvCxnSpPr>
+            <p:spPr>
+              <a:xfrm flipH="1">
+                <a:off x="5229226" y="2457450"/>
+                <a:ext cx="358774" cy="631825"/>
+              </a:xfrm>
+              <a:prstGeom prst="line">
+                <a:avLst/>
+              </a:prstGeom>
+              <a:ln>
+                <a:solidFill>
+                  <a:schemeClr val="tx1"/>
+                </a:solidFill>
+                <a:headEnd type="none" w="med" len="med"/>
+                <a:tailEnd type="none" w="med" len="med"/>
+              </a:ln>
+            </p:spPr>
+            <p:style>
+              <a:lnRef idx="1">
+                <a:schemeClr val="accent1"/>
+              </a:lnRef>
+              <a:fillRef idx="0">
+                <a:schemeClr val="accent1"/>
+              </a:fillRef>
+              <a:effectRef idx="0">
+                <a:schemeClr val="accent1"/>
+              </a:effectRef>
+              <a:fontRef idx="minor">
+                <a:schemeClr val="tx1"/>
+              </a:fontRef>
+            </p:style>
+          </p:cxnSp>
+        </p:grpSp>
+        <p:grpSp>
+          <p:nvGrpSpPr>
+            <p:cNvPr id="75" name="グループ化 74">
+              <a:extLst>
+                <a:ext uri="{FF2B5EF4-FFF2-40B4-BE49-F238E27FC236}">
+                  <a16:creationId xmlns:a16="http://schemas.microsoft.com/office/drawing/2014/main" id="{34F1440C-8654-3044-83AD-85B18D405E15}"/>
+                </a:ext>
+              </a:extLst>
+            </p:cNvPr>
+            <p:cNvGrpSpPr/>
+            <p:nvPr/>
+          </p:nvGrpSpPr>
+          <p:grpSpPr>
+            <a:xfrm rot="3565389">
+              <a:off x="5153025" y="4359815"/>
+              <a:ext cx="701675" cy="202661"/>
+              <a:chOff x="4498975" y="2457450"/>
+              <a:chExt cx="2187575" cy="631825"/>
+            </a:xfrm>
+          </p:grpSpPr>
+          <p:cxnSp>
+            <p:nvCxnSpPr>
+              <p:cNvPr id="76" name="直線コネクタ 75">
+                <a:extLst>
+                  <a:ext uri="{FF2B5EF4-FFF2-40B4-BE49-F238E27FC236}">
+                    <a16:creationId xmlns:a16="http://schemas.microsoft.com/office/drawing/2014/main" id="{E8C80C4F-DF30-3449-80A7-2E7DDF72F507}"/>
+                  </a:ext>
+                </a:extLst>
+              </p:cNvPr>
+              <p:cNvCxnSpPr/>
+              <p:nvPr/>
+            </p:nvCxnSpPr>
+            <p:spPr>
+              <a:xfrm flipH="1">
+                <a:off x="4498975" y="3086100"/>
+                <a:ext cx="730250" cy="0"/>
+              </a:xfrm>
+              <a:prstGeom prst="line">
+                <a:avLst/>
+              </a:prstGeom>
+              <a:ln>
+                <a:solidFill>
+                  <a:schemeClr val="tx1"/>
+                </a:solidFill>
+                <a:headEnd type="none" w="med" len="med"/>
+                <a:tailEnd type="none" w="med" len="med"/>
+              </a:ln>
+            </p:spPr>
+            <p:style>
+              <a:lnRef idx="1">
+                <a:schemeClr val="accent1"/>
+              </a:lnRef>
+              <a:fillRef idx="0">
+                <a:schemeClr val="accent1"/>
+              </a:fillRef>
+              <a:effectRef idx="0">
+                <a:schemeClr val="accent1"/>
+              </a:effectRef>
+              <a:fontRef idx="minor">
+                <a:schemeClr val="tx1"/>
+              </a:fontRef>
+            </p:style>
+          </p:cxnSp>
+          <p:cxnSp>
+            <p:nvCxnSpPr>
+              <p:cNvPr id="77" name="直線コネクタ 76">
+                <a:extLst>
+                  <a:ext uri="{FF2B5EF4-FFF2-40B4-BE49-F238E27FC236}">
+                    <a16:creationId xmlns:a16="http://schemas.microsoft.com/office/drawing/2014/main" id="{F24CA49B-6F20-7F4B-9BA1-FE52616861AD}"/>
+                  </a:ext>
+                </a:extLst>
+              </p:cNvPr>
+              <p:cNvCxnSpPr/>
+              <p:nvPr/>
+            </p:nvCxnSpPr>
+            <p:spPr>
+              <a:xfrm flipH="1">
+                <a:off x="5956300" y="3089275"/>
+                <a:ext cx="730250" cy="0"/>
+              </a:xfrm>
+              <a:prstGeom prst="line">
+                <a:avLst/>
+              </a:prstGeom>
+              <a:ln>
+                <a:solidFill>
+                  <a:schemeClr val="tx1"/>
+                </a:solidFill>
+                <a:headEnd type="none" w="med" len="med"/>
+                <a:tailEnd type="none" w="med" len="med"/>
+              </a:ln>
+            </p:spPr>
+            <p:style>
+              <a:lnRef idx="1">
+                <a:schemeClr val="accent1"/>
+              </a:lnRef>
+              <a:fillRef idx="0">
+                <a:schemeClr val="accent1"/>
+              </a:fillRef>
+              <a:effectRef idx="0">
+                <a:schemeClr val="accent1"/>
+              </a:effectRef>
+              <a:fontRef idx="minor">
+                <a:schemeClr val="tx1"/>
+              </a:fontRef>
+            </p:style>
+          </p:cxnSp>
+          <p:cxnSp>
+            <p:nvCxnSpPr>
+              <p:cNvPr id="78" name="直線コネクタ 77">
+                <a:extLst>
+                  <a:ext uri="{FF2B5EF4-FFF2-40B4-BE49-F238E27FC236}">
+                    <a16:creationId xmlns:a16="http://schemas.microsoft.com/office/drawing/2014/main" id="{7170AD03-147D-A442-B7B4-939FC4C4EB2B}"/>
+                  </a:ext>
+                </a:extLst>
+              </p:cNvPr>
+              <p:cNvCxnSpPr>
+                <a:cxnSpLocks/>
+              </p:cNvCxnSpPr>
+              <p:nvPr/>
+            </p:nvCxnSpPr>
+            <p:spPr>
+              <a:xfrm>
+                <a:off x="5588000" y="2463800"/>
+                <a:ext cx="368300" cy="625475"/>
+              </a:xfrm>
+              <a:prstGeom prst="line">
+                <a:avLst/>
+              </a:prstGeom>
+              <a:ln>
+                <a:solidFill>
+                  <a:schemeClr val="tx1"/>
+                </a:solidFill>
+                <a:headEnd type="none" w="med" len="med"/>
+                <a:tailEnd type="none" w="med" len="med"/>
+              </a:ln>
+            </p:spPr>
+            <p:style>
+              <a:lnRef idx="1">
+                <a:schemeClr val="accent1"/>
+              </a:lnRef>
+              <a:fillRef idx="0">
+                <a:schemeClr val="accent1"/>
+              </a:fillRef>
+              <a:effectRef idx="0">
+                <a:schemeClr val="accent1"/>
+              </a:effectRef>
+              <a:fontRef idx="minor">
+                <a:schemeClr val="tx1"/>
+              </a:fontRef>
+            </p:style>
+          </p:cxnSp>
+          <p:cxnSp>
+            <p:nvCxnSpPr>
+              <p:cNvPr id="79" name="直線コネクタ 78">
+                <a:extLst>
+                  <a:ext uri="{FF2B5EF4-FFF2-40B4-BE49-F238E27FC236}">
+                    <a16:creationId xmlns:a16="http://schemas.microsoft.com/office/drawing/2014/main" id="{C710FA4A-FBCD-AD45-9A15-0D143D4CA5B9}"/>
+                  </a:ext>
+                </a:extLst>
+              </p:cNvPr>
+              <p:cNvCxnSpPr>
+                <a:cxnSpLocks/>
+              </p:cNvCxnSpPr>
+              <p:nvPr/>
+            </p:nvCxnSpPr>
+            <p:spPr>
+              <a:xfrm flipH="1">
+                <a:off x="5229226" y="2457450"/>
+                <a:ext cx="358774" cy="631825"/>
+              </a:xfrm>
+              <a:prstGeom prst="line">
+                <a:avLst/>
+              </a:prstGeom>
+              <a:ln>
+                <a:solidFill>
+                  <a:schemeClr val="tx1"/>
+                </a:solidFill>
+                <a:headEnd type="none" w="med" len="med"/>
+                <a:tailEnd type="none" w="med" len="med"/>
+              </a:ln>
+            </p:spPr>
+            <p:style>
+              <a:lnRef idx="1">
+                <a:schemeClr val="accent1"/>
+              </a:lnRef>
+              <a:fillRef idx="0">
+                <a:schemeClr val="accent1"/>
+              </a:fillRef>
+              <a:effectRef idx="0">
+                <a:schemeClr val="accent1"/>
+              </a:effectRef>
+              <a:fontRef idx="minor">
+                <a:schemeClr val="tx1"/>
+              </a:fontRef>
+            </p:style>
+          </p:cxnSp>
+        </p:grpSp>
+        <p:grpSp>
+          <p:nvGrpSpPr>
+            <p:cNvPr id="80" name="グループ化 79">
+              <a:extLst>
+                <a:ext uri="{FF2B5EF4-FFF2-40B4-BE49-F238E27FC236}">
+                  <a16:creationId xmlns:a16="http://schemas.microsoft.com/office/drawing/2014/main" id="{51EC4438-9ED9-F646-A7F9-EC5334469980}"/>
+                </a:ext>
+              </a:extLst>
+            </p:cNvPr>
+            <p:cNvGrpSpPr/>
+            <p:nvPr/>
+          </p:nvGrpSpPr>
+          <p:grpSpPr>
+            <a:xfrm rot="18016193">
+              <a:off x="4616450" y="4356640"/>
+              <a:ext cx="701675" cy="202661"/>
+              <a:chOff x="4498975" y="2457450"/>
+              <a:chExt cx="2187575" cy="631825"/>
+            </a:xfrm>
+          </p:grpSpPr>
+          <p:cxnSp>
+            <p:nvCxnSpPr>
+              <p:cNvPr id="81" name="直線コネクタ 80">
+                <a:extLst>
+                  <a:ext uri="{FF2B5EF4-FFF2-40B4-BE49-F238E27FC236}">
+                    <a16:creationId xmlns:a16="http://schemas.microsoft.com/office/drawing/2014/main" id="{BBA0E2E0-7CE0-3F4E-A6B6-88C401A53F71}"/>
+                  </a:ext>
+                </a:extLst>
+              </p:cNvPr>
+              <p:cNvCxnSpPr/>
+              <p:nvPr/>
+            </p:nvCxnSpPr>
+            <p:spPr>
+              <a:xfrm flipH="1">
+                <a:off x="4498975" y="3086100"/>
+                <a:ext cx="730250" cy="0"/>
+              </a:xfrm>
+              <a:prstGeom prst="line">
+                <a:avLst/>
+              </a:prstGeom>
+              <a:ln>
+                <a:solidFill>
+                  <a:schemeClr val="tx1"/>
+                </a:solidFill>
+                <a:headEnd type="none" w="med" len="med"/>
+                <a:tailEnd type="none" w="med" len="med"/>
+              </a:ln>
+            </p:spPr>
+            <p:style>
+              <a:lnRef idx="1">
+                <a:schemeClr val="accent1"/>
+              </a:lnRef>
+              <a:fillRef idx="0">
+                <a:schemeClr val="accent1"/>
+              </a:fillRef>
+              <a:effectRef idx="0">
+                <a:schemeClr val="accent1"/>
+              </a:effectRef>
+              <a:fontRef idx="minor">
+                <a:schemeClr val="tx1"/>
+              </a:fontRef>
+            </p:style>
+          </p:cxnSp>
+          <p:cxnSp>
+            <p:nvCxnSpPr>
+              <p:cNvPr id="82" name="直線コネクタ 81">
+                <a:extLst>
+                  <a:ext uri="{FF2B5EF4-FFF2-40B4-BE49-F238E27FC236}">
+                    <a16:creationId xmlns:a16="http://schemas.microsoft.com/office/drawing/2014/main" id="{4974B8A7-4C66-124B-A984-36925275A12E}"/>
+                  </a:ext>
+                </a:extLst>
+              </p:cNvPr>
+              <p:cNvCxnSpPr/>
+              <p:nvPr/>
+            </p:nvCxnSpPr>
+            <p:spPr>
+              <a:xfrm flipH="1">
+                <a:off x="5956300" y="3089275"/>
+                <a:ext cx="730250" cy="0"/>
+              </a:xfrm>
+              <a:prstGeom prst="line">
+                <a:avLst/>
+              </a:prstGeom>
+              <a:ln>
+                <a:solidFill>
+                  <a:schemeClr val="tx1"/>
+                </a:solidFill>
+                <a:headEnd type="none" w="med" len="med"/>
+                <a:tailEnd type="none" w="med" len="med"/>
+              </a:ln>
+            </p:spPr>
+            <p:style>
+              <a:lnRef idx="1">
+                <a:schemeClr val="accent1"/>
+              </a:lnRef>
+              <a:fillRef idx="0">
+                <a:schemeClr val="accent1"/>
+              </a:fillRef>
+              <a:effectRef idx="0">
+                <a:schemeClr val="accent1"/>
+              </a:effectRef>
+              <a:fontRef idx="minor">
+                <a:schemeClr val="tx1"/>
+              </a:fontRef>
+            </p:style>
+          </p:cxnSp>
+          <p:cxnSp>
+            <p:nvCxnSpPr>
+              <p:cNvPr id="83" name="直線コネクタ 82">
+                <a:extLst>
+                  <a:ext uri="{FF2B5EF4-FFF2-40B4-BE49-F238E27FC236}">
+                    <a16:creationId xmlns:a16="http://schemas.microsoft.com/office/drawing/2014/main" id="{437C30B1-9573-FC44-A385-529AC0FA89E8}"/>
+                  </a:ext>
+                </a:extLst>
+              </p:cNvPr>
+              <p:cNvCxnSpPr>
+                <a:cxnSpLocks/>
+              </p:cNvCxnSpPr>
+              <p:nvPr/>
+            </p:nvCxnSpPr>
+            <p:spPr>
+              <a:xfrm>
+                <a:off x="5588000" y="2463800"/>
+                <a:ext cx="368300" cy="625475"/>
+              </a:xfrm>
+              <a:prstGeom prst="line">
+                <a:avLst/>
+              </a:prstGeom>
+              <a:ln>
+                <a:solidFill>
+                  <a:schemeClr val="tx1"/>
+                </a:solidFill>
+                <a:headEnd type="none" w="med" len="med"/>
+                <a:tailEnd type="none" w="med" len="med"/>
+              </a:ln>
+            </p:spPr>
+            <p:style>
+              <a:lnRef idx="1">
+                <a:schemeClr val="accent1"/>
+              </a:lnRef>
+              <a:fillRef idx="0">
+                <a:schemeClr val="accent1"/>
+              </a:fillRef>
+              <a:effectRef idx="0">
+                <a:schemeClr val="accent1"/>
+              </a:effectRef>
+              <a:fontRef idx="minor">
+                <a:schemeClr val="tx1"/>
+              </a:fontRef>
+            </p:style>
+          </p:cxnSp>
+          <p:cxnSp>
+            <p:nvCxnSpPr>
+              <p:cNvPr id="84" name="直線コネクタ 83">
+                <a:extLst>
+                  <a:ext uri="{FF2B5EF4-FFF2-40B4-BE49-F238E27FC236}">
+                    <a16:creationId xmlns:a16="http://schemas.microsoft.com/office/drawing/2014/main" id="{D8F9B3F1-85A4-304B-A522-3C1CB7A59FD6}"/>
+                  </a:ext>
+                </a:extLst>
+              </p:cNvPr>
+              <p:cNvCxnSpPr>
+                <a:cxnSpLocks/>
+              </p:cNvCxnSpPr>
+              <p:nvPr/>
+            </p:nvCxnSpPr>
+            <p:spPr>
+              <a:xfrm flipH="1">
+                <a:off x="5229226" y="2457450"/>
+                <a:ext cx="358774" cy="631825"/>
+              </a:xfrm>
+              <a:prstGeom prst="line">
+                <a:avLst/>
+              </a:prstGeom>
+              <a:ln>
+                <a:solidFill>
+                  <a:schemeClr val="tx1"/>
+                </a:solidFill>
+                <a:headEnd type="none" w="med" len="med"/>
+                <a:tailEnd type="none" w="med" len="med"/>
+              </a:ln>
+            </p:spPr>
+            <p:style>
+              <a:lnRef idx="1">
+                <a:schemeClr val="accent1"/>
+              </a:lnRef>
+              <a:fillRef idx="0">
+                <a:schemeClr val="accent1"/>
+              </a:fillRef>
+              <a:effectRef idx="0">
+                <a:schemeClr val="accent1"/>
+              </a:effectRef>
+              <a:fontRef idx="minor">
+                <a:schemeClr val="tx1"/>
+              </a:fontRef>
+            </p:style>
+          </p:cxnSp>
+        </p:grpSp>
+        <p:grpSp>
+          <p:nvGrpSpPr>
+            <p:cNvPr id="85" name="グループ化 84">
+              <a:extLst>
+                <a:ext uri="{FF2B5EF4-FFF2-40B4-BE49-F238E27FC236}">
+                  <a16:creationId xmlns:a16="http://schemas.microsoft.com/office/drawing/2014/main" id="{0B226A55-E22F-3A46-91CB-B1845F2177DE}"/>
+                </a:ext>
+              </a:extLst>
+            </p:cNvPr>
+            <p:cNvGrpSpPr/>
+            <p:nvPr/>
+          </p:nvGrpSpPr>
+          <p:grpSpPr>
+            <a:xfrm>
+              <a:off x="4165600" y="4603654"/>
+              <a:ext cx="701675" cy="202661"/>
+              <a:chOff x="4498975" y="2457450"/>
+              <a:chExt cx="2187575" cy="631825"/>
+            </a:xfrm>
+          </p:grpSpPr>
+          <p:cxnSp>
+            <p:nvCxnSpPr>
+              <p:cNvPr id="86" name="直線コネクタ 85">
+                <a:extLst>
+                  <a:ext uri="{FF2B5EF4-FFF2-40B4-BE49-F238E27FC236}">
+                    <a16:creationId xmlns:a16="http://schemas.microsoft.com/office/drawing/2014/main" id="{FF2C23CB-B55F-0144-BDF3-3C1F5771257B}"/>
+                  </a:ext>
+                </a:extLst>
+              </p:cNvPr>
+              <p:cNvCxnSpPr/>
+              <p:nvPr/>
+            </p:nvCxnSpPr>
+            <p:spPr>
+              <a:xfrm flipH="1">
+                <a:off x="4498975" y="3086100"/>
+                <a:ext cx="730250" cy="0"/>
+              </a:xfrm>
+              <a:prstGeom prst="line">
+                <a:avLst/>
+              </a:prstGeom>
+              <a:ln>
+                <a:solidFill>
+                  <a:schemeClr val="tx1"/>
+                </a:solidFill>
+                <a:headEnd type="none" w="med" len="med"/>
+                <a:tailEnd type="none" w="med" len="med"/>
+              </a:ln>
+            </p:spPr>
+            <p:style>
+              <a:lnRef idx="1">
+                <a:schemeClr val="accent1"/>
+              </a:lnRef>
+              <a:fillRef idx="0">
+                <a:schemeClr val="accent1"/>
+              </a:fillRef>
+              <a:effectRef idx="0">
+                <a:schemeClr val="accent1"/>
+              </a:effectRef>
+              <a:fontRef idx="minor">
+                <a:schemeClr val="tx1"/>
+              </a:fontRef>
+            </p:style>
+          </p:cxnSp>
+          <p:cxnSp>
+            <p:nvCxnSpPr>
+              <p:cNvPr id="87" name="直線コネクタ 86">
+                <a:extLst>
+                  <a:ext uri="{FF2B5EF4-FFF2-40B4-BE49-F238E27FC236}">
+                    <a16:creationId xmlns:a16="http://schemas.microsoft.com/office/drawing/2014/main" id="{11C9BC91-2B5C-1E4F-9193-5D0C8CA1248E}"/>
+                  </a:ext>
+                </a:extLst>
+              </p:cNvPr>
+              <p:cNvCxnSpPr/>
+              <p:nvPr/>
+            </p:nvCxnSpPr>
+            <p:spPr>
+              <a:xfrm flipH="1">
+                <a:off x="5956300" y="3089275"/>
+                <a:ext cx="730250" cy="0"/>
+              </a:xfrm>
+              <a:prstGeom prst="line">
+                <a:avLst/>
+              </a:prstGeom>
+              <a:ln>
+                <a:solidFill>
+                  <a:schemeClr val="tx1"/>
+                </a:solidFill>
+                <a:headEnd type="none" w="med" len="med"/>
+                <a:tailEnd type="none" w="med" len="med"/>
+              </a:ln>
+            </p:spPr>
+            <p:style>
+              <a:lnRef idx="1">
+                <a:schemeClr val="accent1"/>
+              </a:lnRef>
+              <a:fillRef idx="0">
+                <a:schemeClr val="accent1"/>
+              </a:fillRef>
+              <a:effectRef idx="0">
+                <a:schemeClr val="accent1"/>
+              </a:effectRef>
+              <a:fontRef idx="minor">
+                <a:schemeClr val="tx1"/>
+              </a:fontRef>
+            </p:style>
+          </p:cxnSp>
+          <p:cxnSp>
+            <p:nvCxnSpPr>
+              <p:cNvPr id="88" name="直線コネクタ 87">
+                <a:extLst>
+                  <a:ext uri="{FF2B5EF4-FFF2-40B4-BE49-F238E27FC236}">
+                    <a16:creationId xmlns:a16="http://schemas.microsoft.com/office/drawing/2014/main" id="{99471FF1-2C15-2B4C-9963-932B86B136B0}"/>
+                  </a:ext>
+                </a:extLst>
+              </p:cNvPr>
+              <p:cNvCxnSpPr>
+                <a:cxnSpLocks/>
+              </p:cNvCxnSpPr>
+              <p:nvPr/>
+            </p:nvCxnSpPr>
+            <p:spPr>
+              <a:xfrm>
+                <a:off x="5588000" y="2463800"/>
+                <a:ext cx="368300" cy="625475"/>
+              </a:xfrm>
+              <a:prstGeom prst="line">
+                <a:avLst/>
+              </a:prstGeom>
+              <a:ln>
+                <a:solidFill>
+                  <a:schemeClr val="tx1"/>
+                </a:solidFill>
+                <a:headEnd type="none" w="med" len="med"/>
+                <a:tailEnd type="none" w="med" len="med"/>
+              </a:ln>
+            </p:spPr>
+            <p:style>
+              <a:lnRef idx="1">
+                <a:schemeClr val="accent1"/>
+              </a:lnRef>
+              <a:fillRef idx="0">
+                <a:schemeClr val="accent1"/>
+              </a:fillRef>
+              <a:effectRef idx="0">
+                <a:schemeClr val="accent1"/>
+              </a:effectRef>
+              <a:fontRef idx="minor">
+                <a:schemeClr val="tx1"/>
+              </a:fontRef>
+            </p:style>
+          </p:cxnSp>
+          <p:cxnSp>
+            <p:nvCxnSpPr>
+              <p:cNvPr id="89" name="直線コネクタ 88">
+                <a:extLst>
+                  <a:ext uri="{FF2B5EF4-FFF2-40B4-BE49-F238E27FC236}">
+                    <a16:creationId xmlns:a16="http://schemas.microsoft.com/office/drawing/2014/main" id="{DD69BC52-DCC9-0644-AD6A-4B38FB6FE4FC}"/>
+                  </a:ext>
+                </a:extLst>
+              </p:cNvPr>
+              <p:cNvCxnSpPr>
+                <a:cxnSpLocks/>
+              </p:cNvCxnSpPr>
+              <p:nvPr/>
+            </p:nvCxnSpPr>
+            <p:spPr>
+              <a:xfrm flipH="1">
+                <a:off x="5229226" y="2457450"/>
+                <a:ext cx="358774" cy="631825"/>
+              </a:xfrm>
+              <a:prstGeom prst="line">
+                <a:avLst/>
+              </a:prstGeom>
+              <a:ln>
+                <a:solidFill>
+                  <a:schemeClr val="tx1"/>
+                </a:solidFill>
+                <a:headEnd type="none" w="med" len="med"/>
+                <a:tailEnd type="none" w="med" len="med"/>
+              </a:ln>
+            </p:spPr>
+            <p:style>
+              <a:lnRef idx="1">
+                <a:schemeClr val="accent1"/>
+              </a:lnRef>
+              <a:fillRef idx="0">
+                <a:schemeClr val="accent1"/>
+              </a:fillRef>
+              <a:effectRef idx="0">
+                <a:schemeClr val="accent1"/>
+              </a:effectRef>
+              <a:fontRef idx="minor">
+                <a:schemeClr val="tx1"/>
+              </a:fontRef>
+            </p:style>
+          </p:cxnSp>
+        </p:grpSp>
+      </p:grpSp>
+      <p:sp>
+        <p:nvSpPr>
+          <p:cNvPr id="92" name="テキスト ボックス 91">
+            <a:extLst>
+              <a:ext uri="{FF2B5EF4-FFF2-40B4-BE49-F238E27FC236}">
+                <a16:creationId xmlns:a16="http://schemas.microsoft.com/office/drawing/2014/main" id="{12AE0E40-FB96-BD4C-B684-E9FB34E55D74}"/>
+              </a:ext>
+            </a:extLst>
+          </p:cNvPr>
+          <p:cNvSpPr txBox="1"/>
+          <p:nvPr/>
+        </p:nvSpPr>
+        <p:spPr>
+          <a:xfrm>
+            <a:off x="984044" y="5444315"/>
+            <a:ext cx="6981396" cy="461665"/>
+          </a:xfrm>
+          <a:prstGeom prst="rect">
+            <a:avLst/>
+          </a:prstGeom>
+          <a:noFill/>
+        </p:spPr>
+        <p:txBody>
+          <a:bodyPr wrap="square" rtlCol="0">
+            <a:spAutoFit/>
+          </a:bodyPr>
+          <a:lstStyle/>
+          <a:p>
+            <a:r>
+              <a:rPr kumimoji="1" lang="ja-JP" altLang="en-US" sz="2400" dirty="0"/>
+              <a:t>以下、全ての直線について上記の操作を繰り返す</a:t>
+            </a:r>
+          </a:p>
+        </p:txBody>
+      </p:sp>
+    </p:spTree>
+    <p:extLst>
+      <p:ext uri="{BB962C8B-B14F-4D97-AF65-F5344CB8AC3E}">
+        <p14:creationId xmlns:p14="http://schemas.microsoft.com/office/powerpoint/2010/main" val="3839808460"/>
+      </p:ext>
+    </p:extLst>
+  </p:cSld>
+  <p:clrMapOvr>
+    <a:masterClrMapping/>
+  </p:clrMapOvr>
+</p:sld>
+</file>
+
 <file path=ppt/slides/slide2.xml><?xml version="1.0" encoding="utf-8"?>
 <p:sld xmlns:a="http://schemas.openxmlformats.org/drawingml/2006/main" xmlns:r="http://schemas.openxmlformats.org/officeDocument/2006/relationships" xmlns:p="http://schemas.openxmlformats.org/presentationml/2006/main">
   <p:cSld>
@@ -16191,6 +18339,3219 @@
     <p:extLst>
       <p:ext uri="{BB962C8B-B14F-4D97-AF65-F5344CB8AC3E}">
         <p14:creationId xmlns:p14="http://schemas.microsoft.com/office/powerpoint/2010/main" val="4142738931"/>
+      </p:ext>
+    </p:extLst>
+  </p:cSld>
+  <p:clrMapOvr>
+    <a:masterClrMapping/>
+  </p:clrMapOvr>
+</p:sld>
+</file>
+
+<file path=ppt/slides/slide20.xml><?xml version="1.0" encoding="utf-8"?>
+<p:sld xmlns:a="http://schemas.openxmlformats.org/drawingml/2006/main" xmlns:r="http://schemas.openxmlformats.org/officeDocument/2006/relationships" xmlns:p="http://schemas.openxmlformats.org/presentationml/2006/main">
+  <p:cSld>
+    <p:spTree>
+      <p:nvGrpSpPr>
+        <p:cNvPr id="1" name=""/>
+        <p:cNvGrpSpPr/>
+        <p:nvPr/>
+      </p:nvGrpSpPr>
+      <p:grpSpPr>
+        <a:xfrm>
+          <a:off x="0" y="0"/>
+          <a:ext cx="0" cy="0"/>
+          <a:chOff x="0" y="0"/>
+          <a:chExt cx="0" cy="0"/>
+        </a:xfrm>
+      </p:grpSpPr>
+      <p:sp>
+        <p:nvSpPr>
+          <p:cNvPr id="2" name="テキスト プレースホルダー 1">
+            <a:extLst>
+              <a:ext uri="{FF2B5EF4-FFF2-40B4-BE49-F238E27FC236}">
+                <a16:creationId xmlns:a16="http://schemas.microsoft.com/office/drawing/2014/main" id="{608405BF-B522-A344-BE2E-55F10C6A1B6D}"/>
+              </a:ext>
+            </a:extLst>
+          </p:cNvPr>
+          <p:cNvSpPr>
+            <a:spLocks noGrp="1"/>
+          </p:cNvSpPr>
+          <p:nvPr>
+            <p:ph type="body" sz="quarter" idx="10"/>
+          </p:nvPr>
+        </p:nvSpPr>
+        <p:spPr/>
+        <p:txBody>
+          <a:bodyPr/>
+          <a:lstStyle/>
+          <a:p>
+            <a:r>
+              <a:rPr lang="ja-JP" altLang="en-US"/>
+              <a:t>課題</a:t>
+            </a:r>
+            <a:r>
+              <a:rPr lang="en-US" altLang="ja-JP"/>
+              <a:t>1</a:t>
+            </a:r>
+            <a:r>
+              <a:rPr lang="ja-JP" altLang="en-US"/>
+              <a:t>：コッホ曲線</a:t>
+            </a:r>
+          </a:p>
+        </p:txBody>
+      </p:sp>
+      <p:sp>
+        <p:nvSpPr>
+          <p:cNvPr id="3" name="角丸四角形 2">
+            <a:extLst>
+              <a:ext uri="{FF2B5EF4-FFF2-40B4-BE49-F238E27FC236}">
+                <a16:creationId xmlns:a16="http://schemas.microsoft.com/office/drawing/2014/main" id="{FC7A42A3-8F47-664C-96EA-5B40D9F2BA83}"/>
+              </a:ext>
+            </a:extLst>
+          </p:cNvPr>
+          <p:cNvSpPr/>
+          <p:nvPr/>
+        </p:nvSpPr>
+        <p:spPr>
+          <a:xfrm>
+            <a:off x="2344717" y="1574800"/>
+            <a:ext cx="4360883" cy="1932940"/>
+          </a:xfrm>
+          <a:prstGeom prst="roundRect">
+            <a:avLst/>
+          </a:prstGeom>
+          <a:solidFill>
+            <a:schemeClr val="bg1"/>
+          </a:solidFill>
+          <a:ln>
+            <a:solidFill>
+              <a:schemeClr val="tx1"/>
+            </a:solidFill>
+          </a:ln>
+          <a:effectLst>
+            <a:outerShdw blurRad="50800" dist="38100" dir="2700000" algn="tl" rotWithShape="0">
+              <a:prstClr val="black">
+                <a:alpha val="40000"/>
+              </a:prstClr>
+            </a:outerShdw>
+          </a:effectLst>
+        </p:spPr>
+        <p:style>
+          <a:lnRef idx="2">
+            <a:schemeClr val="accent1">
+              <a:shade val="50000"/>
+            </a:schemeClr>
+          </a:lnRef>
+          <a:fillRef idx="1">
+            <a:schemeClr val="accent1"/>
+          </a:fillRef>
+          <a:effectRef idx="0">
+            <a:schemeClr val="accent1"/>
+          </a:effectRef>
+          <a:fontRef idx="minor">
+            <a:schemeClr val="lt1"/>
+          </a:fontRef>
+        </p:style>
+        <p:txBody>
+          <a:bodyPr rtlCol="0" anchor="ctr"/>
+          <a:lstStyle/>
+          <a:p>
+            <a:pPr algn="ctr"/>
+            <a:endParaRPr kumimoji="1" lang="ja-JP" altLang="en-US"/>
+          </a:p>
+        </p:txBody>
+      </p:sp>
+      <p:cxnSp>
+        <p:nvCxnSpPr>
+          <p:cNvPr id="4" name="直線矢印コネクタ 3">
+            <a:extLst>
+              <a:ext uri="{FF2B5EF4-FFF2-40B4-BE49-F238E27FC236}">
+                <a16:creationId xmlns:a16="http://schemas.microsoft.com/office/drawing/2014/main" id="{EACE86E4-025A-5041-A40E-DCC4E8C1B0E0}"/>
+              </a:ext>
+            </a:extLst>
+          </p:cNvPr>
+          <p:cNvCxnSpPr/>
+          <p:nvPr/>
+        </p:nvCxnSpPr>
+        <p:spPr>
+          <a:xfrm>
+            <a:off x="491282" y="4683492"/>
+            <a:ext cx="1744663" cy="0"/>
+          </a:xfrm>
+          <a:prstGeom prst="straightConnector1">
+            <a:avLst/>
+          </a:prstGeom>
+          <a:ln w="12700">
+            <a:solidFill>
+              <a:schemeClr val="tx1"/>
+            </a:solidFill>
+            <a:tailEnd type="triangle"/>
+          </a:ln>
+        </p:spPr>
+        <p:style>
+          <a:lnRef idx="1">
+            <a:schemeClr val="accent1"/>
+          </a:lnRef>
+          <a:fillRef idx="0">
+            <a:schemeClr val="accent1"/>
+          </a:fillRef>
+          <a:effectRef idx="0">
+            <a:schemeClr val="accent1"/>
+          </a:effectRef>
+          <a:fontRef idx="minor">
+            <a:schemeClr val="tx1"/>
+          </a:fontRef>
+        </p:style>
+      </p:cxnSp>
+      <p:grpSp>
+        <p:nvGrpSpPr>
+          <p:cNvPr id="5" name="グループ化 4">
+            <a:extLst>
+              <a:ext uri="{FF2B5EF4-FFF2-40B4-BE49-F238E27FC236}">
+                <a16:creationId xmlns:a16="http://schemas.microsoft.com/office/drawing/2014/main" id="{49D701B0-B81F-CC45-824E-72E2A7063FAA}"/>
+              </a:ext>
+            </a:extLst>
+          </p:cNvPr>
+          <p:cNvGrpSpPr/>
+          <p:nvPr/>
+        </p:nvGrpSpPr>
+        <p:grpSpPr>
+          <a:xfrm>
+            <a:off x="4159815" y="4175493"/>
+            <a:ext cx="1744663" cy="511610"/>
+            <a:chOff x="3779559" y="2160470"/>
+            <a:chExt cx="1744663" cy="511610"/>
+          </a:xfrm>
+        </p:grpSpPr>
+        <p:cxnSp>
+          <p:nvCxnSpPr>
+            <p:cNvPr id="6" name="直線矢印コネクタ 5">
+              <a:extLst>
+                <a:ext uri="{FF2B5EF4-FFF2-40B4-BE49-F238E27FC236}">
+                  <a16:creationId xmlns:a16="http://schemas.microsoft.com/office/drawing/2014/main" id="{F89D1B96-F299-7148-8810-1AB3209F118E}"/>
+                </a:ext>
+              </a:extLst>
+            </p:cNvPr>
+            <p:cNvCxnSpPr/>
+            <p:nvPr/>
+          </p:nvCxnSpPr>
+          <p:spPr>
+            <a:xfrm>
+              <a:off x="3779559" y="2672080"/>
+              <a:ext cx="577864" cy="0"/>
+            </a:xfrm>
+            <a:prstGeom prst="straightConnector1">
+              <a:avLst/>
+            </a:prstGeom>
+            <a:ln w="12700">
+              <a:solidFill>
+                <a:schemeClr val="tx1"/>
+              </a:solidFill>
+              <a:tailEnd type="triangle"/>
+            </a:ln>
+          </p:spPr>
+          <p:style>
+            <a:lnRef idx="1">
+              <a:schemeClr val="accent1"/>
+            </a:lnRef>
+            <a:fillRef idx="0">
+              <a:schemeClr val="accent1"/>
+            </a:fillRef>
+            <a:effectRef idx="0">
+              <a:schemeClr val="accent1"/>
+            </a:effectRef>
+            <a:fontRef idx="minor">
+              <a:schemeClr val="tx1"/>
+            </a:fontRef>
+          </p:style>
+        </p:cxnSp>
+        <p:cxnSp>
+          <p:nvCxnSpPr>
+            <p:cNvPr id="7" name="直線矢印コネクタ 6">
+              <a:extLst>
+                <a:ext uri="{FF2B5EF4-FFF2-40B4-BE49-F238E27FC236}">
+                  <a16:creationId xmlns:a16="http://schemas.microsoft.com/office/drawing/2014/main" id="{940C5F18-0E2D-B14F-AF3D-6948D47317CE}"/>
+                </a:ext>
+              </a:extLst>
+            </p:cNvPr>
+            <p:cNvCxnSpPr/>
+            <p:nvPr/>
+          </p:nvCxnSpPr>
+          <p:spPr>
+            <a:xfrm>
+              <a:off x="4946358" y="2672080"/>
+              <a:ext cx="577864" cy="0"/>
+            </a:xfrm>
+            <a:prstGeom prst="straightConnector1">
+              <a:avLst/>
+            </a:prstGeom>
+            <a:ln w="12700">
+              <a:solidFill>
+                <a:schemeClr val="tx1"/>
+              </a:solidFill>
+              <a:tailEnd type="triangle"/>
+            </a:ln>
+          </p:spPr>
+          <p:style>
+            <a:lnRef idx="1">
+              <a:schemeClr val="accent1"/>
+            </a:lnRef>
+            <a:fillRef idx="0">
+              <a:schemeClr val="accent1"/>
+            </a:fillRef>
+            <a:effectRef idx="0">
+              <a:schemeClr val="accent1"/>
+            </a:effectRef>
+            <a:fontRef idx="minor">
+              <a:schemeClr val="tx1"/>
+            </a:fontRef>
+          </p:style>
+        </p:cxnSp>
+        <p:cxnSp>
+          <p:nvCxnSpPr>
+            <p:cNvPr id="8" name="直線矢印コネクタ 7">
+              <a:extLst>
+                <a:ext uri="{FF2B5EF4-FFF2-40B4-BE49-F238E27FC236}">
+                  <a16:creationId xmlns:a16="http://schemas.microsoft.com/office/drawing/2014/main" id="{80415269-A38B-9940-8EA3-D30650A7B713}"/>
+                </a:ext>
+              </a:extLst>
+            </p:cNvPr>
+            <p:cNvCxnSpPr/>
+            <p:nvPr/>
+          </p:nvCxnSpPr>
+          <p:spPr>
+            <a:xfrm flipV="1">
+              <a:off x="4357423" y="2160470"/>
+              <a:ext cx="298148" cy="511610"/>
+            </a:xfrm>
+            <a:prstGeom prst="straightConnector1">
+              <a:avLst/>
+            </a:prstGeom>
+            <a:ln w="12700">
+              <a:solidFill>
+                <a:schemeClr val="tx1"/>
+              </a:solidFill>
+              <a:tailEnd type="triangle"/>
+            </a:ln>
+          </p:spPr>
+          <p:style>
+            <a:lnRef idx="1">
+              <a:schemeClr val="accent1"/>
+            </a:lnRef>
+            <a:fillRef idx="0">
+              <a:schemeClr val="accent1"/>
+            </a:fillRef>
+            <a:effectRef idx="0">
+              <a:schemeClr val="accent1"/>
+            </a:effectRef>
+            <a:fontRef idx="minor">
+              <a:schemeClr val="tx1"/>
+            </a:fontRef>
+          </p:style>
+        </p:cxnSp>
+        <p:cxnSp>
+          <p:nvCxnSpPr>
+            <p:cNvPr id="9" name="直線矢印コネクタ 8">
+              <a:extLst>
+                <a:ext uri="{FF2B5EF4-FFF2-40B4-BE49-F238E27FC236}">
+                  <a16:creationId xmlns:a16="http://schemas.microsoft.com/office/drawing/2014/main" id="{97ED6B48-93A7-0F44-A795-F8A7DDACEC27}"/>
+                </a:ext>
+              </a:extLst>
+            </p:cNvPr>
+            <p:cNvCxnSpPr/>
+            <p:nvPr/>
+          </p:nvCxnSpPr>
+          <p:spPr>
+            <a:xfrm>
+              <a:off x="4655571" y="2160470"/>
+              <a:ext cx="290787" cy="511610"/>
+            </a:xfrm>
+            <a:prstGeom prst="straightConnector1">
+              <a:avLst/>
+            </a:prstGeom>
+            <a:ln w="12700">
+              <a:solidFill>
+                <a:schemeClr val="tx1"/>
+              </a:solidFill>
+              <a:tailEnd type="triangle"/>
+            </a:ln>
+          </p:spPr>
+          <p:style>
+            <a:lnRef idx="1">
+              <a:schemeClr val="accent1"/>
+            </a:lnRef>
+            <a:fillRef idx="0">
+              <a:schemeClr val="accent1"/>
+            </a:fillRef>
+            <a:effectRef idx="0">
+              <a:schemeClr val="accent1"/>
+            </a:effectRef>
+            <a:fontRef idx="minor">
+              <a:schemeClr val="tx1"/>
+            </a:fontRef>
+          </p:style>
+        </p:cxnSp>
+      </p:grpSp>
+      <p:sp>
+        <p:nvSpPr>
+          <p:cNvPr id="10" name="テキスト ボックス 9">
+            <a:extLst>
+              <a:ext uri="{FF2B5EF4-FFF2-40B4-BE49-F238E27FC236}">
+                <a16:creationId xmlns:a16="http://schemas.microsoft.com/office/drawing/2014/main" id="{EADA23D8-CFC5-BB48-9733-2F2602F9AD28}"/>
+              </a:ext>
+            </a:extLst>
+          </p:cNvPr>
+          <p:cNvSpPr txBox="1"/>
+          <p:nvPr/>
+        </p:nvSpPr>
+        <p:spPr>
+          <a:xfrm>
+            <a:off x="486976" y="3877920"/>
+            <a:ext cx="1983921" cy="369332"/>
+          </a:xfrm>
+          <a:prstGeom prst="rect">
+            <a:avLst/>
+          </a:prstGeom>
+          <a:noFill/>
+        </p:spPr>
+        <p:txBody>
+          <a:bodyPr wrap="square" rtlCol="0">
+            <a:spAutoFit/>
+          </a:bodyPr>
+          <a:lstStyle/>
+          <a:p>
+            <a:r>
+              <a:rPr lang="ja-JP" altLang="en-US" dirty="0"/>
+              <a:t>入力ベクトル</a:t>
+            </a:r>
+            <a:endParaRPr kumimoji="1" lang="ja-JP" altLang="en-US" dirty="0"/>
+          </a:p>
+        </p:txBody>
+      </p:sp>
+      <p:sp>
+        <p:nvSpPr>
+          <p:cNvPr id="11" name="テキスト ボックス 10">
+            <a:extLst>
+              <a:ext uri="{FF2B5EF4-FFF2-40B4-BE49-F238E27FC236}">
+                <a16:creationId xmlns:a16="http://schemas.microsoft.com/office/drawing/2014/main" id="{DD4D120F-293E-604D-9A1B-6EE82D1DE796}"/>
+              </a:ext>
+            </a:extLst>
+          </p:cNvPr>
+          <p:cNvSpPr txBox="1"/>
+          <p:nvPr/>
+        </p:nvSpPr>
+        <p:spPr>
+          <a:xfrm>
+            <a:off x="4189259" y="3803316"/>
+            <a:ext cx="1983921" cy="369332"/>
+          </a:xfrm>
+          <a:prstGeom prst="rect">
+            <a:avLst/>
+          </a:prstGeom>
+          <a:noFill/>
+        </p:spPr>
+        <p:txBody>
+          <a:bodyPr wrap="square" rtlCol="0">
+            <a:spAutoFit/>
+          </a:bodyPr>
+          <a:lstStyle/>
+          <a:p>
+            <a:r>
+              <a:rPr lang="ja-JP" altLang="en-US" dirty="0"/>
+              <a:t>出力ベクトル</a:t>
+            </a:r>
+            <a:endParaRPr kumimoji="1" lang="ja-JP" altLang="en-US" dirty="0"/>
+          </a:p>
+        </p:txBody>
+      </p:sp>
+      <p:sp>
+        <p:nvSpPr>
+          <p:cNvPr id="12" name="右矢印 11">
+            <a:extLst>
+              <a:ext uri="{FF2B5EF4-FFF2-40B4-BE49-F238E27FC236}">
+                <a16:creationId xmlns:a16="http://schemas.microsoft.com/office/drawing/2014/main" id="{9FDBB13C-68C3-4D4A-8F4D-4FF6E6A28922}"/>
+              </a:ext>
+            </a:extLst>
+          </p:cNvPr>
+          <p:cNvSpPr/>
+          <p:nvPr/>
+        </p:nvSpPr>
+        <p:spPr>
+          <a:xfrm>
+            <a:off x="2990010" y="4467468"/>
+            <a:ext cx="432048" cy="432048"/>
+          </a:xfrm>
+          <a:prstGeom prst="rightArrow">
+            <a:avLst/>
+          </a:prstGeom>
+          <a:solidFill>
+            <a:srgbClr val="FF0000"/>
+          </a:solidFill>
+          <a:ln>
+            <a:solidFill>
+              <a:schemeClr val="tx1"/>
+            </a:solidFill>
+          </a:ln>
+        </p:spPr>
+        <p:style>
+          <a:lnRef idx="2">
+            <a:schemeClr val="accent1">
+              <a:shade val="50000"/>
+            </a:schemeClr>
+          </a:lnRef>
+          <a:fillRef idx="1">
+            <a:schemeClr val="accent1"/>
+          </a:fillRef>
+          <a:effectRef idx="0">
+            <a:schemeClr val="accent1"/>
+          </a:effectRef>
+          <a:fontRef idx="minor">
+            <a:schemeClr val="lt1"/>
+          </a:fontRef>
+        </p:style>
+        <p:txBody>
+          <a:bodyPr rtlCol="0" anchor="ctr"/>
+          <a:lstStyle/>
+          <a:p>
+            <a:pPr algn="ctr"/>
+            <a:endParaRPr kumimoji="1" lang="ja-JP" altLang="en-US"/>
+          </a:p>
+        </p:txBody>
+      </p:sp>
+      <p:cxnSp>
+        <p:nvCxnSpPr>
+          <p:cNvPr id="13" name="直線矢印コネクタ 12">
+            <a:extLst>
+              <a:ext uri="{FF2B5EF4-FFF2-40B4-BE49-F238E27FC236}">
+                <a16:creationId xmlns:a16="http://schemas.microsoft.com/office/drawing/2014/main" id="{F57ADB70-ADC8-4145-A8A6-79B3E9DDE1FB}"/>
+              </a:ext>
+            </a:extLst>
+          </p:cNvPr>
+          <p:cNvCxnSpPr/>
+          <p:nvPr/>
+        </p:nvCxnSpPr>
+        <p:spPr>
+          <a:xfrm flipV="1">
+            <a:off x="1067151" y="5352952"/>
+            <a:ext cx="1060471" cy="1362808"/>
+          </a:xfrm>
+          <a:prstGeom prst="straightConnector1">
+            <a:avLst/>
+          </a:prstGeom>
+          <a:ln w="12700">
+            <a:solidFill>
+              <a:schemeClr val="tx1"/>
+            </a:solidFill>
+            <a:tailEnd type="triangle"/>
+          </a:ln>
+        </p:spPr>
+        <p:style>
+          <a:lnRef idx="1">
+            <a:schemeClr val="accent1"/>
+          </a:lnRef>
+          <a:fillRef idx="0">
+            <a:schemeClr val="accent1"/>
+          </a:fillRef>
+          <a:effectRef idx="0">
+            <a:schemeClr val="accent1"/>
+          </a:effectRef>
+          <a:fontRef idx="minor">
+            <a:schemeClr val="tx1"/>
+          </a:fontRef>
+        </p:style>
+      </p:cxnSp>
+      <p:sp>
+        <p:nvSpPr>
+          <p:cNvPr id="14" name="右矢印 13">
+            <a:extLst>
+              <a:ext uri="{FF2B5EF4-FFF2-40B4-BE49-F238E27FC236}">
+                <a16:creationId xmlns:a16="http://schemas.microsoft.com/office/drawing/2014/main" id="{90D30B97-B2FD-9649-A102-F4DE2F8DD93A}"/>
+              </a:ext>
+            </a:extLst>
+          </p:cNvPr>
+          <p:cNvSpPr/>
+          <p:nvPr/>
+        </p:nvSpPr>
+        <p:spPr>
+          <a:xfrm>
+            <a:off x="3071290" y="6011788"/>
+            <a:ext cx="432048" cy="432048"/>
+          </a:xfrm>
+          <a:prstGeom prst="rightArrow">
+            <a:avLst/>
+          </a:prstGeom>
+          <a:solidFill>
+            <a:srgbClr val="FF0000"/>
+          </a:solidFill>
+          <a:ln>
+            <a:solidFill>
+              <a:schemeClr val="tx1"/>
+            </a:solidFill>
+          </a:ln>
+        </p:spPr>
+        <p:style>
+          <a:lnRef idx="2">
+            <a:schemeClr val="accent1">
+              <a:shade val="50000"/>
+            </a:schemeClr>
+          </a:lnRef>
+          <a:fillRef idx="1">
+            <a:schemeClr val="accent1"/>
+          </a:fillRef>
+          <a:effectRef idx="0">
+            <a:schemeClr val="accent1"/>
+          </a:effectRef>
+          <a:fontRef idx="minor">
+            <a:schemeClr val="lt1"/>
+          </a:fontRef>
+        </p:style>
+        <p:txBody>
+          <a:bodyPr rtlCol="0" anchor="ctr"/>
+          <a:lstStyle/>
+          <a:p>
+            <a:pPr algn="ctr"/>
+            <a:endParaRPr kumimoji="1" lang="ja-JP" altLang="en-US"/>
+          </a:p>
+        </p:txBody>
+      </p:sp>
+      <p:grpSp>
+        <p:nvGrpSpPr>
+          <p:cNvPr id="15" name="グループ化 14">
+            <a:extLst>
+              <a:ext uri="{FF2B5EF4-FFF2-40B4-BE49-F238E27FC236}">
+                <a16:creationId xmlns:a16="http://schemas.microsoft.com/office/drawing/2014/main" id="{FCFB4917-71D1-CE43-8BB8-4918B4EA236C}"/>
+              </a:ext>
+            </a:extLst>
+          </p:cNvPr>
+          <p:cNvGrpSpPr/>
+          <p:nvPr/>
+        </p:nvGrpSpPr>
+        <p:grpSpPr>
+          <a:xfrm rot="18421979">
+            <a:off x="4051437" y="5548829"/>
+            <a:ext cx="1744663" cy="511610"/>
+            <a:chOff x="3779559" y="2160470"/>
+            <a:chExt cx="1744663" cy="511610"/>
+          </a:xfrm>
+        </p:grpSpPr>
+        <p:cxnSp>
+          <p:nvCxnSpPr>
+            <p:cNvPr id="16" name="直線矢印コネクタ 15">
+              <a:extLst>
+                <a:ext uri="{FF2B5EF4-FFF2-40B4-BE49-F238E27FC236}">
+                  <a16:creationId xmlns:a16="http://schemas.microsoft.com/office/drawing/2014/main" id="{76F00419-7431-9D43-8B42-942B5E5869CA}"/>
+                </a:ext>
+              </a:extLst>
+            </p:cNvPr>
+            <p:cNvCxnSpPr/>
+            <p:nvPr/>
+          </p:nvCxnSpPr>
+          <p:spPr>
+            <a:xfrm>
+              <a:off x="3779559" y="2672080"/>
+              <a:ext cx="577864" cy="0"/>
+            </a:xfrm>
+            <a:prstGeom prst="straightConnector1">
+              <a:avLst/>
+            </a:prstGeom>
+            <a:ln w="12700">
+              <a:solidFill>
+                <a:schemeClr val="tx1"/>
+              </a:solidFill>
+              <a:tailEnd type="triangle"/>
+            </a:ln>
+          </p:spPr>
+          <p:style>
+            <a:lnRef idx="1">
+              <a:schemeClr val="accent1"/>
+            </a:lnRef>
+            <a:fillRef idx="0">
+              <a:schemeClr val="accent1"/>
+            </a:fillRef>
+            <a:effectRef idx="0">
+              <a:schemeClr val="accent1"/>
+            </a:effectRef>
+            <a:fontRef idx="minor">
+              <a:schemeClr val="tx1"/>
+            </a:fontRef>
+          </p:style>
+        </p:cxnSp>
+        <p:cxnSp>
+          <p:nvCxnSpPr>
+            <p:cNvPr id="17" name="直線矢印コネクタ 16">
+              <a:extLst>
+                <a:ext uri="{FF2B5EF4-FFF2-40B4-BE49-F238E27FC236}">
+                  <a16:creationId xmlns:a16="http://schemas.microsoft.com/office/drawing/2014/main" id="{5E475F80-27F4-4644-88D3-D4803012A0DB}"/>
+                </a:ext>
+              </a:extLst>
+            </p:cNvPr>
+            <p:cNvCxnSpPr/>
+            <p:nvPr/>
+          </p:nvCxnSpPr>
+          <p:spPr>
+            <a:xfrm>
+              <a:off x="4946358" y="2672080"/>
+              <a:ext cx="577864" cy="0"/>
+            </a:xfrm>
+            <a:prstGeom prst="straightConnector1">
+              <a:avLst/>
+            </a:prstGeom>
+            <a:ln w="12700">
+              <a:solidFill>
+                <a:schemeClr val="tx1"/>
+              </a:solidFill>
+              <a:tailEnd type="triangle"/>
+            </a:ln>
+          </p:spPr>
+          <p:style>
+            <a:lnRef idx="1">
+              <a:schemeClr val="accent1"/>
+            </a:lnRef>
+            <a:fillRef idx="0">
+              <a:schemeClr val="accent1"/>
+            </a:fillRef>
+            <a:effectRef idx="0">
+              <a:schemeClr val="accent1"/>
+            </a:effectRef>
+            <a:fontRef idx="minor">
+              <a:schemeClr val="tx1"/>
+            </a:fontRef>
+          </p:style>
+        </p:cxnSp>
+        <p:cxnSp>
+          <p:nvCxnSpPr>
+            <p:cNvPr id="18" name="直線矢印コネクタ 17">
+              <a:extLst>
+                <a:ext uri="{FF2B5EF4-FFF2-40B4-BE49-F238E27FC236}">
+                  <a16:creationId xmlns:a16="http://schemas.microsoft.com/office/drawing/2014/main" id="{498928A2-AEC1-EC48-86AA-95B399960075}"/>
+                </a:ext>
+              </a:extLst>
+            </p:cNvPr>
+            <p:cNvCxnSpPr/>
+            <p:nvPr/>
+          </p:nvCxnSpPr>
+          <p:spPr>
+            <a:xfrm flipV="1">
+              <a:off x="4357423" y="2160470"/>
+              <a:ext cx="298148" cy="511610"/>
+            </a:xfrm>
+            <a:prstGeom prst="straightConnector1">
+              <a:avLst/>
+            </a:prstGeom>
+            <a:ln w="12700">
+              <a:solidFill>
+                <a:schemeClr val="tx1"/>
+              </a:solidFill>
+              <a:tailEnd type="triangle"/>
+            </a:ln>
+          </p:spPr>
+          <p:style>
+            <a:lnRef idx="1">
+              <a:schemeClr val="accent1"/>
+            </a:lnRef>
+            <a:fillRef idx="0">
+              <a:schemeClr val="accent1"/>
+            </a:fillRef>
+            <a:effectRef idx="0">
+              <a:schemeClr val="accent1"/>
+            </a:effectRef>
+            <a:fontRef idx="minor">
+              <a:schemeClr val="tx1"/>
+            </a:fontRef>
+          </p:style>
+        </p:cxnSp>
+        <p:cxnSp>
+          <p:nvCxnSpPr>
+            <p:cNvPr id="19" name="直線矢印コネクタ 18">
+              <a:extLst>
+                <a:ext uri="{FF2B5EF4-FFF2-40B4-BE49-F238E27FC236}">
+                  <a16:creationId xmlns:a16="http://schemas.microsoft.com/office/drawing/2014/main" id="{58390B8D-D985-724F-AB93-F5B94ACDCB28}"/>
+                </a:ext>
+              </a:extLst>
+            </p:cNvPr>
+            <p:cNvCxnSpPr/>
+            <p:nvPr/>
+          </p:nvCxnSpPr>
+          <p:spPr>
+            <a:xfrm>
+              <a:off x="4655571" y="2160470"/>
+              <a:ext cx="290787" cy="511610"/>
+            </a:xfrm>
+            <a:prstGeom prst="straightConnector1">
+              <a:avLst/>
+            </a:prstGeom>
+            <a:ln w="12700">
+              <a:solidFill>
+                <a:schemeClr val="tx1"/>
+              </a:solidFill>
+              <a:tailEnd type="triangle"/>
+            </a:ln>
+          </p:spPr>
+          <p:style>
+            <a:lnRef idx="1">
+              <a:schemeClr val="accent1"/>
+            </a:lnRef>
+            <a:fillRef idx="0">
+              <a:schemeClr val="accent1"/>
+            </a:fillRef>
+            <a:effectRef idx="0">
+              <a:schemeClr val="accent1"/>
+            </a:effectRef>
+            <a:fontRef idx="minor">
+              <a:schemeClr val="tx1"/>
+            </a:fontRef>
+          </p:style>
+        </p:cxnSp>
+      </p:grpSp>
+      <p:grpSp>
+        <p:nvGrpSpPr>
+          <p:cNvPr id="20" name="グループ化 19">
+            <a:extLst>
+              <a:ext uri="{FF2B5EF4-FFF2-40B4-BE49-F238E27FC236}">
+                <a16:creationId xmlns:a16="http://schemas.microsoft.com/office/drawing/2014/main" id="{A5B571E8-26C8-3E4D-B3FE-76DC92436C89}"/>
+              </a:ext>
+            </a:extLst>
+          </p:cNvPr>
+          <p:cNvGrpSpPr/>
+          <p:nvPr/>
+        </p:nvGrpSpPr>
+        <p:grpSpPr>
+          <a:xfrm>
+            <a:off x="2529639" y="2143877"/>
+            <a:ext cx="3892780" cy="1141530"/>
+            <a:chOff x="3779559" y="2160470"/>
+            <a:chExt cx="1744663" cy="511610"/>
+          </a:xfrm>
+        </p:grpSpPr>
+        <p:cxnSp>
+          <p:nvCxnSpPr>
+            <p:cNvPr id="21" name="直線矢印コネクタ 20">
+              <a:extLst>
+                <a:ext uri="{FF2B5EF4-FFF2-40B4-BE49-F238E27FC236}">
+                  <a16:creationId xmlns:a16="http://schemas.microsoft.com/office/drawing/2014/main" id="{3F4674FC-90CA-7746-B65B-279F91F63F4D}"/>
+                </a:ext>
+              </a:extLst>
+            </p:cNvPr>
+            <p:cNvCxnSpPr/>
+            <p:nvPr/>
+          </p:nvCxnSpPr>
+          <p:spPr>
+            <a:xfrm>
+              <a:off x="3779559" y="2672080"/>
+              <a:ext cx="577864" cy="0"/>
+            </a:xfrm>
+            <a:prstGeom prst="straightConnector1">
+              <a:avLst/>
+            </a:prstGeom>
+            <a:ln w="12700">
+              <a:solidFill>
+                <a:schemeClr val="tx1"/>
+              </a:solidFill>
+              <a:tailEnd type="triangle"/>
+            </a:ln>
+          </p:spPr>
+          <p:style>
+            <a:lnRef idx="1">
+              <a:schemeClr val="accent1"/>
+            </a:lnRef>
+            <a:fillRef idx="0">
+              <a:schemeClr val="accent1"/>
+            </a:fillRef>
+            <a:effectRef idx="0">
+              <a:schemeClr val="accent1"/>
+            </a:effectRef>
+            <a:fontRef idx="minor">
+              <a:schemeClr val="tx1"/>
+            </a:fontRef>
+          </p:style>
+        </p:cxnSp>
+        <p:cxnSp>
+          <p:nvCxnSpPr>
+            <p:cNvPr id="22" name="直線矢印コネクタ 21">
+              <a:extLst>
+                <a:ext uri="{FF2B5EF4-FFF2-40B4-BE49-F238E27FC236}">
+                  <a16:creationId xmlns:a16="http://schemas.microsoft.com/office/drawing/2014/main" id="{AF27C05A-0225-D040-B810-D8A09158FC6B}"/>
+                </a:ext>
+              </a:extLst>
+            </p:cNvPr>
+            <p:cNvCxnSpPr/>
+            <p:nvPr/>
+          </p:nvCxnSpPr>
+          <p:spPr>
+            <a:xfrm>
+              <a:off x="4946358" y="2672080"/>
+              <a:ext cx="577864" cy="0"/>
+            </a:xfrm>
+            <a:prstGeom prst="straightConnector1">
+              <a:avLst/>
+            </a:prstGeom>
+            <a:ln w="12700">
+              <a:solidFill>
+                <a:schemeClr val="tx1"/>
+              </a:solidFill>
+              <a:tailEnd type="triangle"/>
+            </a:ln>
+          </p:spPr>
+          <p:style>
+            <a:lnRef idx="1">
+              <a:schemeClr val="accent1"/>
+            </a:lnRef>
+            <a:fillRef idx="0">
+              <a:schemeClr val="accent1"/>
+            </a:fillRef>
+            <a:effectRef idx="0">
+              <a:schemeClr val="accent1"/>
+            </a:effectRef>
+            <a:fontRef idx="minor">
+              <a:schemeClr val="tx1"/>
+            </a:fontRef>
+          </p:style>
+        </p:cxnSp>
+        <p:cxnSp>
+          <p:nvCxnSpPr>
+            <p:cNvPr id="23" name="直線矢印コネクタ 22">
+              <a:extLst>
+                <a:ext uri="{FF2B5EF4-FFF2-40B4-BE49-F238E27FC236}">
+                  <a16:creationId xmlns:a16="http://schemas.microsoft.com/office/drawing/2014/main" id="{8D919F87-2F4C-C846-B911-07771582E11A}"/>
+                </a:ext>
+              </a:extLst>
+            </p:cNvPr>
+            <p:cNvCxnSpPr/>
+            <p:nvPr/>
+          </p:nvCxnSpPr>
+          <p:spPr>
+            <a:xfrm flipV="1">
+              <a:off x="4357423" y="2160470"/>
+              <a:ext cx="298148" cy="511610"/>
+            </a:xfrm>
+            <a:prstGeom prst="straightConnector1">
+              <a:avLst/>
+            </a:prstGeom>
+            <a:ln w="12700">
+              <a:solidFill>
+                <a:schemeClr val="tx1"/>
+              </a:solidFill>
+              <a:tailEnd type="triangle"/>
+            </a:ln>
+          </p:spPr>
+          <p:style>
+            <a:lnRef idx="1">
+              <a:schemeClr val="accent1"/>
+            </a:lnRef>
+            <a:fillRef idx="0">
+              <a:schemeClr val="accent1"/>
+            </a:fillRef>
+            <a:effectRef idx="0">
+              <a:schemeClr val="accent1"/>
+            </a:effectRef>
+            <a:fontRef idx="minor">
+              <a:schemeClr val="tx1"/>
+            </a:fontRef>
+          </p:style>
+        </p:cxnSp>
+        <p:cxnSp>
+          <p:nvCxnSpPr>
+            <p:cNvPr id="24" name="直線矢印コネクタ 23">
+              <a:extLst>
+                <a:ext uri="{FF2B5EF4-FFF2-40B4-BE49-F238E27FC236}">
+                  <a16:creationId xmlns:a16="http://schemas.microsoft.com/office/drawing/2014/main" id="{E1D5176D-69AF-6346-A9AD-021A0DEB34F1}"/>
+                </a:ext>
+              </a:extLst>
+            </p:cNvPr>
+            <p:cNvCxnSpPr/>
+            <p:nvPr/>
+          </p:nvCxnSpPr>
+          <p:spPr>
+            <a:xfrm>
+              <a:off x="4655571" y="2160470"/>
+              <a:ext cx="290787" cy="511610"/>
+            </a:xfrm>
+            <a:prstGeom prst="straightConnector1">
+              <a:avLst/>
+            </a:prstGeom>
+            <a:ln w="12700">
+              <a:solidFill>
+                <a:schemeClr val="tx1"/>
+              </a:solidFill>
+              <a:tailEnd type="triangle"/>
+            </a:ln>
+          </p:spPr>
+          <p:style>
+            <a:lnRef idx="1">
+              <a:schemeClr val="accent1"/>
+            </a:lnRef>
+            <a:fillRef idx="0">
+              <a:schemeClr val="accent1"/>
+            </a:fillRef>
+            <a:effectRef idx="0">
+              <a:schemeClr val="accent1"/>
+            </a:effectRef>
+            <a:fontRef idx="minor">
+              <a:schemeClr val="tx1"/>
+            </a:fontRef>
+          </p:style>
+        </p:cxnSp>
+      </p:grpSp>
+      <p:sp>
+        <p:nvSpPr>
+          <p:cNvPr id="25" name="テキスト ボックス 24">
+            <a:extLst>
+              <a:ext uri="{FF2B5EF4-FFF2-40B4-BE49-F238E27FC236}">
+                <a16:creationId xmlns:a16="http://schemas.microsoft.com/office/drawing/2014/main" id="{ABB06B06-1A4A-604A-AC82-566E2B1979C1}"/>
+              </a:ext>
+            </a:extLst>
+          </p:cNvPr>
+          <p:cNvSpPr txBox="1"/>
+          <p:nvPr/>
+        </p:nvSpPr>
+        <p:spPr>
+          <a:xfrm>
+            <a:off x="3464941" y="1673678"/>
+            <a:ext cx="2312798" cy="369332"/>
+          </a:xfrm>
+          <a:prstGeom prst="rect">
+            <a:avLst/>
+          </a:prstGeom>
+          <a:noFill/>
+        </p:spPr>
+        <p:txBody>
+          <a:bodyPr wrap="square" rtlCol="0">
+            <a:spAutoFit/>
+          </a:bodyPr>
+          <a:lstStyle/>
+          <a:p>
+            <a:r>
+              <a:rPr lang="ja-JP" altLang="en-US" dirty="0"/>
+              <a:t>変換ベクトルリスト</a:t>
+            </a:r>
+            <a:endParaRPr kumimoji="1" lang="ja-JP" altLang="en-US" dirty="0"/>
+          </a:p>
+        </p:txBody>
+      </p:sp>
+      <p:sp>
+        <p:nvSpPr>
+          <p:cNvPr id="26" name="テキスト ボックス 25">
+            <a:extLst>
+              <a:ext uri="{FF2B5EF4-FFF2-40B4-BE49-F238E27FC236}">
+                <a16:creationId xmlns:a16="http://schemas.microsoft.com/office/drawing/2014/main" id="{F8D93D01-ACC2-6549-8980-D9D6C42B355E}"/>
+              </a:ext>
+            </a:extLst>
+          </p:cNvPr>
+          <p:cNvSpPr txBox="1"/>
+          <p:nvPr/>
+        </p:nvSpPr>
+        <p:spPr>
+          <a:xfrm>
+            <a:off x="6622757" y="4467468"/>
+            <a:ext cx="2262158" cy="369332"/>
+          </a:xfrm>
+          <a:prstGeom prst="rect">
+            <a:avLst/>
+          </a:prstGeom>
+          <a:noFill/>
+        </p:spPr>
+        <p:txBody>
+          <a:bodyPr wrap="none" rtlCol="0">
+            <a:spAutoFit/>
+          </a:bodyPr>
+          <a:lstStyle/>
+          <a:p>
+            <a:r>
+              <a:rPr lang="ja-JP" altLang="en-US" dirty="0"/>
+              <a:t>長さをスケールする</a:t>
+            </a:r>
+            <a:endParaRPr kumimoji="1" lang="ja-JP" altLang="en-US" dirty="0"/>
+          </a:p>
+        </p:txBody>
+      </p:sp>
+      <p:sp>
+        <p:nvSpPr>
+          <p:cNvPr id="27" name="テキスト ボックス 26">
+            <a:extLst>
+              <a:ext uri="{FF2B5EF4-FFF2-40B4-BE49-F238E27FC236}">
+                <a16:creationId xmlns:a16="http://schemas.microsoft.com/office/drawing/2014/main" id="{D67CDDEA-2606-9B43-8A86-666188304270}"/>
+              </a:ext>
+            </a:extLst>
+          </p:cNvPr>
+          <p:cNvSpPr txBox="1"/>
+          <p:nvPr/>
+        </p:nvSpPr>
+        <p:spPr>
+          <a:xfrm>
+            <a:off x="6945029" y="5388025"/>
+            <a:ext cx="1800493" cy="646331"/>
+          </a:xfrm>
+          <a:prstGeom prst="rect">
+            <a:avLst/>
+          </a:prstGeom>
+          <a:noFill/>
+        </p:spPr>
+        <p:txBody>
+          <a:bodyPr wrap="none" rtlCol="0">
+            <a:spAutoFit/>
+          </a:bodyPr>
+          <a:lstStyle/>
+          <a:p>
+            <a:r>
+              <a:rPr lang="ja-JP" altLang="en-US" dirty="0"/>
+              <a:t>傾いた入力には</a:t>
+            </a:r>
+            <a:endParaRPr lang="en-US" altLang="ja-JP" dirty="0"/>
+          </a:p>
+          <a:p>
+            <a:r>
+              <a:rPr kumimoji="1" lang="ja-JP" altLang="en-US" dirty="0"/>
+              <a:t>傾いた出力</a:t>
+            </a:r>
+          </a:p>
+        </p:txBody>
+      </p:sp>
+      <p:sp>
+        <p:nvSpPr>
+          <p:cNvPr id="28" name="テキスト ボックス 27">
+            <a:extLst>
+              <a:ext uri="{FF2B5EF4-FFF2-40B4-BE49-F238E27FC236}">
+                <a16:creationId xmlns:a16="http://schemas.microsoft.com/office/drawing/2014/main" id="{63BCE053-7DF0-F940-9BC6-DA63E724D288}"/>
+              </a:ext>
+            </a:extLst>
+          </p:cNvPr>
+          <p:cNvSpPr txBox="1"/>
+          <p:nvPr/>
+        </p:nvSpPr>
+        <p:spPr>
+          <a:xfrm>
+            <a:off x="447040" y="843280"/>
+            <a:ext cx="8032968" cy="369332"/>
+          </a:xfrm>
+          <a:prstGeom prst="rect">
+            <a:avLst/>
+          </a:prstGeom>
+          <a:noFill/>
+        </p:spPr>
+        <p:txBody>
+          <a:bodyPr wrap="none" rtlCol="0">
+            <a:spAutoFit/>
+          </a:bodyPr>
+          <a:lstStyle/>
+          <a:p>
+            <a:r>
+              <a:rPr kumimoji="1" lang="ja-JP" altLang="en-US"/>
+              <a:t>入力ベクトルを、支点と終点を一致させつつ変換ベクトルリストで変換する</a:t>
+            </a:r>
+          </a:p>
+        </p:txBody>
+      </p:sp>
+    </p:spTree>
+    <p:extLst>
+      <p:ext uri="{BB962C8B-B14F-4D97-AF65-F5344CB8AC3E}">
+        <p14:creationId xmlns:p14="http://schemas.microsoft.com/office/powerpoint/2010/main" val="1614700350"/>
+      </p:ext>
+    </p:extLst>
+  </p:cSld>
+  <p:clrMapOvr>
+    <a:masterClrMapping/>
+  </p:clrMapOvr>
+</p:sld>
+</file>
+
+<file path=ppt/slides/slide21.xml><?xml version="1.0" encoding="utf-8"?>
+<p:sld xmlns:a="http://schemas.openxmlformats.org/drawingml/2006/main" xmlns:r="http://schemas.openxmlformats.org/officeDocument/2006/relationships" xmlns:p="http://schemas.openxmlformats.org/presentationml/2006/main">
+  <p:cSld>
+    <p:spTree>
+      <p:nvGrpSpPr>
+        <p:cNvPr id="1" name=""/>
+        <p:cNvGrpSpPr/>
+        <p:nvPr/>
+      </p:nvGrpSpPr>
+      <p:grpSpPr>
+        <a:xfrm>
+          <a:off x="0" y="0"/>
+          <a:ext cx="0" cy="0"/>
+          <a:chOff x="0" y="0"/>
+          <a:chExt cx="0" cy="0"/>
+        </a:xfrm>
+      </p:grpSpPr>
+      <p:sp>
+        <p:nvSpPr>
+          <p:cNvPr id="2" name="テキスト プレースホルダー 1">
+            <a:extLst>
+              <a:ext uri="{FF2B5EF4-FFF2-40B4-BE49-F238E27FC236}">
+                <a16:creationId xmlns:a16="http://schemas.microsoft.com/office/drawing/2014/main" id="{C2B1E7A2-928C-0B4B-86C6-B92EEFCE777B}"/>
+              </a:ext>
+            </a:extLst>
+          </p:cNvPr>
+          <p:cNvSpPr>
+            <a:spLocks noGrp="1"/>
+          </p:cNvSpPr>
+          <p:nvPr>
+            <p:ph type="body" sz="quarter" idx="10"/>
+          </p:nvPr>
+        </p:nvSpPr>
+        <p:spPr/>
+        <p:txBody>
+          <a:bodyPr/>
+          <a:lstStyle/>
+          <a:p>
+            <a:r>
+              <a:rPr kumimoji="1" lang="ja-JP" altLang="en-US"/>
+              <a:t>課題</a:t>
+            </a:r>
+            <a:r>
+              <a:rPr kumimoji="1" lang="en-US" altLang="ja-JP"/>
+              <a:t>1</a:t>
+            </a:r>
+            <a:r>
+              <a:rPr kumimoji="1" lang="en-US" altLang="ja-JP">
+                <a:sym typeface="Wingdings" pitchFamily="2" charset="2"/>
+              </a:rPr>
+              <a:t> (2)</a:t>
+            </a:r>
+            <a:r>
+              <a:rPr kumimoji="1" lang="ja-JP" altLang="en-US">
+                <a:sym typeface="Wingdings" pitchFamily="2" charset="2"/>
+              </a:rPr>
+              <a:t>：ベクトルの長さ</a:t>
+            </a:r>
+            <a:endParaRPr kumimoji="1" lang="ja-JP" altLang="en-US"/>
+          </a:p>
+        </p:txBody>
+      </p:sp>
+      <p:sp>
+        <p:nvSpPr>
+          <p:cNvPr id="3" name="テキスト ボックス 2">
+            <a:extLst>
+              <a:ext uri="{FF2B5EF4-FFF2-40B4-BE49-F238E27FC236}">
+                <a16:creationId xmlns:a16="http://schemas.microsoft.com/office/drawing/2014/main" id="{6201CEB8-7DA0-9B4D-982F-AA4A7EDB0CD1}"/>
+              </a:ext>
+            </a:extLst>
+          </p:cNvPr>
+          <p:cNvSpPr txBox="1"/>
+          <p:nvPr/>
+        </p:nvSpPr>
+        <p:spPr>
+          <a:xfrm>
+            <a:off x="1187624" y="1196752"/>
+            <a:ext cx="6173485" cy="461665"/>
+          </a:xfrm>
+          <a:prstGeom prst="rect">
+            <a:avLst/>
+          </a:prstGeom>
+          <a:noFill/>
+        </p:spPr>
+        <p:txBody>
+          <a:bodyPr wrap="none" rtlCol="0">
+            <a:spAutoFit/>
+          </a:bodyPr>
+          <a:lstStyle/>
+          <a:p>
+            <a:r>
+              <a:rPr kumimoji="1" lang="ja-JP" altLang="en-US" sz="2400"/>
+              <a:t>ベクトルの長さを計算する関数</a:t>
+            </a:r>
+            <a:r>
+              <a:rPr kumimoji="1" lang="en-US" altLang="ja-JP" sz="2400"/>
+              <a:t>length</a:t>
+            </a:r>
+            <a:r>
+              <a:rPr kumimoji="1" lang="ja-JP" altLang="en-US" sz="2400"/>
+              <a:t>の実装</a:t>
+            </a:r>
+          </a:p>
+        </p:txBody>
+      </p:sp>
+      <p:cxnSp>
+        <p:nvCxnSpPr>
+          <p:cNvPr id="10" name="直線矢印コネクタ 9">
+            <a:extLst>
+              <a:ext uri="{FF2B5EF4-FFF2-40B4-BE49-F238E27FC236}">
+                <a16:creationId xmlns:a16="http://schemas.microsoft.com/office/drawing/2014/main" id="{402FD1E8-6243-1346-9DB5-9D73910D11FA}"/>
+              </a:ext>
+            </a:extLst>
+          </p:cNvPr>
+          <p:cNvCxnSpPr/>
+          <p:nvPr/>
+        </p:nvCxnSpPr>
+        <p:spPr>
+          <a:xfrm>
+            <a:off x="1043608" y="5517232"/>
+            <a:ext cx="2016224" cy="0"/>
+          </a:xfrm>
+          <a:prstGeom prst="straightConnector1">
+            <a:avLst/>
+          </a:prstGeom>
+          <a:ln>
+            <a:solidFill>
+              <a:schemeClr val="tx1"/>
+            </a:solidFill>
+            <a:headEnd type="none" w="med" len="med"/>
+            <a:tailEnd type="triangle"/>
+          </a:ln>
+        </p:spPr>
+        <p:style>
+          <a:lnRef idx="1">
+            <a:schemeClr val="accent1"/>
+          </a:lnRef>
+          <a:fillRef idx="0">
+            <a:schemeClr val="accent1"/>
+          </a:fillRef>
+          <a:effectRef idx="0">
+            <a:schemeClr val="accent1"/>
+          </a:effectRef>
+          <a:fontRef idx="minor">
+            <a:schemeClr val="tx1"/>
+          </a:fontRef>
+        </p:style>
+      </p:cxnSp>
+      <p:cxnSp>
+        <p:nvCxnSpPr>
+          <p:cNvPr id="12" name="直線矢印コネクタ 11">
+            <a:extLst>
+              <a:ext uri="{FF2B5EF4-FFF2-40B4-BE49-F238E27FC236}">
+                <a16:creationId xmlns:a16="http://schemas.microsoft.com/office/drawing/2014/main" id="{4CC94365-4EAB-944A-A6BC-3D8D83F2076F}"/>
+              </a:ext>
+            </a:extLst>
+          </p:cNvPr>
+          <p:cNvCxnSpPr/>
+          <p:nvPr/>
+        </p:nvCxnSpPr>
+        <p:spPr>
+          <a:xfrm flipV="1">
+            <a:off x="3059832" y="3501008"/>
+            <a:ext cx="0" cy="2016224"/>
+          </a:xfrm>
+          <a:prstGeom prst="straightConnector1">
+            <a:avLst/>
+          </a:prstGeom>
+          <a:ln>
+            <a:solidFill>
+              <a:schemeClr val="tx1"/>
+            </a:solidFill>
+            <a:headEnd type="none" w="med" len="med"/>
+            <a:tailEnd type="triangle"/>
+          </a:ln>
+        </p:spPr>
+        <p:style>
+          <a:lnRef idx="1">
+            <a:schemeClr val="accent1"/>
+          </a:lnRef>
+          <a:fillRef idx="0">
+            <a:schemeClr val="accent1"/>
+          </a:fillRef>
+          <a:effectRef idx="0">
+            <a:schemeClr val="accent1"/>
+          </a:effectRef>
+          <a:fontRef idx="minor">
+            <a:schemeClr val="tx1"/>
+          </a:fontRef>
+        </p:style>
+      </p:cxnSp>
+      <p:cxnSp>
+        <p:nvCxnSpPr>
+          <p:cNvPr id="13" name="直線矢印コネクタ 12">
+            <a:extLst>
+              <a:ext uri="{FF2B5EF4-FFF2-40B4-BE49-F238E27FC236}">
+                <a16:creationId xmlns:a16="http://schemas.microsoft.com/office/drawing/2014/main" id="{81FEB06D-6A34-FE46-AB7A-00B8D9F4FE7E}"/>
+              </a:ext>
+            </a:extLst>
+          </p:cNvPr>
+          <p:cNvCxnSpPr/>
+          <p:nvPr/>
+        </p:nvCxnSpPr>
+        <p:spPr>
+          <a:xfrm>
+            <a:off x="5436096" y="5517232"/>
+            <a:ext cx="2016224" cy="0"/>
+          </a:xfrm>
+          <a:prstGeom prst="straightConnector1">
+            <a:avLst/>
+          </a:prstGeom>
+          <a:ln>
+            <a:solidFill>
+              <a:schemeClr val="tx1"/>
+            </a:solidFill>
+            <a:headEnd type="none" w="med" len="med"/>
+            <a:tailEnd type="triangle"/>
+          </a:ln>
+        </p:spPr>
+        <p:style>
+          <a:lnRef idx="1">
+            <a:schemeClr val="accent1"/>
+          </a:lnRef>
+          <a:fillRef idx="0">
+            <a:schemeClr val="accent1"/>
+          </a:fillRef>
+          <a:effectRef idx="0">
+            <a:schemeClr val="accent1"/>
+          </a:effectRef>
+          <a:fontRef idx="minor">
+            <a:schemeClr val="tx1"/>
+          </a:fontRef>
+        </p:style>
+      </p:cxnSp>
+      <p:cxnSp>
+        <p:nvCxnSpPr>
+          <p:cNvPr id="14" name="直線矢印コネクタ 13">
+            <a:extLst>
+              <a:ext uri="{FF2B5EF4-FFF2-40B4-BE49-F238E27FC236}">
+                <a16:creationId xmlns:a16="http://schemas.microsoft.com/office/drawing/2014/main" id="{BEB483F5-CED1-5B43-8B42-15C7F28ADFDD}"/>
+              </a:ext>
+            </a:extLst>
+          </p:cNvPr>
+          <p:cNvCxnSpPr/>
+          <p:nvPr/>
+        </p:nvCxnSpPr>
+        <p:spPr>
+          <a:xfrm flipV="1">
+            <a:off x="7452320" y="3501008"/>
+            <a:ext cx="0" cy="2016224"/>
+          </a:xfrm>
+          <a:prstGeom prst="straightConnector1">
+            <a:avLst/>
+          </a:prstGeom>
+          <a:ln>
+            <a:solidFill>
+              <a:schemeClr val="tx1"/>
+            </a:solidFill>
+            <a:headEnd type="none" w="med" len="med"/>
+            <a:tailEnd type="triangle"/>
+          </a:ln>
+        </p:spPr>
+        <p:style>
+          <a:lnRef idx="1">
+            <a:schemeClr val="accent1"/>
+          </a:lnRef>
+          <a:fillRef idx="0">
+            <a:schemeClr val="accent1"/>
+          </a:fillRef>
+          <a:effectRef idx="0">
+            <a:schemeClr val="accent1"/>
+          </a:effectRef>
+          <a:fontRef idx="minor">
+            <a:schemeClr val="tx1"/>
+          </a:fontRef>
+        </p:style>
+      </p:cxnSp>
+      <p:cxnSp>
+        <p:nvCxnSpPr>
+          <p:cNvPr id="16" name="直線矢印コネクタ 15">
+            <a:extLst>
+              <a:ext uri="{FF2B5EF4-FFF2-40B4-BE49-F238E27FC236}">
+                <a16:creationId xmlns:a16="http://schemas.microsoft.com/office/drawing/2014/main" id="{95FB9D74-35A6-C545-AABD-5714E53F2647}"/>
+              </a:ext>
+            </a:extLst>
+          </p:cNvPr>
+          <p:cNvCxnSpPr/>
+          <p:nvPr/>
+        </p:nvCxnSpPr>
+        <p:spPr>
+          <a:xfrm flipH="1">
+            <a:off x="5436096" y="3501008"/>
+            <a:ext cx="2016224" cy="2016224"/>
+          </a:xfrm>
+          <a:prstGeom prst="straightConnector1">
+            <a:avLst/>
+          </a:prstGeom>
+          <a:ln w="28575">
+            <a:solidFill>
+              <a:srgbClr val="FF0000"/>
+            </a:solidFill>
+            <a:headEnd type="triangle"/>
+            <a:tailEnd type="triangle"/>
+          </a:ln>
+        </p:spPr>
+        <p:style>
+          <a:lnRef idx="1">
+            <a:schemeClr val="accent1"/>
+          </a:lnRef>
+          <a:fillRef idx="0">
+            <a:schemeClr val="accent1"/>
+          </a:fillRef>
+          <a:effectRef idx="0">
+            <a:schemeClr val="accent1"/>
+          </a:effectRef>
+          <a:fontRef idx="minor">
+            <a:schemeClr val="tx1"/>
+          </a:fontRef>
+        </p:style>
+      </p:cxnSp>
+      <p:sp>
+        <p:nvSpPr>
+          <p:cNvPr id="17" name="正方形/長方形 16">
+            <a:extLst>
+              <a:ext uri="{FF2B5EF4-FFF2-40B4-BE49-F238E27FC236}">
+                <a16:creationId xmlns:a16="http://schemas.microsoft.com/office/drawing/2014/main" id="{51733294-8CEF-CD49-8A67-F3D7702F4BAA}"/>
+              </a:ext>
+            </a:extLst>
+          </p:cNvPr>
+          <p:cNvSpPr/>
+          <p:nvPr/>
+        </p:nvSpPr>
+        <p:spPr>
+          <a:xfrm>
+            <a:off x="683568" y="2564904"/>
+            <a:ext cx="2555508" cy="369332"/>
+          </a:xfrm>
+          <a:prstGeom prst="rect">
+            <a:avLst/>
+          </a:prstGeom>
+          <a:solidFill>
+            <a:schemeClr val="tx1"/>
+          </a:solidFill>
+        </p:spPr>
+        <p:txBody>
+          <a:bodyPr wrap="none">
+            <a:spAutoFit/>
+          </a:bodyPr>
+          <a:lstStyle/>
+          <a:p>
+            <a:r>
+              <a:rPr lang="en" altLang="ja-JP" b="0">
+                <a:solidFill>
+                  <a:srgbClr val="D4D4D4"/>
+                </a:solidFill>
+                <a:effectLst/>
+                <a:latin typeface="Menlo" panose="020B0609030804020204" pitchFamily="49" charset="0"/>
+              </a:rPr>
+              <a:t>a = [(</a:t>
+            </a:r>
+            <a:r>
+              <a:rPr lang="en" altLang="ja-JP" b="0">
+                <a:solidFill>
+                  <a:srgbClr val="B5CEA8"/>
+                </a:solidFill>
+                <a:effectLst/>
+                <a:latin typeface="Menlo" panose="020B0609030804020204" pitchFamily="49" charset="0"/>
+              </a:rPr>
+              <a:t>1</a:t>
+            </a:r>
+            <a:r>
+              <a:rPr lang="en" altLang="ja-JP" b="0">
+                <a:solidFill>
+                  <a:srgbClr val="D4D4D4"/>
+                </a:solidFill>
+                <a:effectLst/>
+                <a:latin typeface="Menlo" panose="020B0609030804020204" pitchFamily="49" charset="0"/>
+              </a:rPr>
+              <a:t>,</a:t>
+            </a:r>
+            <a:r>
+              <a:rPr lang="en" altLang="ja-JP" b="0">
+                <a:solidFill>
+                  <a:srgbClr val="B5CEA8"/>
+                </a:solidFill>
+                <a:effectLst/>
+                <a:latin typeface="Menlo" panose="020B0609030804020204" pitchFamily="49" charset="0"/>
+              </a:rPr>
+              <a:t>0</a:t>
+            </a:r>
+            <a:r>
+              <a:rPr lang="en" altLang="ja-JP" b="0">
+                <a:solidFill>
+                  <a:srgbClr val="D4D4D4"/>
+                </a:solidFill>
+                <a:effectLst/>
+                <a:latin typeface="Menlo" panose="020B0609030804020204" pitchFamily="49" charset="0"/>
+              </a:rPr>
+              <a:t>),(</a:t>
+            </a:r>
+            <a:r>
+              <a:rPr lang="en" altLang="ja-JP" b="0">
+                <a:solidFill>
+                  <a:srgbClr val="B5CEA8"/>
+                </a:solidFill>
+                <a:effectLst/>
+                <a:latin typeface="Menlo" panose="020B0609030804020204" pitchFamily="49" charset="0"/>
+              </a:rPr>
+              <a:t>0</a:t>
+            </a:r>
+            <a:r>
+              <a:rPr lang="en" altLang="ja-JP" b="0">
+                <a:solidFill>
+                  <a:srgbClr val="D4D4D4"/>
+                </a:solidFill>
+                <a:effectLst/>
+                <a:latin typeface="Menlo" panose="020B0609030804020204" pitchFamily="49" charset="0"/>
+              </a:rPr>
+              <a:t>,</a:t>
+            </a:r>
+            <a:r>
+              <a:rPr lang="en" altLang="ja-JP" b="0">
+                <a:solidFill>
+                  <a:srgbClr val="B5CEA8"/>
+                </a:solidFill>
+                <a:effectLst/>
+                <a:latin typeface="Menlo" panose="020B0609030804020204" pitchFamily="49" charset="0"/>
+              </a:rPr>
+              <a:t>1</a:t>
+            </a:r>
+            <a:r>
+              <a:rPr lang="en" altLang="ja-JP" b="0">
+                <a:solidFill>
+                  <a:srgbClr val="D4D4D4"/>
+                </a:solidFill>
+                <a:effectLst/>
+                <a:latin typeface="Menlo" panose="020B0609030804020204" pitchFamily="49" charset="0"/>
+              </a:rPr>
+              <a:t>)]</a:t>
+            </a:r>
+          </a:p>
+        </p:txBody>
+      </p:sp>
+      <p:sp>
+        <p:nvSpPr>
+          <p:cNvPr id="18" name="テキスト ボックス 17">
+            <a:extLst>
+              <a:ext uri="{FF2B5EF4-FFF2-40B4-BE49-F238E27FC236}">
+                <a16:creationId xmlns:a16="http://schemas.microsoft.com/office/drawing/2014/main" id="{C21B9E91-021F-7441-9525-A2566F781CA7}"/>
+              </a:ext>
+            </a:extLst>
+          </p:cNvPr>
+          <p:cNvSpPr txBox="1"/>
+          <p:nvPr/>
+        </p:nvSpPr>
+        <p:spPr>
+          <a:xfrm>
+            <a:off x="1619672" y="5589240"/>
+            <a:ext cx="720080" cy="369332"/>
+          </a:xfrm>
+          <a:prstGeom prst="rect">
+            <a:avLst/>
+          </a:prstGeom>
+          <a:noFill/>
+        </p:spPr>
+        <p:txBody>
+          <a:bodyPr wrap="square" rtlCol="0">
+            <a:spAutoFit/>
+          </a:bodyPr>
+          <a:lstStyle/>
+          <a:p>
+            <a:r>
+              <a:rPr kumimoji="1" lang="en-US" altLang="ja-JP"/>
+              <a:t>(1,  0)</a:t>
+            </a:r>
+            <a:endParaRPr kumimoji="1" lang="ja-JP" altLang="en-US"/>
+          </a:p>
+        </p:txBody>
+      </p:sp>
+      <p:sp>
+        <p:nvSpPr>
+          <p:cNvPr id="19" name="テキスト ボックス 18">
+            <a:extLst>
+              <a:ext uri="{FF2B5EF4-FFF2-40B4-BE49-F238E27FC236}">
+                <a16:creationId xmlns:a16="http://schemas.microsoft.com/office/drawing/2014/main" id="{A8A7F2DF-04DF-E541-830B-C5C248346DB2}"/>
+              </a:ext>
+            </a:extLst>
+          </p:cNvPr>
+          <p:cNvSpPr txBox="1"/>
+          <p:nvPr/>
+        </p:nvSpPr>
+        <p:spPr>
+          <a:xfrm>
+            <a:off x="3131840" y="4365104"/>
+            <a:ext cx="720080" cy="369332"/>
+          </a:xfrm>
+          <a:prstGeom prst="rect">
+            <a:avLst/>
+          </a:prstGeom>
+          <a:noFill/>
+        </p:spPr>
+        <p:txBody>
+          <a:bodyPr wrap="square" rtlCol="0">
+            <a:spAutoFit/>
+          </a:bodyPr>
+          <a:lstStyle/>
+          <a:p>
+            <a:r>
+              <a:rPr kumimoji="1" lang="en-US" altLang="ja-JP"/>
+              <a:t>(0, 1)</a:t>
+            </a:r>
+            <a:endParaRPr kumimoji="1" lang="ja-JP" altLang="en-US"/>
+          </a:p>
+        </p:txBody>
+      </p:sp>
+      <p:sp>
+        <p:nvSpPr>
+          <p:cNvPr id="20" name="正方形/長方形 19">
+            <a:extLst>
+              <a:ext uri="{FF2B5EF4-FFF2-40B4-BE49-F238E27FC236}">
+                <a16:creationId xmlns:a16="http://schemas.microsoft.com/office/drawing/2014/main" id="{03CC75E3-82BB-BB49-B11C-10150C3115B5}"/>
+              </a:ext>
+            </a:extLst>
+          </p:cNvPr>
+          <p:cNvSpPr/>
+          <p:nvPr/>
+        </p:nvSpPr>
+        <p:spPr>
+          <a:xfrm>
+            <a:off x="5724128" y="2564904"/>
+            <a:ext cx="1569660" cy="400110"/>
+          </a:xfrm>
+          <a:prstGeom prst="rect">
+            <a:avLst/>
+          </a:prstGeom>
+          <a:solidFill>
+            <a:schemeClr val="tx1"/>
+          </a:solidFill>
+        </p:spPr>
+        <p:txBody>
+          <a:bodyPr wrap="none">
+            <a:spAutoFit/>
+          </a:bodyPr>
+          <a:lstStyle/>
+          <a:p>
+            <a:r>
+              <a:rPr lang="en" altLang="ja-JP" sz="2000" b="0">
+                <a:solidFill>
+                  <a:srgbClr val="D4D4D4"/>
+                </a:solidFill>
+                <a:effectLst/>
+                <a:latin typeface="Menlo" panose="020B0609030804020204" pitchFamily="49" charset="0"/>
+              </a:rPr>
+              <a:t>length(a)</a:t>
+            </a:r>
+          </a:p>
+        </p:txBody>
+      </p:sp>
+      <p:sp>
+        <p:nvSpPr>
+          <p:cNvPr id="21" name="テキスト ボックス 20">
+            <a:extLst>
+              <a:ext uri="{FF2B5EF4-FFF2-40B4-BE49-F238E27FC236}">
+                <a16:creationId xmlns:a16="http://schemas.microsoft.com/office/drawing/2014/main" id="{A6D05BEF-C472-F94A-AED1-4C9722241F08}"/>
+              </a:ext>
+            </a:extLst>
+          </p:cNvPr>
+          <p:cNvSpPr txBox="1"/>
+          <p:nvPr/>
+        </p:nvSpPr>
+        <p:spPr>
+          <a:xfrm>
+            <a:off x="6012160" y="5589240"/>
+            <a:ext cx="720080" cy="369332"/>
+          </a:xfrm>
+          <a:prstGeom prst="rect">
+            <a:avLst/>
+          </a:prstGeom>
+          <a:noFill/>
+        </p:spPr>
+        <p:txBody>
+          <a:bodyPr wrap="square" rtlCol="0">
+            <a:spAutoFit/>
+          </a:bodyPr>
+          <a:lstStyle/>
+          <a:p>
+            <a:r>
+              <a:rPr kumimoji="1" lang="en-US" altLang="ja-JP"/>
+              <a:t>(1,  0)</a:t>
+            </a:r>
+            <a:endParaRPr kumimoji="1" lang="ja-JP" altLang="en-US"/>
+          </a:p>
+        </p:txBody>
+      </p:sp>
+      <p:sp>
+        <p:nvSpPr>
+          <p:cNvPr id="22" name="テキスト ボックス 21">
+            <a:extLst>
+              <a:ext uri="{FF2B5EF4-FFF2-40B4-BE49-F238E27FC236}">
+                <a16:creationId xmlns:a16="http://schemas.microsoft.com/office/drawing/2014/main" id="{C974697A-32EA-F34E-9674-A6FB70AD5216}"/>
+              </a:ext>
+            </a:extLst>
+          </p:cNvPr>
+          <p:cNvSpPr txBox="1"/>
+          <p:nvPr/>
+        </p:nvSpPr>
+        <p:spPr>
+          <a:xfrm>
+            <a:off x="7524328" y="4365104"/>
+            <a:ext cx="720080" cy="369332"/>
+          </a:xfrm>
+          <a:prstGeom prst="rect">
+            <a:avLst/>
+          </a:prstGeom>
+          <a:noFill/>
+        </p:spPr>
+        <p:txBody>
+          <a:bodyPr wrap="square" rtlCol="0">
+            <a:spAutoFit/>
+          </a:bodyPr>
+          <a:lstStyle/>
+          <a:p>
+            <a:r>
+              <a:rPr kumimoji="1" lang="en-US" altLang="ja-JP"/>
+              <a:t>(0, 1)</a:t>
+            </a:r>
+            <a:endParaRPr kumimoji="1" lang="ja-JP" altLang="en-US"/>
+          </a:p>
+        </p:txBody>
+      </p:sp>
+      <mc:AlternateContent xmlns:mc="http://schemas.openxmlformats.org/markup-compatibility/2006">
+        <mc:Choice xmlns:a14="http://schemas.microsoft.com/office/drawing/2010/main" Requires="a14">
+          <p:sp>
+            <p:nvSpPr>
+              <p:cNvPr id="23" name="テキスト ボックス 22">
+                <a:extLst>
+                  <a:ext uri="{FF2B5EF4-FFF2-40B4-BE49-F238E27FC236}">
+                    <a16:creationId xmlns:a16="http://schemas.microsoft.com/office/drawing/2014/main" id="{6B2D199A-CC13-064C-8D87-7822950BA1B2}"/>
+                  </a:ext>
+                </a:extLst>
+              </p:cNvPr>
+              <p:cNvSpPr txBox="1"/>
+              <p:nvPr/>
+            </p:nvSpPr>
+            <p:spPr>
+              <a:xfrm>
+                <a:off x="5724128" y="3933056"/>
+                <a:ext cx="610936" cy="550535"/>
+              </a:xfrm>
+              <a:prstGeom prst="rect">
+                <a:avLst/>
+              </a:prstGeom>
+              <a:noFill/>
+            </p:spPr>
+            <p:txBody>
+              <a:bodyPr wrap="none" lIns="0" tIns="0" rIns="0" bIns="0" rtlCol="0">
+                <a:spAutoFit/>
+              </a:bodyPr>
+              <a:lstStyle/>
+              <a:p>
+                <a14:m>
+                  <m:oMathPara xmlns:m="http://schemas.openxmlformats.org/officeDocument/2006/math">
+                    <m:oMathParaPr>
+                      <m:jc m:val="centerGroup"/>
+                    </m:oMathParaPr>
+                    <m:oMath xmlns:m="http://schemas.openxmlformats.org/officeDocument/2006/math">
+                      <m:rad>
+                        <m:radPr>
+                          <m:degHide m:val="on"/>
+                          <m:ctrlPr>
+                            <a:rPr kumimoji="1" lang="ja-JP" altLang="en-US" sz="3200" i="1">
+                              <a:latin typeface="Cambria Math" panose="02040503050406030204" pitchFamily="18" charset="0"/>
+                            </a:rPr>
+                          </m:ctrlPr>
+                        </m:radPr>
+                        <m:deg/>
+                        <m:e>
+                          <m:r>
+                            <a:rPr kumimoji="1" lang="en-US" altLang="ja-JP" sz="3200" b="0" i="1">
+                              <a:latin typeface="Cambria Math" panose="02040503050406030204" pitchFamily="18" charset="0"/>
+                            </a:rPr>
+                            <m:t>2</m:t>
+                          </m:r>
+                        </m:e>
+                      </m:rad>
+                    </m:oMath>
+                  </m:oMathPara>
+                </a14:m>
+                <a:endParaRPr kumimoji="1" lang="ja-JP" altLang="en-US" sz="3200"/>
+              </a:p>
+            </p:txBody>
+          </p:sp>
+        </mc:Choice>
+        <mc:Fallback>
+          <p:sp>
+            <p:nvSpPr>
+              <p:cNvPr id="23" name="テキスト ボックス 22">
+                <a:extLst>
+                  <a:ext uri="{FF2B5EF4-FFF2-40B4-BE49-F238E27FC236}">
+                    <a16:creationId xmlns:a16="http://schemas.microsoft.com/office/drawing/2014/main" id="{6B2D199A-CC13-064C-8D87-7822950BA1B2}"/>
+                  </a:ext>
+                </a:extLst>
+              </p:cNvPr>
+              <p:cNvSpPr txBox="1">
+                <a:spLocks noRot="1" noChangeAspect="1" noMove="1" noResize="1" noEditPoints="1" noAdjustHandles="1" noChangeArrowheads="1" noChangeShapeType="1" noTextEdit="1"/>
+              </p:cNvSpPr>
+              <p:nvPr/>
+            </p:nvSpPr>
+            <p:spPr>
+              <a:xfrm>
+                <a:off x="5724128" y="3933056"/>
+                <a:ext cx="610936" cy="550535"/>
+              </a:xfrm>
+              <a:prstGeom prst="rect">
+                <a:avLst/>
+              </a:prstGeom>
+              <a:blipFill>
+                <a:blip r:embed="rId2"/>
+                <a:stretch>
+                  <a:fillRect r="-12245" b="-6818"/>
+                </a:stretch>
+              </a:blipFill>
+            </p:spPr>
+            <p:txBody>
+              <a:bodyPr/>
+              <a:lstStyle/>
+              <a:p>
+                <a:r>
+                  <a:rPr lang="ja-JP" altLang="en-US">
+                    <a:noFill/>
+                  </a:rPr>
+                  <a:t> </a:t>
+                </a:r>
+              </a:p>
+            </p:txBody>
+          </p:sp>
+        </mc:Fallback>
+      </mc:AlternateContent>
+      <p:sp>
+        <p:nvSpPr>
+          <p:cNvPr id="24" name="テキスト ボックス 23">
+            <a:extLst>
+              <a:ext uri="{FF2B5EF4-FFF2-40B4-BE49-F238E27FC236}">
+                <a16:creationId xmlns:a16="http://schemas.microsoft.com/office/drawing/2014/main" id="{C3A4787C-F407-E746-827E-25145116C0E4}"/>
+              </a:ext>
+            </a:extLst>
+          </p:cNvPr>
+          <p:cNvSpPr txBox="1"/>
+          <p:nvPr/>
+        </p:nvSpPr>
+        <p:spPr>
+          <a:xfrm>
+            <a:off x="5148064" y="6165304"/>
+            <a:ext cx="3316292" cy="369332"/>
+          </a:xfrm>
+          <a:prstGeom prst="rect">
+            <a:avLst/>
+          </a:prstGeom>
+          <a:noFill/>
+        </p:spPr>
+        <p:txBody>
+          <a:bodyPr wrap="none" rtlCol="0">
+            <a:spAutoFit/>
+          </a:bodyPr>
+          <a:lstStyle/>
+          <a:p>
+            <a:r>
+              <a:rPr kumimoji="1" lang="en-US" altLang="ja-JP"/>
+              <a:t>1.41421356... </a:t>
+            </a:r>
+            <a:r>
+              <a:rPr kumimoji="1" lang="ja-JP" altLang="en-US"/>
+              <a:t>が出力されるはず</a:t>
+            </a:r>
+          </a:p>
+        </p:txBody>
+      </p:sp>
+    </p:spTree>
+    <p:extLst>
+      <p:ext uri="{BB962C8B-B14F-4D97-AF65-F5344CB8AC3E}">
+        <p14:creationId xmlns:p14="http://schemas.microsoft.com/office/powerpoint/2010/main" val="1868606333"/>
+      </p:ext>
+    </p:extLst>
+  </p:cSld>
+  <p:clrMapOvr>
+    <a:masterClrMapping/>
+  </p:clrMapOvr>
+</p:sld>
+</file>
+
+<file path=ppt/slides/slide22.xml><?xml version="1.0" encoding="utf-8"?>
+<p:sld xmlns:a="http://schemas.openxmlformats.org/drawingml/2006/main" xmlns:r="http://schemas.openxmlformats.org/officeDocument/2006/relationships" xmlns:p="http://schemas.openxmlformats.org/presentationml/2006/main">
+  <p:cSld>
+    <p:spTree>
+      <p:nvGrpSpPr>
+        <p:cNvPr id="1" name=""/>
+        <p:cNvGrpSpPr/>
+        <p:nvPr/>
+      </p:nvGrpSpPr>
+      <p:grpSpPr>
+        <a:xfrm>
+          <a:off x="0" y="0"/>
+          <a:ext cx="0" cy="0"/>
+          <a:chOff x="0" y="0"/>
+          <a:chExt cx="0" cy="0"/>
+        </a:xfrm>
+      </p:grpSpPr>
+      <p:sp>
+        <p:nvSpPr>
+          <p:cNvPr id="2" name="テキスト プレースホルダー 1">
+            <a:extLst>
+              <a:ext uri="{FF2B5EF4-FFF2-40B4-BE49-F238E27FC236}">
+                <a16:creationId xmlns:a16="http://schemas.microsoft.com/office/drawing/2014/main" id="{26EA5A25-6843-EF4D-B485-63FAFC9BDFB9}"/>
+              </a:ext>
+            </a:extLst>
+          </p:cNvPr>
+          <p:cNvSpPr>
+            <a:spLocks noGrp="1"/>
+          </p:cNvSpPr>
+          <p:nvPr>
+            <p:ph type="body" sz="quarter" idx="10"/>
+          </p:nvPr>
+        </p:nvSpPr>
+        <p:spPr/>
+        <p:txBody>
+          <a:bodyPr/>
+          <a:lstStyle/>
+          <a:p>
+            <a:r>
+              <a:rPr lang="ja-JP" altLang="en-US"/>
+              <a:t>課題</a:t>
+            </a:r>
+            <a:r>
+              <a:rPr lang="en-US" altLang="ja-JP"/>
+              <a:t>1</a:t>
+            </a:r>
+            <a:r>
+              <a:rPr lang="en-US" altLang="ja-JP">
+                <a:sym typeface="Wingdings" pitchFamily="2" charset="2"/>
+              </a:rPr>
+              <a:t> (3)</a:t>
+            </a:r>
+            <a:r>
+              <a:rPr lang="ja-JP" altLang="en-US">
+                <a:sym typeface="Wingdings" pitchFamily="2" charset="2"/>
+              </a:rPr>
+              <a:t>：ベクトルの変換</a:t>
+            </a:r>
+            <a:endParaRPr lang="ja-JP" altLang="en-US"/>
+          </a:p>
+          <a:p>
+            <a:endParaRPr kumimoji="1" lang="ja-JP" altLang="en-US"/>
+          </a:p>
+        </p:txBody>
+      </p:sp>
+      <p:sp>
+        <p:nvSpPr>
+          <p:cNvPr id="3" name="テキスト ボックス 2">
+            <a:extLst>
+              <a:ext uri="{FF2B5EF4-FFF2-40B4-BE49-F238E27FC236}">
+                <a16:creationId xmlns:a16="http://schemas.microsoft.com/office/drawing/2014/main" id="{369643DD-B2BB-2D4E-9AC3-93B3C4537EF8}"/>
+              </a:ext>
+            </a:extLst>
+          </p:cNvPr>
+          <p:cNvSpPr txBox="1"/>
+          <p:nvPr/>
+        </p:nvSpPr>
+        <p:spPr>
+          <a:xfrm>
+            <a:off x="0" y="1268760"/>
+            <a:ext cx="9232143" cy="461665"/>
+          </a:xfrm>
+          <a:prstGeom prst="rect">
+            <a:avLst/>
+          </a:prstGeom>
+          <a:noFill/>
+        </p:spPr>
+        <p:txBody>
+          <a:bodyPr wrap="none" rtlCol="0">
+            <a:spAutoFit/>
+          </a:bodyPr>
+          <a:lstStyle/>
+          <a:p>
+            <a:r>
+              <a:rPr kumimoji="1" lang="ja-JP" altLang="en-US" sz="2400"/>
+              <a:t>ベクトル一つを変換ベクトルリストで変換する関数</a:t>
+            </a:r>
+            <a:r>
+              <a:rPr kumimoji="1" lang="en-US" altLang="ja-JP" sz="2400"/>
+              <a:t> convert</a:t>
+            </a:r>
+            <a:r>
+              <a:rPr kumimoji="1" lang="ja-JP" altLang="en-US" sz="2400"/>
+              <a:t>の実装</a:t>
+            </a:r>
+          </a:p>
+        </p:txBody>
+      </p:sp>
+      <p:sp>
+        <p:nvSpPr>
+          <p:cNvPr id="4" name="角丸四角形 3">
+            <a:extLst>
+              <a:ext uri="{FF2B5EF4-FFF2-40B4-BE49-F238E27FC236}">
+                <a16:creationId xmlns:a16="http://schemas.microsoft.com/office/drawing/2014/main" id="{EBA65286-261D-8541-ACC2-8A38258C3BF6}"/>
+              </a:ext>
+            </a:extLst>
+          </p:cNvPr>
+          <p:cNvSpPr/>
+          <p:nvPr/>
+        </p:nvSpPr>
+        <p:spPr>
+          <a:xfrm>
+            <a:off x="3131840" y="2780928"/>
+            <a:ext cx="2709272" cy="1580088"/>
+          </a:xfrm>
+          <a:prstGeom prst="roundRect">
+            <a:avLst/>
+          </a:prstGeom>
+          <a:solidFill>
+            <a:schemeClr val="bg1"/>
+          </a:solidFill>
+          <a:ln>
+            <a:solidFill>
+              <a:schemeClr val="tx1"/>
+            </a:solidFill>
+          </a:ln>
+          <a:effectLst>
+            <a:outerShdw blurRad="50800" dist="38100" dir="2700000" algn="tl" rotWithShape="0">
+              <a:prstClr val="black">
+                <a:alpha val="40000"/>
+              </a:prstClr>
+            </a:outerShdw>
+          </a:effectLst>
+        </p:spPr>
+        <p:style>
+          <a:lnRef idx="2">
+            <a:schemeClr val="accent1">
+              <a:shade val="50000"/>
+            </a:schemeClr>
+          </a:lnRef>
+          <a:fillRef idx="1">
+            <a:schemeClr val="accent1"/>
+          </a:fillRef>
+          <a:effectRef idx="0">
+            <a:schemeClr val="accent1"/>
+          </a:effectRef>
+          <a:fontRef idx="minor">
+            <a:schemeClr val="lt1"/>
+          </a:fontRef>
+        </p:style>
+        <p:txBody>
+          <a:bodyPr rtlCol="0" anchor="ctr"/>
+          <a:lstStyle/>
+          <a:p>
+            <a:pPr algn="ctr"/>
+            <a:endParaRPr kumimoji="1" lang="ja-JP" altLang="en-US"/>
+          </a:p>
+        </p:txBody>
+      </p:sp>
+      <p:sp>
+        <p:nvSpPr>
+          <p:cNvPr id="5" name="テキスト ボックス 4">
+            <a:extLst>
+              <a:ext uri="{FF2B5EF4-FFF2-40B4-BE49-F238E27FC236}">
+                <a16:creationId xmlns:a16="http://schemas.microsoft.com/office/drawing/2014/main" id="{FF69CED4-8174-F245-B210-E2ACD49EF4F5}"/>
+              </a:ext>
+            </a:extLst>
+          </p:cNvPr>
+          <p:cNvSpPr txBox="1"/>
+          <p:nvPr/>
+        </p:nvSpPr>
+        <p:spPr>
+          <a:xfrm>
+            <a:off x="3347864" y="2924944"/>
+            <a:ext cx="2312798" cy="369332"/>
+          </a:xfrm>
+          <a:prstGeom prst="rect">
+            <a:avLst/>
+          </a:prstGeom>
+          <a:noFill/>
+        </p:spPr>
+        <p:txBody>
+          <a:bodyPr wrap="square" rtlCol="0">
+            <a:spAutoFit/>
+          </a:bodyPr>
+          <a:lstStyle/>
+          <a:p>
+            <a:r>
+              <a:rPr lang="ja-JP" altLang="en-US" dirty="0"/>
+              <a:t>変換ベクトルリスト</a:t>
+            </a:r>
+            <a:endParaRPr kumimoji="1" lang="ja-JP" altLang="en-US" dirty="0"/>
+          </a:p>
+        </p:txBody>
+      </p:sp>
+      <p:cxnSp>
+        <p:nvCxnSpPr>
+          <p:cNvPr id="6" name="直線矢印コネクタ 5">
+            <a:extLst>
+              <a:ext uri="{FF2B5EF4-FFF2-40B4-BE49-F238E27FC236}">
+                <a16:creationId xmlns:a16="http://schemas.microsoft.com/office/drawing/2014/main" id="{61F2ADD4-526F-0642-9D0F-4D235F20C8E8}"/>
+              </a:ext>
+            </a:extLst>
+          </p:cNvPr>
+          <p:cNvCxnSpPr/>
+          <p:nvPr/>
+        </p:nvCxnSpPr>
+        <p:spPr>
+          <a:xfrm flipV="1">
+            <a:off x="3707904" y="3501008"/>
+            <a:ext cx="720080" cy="720080"/>
+          </a:xfrm>
+          <a:prstGeom prst="straightConnector1">
+            <a:avLst/>
+          </a:prstGeom>
+          <a:ln w="12700">
+            <a:solidFill>
+              <a:schemeClr val="tx1"/>
+            </a:solidFill>
+            <a:tailEnd type="triangle"/>
+          </a:ln>
+        </p:spPr>
+        <p:style>
+          <a:lnRef idx="1">
+            <a:schemeClr val="accent1"/>
+          </a:lnRef>
+          <a:fillRef idx="0">
+            <a:schemeClr val="accent1"/>
+          </a:fillRef>
+          <a:effectRef idx="0">
+            <a:schemeClr val="accent1"/>
+          </a:effectRef>
+          <a:fontRef idx="minor">
+            <a:schemeClr val="tx1"/>
+          </a:fontRef>
+        </p:style>
+      </p:cxnSp>
+      <p:cxnSp>
+        <p:nvCxnSpPr>
+          <p:cNvPr id="7" name="直線矢印コネクタ 6">
+            <a:extLst>
+              <a:ext uri="{FF2B5EF4-FFF2-40B4-BE49-F238E27FC236}">
+                <a16:creationId xmlns:a16="http://schemas.microsoft.com/office/drawing/2014/main" id="{A195CFD5-B148-6747-B327-D7C927708294}"/>
+              </a:ext>
+            </a:extLst>
+          </p:cNvPr>
+          <p:cNvCxnSpPr/>
+          <p:nvPr/>
+        </p:nvCxnSpPr>
+        <p:spPr>
+          <a:xfrm>
+            <a:off x="4427984" y="3501008"/>
+            <a:ext cx="720080" cy="720080"/>
+          </a:xfrm>
+          <a:prstGeom prst="straightConnector1">
+            <a:avLst/>
+          </a:prstGeom>
+          <a:ln w="12700">
+            <a:solidFill>
+              <a:schemeClr val="tx1"/>
+            </a:solidFill>
+            <a:tailEnd type="triangle"/>
+          </a:ln>
+        </p:spPr>
+        <p:style>
+          <a:lnRef idx="1">
+            <a:schemeClr val="accent1"/>
+          </a:lnRef>
+          <a:fillRef idx="0">
+            <a:schemeClr val="accent1"/>
+          </a:fillRef>
+          <a:effectRef idx="0">
+            <a:schemeClr val="accent1"/>
+          </a:effectRef>
+          <a:fontRef idx="minor">
+            <a:schemeClr val="tx1"/>
+          </a:fontRef>
+        </p:style>
+      </p:cxnSp>
+      <p:sp>
+        <p:nvSpPr>
+          <p:cNvPr id="8" name="正方形/長方形 7">
+            <a:extLst>
+              <a:ext uri="{FF2B5EF4-FFF2-40B4-BE49-F238E27FC236}">
+                <a16:creationId xmlns:a16="http://schemas.microsoft.com/office/drawing/2014/main" id="{489ACA51-8C0F-8C4C-9ACB-B2BFDF1B6DE0}"/>
+              </a:ext>
+            </a:extLst>
+          </p:cNvPr>
+          <p:cNvSpPr/>
+          <p:nvPr/>
+        </p:nvSpPr>
+        <p:spPr>
+          <a:xfrm>
+            <a:off x="755576" y="3356992"/>
+            <a:ext cx="1579278" cy="369332"/>
+          </a:xfrm>
+          <a:prstGeom prst="rect">
+            <a:avLst/>
+          </a:prstGeom>
+          <a:solidFill>
+            <a:schemeClr val="tx1"/>
+          </a:solidFill>
+        </p:spPr>
+        <p:txBody>
+          <a:bodyPr wrap="none">
+            <a:spAutoFit/>
+          </a:bodyPr>
+          <a:lstStyle/>
+          <a:p>
+            <a:r>
+              <a:rPr lang="en" altLang="ja-JP" b="0">
+                <a:solidFill>
+                  <a:srgbClr val="D4D4D4"/>
+                </a:solidFill>
+                <a:effectLst/>
+                <a:latin typeface="Menlo" panose="020B0609030804020204" pitchFamily="49" charset="0"/>
+              </a:rPr>
+              <a:t>a = (</a:t>
+            </a:r>
+            <a:r>
+              <a:rPr lang="en" altLang="ja-JP" b="0">
+                <a:solidFill>
+                  <a:srgbClr val="B5CEA8"/>
+                </a:solidFill>
+                <a:effectLst/>
+                <a:latin typeface="Menlo" panose="020B0609030804020204" pitchFamily="49" charset="0"/>
+              </a:rPr>
+              <a:t>0</a:t>
+            </a:r>
+            <a:r>
+              <a:rPr lang="en" altLang="ja-JP" b="0">
+                <a:solidFill>
+                  <a:srgbClr val="D4D4D4"/>
+                </a:solidFill>
+                <a:effectLst/>
+                <a:latin typeface="Menlo" panose="020B0609030804020204" pitchFamily="49" charset="0"/>
+              </a:rPr>
+              <a:t>, </a:t>
+            </a:r>
+            <a:r>
+              <a:rPr lang="en" altLang="ja-JP" b="0">
+                <a:solidFill>
+                  <a:srgbClr val="B5CEA8"/>
+                </a:solidFill>
+                <a:effectLst/>
+                <a:latin typeface="Menlo" panose="020B0609030804020204" pitchFamily="49" charset="0"/>
+              </a:rPr>
+              <a:t>1</a:t>
+            </a:r>
+            <a:r>
+              <a:rPr lang="en" altLang="ja-JP" b="0">
+                <a:solidFill>
+                  <a:srgbClr val="D4D4D4"/>
+                </a:solidFill>
+                <a:effectLst/>
+                <a:latin typeface="Menlo" panose="020B0609030804020204" pitchFamily="49" charset="0"/>
+              </a:rPr>
+              <a:t>)</a:t>
+            </a:r>
+          </a:p>
+        </p:txBody>
+      </p:sp>
+      <p:sp>
+        <p:nvSpPr>
+          <p:cNvPr id="9" name="正方形/長方形 8">
+            <a:extLst>
+              <a:ext uri="{FF2B5EF4-FFF2-40B4-BE49-F238E27FC236}">
+                <a16:creationId xmlns:a16="http://schemas.microsoft.com/office/drawing/2014/main" id="{7C8C2742-B20D-8241-8725-3F2A89666B30}"/>
+              </a:ext>
+            </a:extLst>
+          </p:cNvPr>
+          <p:cNvSpPr/>
+          <p:nvPr/>
+        </p:nvSpPr>
+        <p:spPr>
+          <a:xfrm>
+            <a:off x="2915816" y="2204864"/>
+            <a:ext cx="3113353" cy="369332"/>
+          </a:xfrm>
+          <a:prstGeom prst="rect">
+            <a:avLst/>
+          </a:prstGeom>
+          <a:solidFill>
+            <a:schemeClr val="tx1"/>
+          </a:solidFill>
+        </p:spPr>
+        <p:txBody>
+          <a:bodyPr wrap="none">
+            <a:spAutoFit/>
+          </a:bodyPr>
+          <a:lstStyle/>
+          <a:p>
+            <a:r>
+              <a:rPr lang="en" altLang="ja-JP" b="0">
+                <a:solidFill>
+                  <a:srgbClr val="D4D4D4"/>
+                </a:solidFill>
+                <a:effectLst/>
+                <a:latin typeface="Menlo" panose="020B0609030804020204" pitchFamily="49" charset="0"/>
+              </a:rPr>
+              <a:t>b = [(</a:t>
+            </a:r>
+            <a:r>
+              <a:rPr lang="en" altLang="ja-JP" b="0">
+                <a:solidFill>
+                  <a:srgbClr val="B5CEA8"/>
+                </a:solidFill>
+                <a:effectLst/>
+                <a:latin typeface="Menlo" panose="020B0609030804020204" pitchFamily="49" charset="0"/>
+              </a:rPr>
+              <a:t>1</a:t>
+            </a:r>
+            <a:r>
+              <a:rPr lang="en" altLang="ja-JP" b="0">
+                <a:solidFill>
+                  <a:srgbClr val="D4D4D4"/>
+                </a:solidFill>
+                <a:effectLst/>
+                <a:latin typeface="Menlo" panose="020B0609030804020204" pitchFamily="49" charset="0"/>
+              </a:rPr>
+              <a:t>, </a:t>
+            </a:r>
+            <a:r>
+              <a:rPr lang="en" altLang="ja-JP" b="0">
+                <a:solidFill>
+                  <a:srgbClr val="B5CEA8"/>
+                </a:solidFill>
+                <a:effectLst/>
+                <a:latin typeface="Menlo" panose="020B0609030804020204" pitchFamily="49" charset="0"/>
+              </a:rPr>
+              <a:t>1</a:t>
+            </a:r>
+            <a:r>
+              <a:rPr lang="en" altLang="ja-JP" b="0">
+                <a:solidFill>
+                  <a:srgbClr val="D4D4D4"/>
+                </a:solidFill>
+                <a:effectLst/>
+                <a:latin typeface="Menlo" panose="020B0609030804020204" pitchFamily="49" charset="0"/>
+              </a:rPr>
+              <a:t>), (-</a:t>
+            </a:r>
+            <a:r>
+              <a:rPr lang="en" altLang="ja-JP" b="0">
+                <a:solidFill>
+                  <a:srgbClr val="B5CEA8"/>
+                </a:solidFill>
+                <a:effectLst/>
+                <a:latin typeface="Menlo" panose="020B0609030804020204" pitchFamily="49" charset="0"/>
+              </a:rPr>
+              <a:t>1</a:t>
+            </a:r>
+            <a:r>
+              <a:rPr lang="en" altLang="ja-JP" b="0">
+                <a:solidFill>
+                  <a:srgbClr val="D4D4D4"/>
+                </a:solidFill>
+                <a:effectLst/>
+                <a:latin typeface="Menlo" panose="020B0609030804020204" pitchFamily="49" charset="0"/>
+              </a:rPr>
+              <a:t>, </a:t>
+            </a:r>
+            <a:r>
+              <a:rPr lang="en" altLang="ja-JP" b="0">
+                <a:solidFill>
+                  <a:srgbClr val="B5CEA8"/>
+                </a:solidFill>
+                <a:effectLst/>
+                <a:latin typeface="Menlo" panose="020B0609030804020204" pitchFamily="49" charset="0"/>
+              </a:rPr>
+              <a:t>1</a:t>
+            </a:r>
+            <a:r>
+              <a:rPr lang="en" altLang="ja-JP" b="0">
+                <a:solidFill>
+                  <a:srgbClr val="D4D4D4"/>
+                </a:solidFill>
+                <a:effectLst/>
+                <a:latin typeface="Menlo" panose="020B0609030804020204" pitchFamily="49" charset="0"/>
+              </a:rPr>
+              <a:t>)]</a:t>
+            </a:r>
+          </a:p>
+        </p:txBody>
+      </p:sp>
+      <p:sp>
+        <p:nvSpPr>
+          <p:cNvPr id="10" name="正方形/長方形 9">
+            <a:extLst>
+              <a:ext uri="{FF2B5EF4-FFF2-40B4-BE49-F238E27FC236}">
+                <a16:creationId xmlns:a16="http://schemas.microsoft.com/office/drawing/2014/main" id="{D228A7A5-B188-164D-ABDC-65753CAC83B3}"/>
+              </a:ext>
+            </a:extLst>
+          </p:cNvPr>
+          <p:cNvSpPr/>
+          <p:nvPr/>
+        </p:nvSpPr>
+        <p:spPr>
+          <a:xfrm>
+            <a:off x="6372200" y="3284984"/>
+            <a:ext cx="1997663" cy="369332"/>
+          </a:xfrm>
+          <a:prstGeom prst="rect">
+            <a:avLst/>
+          </a:prstGeom>
+          <a:solidFill>
+            <a:schemeClr val="tx1"/>
+          </a:solidFill>
+        </p:spPr>
+        <p:txBody>
+          <a:bodyPr wrap="none">
+            <a:spAutoFit/>
+          </a:bodyPr>
+          <a:lstStyle/>
+          <a:p>
+            <a:r>
+              <a:rPr lang="en" altLang="ja-JP" b="0">
+                <a:solidFill>
+                  <a:srgbClr val="D4D4D4"/>
+                </a:solidFill>
+                <a:effectLst/>
+                <a:latin typeface="Menlo" panose="020B0609030804020204" pitchFamily="49" charset="0"/>
+              </a:rPr>
+              <a:t>convert(a, b)</a:t>
+            </a:r>
+          </a:p>
+        </p:txBody>
+      </p:sp>
+      <p:cxnSp>
+        <p:nvCxnSpPr>
+          <p:cNvPr id="11" name="直線矢印コネクタ 10">
+            <a:extLst>
+              <a:ext uri="{FF2B5EF4-FFF2-40B4-BE49-F238E27FC236}">
+                <a16:creationId xmlns:a16="http://schemas.microsoft.com/office/drawing/2014/main" id="{24EC8AA4-3243-754C-B0BF-1A760EA014D1}"/>
+              </a:ext>
+            </a:extLst>
+          </p:cNvPr>
+          <p:cNvCxnSpPr/>
+          <p:nvPr/>
+        </p:nvCxnSpPr>
+        <p:spPr>
+          <a:xfrm flipV="1">
+            <a:off x="1619672" y="4293096"/>
+            <a:ext cx="0" cy="1440160"/>
+          </a:xfrm>
+          <a:prstGeom prst="straightConnector1">
+            <a:avLst/>
+          </a:prstGeom>
+          <a:ln w="12700">
+            <a:solidFill>
+              <a:schemeClr val="tx1"/>
+            </a:solidFill>
+            <a:tailEnd type="triangle"/>
+          </a:ln>
+        </p:spPr>
+        <p:style>
+          <a:lnRef idx="1">
+            <a:schemeClr val="accent1"/>
+          </a:lnRef>
+          <a:fillRef idx="0">
+            <a:schemeClr val="accent1"/>
+          </a:fillRef>
+          <a:effectRef idx="0">
+            <a:schemeClr val="accent1"/>
+          </a:effectRef>
+          <a:fontRef idx="minor">
+            <a:schemeClr val="tx1"/>
+          </a:fontRef>
+        </p:style>
+      </p:cxnSp>
+      <p:grpSp>
+        <p:nvGrpSpPr>
+          <p:cNvPr id="12" name="グループ化 11">
+            <a:extLst>
+              <a:ext uri="{FF2B5EF4-FFF2-40B4-BE49-F238E27FC236}">
+                <a16:creationId xmlns:a16="http://schemas.microsoft.com/office/drawing/2014/main" id="{113E6962-A351-4546-9CE3-4F3E19BA2F27}"/>
+              </a:ext>
+            </a:extLst>
+          </p:cNvPr>
+          <p:cNvGrpSpPr/>
+          <p:nvPr/>
+        </p:nvGrpSpPr>
+        <p:grpSpPr>
+          <a:xfrm>
+            <a:off x="6804248" y="4221088"/>
+            <a:ext cx="720080" cy="1440160"/>
+            <a:chOff x="5436096" y="3501008"/>
+            <a:chExt cx="720080" cy="1440160"/>
+          </a:xfrm>
+        </p:grpSpPr>
+        <p:cxnSp>
+          <p:nvCxnSpPr>
+            <p:cNvPr id="13" name="直線矢印コネクタ 12">
+              <a:extLst>
+                <a:ext uri="{FF2B5EF4-FFF2-40B4-BE49-F238E27FC236}">
+                  <a16:creationId xmlns:a16="http://schemas.microsoft.com/office/drawing/2014/main" id="{2E4FF881-E641-554A-B371-210D6D084AE0}"/>
+                </a:ext>
+              </a:extLst>
+            </p:cNvPr>
+            <p:cNvCxnSpPr/>
+            <p:nvPr/>
+          </p:nvCxnSpPr>
+          <p:spPr>
+            <a:xfrm flipH="1" flipV="1">
+              <a:off x="5436096" y="4221088"/>
+              <a:ext cx="720080" cy="720080"/>
+            </a:xfrm>
+            <a:prstGeom prst="straightConnector1">
+              <a:avLst/>
+            </a:prstGeom>
+            <a:ln w="12700">
+              <a:solidFill>
+                <a:schemeClr val="tx1"/>
+              </a:solidFill>
+              <a:tailEnd type="triangle"/>
+            </a:ln>
+          </p:spPr>
+          <p:style>
+            <a:lnRef idx="1">
+              <a:schemeClr val="accent1"/>
+            </a:lnRef>
+            <a:fillRef idx="0">
+              <a:schemeClr val="accent1"/>
+            </a:fillRef>
+            <a:effectRef idx="0">
+              <a:schemeClr val="accent1"/>
+            </a:effectRef>
+            <a:fontRef idx="minor">
+              <a:schemeClr val="tx1"/>
+            </a:fontRef>
+          </p:style>
+        </p:cxnSp>
+        <p:cxnSp>
+          <p:nvCxnSpPr>
+            <p:cNvPr id="14" name="直線矢印コネクタ 13">
+              <a:extLst>
+                <a:ext uri="{FF2B5EF4-FFF2-40B4-BE49-F238E27FC236}">
+                  <a16:creationId xmlns:a16="http://schemas.microsoft.com/office/drawing/2014/main" id="{7C64C9C2-3642-0747-836C-BCA36E5C64C4}"/>
+                </a:ext>
+              </a:extLst>
+            </p:cNvPr>
+            <p:cNvCxnSpPr/>
+            <p:nvPr/>
+          </p:nvCxnSpPr>
+          <p:spPr>
+            <a:xfrm flipV="1">
+              <a:off x="5436096" y="3501008"/>
+              <a:ext cx="720080" cy="720080"/>
+            </a:xfrm>
+            <a:prstGeom prst="straightConnector1">
+              <a:avLst/>
+            </a:prstGeom>
+            <a:ln w="12700">
+              <a:solidFill>
+                <a:schemeClr val="tx1"/>
+              </a:solidFill>
+              <a:tailEnd type="triangle"/>
+            </a:ln>
+          </p:spPr>
+          <p:style>
+            <a:lnRef idx="1">
+              <a:schemeClr val="accent1"/>
+            </a:lnRef>
+            <a:fillRef idx="0">
+              <a:schemeClr val="accent1"/>
+            </a:fillRef>
+            <a:effectRef idx="0">
+              <a:schemeClr val="accent1"/>
+            </a:effectRef>
+            <a:fontRef idx="minor">
+              <a:schemeClr val="tx1"/>
+            </a:fontRef>
+          </p:style>
+        </p:cxnSp>
+      </p:grpSp>
+      <p:cxnSp>
+        <p:nvCxnSpPr>
+          <p:cNvPr id="15" name="直線矢印コネクタ 14">
+            <a:extLst>
+              <a:ext uri="{FF2B5EF4-FFF2-40B4-BE49-F238E27FC236}">
+                <a16:creationId xmlns:a16="http://schemas.microsoft.com/office/drawing/2014/main" id="{C612BFA7-B40A-C242-8B44-B25B275920BC}"/>
+              </a:ext>
+            </a:extLst>
+          </p:cNvPr>
+          <p:cNvCxnSpPr/>
+          <p:nvPr/>
+        </p:nvCxnSpPr>
+        <p:spPr>
+          <a:xfrm flipV="1">
+            <a:off x="7596162" y="4221088"/>
+            <a:ext cx="0" cy="1463422"/>
+          </a:xfrm>
+          <a:prstGeom prst="straightConnector1">
+            <a:avLst/>
+          </a:prstGeom>
+          <a:ln w="12700">
+            <a:solidFill>
+              <a:schemeClr val="bg1">
+                <a:lumMod val="65000"/>
+              </a:schemeClr>
+            </a:solidFill>
+            <a:prstDash val="sysDash"/>
+            <a:tailEnd type="triangle"/>
+          </a:ln>
+        </p:spPr>
+        <p:style>
+          <a:lnRef idx="1">
+            <a:schemeClr val="accent1"/>
+          </a:lnRef>
+          <a:fillRef idx="0">
+            <a:schemeClr val="accent1"/>
+          </a:fillRef>
+          <a:effectRef idx="0">
+            <a:schemeClr val="accent1"/>
+          </a:effectRef>
+          <a:fontRef idx="minor">
+            <a:schemeClr val="tx1"/>
+          </a:fontRef>
+        </p:style>
+      </p:cxnSp>
+      <p:sp>
+        <p:nvSpPr>
+          <p:cNvPr id="16" name="右矢印 15">
+            <a:extLst>
+              <a:ext uri="{FF2B5EF4-FFF2-40B4-BE49-F238E27FC236}">
+                <a16:creationId xmlns:a16="http://schemas.microsoft.com/office/drawing/2014/main" id="{69BD302A-A02B-1D45-BF20-350E598391A3}"/>
+              </a:ext>
+            </a:extLst>
+          </p:cNvPr>
+          <p:cNvSpPr/>
+          <p:nvPr/>
+        </p:nvSpPr>
+        <p:spPr>
+          <a:xfrm>
+            <a:off x="2483768" y="4869160"/>
+            <a:ext cx="3816424" cy="360040"/>
+          </a:xfrm>
+          <a:prstGeom prst="rightArrow">
+            <a:avLst/>
+          </a:prstGeom>
+          <a:solidFill>
+            <a:srgbClr val="FF0000"/>
+          </a:solidFill>
+          <a:ln>
+            <a:solidFill>
+              <a:schemeClr val="tx1"/>
+            </a:solidFill>
+          </a:ln>
+        </p:spPr>
+        <p:style>
+          <a:lnRef idx="2">
+            <a:schemeClr val="accent1">
+              <a:shade val="50000"/>
+            </a:schemeClr>
+          </a:lnRef>
+          <a:fillRef idx="1">
+            <a:schemeClr val="accent1"/>
+          </a:fillRef>
+          <a:effectRef idx="0">
+            <a:schemeClr val="accent1"/>
+          </a:effectRef>
+          <a:fontRef idx="minor">
+            <a:schemeClr val="lt1"/>
+          </a:fontRef>
+        </p:style>
+        <p:txBody>
+          <a:bodyPr rtlCol="0" anchor="ctr"/>
+          <a:lstStyle/>
+          <a:p>
+            <a:pPr algn="ctr"/>
+            <a:endParaRPr kumimoji="1" lang="ja-JP" altLang="en-US"/>
+          </a:p>
+        </p:txBody>
+      </p:sp>
+      <p:sp>
+        <p:nvSpPr>
+          <p:cNvPr id="17" name="正方形/長方形 16">
+            <a:extLst>
+              <a:ext uri="{FF2B5EF4-FFF2-40B4-BE49-F238E27FC236}">
+                <a16:creationId xmlns:a16="http://schemas.microsoft.com/office/drawing/2014/main" id="{D53552DF-063A-AD45-8045-12E067070C73}"/>
+              </a:ext>
+            </a:extLst>
+          </p:cNvPr>
+          <p:cNvSpPr/>
+          <p:nvPr/>
+        </p:nvSpPr>
+        <p:spPr>
+          <a:xfrm>
+            <a:off x="5076056" y="5877272"/>
+            <a:ext cx="3950120" cy="369332"/>
+          </a:xfrm>
+          <a:prstGeom prst="rect">
+            <a:avLst/>
+          </a:prstGeom>
+          <a:solidFill>
+            <a:schemeClr val="tx1"/>
+          </a:solidFill>
+        </p:spPr>
+        <p:txBody>
+          <a:bodyPr wrap="none">
+            <a:spAutoFit/>
+          </a:bodyPr>
+          <a:lstStyle/>
+          <a:p>
+            <a:r>
+              <a:rPr lang="en-US" altLang="ja-JP" b="0">
+                <a:solidFill>
+                  <a:srgbClr val="D4D4D4"/>
+                </a:solidFill>
+                <a:effectLst/>
+                <a:latin typeface="Menlo" panose="020B0609030804020204" pitchFamily="49" charset="0"/>
+              </a:rPr>
+              <a:t>[(-</a:t>
+            </a:r>
+            <a:r>
+              <a:rPr lang="en-US" altLang="ja-JP" b="0">
+                <a:solidFill>
+                  <a:srgbClr val="B5CEA8"/>
+                </a:solidFill>
+                <a:effectLst/>
+                <a:latin typeface="Menlo" panose="020B0609030804020204" pitchFamily="49" charset="0"/>
+              </a:rPr>
+              <a:t>0.5</a:t>
+            </a:r>
+            <a:r>
+              <a:rPr lang="en-US" altLang="ja-JP" b="0">
+                <a:solidFill>
+                  <a:srgbClr val="D4D4D4"/>
+                </a:solidFill>
+                <a:effectLst/>
+                <a:latin typeface="Menlo" panose="020B0609030804020204" pitchFamily="49" charset="0"/>
+              </a:rPr>
+              <a:t>, </a:t>
+            </a:r>
+            <a:r>
+              <a:rPr lang="en-US" altLang="ja-JP" b="0">
+                <a:solidFill>
+                  <a:srgbClr val="B5CEA8"/>
+                </a:solidFill>
+                <a:effectLst/>
+                <a:latin typeface="Menlo" panose="020B0609030804020204" pitchFamily="49" charset="0"/>
+              </a:rPr>
+              <a:t>0.5</a:t>
+            </a:r>
+            <a:r>
+              <a:rPr lang="en-US" altLang="ja-JP" b="0">
+                <a:solidFill>
+                  <a:srgbClr val="D4D4D4"/>
+                </a:solidFill>
+                <a:effectLst/>
+                <a:latin typeface="Menlo" panose="020B0609030804020204" pitchFamily="49" charset="0"/>
+              </a:rPr>
+              <a:t>), (-</a:t>
+            </a:r>
+            <a:r>
+              <a:rPr lang="en-US" altLang="ja-JP" b="0">
+                <a:solidFill>
+                  <a:srgbClr val="B5CEA8"/>
+                </a:solidFill>
+                <a:effectLst/>
+                <a:latin typeface="Menlo" panose="020B0609030804020204" pitchFamily="49" charset="0"/>
+              </a:rPr>
+              <a:t>0.5</a:t>
+            </a:r>
+            <a:r>
+              <a:rPr lang="en-US" altLang="ja-JP" b="0">
+                <a:solidFill>
+                  <a:srgbClr val="D4D4D4"/>
+                </a:solidFill>
+                <a:effectLst/>
+                <a:latin typeface="Menlo" panose="020B0609030804020204" pitchFamily="49" charset="0"/>
+              </a:rPr>
+              <a:t>, -</a:t>
+            </a:r>
+            <a:r>
+              <a:rPr lang="en-US" altLang="ja-JP" b="0">
+                <a:solidFill>
+                  <a:srgbClr val="B5CEA8"/>
+                </a:solidFill>
+                <a:effectLst/>
+                <a:latin typeface="Menlo" panose="020B0609030804020204" pitchFamily="49" charset="0"/>
+              </a:rPr>
+              <a:t>0.5</a:t>
+            </a:r>
+            <a:r>
+              <a:rPr lang="en-US" altLang="ja-JP" b="0">
+                <a:solidFill>
+                  <a:srgbClr val="D4D4D4"/>
+                </a:solidFill>
+                <a:effectLst/>
+                <a:latin typeface="Menlo" panose="020B0609030804020204" pitchFamily="49" charset="0"/>
+              </a:rPr>
+              <a:t>)]</a:t>
+            </a:r>
+          </a:p>
+        </p:txBody>
+      </p:sp>
+    </p:spTree>
+    <p:extLst>
+      <p:ext uri="{BB962C8B-B14F-4D97-AF65-F5344CB8AC3E}">
+        <p14:creationId xmlns:p14="http://schemas.microsoft.com/office/powerpoint/2010/main" val="1931680080"/>
+      </p:ext>
+    </p:extLst>
+  </p:cSld>
+  <p:clrMapOvr>
+    <a:masterClrMapping/>
+  </p:clrMapOvr>
+</p:sld>
+</file>
+
+<file path=ppt/slides/slide23.xml><?xml version="1.0" encoding="utf-8"?>
+<p:sld xmlns:a="http://schemas.openxmlformats.org/drawingml/2006/main" xmlns:r="http://schemas.openxmlformats.org/officeDocument/2006/relationships" xmlns:p="http://schemas.openxmlformats.org/presentationml/2006/main">
+  <p:cSld>
+    <p:spTree>
+      <p:nvGrpSpPr>
+        <p:cNvPr id="1" name=""/>
+        <p:cNvGrpSpPr/>
+        <p:nvPr/>
+      </p:nvGrpSpPr>
+      <p:grpSpPr>
+        <a:xfrm>
+          <a:off x="0" y="0"/>
+          <a:ext cx="0" cy="0"/>
+          <a:chOff x="0" y="0"/>
+          <a:chExt cx="0" cy="0"/>
+        </a:xfrm>
+      </p:grpSpPr>
+      <p:sp>
+        <p:nvSpPr>
+          <p:cNvPr id="2" name="テキスト プレースホルダー 1">
+            <a:extLst>
+              <a:ext uri="{FF2B5EF4-FFF2-40B4-BE49-F238E27FC236}">
+                <a16:creationId xmlns:a16="http://schemas.microsoft.com/office/drawing/2014/main" id="{732D3901-1A35-5A45-8150-979E22B74811}"/>
+              </a:ext>
+            </a:extLst>
+          </p:cNvPr>
+          <p:cNvSpPr>
+            <a:spLocks noGrp="1"/>
+          </p:cNvSpPr>
+          <p:nvPr>
+            <p:ph type="body" sz="quarter" idx="10"/>
+          </p:nvPr>
+        </p:nvSpPr>
+        <p:spPr/>
+        <p:txBody>
+          <a:bodyPr/>
+          <a:lstStyle/>
+          <a:p>
+            <a:r>
+              <a:rPr lang="ja-JP" altLang="en-US"/>
+              <a:t>課題</a:t>
+            </a:r>
+            <a:r>
+              <a:rPr lang="en-US" altLang="ja-JP"/>
+              <a:t>1</a:t>
+            </a:r>
+            <a:r>
+              <a:rPr lang="en-US" altLang="ja-JP">
+                <a:sym typeface="Wingdings" pitchFamily="2" charset="2"/>
+              </a:rPr>
+              <a:t> (4)</a:t>
+            </a:r>
+            <a:r>
+              <a:rPr lang="ja-JP" altLang="en-US">
+                <a:sym typeface="Wingdings" pitchFamily="2" charset="2"/>
+              </a:rPr>
+              <a:t>：複数のベクトルの変換</a:t>
+            </a:r>
+            <a:endParaRPr lang="ja-JP" altLang="en-US"/>
+          </a:p>
+          <a:p>
+            <a:endParaRPr lang="ja-JP" altLang="en-US"/>
+          </a:p>
+          <a:p>
+            <a:endParaRPr kumimoji="1" lang="ja-JP" altLang="en-US"/>
+          </a:p>
+        </p:txBody>
+      </p:sp>
+      <p:sp>
+        <p:nvSpPr>
+          <p:cNvPr id="3" name="角丸四角形 2">
+            <a:extLst>
+              <a:ext uri="{FF2B5EF4-FFF2-40B4-BE49-F238E27FC236}">
+                <a16:creationId xmlns:a16="http://schemas.microsoft.com/office/drawing/2014/main" id="{30A1B054-612E-A247-B233-8D8C625A4830}"/>
+              </a:ext>
+            </a:extLst>
+          </p:cNvPr>
+          <p:cNvSpPr/>
+          <p:nvPr/>
+        </p:nvSpPr>
+        <p:spPr>
+          <a:xfrm>
+            <a:off x="3203848" y="980728"/>
+            <a:ext cx="2709272" cy="1580088"/>
+          </a:xfrm>
+          <a:prstGeom prst="roundRect">
+            <a:avLst/>
+          </a:prstGeom>
+          <a:solidFill>
+            <a:schemeClr val="bg1"/>
+          </a:solidFill>
+          <a:ln>
+            <a:solidFill>
+              <a:schemeClr val="tx1"/>
+            </a:solidFill>
+          </a:ln>
+          <a:effectLst>
+            <a:outerShdw blurRad="50800" dist="38100" dir="2700000" algn="tl" rotWithShape="0">
+              <a:prstClr val="black">
+                <a:alpha val="40000"/>
+              </a:prstClr>
+            </a:outerShdw>
+          </a:effectLst>
+        </p:spPr>
+        <p:style>
+          <a:lnRef idx="2">
+            <a:schemeClr val="accent1">
+              <a:shade val="50000"/>
+            </a:schemeClr>
+          </a:lnRef>
+          <a:fillRef idx="1">
+            <a:schemeClr val="accent1"/>
+          </a:fillRef>
+          <a:effectRef idx="0">
+            <a:schemeClr val="accent1"/>
+          </a:effectRef>
+          <a:fontRef idx="minor">
+            <a:schemeClr val="lt1"/>
+          </a:fontRef>
+        </p:style>
+        <p:txBody>
+          <a:bodyPr rtlCol="0" anchor="ctr"/>
+          <a:lstStyle/>
+          <a:p>
+            <a:pPr algn="ctr"/>
+            <a:endParaRPr kumimoji="1" lang="ja-JP" altLang="en-US"/>
+          </a:p>
+        </p:txBody>
+      </p:sp>
+      <p:sp>
+        <p:nvSpPr>
+          <p:cNvPr id="4" name="テキスト ボックス 3">
+            <a:extLst>
+              <a:ext uri="{FF2B5EF4-FFF2-40B4-BE49-F238E27FC236}">
+                <a16:creationId xmlns:a16="http://schemas.microsoft.com/office/drawing/2014/main" id="{90E7649E-B34A-514D-A9BF-03D98748A999}"/>
+              </a:ext>
+            </a:extLst>
+          </p:cNvPr>
+          <p:cNvSpPr txBox="1"/>
+          <p:nvPr/>
+        </p:nvSpPr>
+        <p:spPr>
+          <a:xfrm>
+            <a:off x="3419872" y="1124744"/>
+            <a:ext cx="2312798" cy="369332"/>
+          </a:xfrm>
+          <a:prstGeom prst="rect">
+            <a:avLst/>
+          </a:prstGeom>
+          <a:noFill/>
+        </p:spPr>
+        <p:txBody>
+          <a:bodyPr wrap="square" rtlCol="0">
+            <a:spAutoFit/>
+          </a:bodyPr>
+          <a:lstStyle/>
+          <a:p>
+            <a:r>
+              <a:rPr lang="ja-JP" altLang="en-US" dirty="0"/>
+              <a:t>変換ベクトルリスト</a:t>
+            </a:r>
+            <a:endParaRPr kumimoji="1" lang="ja-JP" altLang="en-US" dirty="0"/>
+          </a:p>
+        </p:txBody>
+      </p:sp>
+      <p:cxnSp>
+        <p:nvCxnSpPr>
+          <p:cNvPr id="5" name="直線矢印コネクタ 4">
+            <a:extLst>
+              <a:ext uri="{FF2B5EF4-FFF2-40B4-BE49-F238E27FC236}">
+                <a16:creationId xmlns:a16="http://schemas.microsoft.com/office/drawing/2014/main" id="{B443A47B-DEBB-9449-97C1-05CEA1576206}"/>
+              </a:ext>
+            </a:extLst>
+          </p:cNvPr>
+          <p:cNvCxnSpPr/>
+          <p:nvPr/>
+        </p:nvCxnSpPr>
+        <p:spPr>
+          <a:xfrm flipV="1">
+            <a:off x="3779912" y="1700808"/>
+            <a:ext cx="720080" cy="720080"/>
+          </a:xfrm>
+          <a:prstGeom prst="straightConnector1">
+            <a:avLst/>
+          </a:prstGeom>
+          <a:ln w="12700">
+            <a:solidFill>
+              <a:schemeClr val="tx1"/>
+            </a:solidFill>
+            <a:tailEnd type="triangle"/>
+          </a:ln>
+        </p:spPr>
+        <p:style>
+          <a:lnRef idx="1">
+            <a:schemeClr val="accent1"/>
+          </a:lnRef>
+          <a:fillRef idx="0">
+            <a:schemeClr val="accent1"/>
+          </a:fillRef>
+          <a:effectRef idx="0">
+            <a:schemeClr val="accent1"/>
+          </a:effectRef>
+          <a:fontRef idx="minor">
+            <a:schemeClr val="tx1"/>
+          </a:fontRef>
+        </p:style>
+      </p:cxnSp>
+      <p:cxnSp>
+        <p:nvCxnSpPr>
+          <p:cNvPr id="6" name="直線矢印コネクタ 5">
+            <a:extLst>
+              <a:ext uri="{FF2B5EF4-FFF2-40B4-BE49-F238E27FC236}">
+                <a16:creationId xmlns:a16="http://schemas.microsoft.com/office/drawing/2014/main" id="{878F36B4-61A1-0142-9B49-22E6EB9D0AB5}"/>
+              </a:ext>
+            </a:extLst>
+          </p:cNvPr>
+          <p:cNvCxnSpPr/>
+          <p:nvPr/>
+        </p:nvCxnSpPr>
+        <p:spPr>
+          <a:xfrm>
+            <a:off x="4499992" y="1700808"/>
+            <a:ext cx="720080" cy="720080"/>
+          </a:xfrm>
+          <a:prstGeom prst="straightConnector1">
+            <a:avLst/>
+          </a:prstGeom>
+          <a:ln w="12700">
+            <a:solidFill>
+              <a:schemeClr val="tx1"/>
+            </a:solidFill>
+            <a:tailEnd type="triangle"/>
+          </a:ln>
+        </p:spPr>
+        <p:style>
+          <a:lnRef idx="1">
+            <a:schemeClr val="accent1"/>
+          </a:lnRef>
+          <a:fillRef idx="0">
+            <a:schemeClr val="accent1"/>
+          </a:fillRef>
+          <a:effectRef idx="0">
+            <a:schemeClr val="accent1"/>
+          </a:effectRef>
+          <a:fontRef idx="minor">
+            <a:schemeClr val="tx1"/>
+          </a:fontRef>
+        </p:style>
+      </p:cxnSp>
+      <p:cxnSp>
+        <p:nvCxnSpPr>
+          <p:cNvPr id="8" name="直線矢印コネクタ 7">
+            <a:extLst>
+              <a:ext uri="{FF2B5EF4-FFF2-40B4-BE49-F238E27FC236}">
+                <a16:creationId xmlns:a16="http://schemas.microsoft.com/office/drawing/2014/main" id="{237DD5C2-CE61-EA4C-8977-54F6F5D38F09}"/>
+              </a:ext>
+            </a:extLst>
+          </p:cNvPr>
+          <p:cNvCxnSpPr>
+            <a:cxnSpLocks/>
+          </p:cNvCxnSpPr>
+          <p:nvPr/>
+        </p:nvCxnSpPr>
+        <p:spPr>
+          <a:xfrm>
+            <a:off x="467544" y="5013176"/>
+            <a:ext cx="1224136" cy="0"/>
+          </a:xfrm>
+          <a:prstGeom prst="straightConnector1">
+            <a:avLst/>
+          </a:prstGeom>
+          <a:ln>
+            <a:solidFill>
+              <a:schemeClr val="tx1"/>
+            </a:solidFill>
+            <a:headEnd type="none" w="med" len="med"/>
+            <a:tailEnd type="triangle"/>
+          </a:ln>
+        </p:spPr>
+        <p:style>
+          <a:lnRef idx="1">
+            <a:schemeClr val="accent1"/>
+          </a:lnRef>
+          <a:fillRef idx="0">
+            <a:schemeClr val="accent1"/>
+          </a:fillRef>
+          <a:effectRef idx="0">
+            <a:schemeClr val="accent1"/>
+          </a:effectRef>
+          <a:fontRef idx="minor">
+            <a:schemeClr val="tx1"/>
+          </a:fontRef>
+        </p:style>
+      </p:cxnSp>
+      <p:cxnSp>
+        <p:nvCxnSpPr>
+          <p:cNvPr id="9" name="直線矢印コネクタ 8">
+            <a:extLst>
+              <a:ext uri="{FF2B5EF4-FFF2-40B4-BE49-F238E27FC236}">
+                <a16:creationId xmlns:a16="http://schemas.microsoft.com/office/drawing/2014/main" id="{4D982D75-3D7D-254D-9B13-8FFD9C499A3A}"/>
+              </a:ext>
+            </a:extLst>
+          </p:cNvPr>
+          <p:cNvCxnSpPr>
+            <a:cxnSpLocks/>
+          </p:cNvCxnSpPr>
+          <p:nvPr/>
+        </p:nvCxnSpPr>
+        <p:spPr>
+          <a:xfrm flipV="1">
+            <a:off x="1691680" y="3789040"/>
+            <a:ext cx="0" cy="1224136"/>
+          </a:xfrm>
+          <a:prstGeom prst="straightConnector1">
+            <a:avLst/>
+          </a:prstGeom>
+          <a:ln>
+            <a:solidFill>
+              <a:schemeClr val="tx1"/>
+            </a:solidFill>
+            <a:headEnd type="none" w="med" len="med"/>
+            <a:tailEnd type="triangle"/>
+          </a:ln>
+        </p:spPr>
+        <p:style>
+          <a:lnRef idx="1">
+            <a:schemeClr val="accent1"/>
+          </a:lnRef>
+          <a:fillRef idx="0">
+            <a:schemeClr val="accent1"/>
+          </a:fillRef>
+          <a:effectRef idx="0">
+            <a:schemeClr val="accent1"/>
+          </a:effectRef>
+          <a:fontRef idx="minor">
+            <a:schemeClr val="tx1"/>
+          </a:fontRef>
+        </p:style>
+      </p:cxnSp>
+      <p:sp>
+        <p:nvSpPr>
+          <p:cNvPr id="16" name="テキスト ボックス 15">
+            <a:extLst>
+              <a:ext uri="{FF2B5EF4-FFF2-40B4-BE49-F238E27FC236}">
+                <a16:creationId xmlns:a16="http://schemas.microsoft.com/office/drawing/2014/main" id="{A084AAB8-EBD6-EB48-BD54-6374B47C0336}"/>
+              </a:ext>
+            </a:extLst>
+          </p:cNvPr>
+          <p:cNvSpPr txBox="1"/>
+          <p:nvPr/>
+        </p:nvSpPr>
+        <p:spPr>
+          <a:xfrm>
+            <a:off x="1403648" y="5733256"/>
+            <a:ext cx="5341912" cy="369332"/>
+          </a:xfrm>
+          <a:prstGeom prst="rect">
+            <a:avLst/>
+          </a:prstGeom>
+          <a:noFill/>
+        </p:spPr>
+        <p:txBody>
+          <a:bodyPr wrap="none" rtlCol="0">
+            <a:spAutoFit/>
+          </a:bodyPr>
+          <a:lstStyle/>
+          <a:p>
+            <a:r>
+              <a:rPr kumimoji="1" lang="en-US" altLang="ja-JP"/>
+              <a:t>TODO: </a:t>
+            </a:r>
+            <a:r>
+              <a:rPr kumimoji="1" lang="ja-JP" altLang="en-US"/>
+              <a:t>入力ベクトル</a:t>
+            </a:r>
+            <a:r>
+              <a:rPr lang="ja-JP" altLang="en-US"/>
+              <a:t>が良くないので修正すること</a:t>
+            </a:r>
+            <a:endParaRPr kumimoji="1" lang="ja-JP" altLang="en-US"/>
+          </a:p>
+        </p:txBody>
+      </p:sp>
+    </p:spTree>
+    <p:extLst>
+      <p:ext uri="{BB962C8B-B14F-4D97-AF65-F5344CB8AC3E}">
+        <p14:creationId xmlns:p14="http://schemas.microsoft.com/office/powerpoint/2010/main" val="275676158"/>
       </p:ext>
     </p:extLst>
   </p:cSld>

--- a/list/fig/slide.pptx
+++ b/list/fig/slide.pptx
@@ -5,7 +5,7 @@
     <p:sldMasterId id="2147483663" r:id="rId1"/>
   </p:sldMasterIdLst>
   <p:notesMasterIdLst>
-    <p:notesMasterId r:id="rId25"/>
+    <p:notesMasterId r:id="rId27"/>
   </p:notesMasterIdLst>
   <p:sldIdLst>
     <p:sldId id="256" r:id="rId2"/>
@@ -31,6 +31,8 @@
     <p:sldId id="307" r:id="rId22"/>
     <p:sldId id="308" r:id="rId23"/>
     <p:sldId id="309" r:id="rId24"/>
+    <p:sldId id="310" r:id="rId25"/>
+    <p:sldId id="311" r:id="rId26"/>
   </p:sldIdLst>
   <p:sldSz cx="9144000" cy="6858000" type="screen4x3"/>
   <p:notesSz cx="6858000" cy="9144000"/>
@@ -229,7 +231,7 @@
           </a:lstStyle>
           <a:p>
             <a:fld id="{6B8D1B20-A248-FB47-8240-73C0C5F47C9D}" type="datetimeFigureOut">
-              <a:t>2019/10/7</a:t>
+              <a:t>2019/10/8</a:t>
             </a:fld>
             <a:endParaRPr kumimoji="1" lang="ja-JP" altLang="en-US"/>
           </a:p>
@@ -20085,8 +20087,8 @@
           </a:p>
         </p:txBody>
       </p:sp>
-      <mc:AlternateContent xmlns:mc="http://schemas.openxmlformats.org/markup-compatibility/2006">
-        <mc:Choice xmlns:a14="http://schemas.microsoft.com/office/drawing/2010/main" Requires="a14">
+      <mc:AlternateContent xmlns:mc="http://schemas.openxmlformats.org/markup-compatibility/2006" xmlns:a14="http://schemas.microsoft.com/office/drawing/2010/main">
+        <mc:Choice Requires="a14">
           <p:sp>
             <p:nvSpPr>
               <p:cNvPr id="23" name="テキスト ボックス 22">
@@ -20115,6 +20117,7 @@
               </a:bodyPr>
               <a:lstStyle/>
               <a:p>
+                <a:pPr/>
                 <a14:m>
                   <m:oMathPara xmlns:m="http://schemas.openxmlformats.org/officeDocument/2006/math">
                     <m:oMathParaPr>
@@ -20148,7 +20151,7 @@
             </p:txBody>
           </p:sp>
         </mc:Choice>
-        <mc:Fallback>
+        <mc:Fallback xmlns="">
           <p:sp>
             <p:nvSpPr>
               <p:cNvPr id="23" name="テキスト ボックス 22">
@@ -20695,7 +20698,7 @@
                 <a:effectLst/>
                 <a:latin typeface="Menlo" panose="020B0609030804020204" pitchFamily="49" charset="0"/>
               </a:rPr>
-              <a:t>), (-</a:t>
+              <a:t>), (</a:t>
             </a:r>
             <a:r>
               <a:rPr lang="en" altLang="ja-JP" b="0">
@@ -20715,7 +20718,7 @@
                 <a:effectLst/>
                 <a:latin typeface="Menlo" panose="020B0609030804020204" pitchFamily="49" charset="0"/>
               </a:rPr>
-              <a:t>, </a:t>
+              <a:t>, -</a:t>
             </a:r>
             <a:r>
               <a:rPr lang="en" altLang="ja-JP" b="0">
@@ -20989,8 +20992,8 @@
         </p:nvSpPr>
         <p:spPr>
           <a:xfrm>
-            <a:off x="2483768" y="4869160"/>
-            <a:ext cx="3816424" cy="360040"/>
+            <a:off x="4211960" y="4725144"/>
+            <a:ext cx="504056" cy="504056"/>
           </a:xfrm>
           <a:prstGeom prst="rightArrow">
             <a:avLst/>
@@ -21044,7 +21047,7 @@
         <p:spPr>
           <a:xfrm>
             <a:off x="5076056" y="5877272"/>
-            <a:ext cx="3950120" cy="369332"/>
+            <a:ext cx="3671198" cy="369332"/>
           </a:xfrm>
           <a:prstGeom prst="rect">
             <a:avLst/>
@@ -21107,7 +21110,7 @@
                 <a:effectLst/>
                 <a:latin typeface="Menlo" panose="020B0609030804020204" pitchFamily="49" charset="0"/>
               </a:rPr>
-              <a:t>), (-</a:t>
+              <a:t>), (</a:t>
             </a:r>
             <a:r>
               <a:rPr lang="en-US" altLang="ja-JP" b="0">
@@ -21127,7 +21130,7 @@
                 <a:effectLst/>
                 <a:latin typeface="Menlo" panose="020B0609030804020204" pitchFamily="49" charset="0"/>
               </a:rPr>
-              <a:t>, -</a:t>
+              <a:t>, </a:t>
             </a:r>
             <a:r>
               <a:rPr lang="en-US" altLang="ja-JP" b="0">
@@ -21247,7 +21250,7 @@
         </p:nvSpPr>
         <p:spPr>
           <a:xfrm>
-            <a:off x="3203848" y="980728"/>
+            <a:off x="3275856" y="1412776"/>
             <a:ext cx="2709272" cy="1580088"/>
           </a:xfrm>
           <a:prstGeom prst="roundRect">
@@ -21308,7 +21311,7 @@
         </p:nvSpPr>
         <p:spPr>
           <a:xfrm>
-            <a:off x="3419872" y="1124744"/>
+            <a:off x="3491880" y="1556792"/>
             <a:ext cx="2312798" cy="369332"/>
           </a:xfrm>
           <a:prstGeom prst="rect">
@@ -21344,7 +21347,7 @@
         </p:nvCxnSpPr>
         <p:spPr>
           <a:xfrm flipV="1">
-            <a:off x="3779912" y="1700808"/>
+            <a:off x="3851920" y="2132856"/>
             <a:ext cx="720080" cy="720080"/>
           </a:xfrm>
           <a:prstGeom prst="straightConnector1">
@@ -21386,7 +21389,7 @@
         </p:nvCxnSpPr>
         <p:spPr>
           <a:xfrm>
-            <a:off x="4499992" y="1700808"/>
+            <a:off x="4572000" y="2132856"/>
             <a:ext cx="720080" cy="720080"/>
           </a:xfrm>
           <a:prstGeom prst="straightConnector1">
@@ -21430,7 +21433,7 @@
         </p:nvCxnSpPr>
         <p:spPr>
           <a:xfrm>
-            <a:off x="467544" y="5013176"/>
+            <a:off x="1090856" y="4218528"/>
             <a:ext cx="1224136" cy="0"/>
           </a:xfrm>
           <a:prstGeom prst="straightConnector1">
@@ -21475,7 +21478,7 @@
         </p:nvCxnSpPr>
         <p:spPr>
           <a:xfrm flipV="1">
-            <a:off x="1691680" y="3789040"/>
+            <a:off x="2339752" y="4221088"/>
             <a:ext cx="0" cy="1224136"/>
           </a:xfrm>
           <a:prstGeom prst="straightConnector1">
@@ -21485,8 +21488,8 @@
             <a:solidFill>
               <a:schemeClr val="tx1"/>
             </a:solidFill>
-            <a:headEnd type="none" w="med" len="med"/>
-            <a:tailEnd type="triangle"/>
+            <a:headEnd type="triangle" w="med" len="med"/>
+            <a:tailEnd type="none" w="med" len="med"/>
           </a:ln>
         </p:spPr>
         <p:style>
@@ -21506,45 +21509,707 @@
       </p:cxnSp>
       <p:sp>
         <p:nvSpPr>
-          <p:cNvPr id="16" name="テキスト ボックス 15">
-            <a:extLst>
-              <a:ext uri="{FF2B5EF4-FFF2-40B4-BE49-F238E27FC236}">
-                <a16:creationId xmlns:a16="http://schemas.microsoft.com/office/drawing/2014/main" id="{A084AAB8-EBD6-EB48-BD54-6374B47C0336}"/>
-              </a:ext>
-            </a:extLst>
-          </p:cNvPr>
-          <p:cNvSpPr txBox="1"/>
-          <p:nvPr/>
-        </p:nvSpPr>
-        <p:spPr>
-          <a:xfrm>
-            <a:off x="1403648" y="5733256"/>
-            <a:ext cx="5341912" cy="369332"/>
+          <p:cNvPr id="7" name="正方形/長方形 6">
+            <a:extLst>
+              <a:ext uri="{FF2B5EF4-FFF2-40B4-BE49-F238E27FC236}">
+                <a16:creationId xmlns:a16="http://schemas.microsoft.com/office/drawing/2014/main" id="{B3D8AC7E-B001-244A-B79C-A88E2F88124D}"/>
+              </a:ext>
+            </a:extLst>
+          </p:cNvPr>
+          <p:cNvSpPr/>
+          <p:nvPr/>
+        </p:nvSpPr>
+        <p:spPr>
+          <a:xfrm>
+            <a:off x="384488" y="3164840"/>
+            <a:ext cx="2694969" cy="369332"/>
           </a:xfrm>
           <a:prstGeom prst="rect">
             <a:avLst/>
           </a:prstGeom>
-          <a:noFill/>
-        </p:spPr>
-        <p:txBody>
-          <a:bodyPr wrap="none" rtlCol="0">
+          <a:solidFill>
+            <a:schemeClr val="tx1"/>
+          </a:solidFill>
+        </p:spPr>
+        <p:txBody>
+          <a:bodyPr wrap="none">
             <a:spAutoFit/>
           </a:bodyPr>
           <a:lstStyle/>
           <a:p>
             <a:r>
-              <a:rPr kumimoji="1" lang="en-US" altLang="ja-JP"/>
-              <a:t>TODO: </a:t>
-            </a:r>
-            <a:r>
-              <a:rPr kumimoji="1" lang="ja-JP" altLang="en-US"/>
-              <a:t>入力ベクトル</a:t>
-            </a:r>
-            <a:r>
-              <a:rPr lang="ja-JP" altLang="en-US"/>
-              <a:t>が良くないので修正すること</a:t>
-            </a:r>
+              <a:rPr lang="en" altLang="ja-JP" b="0">
+                <a:solidFill>
+                  <a:srgbClr val="D4D4D4"/>
+                </a:solidFill>
+                <a:effectLst/>
+                <a:latin typeface="Menlo" panose="020B0609030804020204" pitchFamily="49" charset="0"/>
+              </a:rPr>
+              <a:t>a = [(</a:t>
+            </a:r>
+            <a:r>
+              <a:rPr lang="en" altLang="ja-JP" b="0">
+                <a:solidFill>
+                  <a:srgbClr val="B5CEA8"/>
+                </a:solidFill>
+                <a:effectLst/>
+                <a:latin typeface="Menlo" panose="020B0609030804020204" pitchFamily="49" charset="0"/>
+              </a:rPr>
+              <a:t>1</a:t>
+            </a:r>
+            <a:r>
+              <a:rPr lang="en" altLang="ja-JP" b="0">
+                <a:solidFill>
+                  <a:srgbClr val="D4D4D4"/>
+                </a:solidFill>
+                <a:effectLst/>
+                <a:latin typeface="Menlo" panose="020B0609030804020204" pitchFamily="49" charset="0"/>
+              </a:rPr>
+              <a:t>,</a:t>
+            </a:r>
+            <a:r>
+              <a:rPr lang="en" altLang="ja-JP" b="0">
+                <a:solidFill>
+                  <a:srgbClr val="B5CEA8"/>
+                </a:solidFill>
+                <a:effectLst/>
+                <a:latin typeface="Menlo" panose="020B0609030804020204" pitchFamily="49" charset="0"/>
+              </a:rPr>
+              <a:t>0</a:t>
+            </a:r>
+            <a:r>
+              <a:rPr lang="en" altLang="ja-JP" b="0">
+                <a:solidFill>
+                  <a:srgbClr val="D4D4D4"/>
+                </a:solidFill>
+                <a:effectLst/>
+                <a:latin typeface="Menlo" panose="020B0609030804020204" pitchFamily="49" charset="0"/>
+              </a:rPr>
+              <a:t>),(</a:t>
+            </a:r>
+            <a:r>
+              <a:rPr lang="en" altLang="ja-JP" b="0">
+                <a:solidFill>
+                  <a:srgbClr val="B5CEA8"/>
+                </a:solidFill>
+                <a:effectLst/>
+                <a:latin typeface="Menlo" panose="020B0609030804020204" pitchFamily="49" charset="0"/>
+              </a:rPr>
+              <a:t>0</a:t>
+            </a:r>
+            <a:r>
+              <a:rPr lang="en" altLang="ja-JP" b="0">
+                <a:solidFill>
+                  <a:srgbClr val="D4D4D4"/>
+                </a:solidFill>
+                <a:effectLst/>
+                <a:latin typeface="Menlo" panose="020B0609030804020204" pitchFamily="49" charset="0"/>
+              </a:rPr>
+              <a:t>,-</a:t>
+            </a:r>
+            <a:r>
+              <a:rPr lang="en" altLang="ja-JP" b="0">
+                <a:solidFill>
+                  <a:srgbClr val="B5CEA8"/>
+                </a:solidFill>
+                <a:effectLst/>
+                <a:latin typeface="Menlo" panose="020B0609030804020204" pitchFamily="49" charset="0"/>
+              </a:rPr>
+              <a:t>1</a:t>
+            </a:r>
+            <a:r>
+              <a:rPr lang="en" altLang="ja-JP" b="0">
+                <a:solidFill>
+                  <a:srgbClr val="D4D4D4"/>
+                </a:solidFill>
+                <a:effectLst/>
+                <a:latin typeface="Menlo" panose="020B0609030804020204" pitchFamily="49" charset="0"/>
+              </a:rPr>
+              <a:t>)]</a:t>
+            </a:r>
+          </a:p>
+        </p:txBody>
+      </p:sp>
+      <p:sp>
+        <p:nvSpPr>
+          <p:cNvPr id="12" name="右矢印 11">
+            <a:extLst>
+              <a:ext uri="{FF2B5EF4-FFF2-40B4-BE49-F238E27FC236}">
+                <a16:creationId xmlns:a16="http://schemas.microsoft.com/office/drawing/2014/main" id="{8CA0DD4F-67C8-4840-B482-F82658B556CC}"/>
+              </a:ext>
+            </a:extLst>
+          </p:cNvPr>
+          <p:cNvSpPr/>
+          <p:nvPr/>
+        </p:nvSpPr>
+        <p:spPr>
+          <a:xfrm>
+            <a:off x="4283968" y="4509120"/>
+            <a:ext cx="504056" cy="504056"/>
+          </a:xfrm>
+          <a:prstGeom prst="rightArrow">
+            <a:avLst/>
+          </a:prstGeom>
+          <a:solidFill>
+            <a:srgbClr val="FF0000"/>
+          </a:solidFill>
+          <a:ln>
+            <a:solidFill>
+              <a:schemeClr val="tx1"/>
+            </a:solidFill>
+          </a:ln>
+        </p:spPr>
+        <p:style>
+          <a:lnRef idx="2">
+            <a:schemeClr val="accent1">
+              <a:shade val="50000"/>
+            </a:schemeClr>
+          </a:lnRef>
+          <a:fillRef idx="1">
+            <a:schemeClr val="accent1"/>
+          </a:fillRef>
+          <a:effectRef idx="0">
+            <a:schemeClr val="accent1"/>
+          </a:effectRef>
+          <a:fontRef idx="minor">
+            <a:schemeClr val="lt1"/>
+          </a:fontRef>
+        </p:style>
+        <p:txBody>
+          <a:bodyPr rtlCol="0" anchor="ctr"/>
+          <a:lstStyle/>
+          <a:p>
+            <a:pPr algn="ctr"/>
             <a:endParaRPr kumimoji="1" lang="ja-JP" altLang="en-US"/>
+          </a:p>
+        </p:txBody>
+      </p:sp>
+      <p:sp>
+        <p:nvSpPr>
+          <p:cNvPr id="13" name="正方形/長方形 12">
+            <a:extLst>
+              <a:ext uri="{FF2B5EF4-FFF2-40B4-BE49-F238E27FC236}">
+                <a16:creationId xmlns:a16="http://schemas.microsoft.com/office/drawing/2014/main" id="{C639B562-B5A1-7D43-88D3-889AEA79E93C}"/>
+              </a:ext>
+            </a:extLst>
+          </p:cNvPr>
+          <p:cNvSpPr/>
+          <p:nvPr/>
+        </p:nvSpPr>
+        <p:spPr>
+          <a:xfrm>
+            <a:off x="3059832" y="980728"/>
+            <a:ext cx="3113353" cy="369332"/>
+          </a:xfrm>
+          <a:prstGeom prst="rect">
+            <a:avLst/>
+          </a:prstGeom>
+          <a:solidFill>
+            <a:schemeClr val="tx1"/>
+          </a:solidFill>
+        </p:spPr>
+        <p:txBody>
+          <a:bodyPr wrap="none">
+            <a:spAutoFit/>
+          </a:bodyPr>
+          <a:lstStyle/>
+          <a:p>
+            <a:r>
+              <a:rPr lang="en" altLang="ja-JP" b="0">
+                <a:solidFill>
+                  <a:srgbClr val="D4D4D4"/>
+                </a:solidFill>
+                <a:effectLst/>
+                <a:latin typeface="Menlo" panose="020B0609030804020204" pitchFamily="49" charset="0"/>
+              </a:rPr>
+              <a:t>b = [(</a:t>
+            </a:r>
+            <a:r>
+              <a:rPr lang="en" altLang="ja-JP" b="0">
+                <a:solidFill>
+                  <a:srgbClr val="B5CEA8"/>
+                </a:solidFill>
+                <a:effectLst/>
+                <a:latin typeface="Menlo" panose="020B0609030804020204" pitchFamily="49" charset="0"/>
+              </a:rPr>
+              <a:t>1</a:t>
+            </a:r>
+            <a:r>
+              <a:rPr lang="en" altLang="ja-JP" b="0">
+                <a:solidFill>
+                  <a:srgbClr val="D4D4D4"/>
+                </a:solidFill>
+                <a:effectLst/>
+                <a:latin typeface="Menlo" panose="020B0609030804020204" pitchFamily="49" charset="0"/>
+              </a:rPr>
+              <a:t>, </a:t>
+            </a:r>
+            <a:r>
+              <a:rPr lang="en" altLang="ja-JP" b="0">
+                <a:solidFill>
+                  <a:srgbClr val="B5CEA8"/>
+                </a:solidFill>
+                <a:effectLst/>
+                <a:latin typeface="Menlo" panose="020B0609030804020204" pitchFamily="49" charset="0"/>
+              </a:rPr>
+              <a:t>1</a:t>
+            </a:r>
+            <a:r>
+              <a:rPr lang="en" altLang="ja-JP" b="0">
+                <a:solidFill>
+                  <a:srgbClr val="D4D4D4"/>
+                </a:solidFill>
+                <a:effectLst/>
+                <a:latin typeface="Menlo" panose="020B0609030804020204" pitchFamily="49" charset="0"/>
+              </a:rPr>
+              <a:t>), (</a:t>
+            </a:r>
+            <a:r>
+              <a:rPr lang="en" altLang="ja-JP" b="0">
+                <a:solidFill>
+                  <a:srgbClr val="B5CEA8"/>
+                </a:solidFill>
+                <a:effectLst/>
+                <a:latin typeface="Menlo" panose="020B0609030804020204" pitchFamily="49" charset="0"/>
+              </a:rPr>
+              <a:t>1</a:t>
+            </a:r>
+            <a:r>
+              <a:rPr lang="en" altLang="ja-JP" b="0">
+                <a:solidFill>
+                  <a:srgbClr val="D4D4D4"/>
+                </a:solidFill>
+                <a:effectLst/>
+                <a:latin typeface="Menlo" panose="020B0609030804020204" pitchFamily="49" charset="0"/>
+              </a:rPr>
+              <a:t>, -</a:t>
+            </a:r>
+            <a:r>
+              <a:rPr lang="en" altLang="ja-JP" b="0">
+                <a:solidFill>
+                  <a:srgbClr val="B5CEA8"/>
+                </a:solidFill>
+                <a:effectLst/>
+                <a:latin typeface="Menlo" panose="020B0609030804020204" pitchFamily="49" charset="0"/>
+              </a:rPr>
+              <a:t>1</a:t>
+            </a:r>
+            <a:r>
+              <a:rPr lang="en" altLang="ja-JP" b="0">
+                <a:solidFill>
+                  <a:srgbClr val="D4D4D4"/>
+                </a:solidFill>
+                <a:effectLst/>
+                <a:latin typeface="Menlo" panose="020B0609030804020204" pitchFamily="49" charset="0"/>
+              </a:rPr>
+              <a:t>)]</a:t>
+            </a:r>
+          </a:p>
+        </p:txBody>
+      </p:sp>
+      <p:grpSp>
+        <p:nvGrpSpPr>
+          <p:cNvPr id="22" name="グループ化 21">
+            <a:extLst>
+              <a:ext uri="{FF2B5EF4-FFF2-40B4-BE49-F238E27FC236}">
+                <a16:creationId xmlns:a16="http://schemas.microsoft.com/office/drawing/2014/main" id="{5A74E1DB-A5DE-1B42-9A69-B971C6CCE963}"/>
+              </a:ext>
+            </a:extLst>
+          </p:cNvPr>
+          <p:cNvGrpSpPr/>
+          <p:nvPr/>
+        </p:nvGrpSpPr>
+        <p:grpSpPr>
+          <a:xfrm>
+            <a:off x="6059408" y="3850640"/>
+            <a:ext cx="1217136" cy="608568"/>
+            <a:chOff x="5846048" y="2733680"/>
+            <a:chExt cx="2448272" cy="1224136"/>
+          </a:xfrm>
+        </p:grpSpPr>
+        <p:cxnSp>
+          <p:nvCxnSpPr>
+            <p:cNvPr id="17" name="直線矢印コネクタ 16">
+              <a:extLst>
+                <a:ext uri="{FF2B5EF4-FFF2-40B4-BE49-F238E27FC236}">
+                  <a16:creationId xmlns:a16="http://schemas.microsoft.com/office/drawing/2014/main" id="{D82AB6B9-B529-B546-B711-2F44EB479807}"/>
+                </a:ext>
+              </a:extLst>
+            </p:cNvPr>
+            <p:cNvCxnSpPr/>
+            <p:nvPr/>
+          </p:nvCxnSpPr>
+          <p:spPr>
+            <a:xfrm flipV="1">
+              <a:off x="5846048" y="2733680"/>
+              <a:ext cx="1224136" cy="1224136"/>
+            </a:xfrm>
+            <a:prstGeom prst="straightConnector1">
+              <a:avLst/>
+            </a:prstGeom>
+            <a:ln>
+              <a:solidFill>
+                <a:schemeClr val="tx1"/>
+              </a:solidFill>
+              <a:headEnd type="none" w="med" len="med"/>
+              <a:tailEnd type="triangle"/>
+            </a:ln>
+          </p:spPr>
+          <p:style>
+            <a:lnRef idx="1">
+              <a:schemeClr val="accent1"/>
+            </a:lnRef>
+            <a:fillRef idx="0">
+              <a:schemeClr val="accent1"/>
+            </a:fillRef>
+            <a:effectRef idx="0">
+              <a:schemeClr val="accent1"/>
+            </a:effectRef>
+            <a:fontRef idx="minor">
+              <a:schemeClr val="tx1"/>
+            </a:fontRef>
+          </p:style>
+        </p:cxnSp>
+        <p:cxnSp>
+          <p:nvCxnSpPr>
+            <p:cNvPr id="19" name="直線矢印コネクタ 18">
+              <a:extLst>
+                <a:ext uri="{FF2B5EF4-FFF2-40B4-BE49-F238E27FC236}">
+                  <a16:creationId xmlns:a16="http://schemas.microsoft.com/office/drawing/2014/main" id="{9B922BDE-2470-7B44-B91F-F898006DDB27}"/>
+                </a:ext>
+              </a:extLst>
+            </p:cNvPr>
+            <p:cNvCxnSpPr/>
+            <p:nvPr/>
+          </p:nvCxnSpPr>
+          <p:spPr>
+            <a:xfrm>
+              <a:off x="7070184" y="2733680"/>
+              <a:ext cx="1224136" cy="1224136"/>
+            </a:xfrm>
+            <a:prstGeom prst="straightConnector1">
+              <a:avLst/>
+            </a:prstGeom>
+            <a:ln>
+              <a:solidFill>
+                <a:schemeClr val="tx1"/>
+              </a:solidFill>
+              <a:headEnd type="none" w="med" len="med"/>
+              <a:tailEnd type="triangle"/>
+            </a:ln>
+          </p:spPr>
+          <p:style>
+            <a:lnRef idx="1">
+              <a:schemeClr val="accent1"/>
+            </a:lnRef>
+            <a:fillRef idx="0">
+              <a:schemeClr val="accent1"/>
+            </a:fillRef>
+            <a:effectRef idx="0">
+              <a:schemeClr val="accent1"/>
+            </a:effectRef>
+            <a:fontRef idx="minor">
+              <a:schemeClr val="tx1"/>
+            </a:fontRef>
+          </p:style>
+        </p:cxnSp>
+      </p:grpSp>
+      <p:grpSp>
+        <p:nvGrpSpPr>
+          <p:cNvPr id="23" name="グループ化 22">
+            <a:extLst>
+              <a:ext uri="{FF2B5EF4-FFF2-40B4-BE49-F238E27FC236}">
+                <a16:creationId xmlns:a16="http://schemas.microsoft.com/office/drawing/2014/main" id="{A69FEEB8-770F-704F-9F86-044FA5FB2335}"/>
+              </a:ext>
+            </a:extLst>
+          </p:cNvPr>
+          <p:cNvGrpSpPr/>
+          <p:nvPr/>
+        </p:nvGrpSpPr>
+        <p:grpSpPr>
+          <a:xfrm rot="5400000">
+            <a:off x="7034768" y="4805680"/>
+            <a:ext cx="1176496" cy="588248"/>
+            <a:chOff x="5846048" y="2733680"/>
+            <a:chExt cx="2448272" cy="1224136"/>
+          </a:xfrm>
+        </p:grpSpPr>
+        <p:cxnSp>
+          <p:nvCxnSpPr>
+            <p:cNvPr id="24" name="直線矢印コネクタ 23">
+              <a:extLst>
+                <a:ext uri="{FF2B5EF4-FFF2-40B4-BE49-F238E27FC236}">
+                  <a16:creationId xmlns:a16="http://schemas.microsoft.com/office/drawing/2014/main" id="{65B41540-3543-F24B-AD89-176ED8E7431F}"/>
+                </a:ext>
+              </a:extLst>
+            </p:cNvPr>
+            <p:cNvCxnSpPr/>
+            <p:nvPr/>
+          </p:nvCxnSpPr>
+          <p:spPr>
+            <a:xfrm flipV="1">
+              <a:off x="5846048" y="2733680"/>
+              <a:ext cx="1224136" cy="1224136"/>
+            </a:xfrm>
+            <a:prstGeom prst="straightConnector1">
+              <a:avLst/>
+            </a:prstGeom>
+            <a:ln>
+              <a:solidFill>
+                <a:schemeClr val="tx1"/>
+              </a:solidFill>
+              <a:headEnd type="none" w="med" len="med"/>
+              <a:tailEnd type="triangle"/>
+            </a:ln>
+          </p:spPr>
+          <p:style>
+            <a:lnRef idx="1">
+              <a:schemeClr val="accent1"/>
+            </a:lnRef>
+            <a:fillRef idx="0">
+              <a:schemeClr val="accent1"/>
+            </a:fillRef>
+            <a:effectRef idx="0">
+              <a:schemeClr val="accent1"/>
+            </a:effectRef>
+            <a:fontRef idx="minor">
+              <a:schemeClr val="tx1"/>
+            </a:fontRef>
+          </p:style>
+        </p:cxnSp>
+        <p:cxnSp>
+          <p:nvCxnSpPr>
+            <p:cNvPr id="25" name="直線矢印コネクタ 24">
+              <a:extLst>
+                <a:ext uri="{FF2B5EF4-FFF2-40B4-BE49-F238E27FC236}">
+                  <a16:creationId xmlns:a16="http://schemas.microsoft.com/office/drawing/2014/main" id="{4DAC2882-0323-0C40-BC52-C0B2B0F8F684}"/>
+                </a:ext>
+              </a:extLst>
+            </p:cNvPr>
+            <p:cNvCxnSpPr/>
+            <p:nvPr/>
+          </p:nvCxnSpPr>
+          <p:spPr>
+            <a:xfrm>
+              <a:off x="7070184" y="2733680"/>
+              <a:ext cx="1224136" cy="1224136"/>
+            </a:xfrm>
+            <a:prstGeom prst="straightConnector1">
+              <a:avLst/>
+            </a:prstGeom>
+            <a:ln>
+              <a:solidFill>
+                <a:schemeClr val="tx1"/>
+              </a:solidFill>
+              <a:headEnd type="none" w="med" len="med"/>
+              <a:tailEnd type="triangle"/>
+            </a:ln>
+          </p:spPr>
+          <p:style>
+            <a:lnRef idx="1">
+              <a:schemeClr val="accent1"/>
+            </a:lnRef>
+            <a:fillRef idx="0">
+              <a:schemeClr val="accent1"/>
+            </a:fillRef>
+            <a:effectRef idx="0">
+              <a:schemeClr val="accent1"/>
+            </a:effectRef>
+            <a:fontRef idx="minor">
+              <a:schemeClr val="tx1"/>
+            </a:fontRef>
+          </p:style>
+        </p:cxnSp>
+      </p:grpSp>
+      <p:cxnSp>
+        <p:nvCxnSpPr>
+          <p:cNvPr id="26" name="直線矢印コネクタ 25">
+            <a:extLst>
+              <a:ext uri="{FF2B5EF4-FFF2-40B4-BE49-F238E27FC236}">
+                <a16:creationId xmlns:a16="http://schemas.microsoft.com/office/drawing/2014/main" id="{3E61F7B8-200F-7F45-A7A6-4AADEDF4605F}"/>
+              </a:ext>
+            </a:extLst>
+          </p:cNvPr>
+          <p:cNvCxnSpPr>
+            <a:cxnSpLocks/>
+          </p:cNvCxnSpPr>
+          <p:nvPr/>
+        </p:nvCxnSpPr>
+        <p:spPr>
+          <a:xfrm>
+            <a:off x="6059096" y="4482688"/>
+            <a:ext cx="1224136" cy="0"/>
+          </a:xfrm>
+          <a:prstGeom prst="straightConnector1">
+            <a:avLst/>
+          </a:prstGeom>
+          <a:ln>
+            <a:solidFill>
+              <a:schemeClr val="bg1">
+                <a:lumMod val="75000"/>
+              </a:schemeClr>
+            </a:solidFill>
+            <a:headEnd type="none" w="med" len="med"/>
+            <a:tailEnd type="triangle"/>
+          </a:ln>
+        </p:spPr>
+        <p:style>
+          <a:lnRef idx="1">
+            <a:schemeClr val="accent1"/>
+          </a:lnRef>
+          <a:fillRef idx="0">
+            <a:schemeClr val="accent1"/>
+          </a:fillRef>
+          <a:effectRef idx="0">
+            <a:schemeClr val="accent1"/>
+          </a:effectRef>
+          <a:fontRef idx="minor">
+            <a:schemeClr val="tx1"/>
+          </a:fontRef>
+        </p:style>
+      </p:cxnSp>
+      <p:cxnSp>
+        <p:nvCxnSpPr>
+          <p:cNvPr id="27" name="直線矢印コネクタ 26">
+            <a:extLst>
+              <a:ext uri="{FF2B5EF4-FFF2-40B4-BE49-F238E27FC236}">
+                <a16:creationId xmlns:a16="http://schemas.microsoft.com/office/drawing/2014/main" id="{EFE063B6-8292-8B43-88D5-4E5FA73A94D4}"/>
+              </a:ext>
+            </a:extLst>
+          </p:cNvPr>
+          <p:cNvCxnSpPr>
+            <a:cxnSpLocks/>
+          </p:cNvCxnSpPr>
+          <p:nvPr/>
+        </p:nvCxnSpPr>
+        <p:spPr>
+          <a:xfrm flipV="1">
+            <a:off x="7307992" y="4485248"/>
+            <a:ext cx="0" cy="1224136"/>
+          </a:xfrm>
+          <a:prstGeom prst="straightConnector1">
+            <a:avLst/>
+          </a:prstGeom>
+          <a:ln>
+            <a:solidFill>
+              <a:schemeClr val="bg1">
+                <a:lumMod val="75000"/>
+              </a:schemeClr>
+            </a:solidFill>
+            <a:headEnd type="triangle" w="med" len="med"/>
+            <a:tailEnd type="none" w="med" len="med"/>
+          </a:ln>
+        </p:spPr>
+        <p:style>
+          <a:lnRef idx="1">
+            <a:schemeClr val="accent1"/>
+          </a:lnRef>
+          <a:fillRef idx="0">
+            <a:schemeClr val="accent1"/>
+          </a:fillRef>
+          <a:effectRef idx="0">
+            <a:schemeClr val="accent1"/>
+          </a:effectRef>
+          <a:fontRef idx="minor">
+            <a:schemeClr val="tx1"/>
+          </a:fontRef>
+        </p:style>
+      </p:cxnSp>
+      <p:sp>
+        <p:nvSpPr>
+          <p:cNvPr id="28" name="正方形/長方形 27">
+            <a:extLst>
+              <a:ext uri="{FF2B5EF4-FFF2-40B4-BE49-F238E27FC236}">
+                <a16:creationId xmlns:a16="http://schemas.microsoft.com/office/drawing/2014/main" id="{5E9043CE-76E1-1A48-859F-EA584C0795B9}"/>
+              </a:ext>
+            </a:extLst>
+          </p:cNvPr>
+          <p:cNvSpPr/>
+          <p:nvPr/>
+        </p:nvSpPr>
+        <p:spPr>
+          <a:xfrm>
+            <a:off x="5945480" y="3173224"/>
+            <a:ext cx="1718740" cy="369332"/>
+          </a:xfrm>
+          <a:prstGeom prst="rect">
+            <a:avLst/>
+          </a:prstGeom>
+          <a:solidFill>
+            <a:schemeClr val="tx1"/>
+          </a:solidFill>
+        </p:spPr>
+        <p:txBody>
+          <a:bodyPr wrap="none">
+            <a:spAutoFit/>
+          </a:bodyPr>
+          <a:lstStyle/>
+          <a:p>
+            <a:r>
+              <a:rPr lang="en" altLang="ja-JP" b="0">
+                <a:solidFill>
+                  <a:srgbClr val="D4D4D4"/>
+                </a:solidFill>
+                <a:effectLst/>
+                <a:latin typeface="Menlo" panose="020B0609030804020204" pitchFamily="49" charset="0"/>
+              </a:rPr>
+              <a:t>apply(a, b)</a:t>
+            </a:r>
+          </a:p>
+        </p:txBody>
+      </p:sp>
+      <p:sp>
+        <p:nvSpPr>
+          <p:cNvPr id="29" name="正方形/長方形 28">
+            <a:extLst>
+              <a:ext uri="{FF2B5EF4-FFF2-40B4-BE49-F238E27FC236}">
+                <a16:creationId xmlns:a16="http://schemas.microsoft.com/office/drawing/2014/main" id="{4FF06282-8DB1-7243-99A8-36AB073FBADD}"/>
+              </a:ext>
+            </a:extLst>
+          </p:cNvPr>
+          <p:cNvSpPr/>
+          <p:nvPr/>
+        </p:nvSpPr>
+        <p:spPr>
+          <a:xfrm>
+            <a:off x="4358640" y="5873095"/>
+            <a:ext cx="4114800" cy="646331"/>
+          </a:xfrm>
+          <a:prstGeom prst="rect">
+            <a:avLst/>
+          </a:prstGeom>
+          <a:solidFill>
+            <a:schemeClr val="tx1"/>
+          </a:solidFill>
+        </p:spPr>
+        <p:txBody>
+          <a:bodyPr wrap="square">
+            <a:spAutoFit/>
+          </a:bodyPr>
+          <a:lstStyle/>
+          <a:p>
+            <a:r>
+              <a:rPr lang="en-US" altLang="ja-JP" b="0">
+                <a:solidFill>
+                  <a:srgbClr val="D4D4D4"/>
+                </a:solidFill>
+                <a:effectLst/>
+                <a:latin typeface="Menlo" panose="020B0609030804020204" pitchFamily="49" charset="0"/>
+              </a:rPr>
+              <a:t>[ (0.5, 0.5), (0.5, -0.5),</a:t>
+            </a:r>
+          </a:p>
+          <a:p>
+            <a:r>
+              <a:rPr lang="en-US" altLang="ja-JP" b="0">
+                <a:solidFill>
+                  <a:srgbClr val="D4D4D4"/>
+                </a:solidFill>
+                <a:effectLst/>
+                <a:latin typeface="Menlo" panose="020B0609030804020204" pitchFamily="49" charset="0"/>
+              </a:rPr>
+              <a:t> (0.5, -0.5) ,(-0.5, -0.5) ]</a:t>
+            </a:r>
           </a:p>
         </p:txBody>
       </p:sp>
@@ -21552,6 +22217,1465 @@
     <p:extLst>
       <p:ext uri="{BB962C8B-B14F-4D97-AF65-F5344CB8AC3E}">
         <p14:creationId xmlns:p14="http://schemas.microsoft.com/office/powerpoint/2010/main" val="275676158"/>
+      </p:ext>
+    </p:extLst>
+  </p:cSld>
+  <p:clrMapOvr>
+    <a:masterClrMapping/>
+  </p:clrMapOvr>
+</p:sld>
+</file>
+
+<file path=ppt/slides/slide24.xml><?xml version="1.0" encoding="utf-8"?>
+<p:sld xmlns:a="http://schemas.openxmlformats.org/drawingml/2006/main" xmlns:r="http://schemas.openxmlformats.org/officeDocument/2006/relationships" xmlns:p="http://schemas.openxmlformats.org/presentationml/2006/main">
+  <p:cSld>
+    <p:spTree>
+      <p:nvGrpSpPr>
+        <p:cNvPr id="1" name=""/>
+        <p:cNvGrpSpPr/>
+        <p:nvPr/>
+      </p:nvGrpSpPr>
+      <p:grpSpPr>
+        <a:xfrm>
+          <a:off x="0" y="0"/>
+          <a:ext cx="0" cy="0"/>
+          <a:chOff x="0" y="0"/>
+          <a:chExt cx="0" cy="0"/>
+        </a:xfrm>
+      </p:grpSpPr>
+      <p:sp>
+        <p:nvSpPr>
+          <p:cNvPr id="2" name="テキスト プレースホルダー 1">
+            <a:extLst>
+              <a:ext uri="{FF2B5EF4-FFF2-40B4-BE49-F238E27FC236}">
+                <a16:creationId xmlns:a16="http://schemas.microsoft.com/office/drawing/2014/main" id="{DABBD84B-EAD5-3444-B685-79E7E40191B0}"/>
+              </a:ext>
+            </a:extLst>
+          </p:cNvPr>
+          <p:cNvSpPr>
+            <a:spLocks noGrp="1"/>
+          </p:cNvSpPr>
+          <p:nvPr>
+            <p:ph type="body" sz="quarter" idx="10"/>
+          </p:nvPr>
+        </p:nvSpPr>
+        <p:spPr/>
+        <p:txBody>
+          <a:bodyPr/>
+          <a:lstStyle/>
+          <a:p>
+            <a:r>
+              <a:rPr lang="ja-JP" altLang="en-US"/>
+              <a:t>課題</a:t>
+            </a:r>
+            <a:r>
+              <a:rPr lang="en-US" altLang="ja-JP"/>
+              <a:t>1</a:t>
+            </a:r>
+            <a:r>
+              <a:rPr lang="en-US" altLang="ja-JP">
+                <a:sym typeface="Wingdings" pitchFamily="2" charset="2"/>
+              </a:rPr>
+              <a:t> (5, 6)</a:t>
+            </a:r>
+            <a:r>
+              <a:rPr lang="ja-JP" altLang="en-US">
+                <a:sym typeface="Wingdings" pitchFamily="2" charset="2"/>
+              </a:rPr>
+              <a:t>：描画</a:t>
+            </a:r>
+            <a:endParaRPr lang="ja-JP" altLang="en-US"/>
+          </a:p>
+        </p:txBody>
+      </p:sp>
+      <p:sp>
+        <p:nvSpPr>
+          <p:cNvPr id="3" name="角丸四角形 2">
+            <a:extLst>
+              <a:ext uri="{FF2B5EF4-FFF2-40B4-BE49-F238E27FC236}">
+                <a16:creationId xmlns:a16="http://schemas.microsoft.com/office/drawing/2014/main" id="{227C33D3-E6F4-3A47-A0C0-BD65D17CE244}"/>
+              </a:ext>
+            </a:extLst>
+          </p:cNvPr>
+          <p:cNvSpPr/>
+          <p:nvPr/>
+        </p:nvSpPr>
+        <p:spPr>
+          <a:xfrm>
+            <a:off x="2385357" y="1584960"/>
+            <a:ext cx="4360883" cy="1932940"/>
+          </a:xfrm>
+          <a:prstGeom prst="roundRect">
+            <a:avLst/>
+          </a:prstGeom>
+          <a:solidFill>
+            <a:schemeClr val="bg1"/>
+          </a:solidFill>
+          <a:ln>
+            <a:solidFill>
+              <a:schemeClr val="tx1"/>
+            </a:solidFill>
+          </a:ln>
+          <a:effectLst>
+            <a:outerShdw blurRad="50800" dist="38100" dir="2700000" algn="tl" rotWithShape="0">
+              <a:prstClr val="black">
+                <a:alpha val="40000"/>
+              </a:prstClr>
+            </a:outerShdw>
+          </a:effectLst>
+        </p:spPr>
+        <p:style>
+          <a:lnRef idx="2">
+            <a:schemeClr val="accent1">
+              <a:shade val="50000"/>
+            </a:schemeClr>
+          </a:lnRef>
+          <a:fillRef idx="1">
+            <a:schemeClr val="accent1"/>
+          </a:fillRef>
+          <a:effectRef idx="0">
+            <a:schemeClr val="accent1"/>
+          </a:effectRef>
+          <a:fontRef idx="minor">
+            <a:schemeClr val="lt1"/>
+          </a:fontRef>
+        </p:style>
+        <p:txBody>
+          <a:bodyPr rtlCol="0" anchor="ctr"/>
+          <a:lstStyle/>
+          <a:p>
+            <a:pPr algn="ctr"/>
+            <a:endParaRPr kumimoji="1" lang="ja-JP" altLang="en-US"/>
+          </a:p>
+        </p:txBody>
+      </p:sp>
+      <p:grpSp>
+        <p:nvGrpSpPr>
+          <p:cNvPr id="4" name="グループ化 3">
+            <a:extLst>
+              <a:ext uri="{FF2B5EF4-FFF2-40B4-BE49-F238E27FC236}">
+                <a16:creationId xmlns:a16="http://schemas.microsoft.com/office/drawing/2014/main" id="{916C9B45-2267-B542-A74E-B812032D3D34}"/>
+              </a:ext>
+            </a:extLst>
+          </p:cNvPr>
+          <p:cNvGrpSpPr/>
+          <p:nvPr/>
+        </p:nvGrpSpPr>
+        <p:grpSpPr>
+          <a:xfrm>
+            <a:off x="2570279" y="2154037"/>
+            <a:ext cx="3892780" cy="1141530"/>
+            <a:chOff x="3779559" y="2160470"/>
+            <a:chExt cx="1744663" cy="511610"/>
+          </a:xfrm>
+        </p:grpSpPr>
+        <p:cxnSp>
+          <p:nvCxnSpPr>
+            <p:cNvPr id="5" name="直線矢印コネクタ 4">
+              <a:extLst>
+                <a:ext uri="{FF2B5EF4-FFF2-40B4-BE49-F238E27FC236}">
+                  <a16:creationId xmlns:a16="http://schemas.microsoft.com/office/drawing/2014/main" id="{30BE2251-C896-F346-A9DD-E622121A0B57}"/>
+                </a:ext>
+              </a:extLst>
+            </p:cNvPr>
+            <p:cNvCxnSpPr/>
+            <p:nvPr/>
+          </p:nvCxnSpPr>
+          <p:spPr>
+            <a:xfrm>
+              <a:off x="3779559" y="2672080"/>
+              <a:ext cx="577864" cy="0"/>
+            </a:xfrm>
+            <a:prstGeom prst="straightConnector1">
+              <a:avLst/>
+            </a:prstGeom>
+            <a:ln w="12700">
+              <a:solidFill>
+                <a:schemeClr val="tx1"/>
+              </a:solidFill>
+              <a:tailEnd type="triangle"/>
+            </a:ln>
+          </p:spPr>
+          <p:style>
+            <a:lnRef idx="1">
+              <a:schemeClr val="accent1"/>
+            </a:lnRef>
+            <a:fillRef idx="0">
+              <a:schemeClr val="accent1"/>
+            </a:fillRef>
+            <a:effectRef idx="0">
+              <a:schemeClr val="accent1"/>
+            </a:effectRef>
+            <a:fontRef idx="minor">
+              <a:schemeClr val="tx1"/>
+            </a:fontRef>
+          </p:style>
+        </p:cxnSp>
+        <p:cxnSp>
+          <p:nvCxnSpPr>
+            <p:cNvPr id="6" name="直線矢印コネクタ 5">
+              <a:extLst>
+                <a:ext uri="{FF2B5EF4-FFF2-40B4-BE49-F238E27FC236}">
+                  <a16:creationId xmlns:a16="http://schemas.microsoft.com/office/drawing/2014/main" id="{DCC4732D-E39C-2A48-B393-58D5E3134571}"/>
+                </a:ext>
+              </a:extLst>
+            </p:cNvPr>
+            <p:cNvCxnSpPr/>
+            <p:nvPr/>
+          </p:nvCxnSpPr>
+          <p:spPr>
+            <a:xfrm>
+              <a:off x="4946358" y="2672080"/>
+              <a:ext cx="577864" cy="0"/>
+            </a:xfrm>
+            <a:prstGeom prst="straightConnector1">
+              <a:avLst/>
+            </a:prstGeom>
+            <a:ln w="12700">
+              <a:solidFill>
+                <a:schemeClr val="tx1"/>
+              </a:solidFill>
+              <a:tailEnd type="triangle"/>
+            </a:ln>
+          </p:spPr>
+          <p:style>
+            <a:lnRef idx="1">
+              <a:schemeClr val="accent1"/>
+            </a:lnRef>
+            <a:fillRef idx="0">
+              <a:schemeClr val="accent1"/>
+            </a:fillRef>
+            <a:effectRef idx="0">
+              <a:schemeClr val="accent1"/>
+            </a:effectRef>
+            <a:fontRef idx="minor">
+              <a:schemeClr val="tx1"/>
+            </a:fontRef>
+          </p:style>
+        </p:cxnSp>
+        <p:cxnSp>
+          <p:nvCxnSpPr>
+            <p:cNvPr id="7" name="直線矢印コネクタ 6">
+              <a:extLst>
+                <a:ext uri="{FF2B5EF4-FFF2-40B4-BE49-F238E27FC236}">
+                  <a16:creationId xmlns:a16="http://schemas.microsoft.com/office/drawing/2014/main" id="{CE410F8A-91CA-5341-841E-BF07AABDA05E}"/>
+                </a:ext>
+              </a:extLst>
+            </p:cNvPr>
+            <p:cNvCxnSpPr/>
+            <p:nvPr/>
+          </p:nvCxnSpPr>
+          <p:spPr>
+            <a:xfrm flipV="1">
+              <a:off x="4357423" y="2160470"/>
+              <a:ext cx="298148" cy="511610"/>
+            </a:xfrm>
+            <a:prstGeom prst="straightConnector1">
+              <a:avLst/>
+            </a:prstGeom>
+            <a:ln w="12700">
+              <a:solidFill>
+                <a:schemeClr val="tx1"/>
+              </a:solidFill>
+              <a:tailEnd type="triangle"/>
+            </a:ln>
+          </p:spPr>
+          <p:style>
+            <a:lnRef idx="1">
+              <a:schemeClr val="accent1"/>
+            </a:lnRef>
+            <a:fillRef idx="0">
+              <a:schemeClr val="accent1"/>
+            </a:fillRef>
+            <a:effectRef idx="0">
+              <a:schemeClr val="accent1"/>
+            </a:effectRef>
+            <a:fontRef idx="minor">
+              <a:schemeClr val="tx1"/>
+            </a:fontRef>
+          </p:style>
+        </p:cxnSp>
+        <p:cxnSp>
+          <p:nvCxnSpPr>
+            <p:cNvPr id="8" name="直線矢印コネクタ 7">
+              <a:extLst>
+                <a:ext uri="{FF2B5EF4-FFF2-40B4-BE49-F238E27FC236}">
+                  <a16:creationId xmlns:a16="http://schemas.microsoft.com/office/drawing/2014/main" id="{5880E347-6721-1E45-9B00-6FB601423792}"/>
+                </a:ext>
+              </a:extLst>
+            </p:cNvPr>
+            <p:cNvCxnSpPr/>
+            <p:nvPr/>
+          </p:nvCxnSpPr>
+          <p:spPr>
+            <a:xfrm>
+              <a:off x="4655571" y="2160470"/>
+              <a:ext cx="290787" cy="511610"/>
+            </a:xfrm>
+            <a:prstGeom prst="straightConnector1">
+              <a:avLst/>
+            </a:prstGeom>
+            <a:ln w="12700">
+              <a:solidFill>
+                <a:schemeClr val="tx1"/>
+              </a:solidFill>
+              <a:tailEnd type="triangle"/>
+            </a:ln>
+          </p:spPr>
+          <p:style>
+            <a:lnRef idx="1">
+              <a:schemeClr val="accent1"/>
+            </a:lnRef>
+            <a:fillRef idx="0">
+              <a:schemeClr val="accent1"/>
+            </a:fillRef>
+            <a:effectRef idx="0">
+              <a:schemeClr val="accent1"/>
+            </a:effectRef>
+            <a:fontRef idx="minor">
+              <a:schemeClr val="tx1"/>
+            </a:fontRef>
+          </p:style>
+        </p:cxnSp>
+      </p:grpSp>
+      <p:sp>
+        <p:nvSpPr>
+          <p:cNvPr id="9" name="テキスト ボックス 8">
+            <a:extLst>
+              <a:ext uri="{FF2B5EF4-FFF2-40B4-BE49-F238E27FC236}">
+                <a16:creationId xmlns:a16="http://schemas.microsoft.com/office/drawing/2014/main" id="{C7503DAC-C138-A446-8272-D51E8AABE166}"/>
+              </a:ext>
+            </a:extLst>
+          </p:cNvPr>
+          <p:cNvSpPr txBox="1"/>
+          <p:nvPr/>
+        </p:nvSpPr>
+        <p:spPr>
+          <a:xfrm>
+            <a:off x="3505581" y="1683838"/>
+            <a:ext cx="2312798" cy="369332"/>
+          </a:xfrm>
+          <a:prstGeom prst="rect">
+            <a:avLst/>
+          </a:prstGeom>
+          <a:noFill/>
+        </p:spPr>
+        <p:txBody>
+          <a:bodyPr wrap="square" rtlCol="0">
+            <a:spAutoFit/>
+          </a:bodyPr>
+          <a:lstStyle/>
+          <a:p>
+            <a:r>
+              <a:rPr lang="ja-JP" altLang="en-US" dirty="0"/>
+              <a:t>変換ベクトルリスト</a:t>
+            </a:r>
+            <a:endParaRPr kumimoji="1" lang="ja-JP" altLang="en-US" dirty="0"/>
+          </a:p>
+        </p:txBody>
+      </p:sp>
+      <p:cxnSp>
+        <p:nvCxnSpPr>
+          <p:cNvPr id="10" name="直線コネクタ 9">
+            <a:extLst>
+              <a:ext uri="{FF2B5EF4-FFF2-40B4-BE49-F238E27FC236}">
+                <a16:creationId xmlns:a16="http://schemas.microsoft.com/office/drawing/2014/main" id="{3A479FE3-6FE1-964D-AF7C-A5F9B2E93CC3}"/>
+              </a:ext>
+            </a:extLst>
+          </p:cNvPr>
+          <p:cNvCxnSpPr/>
+          <p:nvPr/>
+        </p:nvCxnSpPr>
+        <p:spPr>
+          <a:xfrm>
+            <a:off x="798004" y="5560379"/>
+            <a:ext cx="2160240" cy="0"/>
+          </a:xfrm>
+          <a:prstGeom prst="line">
+            <a:avLst/>
+          </a:prstGeom>
+          <a:ln w="12700">
+            <a:solidFill>
+              <a:schemeClr val="tx1"/>
+            </a:solidFill>
+            <a:headEnd type="none" w="med" len="med"/>
+            <a:tailEnd type="triangle" w="med" len="med"/>
+          </a:ln>
+        </p:spPr>
+        <p:style>
+          <a:lnRef idx="1">
+            <a:schemeClr val="accent1"/>
+          </a:lnRef>
+          <a:fillRef idx="0">
+            <a:schemeClr val="accent1"/>
+          </a:fillRef>
+          <a:effectRef idx="0">
+            <a:schemeClr val="accent1"/>
+          </a:effectRef>
+          <a:fontRef idx="minor">
+            <a:schemeClr val="tx1"/>
+          </a:fontRef>
+        </p:style>
+      </p:cxnSp>
+      <p:sp>
+        <p:nvSpPr>
+          <p:cNvPr id="11" name="正方形/長方形 10">
+            <a:extLst>
+              <a:ext uri="{FF2B5EF4-FFF2-40B4-BE49-F238E27FC236}">
+                <a16:creationId xmlns:a16="http://schemas.microsoft.com/office/drawing/2014/main" id="{74E6AD34-A1D9-0246-8653-ECF002A00D6D}"/>
+              </a:ext>
+            </a:extLst>
+          </p:cNvPr>
+          <p:cNvSpPr/>
+          <p:nvPr/>
+        </p:nvSpPr>
+        <p:spPr>
+          <a:xfrm>
+            <a:off x="781947" y="4961374"/>
+            <a:ext cx="2276585" cy="369332"/>
+          </a:xfrm>
+          <a:prstGeom prst="rect">
+            <a:avLst/>
+          </a:prstGeom>
+          <a:solidFill>
+            <a:schemeClr val="tx1"/>
+          </a:solidFill>
+        </p:spPr>
+        <p:txBody>
+          <a:bodyPr wrap="none">
+            <a:spAutoFit/>
+          </a:bodyPr>
+          <a:lstStyle/>
+          <a:p>
+            <a:r>
+              <a:rPr lang="en" altLang="ja-JP" b="0">
+                <a:solidFill>
+                  <a:srgbClr val="D4D4D4"/>
+                </a:solidFill>
+                <a:effectLst/>
+                <a:latin typeface="Menlo" panose="020B0609030804020204" pitchFamily="49" charset="0"/>
+              </a:rPr>
+              <a:t>a = [(size, </a:t>
+            </a:r>
+            <a:r>
+              <a:rPr lang="en" altLang="ja-JP" b="0">
+                <a:solidFill>
+                  <a:srgbClr val="B5CEA8"/>
+                </a:solidFill>
+                <a:effectLst/>
+                <a:latin typeface="Menlo" panose="020B0609030804020204" pitchFamily="49" charset="0"/>
+              </a:rPr>
+              <a:t>0</a:t>
+            </a:r>
+            <a:r>
+              <a:rPr lang="en" altLang="ja-JP" b="0">
+                <a:solidFill>
+                  <a:srgbClr val="D4D4D4"/>
+                </a:solidFill>
+                <a:effectLst/>
+                <a:latin typeface="Menlo" panose="020B0609030804020204" pitchFamily="49" charset="0"/>
+              </a:rPr>
+              <a:t>)]</a:t>
+            </a:r>
+          </a:p>
+        </p:txBody>
+      </p:sp>
+      <p:pic>
+        <p:nvPicPr>
+          <p:cNvPr id="12" name="図 11">
+            <a:extLst>
+              <a:ext uri="{FF2B5EF4-FFF2-40B4-BE49-F238E27FC236}">
+                <a16:creationId xmlns:a16="http://schemas.microsoft.com/office/drawing/2014/main" id="{5D5C019F-12AC-2644-8DC3-300D235BEF8E}"/>
+              </a:ext>
+            </a:extLst>
+          </p:cNvPr>
+          <p:cNvPicPr>
+            <a:picLocks noChangeAspect="1"/>
+          </p:cNvPicPr>
+          <p:nvPr/>
+        </p:nvPicPr>
+        <p:blipFill>
+          <a:blip r:embed="rId2"/>
+          <a:stretch>
+            <a:fillRect/>
+          </a:stretch>
+        </p:blipFill>
+        <p:spPr>
+          <a:xfrm>
+            <a:off x="5852160" y="4358640"/>
+            <a:ext cx="2341880" cy="2341880"/>
+          </a:xfrm>
+          <a:prstGeom prst="rect">
+            <a:avLst/>
+          </a:prstGeom>
+        </p:spPr>
+      </p:pic>
+      <p:sp>
+        <p:nvSpPr>
+          <p:cNvPr id="13" name="右矢印 12">
+            <a:extLst>
+              <a:ext uri="{FF2B5EF4-FFF2-40B4-BE49-F238E27FC236}">
+                <a16:creationId xmlns:a16="http://schemas.microsoft.com/office/drawing/2014/main" id="{5F489F4C-226C-D84B-87FA-A2E20B10B449}"/>
+              </a:ext>
+            </a:extLst>
+          </p:cNvPr>
+          <p:cNvSpPr/>
+          <p:nvPr/>
+        </p:nvSpPr>
+        <p:spPr>
+          <a:xfrm>
+            <a:off x="4252600" y="5253464"/>
+            <a:ext cx="504056" cy="504056"/>
+          </a:xfrm>
+          <a:prstGeom prst="rightArrow">
+            <a:avLst/>
+          </a:prstGeom>
+          <a:solidFill>
+            <a:srgbClr val="FF0000"/>
+          </a:solidFill>
+          <a:ln>
+            <a:solidFill>
+              <a:schemeClr val="tx1"/>
+            </a:solidFill>
+          </a:ln>
+        </p:spPr>
+        <p:style>
+          <a:lnRef idx="2">
+            <a:schemeClr val="accent1">
+              <a:shade val="50000"/>
+            </a:schemeClr>
+          </a:lnRef>
+          <a:fillRef idx="1">
+            <a:schemeClr val="accent1"/>
+          </a:fillRef>
+          <a:effectRef idx="0">
+            <a:schemeClr val="accent1"/>
+          </a:effectRef>
+          <a:fontRef idx="minor">
+            <a:schemeClr val="lt1"/>
+          </a:fontRef>
+        </p:style>
+        <p:txBody>
+          <a:bodyPr rtlCol="0" anchor="ctr"/>
+          <a:lstStyle/>
+          <a:p>
+            <a:pPr algn="ctr"/>
+            <a:endParaRPr kumimoji="1" lang="ja-JP" altLang="en-US"/>
+          </a:p>
+        </p:txBody>
+      </p:sp>
+      <p:sp>
+        <p:nvSpPr>
+          <p:cNvPr id="14" name="正方形/長方形 13">
+            <a:extLst>
+              <a:ext uri="{FF2B5EF4-FFF2-40B4-BE49-F238E27FC236}">
+                <a16:creationId xmlns:a16="http://schemas.microsoft.com/office/drawing/2014/main" id="{B8479D5D-4B8C-E643-8A3E-22E286BBF81B}"/>
+              </a:ext>
+            </a:extLst>
+          </p:cNvPr>
+          <p:cNvSpPr/>
+          <p:nvPr/>
+        </p:nvSpPr>
+        <p:spPr>
+          <a:xfrm>
+            <a:off x="304800" y="1043355"/>
+            <a:ext cx="8717280" cy="369332"/>
+          </a:xfrm>
+          <a:prstGeom prst="rect">
+            <a:avLst/>
+          </a:prstGeom>
+          <a:solidFill>
+            <a:schemeClr val="tx1"/>
+          </a:solidFill>
+        </p:spPr>
+        <p:txBody>
+          <a:bodyPr wrap="square">
+            <a:spAutoFit/>
+          </a:bodyPr>
+          <a:lstStyle/>
+          <a:p>
+            <a:r>
+              <a:rPr lang="en" altLang="ja-JP" b="0">
+                <a:solidFill>
+                  <a:srgbClr val="D4D4D4"/>
+                </a:solidFill>
+                <a:effectLst/>
+                <a:latin typeface="Menlo" panose="020B0609030804020204" pitchFamily="49" charset="0"/>
+              </a:rPr>
+              <a:t>b = [(</a:t>
+            </a:r>
+            <a:r>
+              <a:rPr lang="en" altLang="ja-JP" b="0">
+                <a:solidFill>
+                  <a:srgbClr val="B5CEA8"/>
+                </a:solidFill>
+                <a:effectLst/>
+                <a:latin typeface="Menlo" panose="020B0609030804020204" pitchFamily="49" charset="0"/>
+              </a:rPr>
+              <a:t>1</a:t>
+            </a:r>
+            <a:r>
+              <a:rPr lang="en" altLang="ja-JP" b="0">
+                <a:solidFill>
+                  <a:srgbClr val="D4D4D4"/>
+                </a:solidFill>
+                <a:effectLst/>
+                <a:latin typeface="Menlo" panose="020B0609030804020204" pitchFamily="49" charset="0"/>
+              </a:rPr>
+              <a:t>, </a:t>
+            </a:r>
+            <a:r>
+              <a:rPr lang="en" altLang="ja-JP" b="0">
+                <a:solidFill>
+                  <a:srgbClr val="B5CEA8"/>
+                </a:solidFill>
+                <a:effectLst/>
+                <a:latin typeface="Menlo" panose="020B0609030804020204" pitchFamily="49" charset="0"/>
+              </a:rPr>
+              <a:t>0</a:t>
+            </a:r>
+            <a:r>
+              <a:rPr lang="en" altLang="ja-JP" b="0">
+                <a:solidFill>
+                  <a:srgbClr val="D4D4D4"/>
+                </a:solidFill>
+                <a:effectLst/>
+                <a:latin typeface="Menlo" panose="020B0609030804020204" pitchFamily="49" charset="0"/>
+              </a:rPr>
+              <a:t>), (</a:t>
+            </a:r>
+            <a:r>
+              <a:rPr lang="en" altLang="ja-JP" b="0">
+                <a:solidFill>
+                  <a:srgbClr val="B5CEA8"/>
+                </a:solidFill>
+                <a:effectLst/>
+                <a:latin typeface="Menlo" panose="020B0609030804020204" pitchFamily="49" charset="0"/>
+              </a:rPr>
+              <a:t>0.5</a:t>
+            </a:r>
+            <a:r>
+              <a:rPr lang="en" altLang="ja-JP" b="0">
+                <a:solidFill>
+                  <a:srgbClr val="D4D4D4"/>
+                </a:solidFill>
+                <a:effectLst/>
+                <a:latin typeface="Menlo" panose="020B0609030804020204" pitchFamily="49" charset="0"/>
+              </a:rPr>
+              <a:t>, sqrt(</a:t>
+            </a:r>
+            <a:r>
+              <a:rPr lang="en" altLang="ja-JP" b="0">
+                <a:solidFill>
+                  <a:srgbClr val="B5CEA8"/>
+                </a:solidFill>
+                <a:effectLst/>
+                <a:latin typeface="Menlo" panose="020B0609030804020204" pitchFamily="49" charset="0"/>
+              </a:rPr>
+              <a:t>3.0</a:t>
+            </a:r>
+            <a:r>
+              <a:rPr lang="en" altLang="ja-JP" b="0">
+                <a:solidFill>
+                  <a:srgbClr val="D4D4D4"/>
+                </a:solidFill>
+                <a:effectLst/>
+                <a:latin typeface="Menlo" panose="020B0609030804020204" pitchFamily="49" charset="0"/>
+              </a:rPr>
+              <a:t>)/</a:t>
+            </a:r>
+            <a:r>
+              <a:rPr lang="en" altLang="ja-JP" b="0">
+                <a:solidFill>
+                  <a:srgbClr val="B5CEA8"/>
+                </a:solidFill>
+                <a:effectLst/>
+                <a:latin typeface="Menlo" panose="020B0609030804020204" pitchFamily="49" charset="0"/>
+              </a:rPr>
+              <a:t>2</a:t>
+            </a:r>
+            <a:r>
+              <a:rPr lang="en" altLang="ja-JP" b="0">
+                <a:solidFill>
+                  <a:srgbClr val="D4D4D4"/>
+                </a:solidFill>
+                <a:effectLst/>
+                <a:latin typeface="Menlo" panose="020B0609030804020204" pitchFamily="49" charset="0"/>
+              </a:rPr>
+              <a:t>), (</a:t>
+            </a:r>
+            <a:r>
+              <a:rPr lang="en" altLang="ja-JP" b="0">
+                <a:solidFill>
+                  <a:srgbClr val="B5CEA8"/>
+                </a:solidFill>
+                <a:effectLst/>
+                <a:latin typeface="Menlo" panose="020B0609030804020204" pitchFamily="49" charset="0"/>
+              </a:rPr>
+              <a:t>0.5</a:t>
+            </a:r>
+            <a:r>
+              <a:rPr lang="en" altLang="ja-JP" b="0">
+                <a:solidFill>
+                  <a:srgbClr val="D4D4D4"/>
+                </a:solidFill>
+                <a:effectLst/>
+                <a:latin typeface="Menlo" panose="020B0609030804020204" pitchFamily="49" charset="0"/>
+              </a:rPr>
+              <a:t>, -sqrt(</a:t>
+            </a:r>
+            <a:r>
+              <a:rPr lang="en" altLang="ja-JP" b="0">
+                <a:solidFill>
+                  <a:srgbClr val="B5CEA8"/>
+                </a:solidFill>
+                <a:effectLst/>
+                <a:latin typeface="Menlo" panose="020B0609030804020204" pitchFamily="49" charset="0"/>
+              </a:rPr>
+              <a:t>3.0</a:t>
+            </a:r>
+            <a:r>
+              <a:rPr lang="en" altLang="ja-JP" b="0">
+                <a:solidFill>
+                  <a:srgbClr val="D4D4D4"/>
+                </a:solidFill>
+                <a:effectLst/>
+                <a:latin typeface="Menlo" panose="020B0609030804020204" pitchFamily="49" charset="0"/>
+              </a:rPr>
+              <a:t>)/</a:t>
+            </a:r>
+            <a:r>
+              <a:rPr lang="en" altLang="ja-JP" b="0">
+                <a:solidFill>
+                  <a:srgbClr val="B5CEA8"/>
+                </a:solidFill>
+                <a:effectLst/>
+                <a:latin typeface="Menlo" panose="020B0609030804020204" pitchFamily="49" charset="0"/>
+              </a:rPr>
+              <a:t>2</a:t>
+            </a:r>
+            <a:r>
+              <a:rPr lang="en" altLang="ja-JP" b="0">
+                <a:solidFill>
+                  <a:srgbClr val="D4D4D4"/>
+                </a:solidFill>
+                <a:effectLst/>
+                <a:latin typeface="Menlo" panose="020B0609030804020204" pitchFamily="49" charset="0"/>
+              </a:rPr>
+              <a:t>), (</a:t>
+            </a:r>
+            <a:r>
+              <a:rPr lang="en" altLang="ja-JP" b="0">
+                <a:solidFill>
+                  <a:srgbClr val="B5CEA8"/>
+                </a:solidFill>
+                <a:effectLst/>
+                <a:latin typeface="Menlo" panose="020B0609030804020204" pitchFamily="49" charset="0"/>
+              </a:rPr>
+              <a:t>1</a:t>
+            </a:r>
+            <a:r>
+              <a:rPr lang="en" altLang="ja-JP" b="0">
+                <a:solidFill>
+                  <a:srgbClr val="D4D4D4"/>
+                </a:solidFill>
+                <a:effectLst/>
+                <a:latin typeface="Menlo" panose="020B0609030804020204" pitchFamily="49" charset="0"/>
+              </a:rPr>
+              <a:t>, </a:t>
+            </a:r>
+            <a:r>
+              <a:rPr lang="en" altLang="ja-JP" b="0">
+                <a:solidFill>
+                  <a:srgbClr val="B5CEA8"/>
+                </a:solidFill>
+                <a:effectLst/>
+                <a:latin typeface="Menlo" panose="020B0609030804020204" pitchFamily="49" charset="0"/>
+              </a:rPr>
+              <a:t>0</a:t>
+            </a:r>
+            <a:r>
+              <a:rPr lang="en" altLang="ja-JP" b="0">
+                <a:solidFill>
+                  <a:srgbClr val="D4D4D4"/>
+                </a:solidFill>
+                <a:effectLst/>
+                <a:latin typeface="Menlo" panose="020B0609030804020204" pitchFamily="49" charset="0"/>
+              </a:rPr>
+              <a:t>)]</a:t>
+            </a:r>
+          </a:p>
+        </p:txBody>
+      </p:sp>
+      <p:sp>
+        <p:nvSpPr>
+          <p:cNvPr id="15" name="テキスト ボックス 14">
+            <a:extLst>
+              <a:ext uri="{FF2B5EF4-FFF2-40B4-BE49-F238E27FC236}">
+                <a16:creationId xmlns:a16="http://schemas.microsoft.com/office/drawing/2014/main" id="{31A6E2B6-B3F0-AD43-A454-351262366529}"/>
+              </a:ext>
+            </a:extLst>
+          </p:cNvPr>
+          <p:cNvSpPr txBox="1"/>
+          <p:nvPr/>
+        </p:nvSpPr>
+        <p:spPr>
+          <a:xfrm>
+            <a:off x="1493520" y="3840480"/>
+            <a:ext cx="800219" cy="461665"/>
+          </a:xfrm>
+          <a:prstGeom prst="rect">
+            <a:avLst/>
+          </a:prstGeom>
+          <a:noFill/>
+        </p:spPr>
+        <p:txBody>
+          <a:bodyPr wrap="none" rtlCol="0">
+            <a:spAutoFit/>
+          </a:bodyPr>
+          <a:lstStyle/>
+          <a:p>
+            <a:r>
+              <a:rPr kumimoji="1" lang="ja-JP" altLang="en-US" sz="2400"/>
+              <a:t>入力</a:t>
+            </a:r>
+          </a:p>
+        </p:txBody>
+      </p:sp>
+      <p:sp>
+        <p:nvSpPr>
+          <p:cNvPr id="16" name="テキスト ボックス 15">
+            <a:extLst>
+              <a:ext uri="{FF2B5EF4-FFF2-40B4-BE49-F238E27FC236}">
+                <a16:creationId xmlns:a16="http://schemas.microsoft.com/office/drawing/2014/main" id="{E754DDDC-20B4-1446-956B-CB5D88B44300}"/>
+              </a:ext>
+            </a:extLst>
+          </p:cNvPr>
+          <p:cNvSpPr txBox="1"/>
+          <p:nvPr/>
+        </p:nvSpPr>
+        <p:spPr>
+          <a:xfrm>
+            <a:off x="6543040" y="3840480"/>
+            <a:ext cx="800219" cy="461665"/>
+          </a:xfrm>
+          <a:prstGeom prst="rect">
+            <a:avLst/>
+          </a:prstGeom>
+          <a:noFill/>
+        </p:spPr>
+        <p:txBody>
+          <a:bodyPr wrap="none" rtlCol="0">
+            <a:spAutoFit/>
+          </a:bodyPr>
+          <a:lstStyle/>
+          <a:p>
+            <a:r>
+              <a:rPr lang="ja-JP" altLang="en-US" sz="2400"/>
+              <a:t>出</a:t>
+            </a:r>
+            <a:r>
+              <a:rPr kumimoji="1" lang="ja-JP" altLang="en-US" sz="2400"/>
+              <a:t>力</a:t>
+            </a:r>
+          </a:p>
+        </p:txBody>
+      </p:sp>
+    </p:spTree>
+    <p:extLst>
+      <p:ext uri="{BB962C8B-B14F-4D97-AF65-F5344CB8AC3E}">
+        <p14:creationId xmlns:p14="http://schemas.microsoft.com/office/powerpoint/2010/main" val="3259034432"/>
+      </p:ext>
+    </p:extLst>
+  </p:cSld>
+  <p:clrMapOvr>
+    <a:masterClrMapping/>
+  </p:clrMapOvr>
+</p:sld>
+</file>
+
+<file path=ppt/slides/slide25.xml><?xml version="1.0" encoding="utf-8"?>
+<p:sld xmlns:a="http://schemas.openxmlformats.org/drawingml/2006/main" xmlns:r="http://schemas.openxmlformats.org/officeDocument/2006/relationships" xmlns:p="http://schemas.openxmlformats.org/presentationml/2006/main">
+  <p:cSld>
+    <p:spTree>
+      <p:nvGrpSpPr>
+        <p:cNvPr id="1" name=""/>
+        <p:cNvGrpSpPr/>
+        <p:nvPr/>
+      </p:nvGrpSpPr>
+      <p:grpSpPr>
+        <a:xfrm>
+          <a:off x="0" y="0"/>
+          <a:ext cx="0" cy="0"/>
+          <a:chOff x="0" y="0"/>
+          <a:chExt cx="0" cy="0"/>
+        </a:xfrm>
+      </p:grpSpPr>
+      <p:sp>
+        <p:nvSpPr>
+          <p:cNvPr id="2" name="テキスト プレースホルダー 1">
+            <a:extLst>
+              <a:ext uri="{FF2B5EF4-FFF2-40B4-BE49-F238E27FC236}">
+                <a16:creationId xmlns:a16="http://schemas.microsoft.com/office/drawing/2014/main" id="{A9522EAE-5893-1B4E-B3F8-D200B0601568}"/>
+              </a:ext>
+            </a:extLst>
+          </p:cNvPr>
+          <p:cNvSpPr>
+            <a:spLocks noGrp="1"/>
+          </p:cNvSpPr>
+          <p:nvPr>
+            <p:ph type="body" sz="quarter" idx="10"/>
+          </p:nvPr>
+        </p:nvSpPr>
+        <p:spPr/>
+        <p:txBody>
+          <a:bodyPr/>
+          <a:lstStyle/>
+          <a:p>
+            <a:r>
+              <a:rPr lang="ja-JP" altLang="en-US"/>
+              <a:t>発展課題：色付きのコッホ曲線</a:t>
+            </a:r>
+          </a:p>
+        </p:txBody>
+      </p:sp>
+      <p:sp>
+        <p:nvSpPr>
+          <p:cNvPr id="3" name="テキスト ボックス 2">
+            <a:extLst>
+              <a:ext uri="{FF2B5EF4-FFF2-40B4-BE49-F238E27FC236}">
+                <a16:creationId xmlns:a16="http://schemas.microsoft.com/office/drawing/2014/main" id="{9A808880-B804-E04F-9C93-E06EF574E7F2}"/>
+              </a:ext>
+            </a:extLst>
+          </p:cNvPr>
+          <p:cNvSpPr txBox="1"/>
+          <p:nvPr/>
+        </p:nvSpPr>
+        <p:spPr>
+          <a:xfrm>
+            <a:off x="0" y="1595120"/>
+            <a:ext cx="9150838" cy="400110"/>
+          </a:xfrm>
+          <a:prstGeom prst="rect">
+            <a:avLst/>
+          </a:prstGeom>
+          <a:noFill/>
+        </p:spPr>
+        <p:txBody>
+          <a:bodyPr wrap="none" rtlCol="0">
+            <a:spAutoFit/>
+          </a:bodyPr>
+          <a:lstStyle/>
+          <a:p>
+            <a:r>
+              <a:rPr kumimoji="1" lang="ja-JP" altLang="en-US" sz="2000"/>
+              <a:t>関数</a:t>
+            </a:r>
+            <a:r>
+              <a:rPr kumimoji="1" lang="en-US" altLang="ja-JP" sz="2000"/>
+              <a:t> draw_line_color</a:t>
+            </a:r>
+            <a:r>
+              <a:rPr kumimoji="1" lang="ja-JP" altLang="en-US" sz="2000"/>
+              <a:t>は、与えられた色を順番につかって色付きの線を描画する</a:t>
+            </a:r>
+          </a:p>
+        </p:txBody>
+      </p:sp>
+      <p:sp>
+        <p:nvSpPr>
+          <p:cNvPr id="5" name="テキスト ボックス 4">
+            <a:extLst>
+              <a:ext uri="{FF2B5EF4-FFF2-40B4-BE49-F238E27FC236}">
+                <a16:creationId xmlns:a16="http://schemas.microsoft.com/office/drawing/2014/main" id="{42CA72EE-3689-034E-A318-4891E2564D0A}"/>
+              </a:ext>
+            </a:extLst>
+          </p:cNvPr>
+          <p:cNvSpPr txBox="1"/>
+          <p:nvPr/>
+        </p:nvSpPr>
+        <p:spPr>
+          <a:xfrm>
+            <a:off x="294640" y="2540000"/>
+            <a:ext cx="1980029" cy="523220"/>
+          </a:xfrm>
+          <a:prstGeom prst="rect">
+            <a:avLst/>
+          </a:prstGeom>
+          <a:noFill/>
+        </p:spPr>
+        <p:txBody>
+          <a:bodyPr wrap="none" rtlCol="0">
+            <a:spAutoFit/>
+          </a:bodyPr>
+          <a:lstStyle/>
+          <a:p>
+            <a:r>
+              <a:rPr kumimoji="1" lang="ja-JP" altLang="en-US" sz="2800"/>
+              <a:t>色の与え方</a:t>
+            </a:r>
+          </a:p>
+        </p:txBody>
+      </p:sp>
+      <p:sp>
+        <p:nvSpPr>
+          <p:cNvPr id="6" name="テキスト ボックス 5">
+            <a:extLst>
+              <a:ext uri="{FF2B5EF4-FFF2-40B4-BE49-F238E27FC236}">
+                <a16:creationId xmlns:a16="http://schemas.microsoft.com/office/drawing/2014/main" id="{9FA37F48-5AAC-F14F-A90A-DA3591FE0993}"/>
+              </a:ext>
+            </a:extLst>
+          </p:cNvPr>
+          <p:cNvSpPr txBox="1"/>
+          <p:nvPr/>
+        </p:nvSpPr>
+        <p:spPr>
+          <a:xfrm>
+            <a:off x="822960" y="3261360"/>
+            <a:ext cx="4290918" cy="830997"/>
+          </a:xfrm>
+          <a:prstGeom prst="rect">
+            <a:avLst/>
+          </a:prstGeom>
+          <a:noFill/>
+        </p:spPr>
+        <p:txBody>
+          <a:bodyPr wrap="none" rtlCol="0">
+            <a:spAutoFit/>
+          </a:bodyPr>
+          <a:lstStyle/>
+          <a:p>
+            <a:r>
+              <a:rPr kumimoji="1" lang="ja-JP" altLang="en-US" sz="2400"/>
+              <a:t>色は</a:t>
+            </a:r>
+            <a:r>
+              <a:rPr kumimoji="1" lang="en-US" altLang="ja-JP" sz="2400"/>
+              <a:t>(R, G, B)</a:t>
+            </a:r>
+            <a:r>
+              <a:rPr kumimoji="1" lang="ja-JP" altLang="en-US" sz="2400"/>
+              <a:t>のタプルのリスト</a:t>
+            </a:r>
+            <a:endParaRPr kumimoji="1" lang="en-US" altLang="ja-JP" sz="2400"/>
+          </a:p>
+          <a:p>
+            <a:r>
+              <a:rPr lang="ja-JP" altLang="en-US" sz="2400"/>
+              <a:t>それぞれ輝度が</a:t>
+            </a:r>
+            <a:r>
+              <a:rPr lang="en-US" altLang="ja-JP" sz="2400"/>
+              <a:t>0</a:t>
+            </a:r>
+            <a:r>
+              <a:rPr lang="ja-JP" altLang="en-US" sz="2400"/>
+              <a:t>から</a:t>
+            </a:r>
+            <a:r>
+              <a:rPr lang="en-US" altLang="ja-JP" sz="2400"/>
+              <a:t>255</a:t>
+            </a:r>
+            <a:r>
+              <a:rPr lang="ja-JP" altLang="en-US" sz="2400"/>
+              <a:t>まで</a:t>
+            </a:r>
+            <a:endParaRPr kumimoji="1" lang="ja-JP" altLang="en-US" sz="2400"/>
+          </a:p>
+        </p:txBody>
+      </p:sp>
+      <p:sp>
+        <p:nvSpPr>
+          <p:cNvPr id="7" name="テキスト ボックス 6">
+            <a:extLst>
+              <a:ext uri="{FF2B5EF4-FFF2-40B4-BE49-F238E27FC236}">
+                <a16:creationId xmlns:a16="http://schemas.microsoft.com/office/drawing/2014/main" id="{6148592E-9AE3-5E42-BFA0-897DB0138CA6}"/>
+              </a:ext>
+            </a:extLst>
+          </p:cNvPr>
+          <p:cNvSpPr txBox="1"/>
+          <p:nvPr/>
+        </p:nvSpPr>
+        <p:spPr>
+          <a:xfrm>
+            <a:off x="2407920" y="5191760"/>
+            <a:ext cx="595035" cy="584775"/>
+          </a:xfrm>
+          <a:prstGeom prst="rect">
+            <a:avLst/>
+          </a:prstGeom>
+          <a:noFill/>
+        </p:spPr>
+        <p:txBody>
+          <a:bodyPr wrap="none" rtlCol="0">
+            <a:spAutoFit/>
+          </a:bodyPr>
+          <a:lstStyle/>
+          <a:p>
+            <a:r>
+              <a:rPr kumimoji="1" lang="ja-JP" altLang="en-US" sz="3200">
+                <a:solidFill>
+                  <a:srgbClr val="FF0000"/>
+                </a:solidFill>
+              </a:rPr>
+              <a:t>赤</a:t>
+            </a:r>
+          </a:p>
+        </p:txBody>
+      </p:sp>
+      <p:sp>
+        <p:nvSpPr>
+          <p:cNvPr id="8" name="テキスト ボックス 7">
+            <a:extLst>
+              <a:ext uri="{FF2B5EF4-FFF2-40B4-BE49-F238E27FC236}">
+                <a16:creationId xmlns:a16="http://schemas.microsoft.com/office/drawing/2014/main" id="{E42F1F11-1E5D-FA49-BC52-BEBA1C42ADCB}"/>
+              </a:ext>
+            </a:extLst>
+          </p:cNvPr>
+          <p:cNvSpPr txBox="1"/>
+          <p:nvPr/>
+        </p:nvSpPr>
+        <p:spPr>
+          <a:xfrm>
+            <a:off x="4663440" y="5181600"/>
+            <a:ext cx="595035" cy="584775"/>
+          </a:xfrm>
+          <a:prstGeom prst="rect">
+            <a:avLst/>
+          </a:prstGeom>
+          <a:noFill/>
+        </p:spPr>
+        <p:txBody>
+          <a:bodyPr wrap="none" rtlCol="0">
+            <a:spAutoFit/>
+          </a:bodyPr>
+          <a:lstStyle/>
+          <a:p>
+            <a:r>
+              <a:rPr kumimoji="1" lang="ja-JP" altLang="en-US" sz="3200">
+                <a:solidFill>
+                  <a:srgbClr val="00B050"/>
+                </a:solidFill>
+              </a:rPr>
+              <a:t>緑</a:t>
+            </a:r>
+          </a:p>
+        </p:txBody>
+      </p:sp>
+      <p:sp>
+        <p:nvSpPr>
+          <p:cNvPr id="9" name="正方形/長方形 8">
+            <a:extLst>
+              <a:ext uri="{FF2B5EF4-FFF2-40B4-BE49-F238E27FC236}">
+                <a16:creationId xmlns:a16="http://schemas.microsoft.com/office/drawing/2014/main" id="{AFE5E648-AB2D-DE48-8081-A040FDCE7B53}"/>
+              </a:ext>
+            </a:extLst>
+          </p:cNvPr>
+          <p:cNvSpPr/>
+          <p:nvPr/>
+        </p:nvSpPr>
+        <p:spPr>
+          <a:xfrm>
+            <a:off x="660400" y="4548554"/>
+            <a:ext cx="7772400" cy="541605"/>
+          </a:xfrm>
+          <a:prstGeom prst="rect">
+            <a:avLst/>
+          </a:prstGeom>
+          <a:solidFill>
+            <a:schemeClr val="tx1"/>
+          </a:solidFill>
+        </p:spPr>
+        <p:txBody>
+          <a:bodyPr wrap="square">
+            <a:spAutoFit/>
+          </a:bodyPr>
+          <a:lstStyle/>
+          <a:p>
+            <a:r>
+              <a:rPr lang="en" altLang="ja-JP" sz="2800" b="0">
+                <a:solidFill>
+                  <a:srgbClr val="D4D4D4"/>
+                </a:solidFill>
+                <a:effectLst/>
+                <a:latin typeface="Menlo" panose="020B0609030804020204" pitchFamily="49" charset="0"/>
+              </a:rPr>
+              <a:t>c = [(</a:t>
+            </a:r>
+            <a:r>
+              <a:rPr lang="en" altLang="ja-JP" sz="2800" b="0">
+                <a:solidFill>
+                  <a:srgbClr val="B5CEA8"/>
+                </a:solidFill>
+                <a:effectLst/>
+                <a:latin typeface="Menlo" panose="020B0609030804020204" pitchFamily="49" charset="0"/>
+              </a:rPr>
+              <a:t>255</a:t>
+            </a:r>
+            <a:r>
+              <a:rPr lang="en" altLang="ja-JP" sz="2800" b="0">
+                <a:solidFill>
+                  <a:srgbClr val="D4D4D4"/>
+                </a:solidFill>
+                <a:effectLst/>
+                <a:latin typeface="Menlo" panose="020B0609030804020204" pitchFamily="49" charset="0"/>
+              </a:rPr>
+              <a:t>,</a:t>
+            </a:r>
+            <a:r>
+              <a:rPr lang="en" altLang="ja-JP" sz="2800" b="0">
+                <a:solidFill>
+                  <a:srgbClr val="B5CEA8"/>
+                </a:solidFill>
+                <a:effectLst/>
+                <a:latin typeface="Menlo" panose="020B0609030804020204" pitchFamily="49" charset="0"/>
+              </a:rPr>
+              <a:t>0</a:t>
+            </a:r>
+            <a:r>
+              <a:rPr lang="en" altLang="ja-JP" sz="2800" b="0">
+                <a:solidFill>
+                  <a:srgbClr val="D4D4D4"/>
+                </a:solidFill>
+                <a:effectLst/>
+                <a:latin typeface="Menlo" panose="020B0609030804020204" pitchFamily="49" charset="0"/>
+              </a:rPr>
+              <a:t>,</a:t>
+            </a:r>
+            <a:r>
+              <a:rPr lang="en" altLang="ja-JP" sz="2800" b="0">
+                <a:solidFill>
+                  <a:srgbClr val="B5CEA8"/>
+                </a:solidFill>
+                <a:effectLst/>
+                <a:latin typeface="Menlo" panose="020B0609030804020204" pitchFamily="49" charset="0"/>
+              </a:rPr>
+              <a:t>0</a:t>
+            </a:r>
+            <a:r>
+              <a:rPr lang="en" altLang="ja-JP" sz="2800" b="0">
+                <a:solidFill>
+                  <a:srgbClr val="D4D4D4"/>
+                </a:solidFill>
+                <a:effectLst/>
+                <a:latin typeface="Menlo" panose="020B0609030804020204" pitchFamily="49" charset="0"/>
+              </a:rPr>
+              <a:t>),(</a:t>
+            </a:r>
+            <a:r>
+              <a:rPr lang="en" altLang="ja-JP" sz="2800" b="0">
+                <a:solidFill>
+                  <a:srgbClr val="B5CEA8"/>
+                </a:solidFill>
+                <a:effectLst/>
+                <a:latin typeface="Menlo" panose="020B0609030804020204" pitchFamily="49" charset="0"/>
+              </a:rPr>
+              <a:t>0</a:t>
+            </a:r>
+            <a:r>
+              <a:rPr lang="en" altLang="ja-JP" sz="2800" b="0">
+                <a:solidFill>
+                  <a:srgbClr val="D4D4D4"/>
+                </a:solidFill>
+                <a:effectLst/>
+                <a:latin typeface="Menlo" panose="020B0609030804020204" pitchFamily="49" charset="0"/>
+              </a:rPr>
+              <a:t>,</a:t>
+            </a:r>
+            <a:r>
+              <a:rPr lang="en" altLang="ja-JP" sz="2800" b="0">
+                <a:solidFill>
+                  <a:srgbClr val="B5CEA8"/>
+                </a:solidFill>
+                <a:effectLst/>
+                <a:latin typeface="Menlo" panose="020B0609030804020204" pitchFamily="49" charset="0"/>
+              </a:rPr>
+              <a:t>255</a:t>
+            </a:r>
+            <a:r>
+              <a:rPr lang="en" altLang="ja-JP" sz="2800" b="0">
+                <a:solidFill>
+                  <a:srgbClr val="D4D4D4"/>
+                </a:solidFill>
+                <a:effectLst/>
+                <a:latin typeface="Menlo" panose="020B0609030804020204" pitchFamily="49" charset="0"/>
+              </a:rPr>
+              <a:t>,</a:t>
+            </a:r>
+            <a:r>
+              <a:rPr lang="en" altLang="ja-JP" sz="2800" b="0">
+                <a:solidFill>
+                  <a:srgbClr val="B5CEA8"/>
+                </a:solidFill>
+                <a:effectLst/>
+                <a:latin typeface="Menlo" panose="020B0609030804020204" pitchFamily="49" charset="0"/>
+              </a:rPr>
+              <a:t>0</a:t>
+            </a:r>
+            <a:r>
+              <a:rPr lang="en" altLang="ja-JP" sz="2800" b="0">
+                <a:solidFill>
+                  <a:srgbClr val="D4D4D4"/>
+                </a:solidFill>
+                <a:effectLst/>
+                <a:latin typeface="Menlo" panose="020B0609030804020204" pitchFamily="49" charset="0"/>
+              </a:rPr>
+              <a:t>),(</a:t>
+            </a:r>
+            <a:r>
+              <a:rPr lang="en" altLang="ja-JP" sz="2800" b="0">
+                <a:solidFill>
+                  <a:srgbClr val="B5CEA8"/>
+                </a:solidFill>
+                <a:effectLst/>
+                <a:latin typeface="Menlo" panose="020B0609030804020204" pitchFamily="49" charset="0"/>
+              </a:rPr>
+              <a:t>0</a:t>
+            </a:r>
+            <a:r>
+              <a:rPr lang="en" altLang="ja-JP" sz="2800" b="0">
+                <a:solidFill>
+                  <a:srgbClr val="D4D4D4"/>
+                </a:solidFill>
+                <a:effectLst/>
+                <a:latin typeface="Menlo" panose="020B0609030804020204" pitchFamily="49" charset="0"/>
+              </a:rPr>
+              <a:t>,</a:t>
+            </a:r>
+            <a:r>
+              <a:rPr lang="en" altLang="ja-JP" sz="2800" b="0">
+                <a:solidFill>
+                  <a:srgbClr val="B5CEA8"/>
+                </a:solidFill>
+                <a:effectLst/>
+                <a:latin typeface="Menlo" panose="020B0609030804020204" pitchFamily="49" charset="0"/>
+              </a:rPr>
+              <a:t>0</a:t>
+            </a:r>
+            <a:r>
+              <a:rPr lang="en" altLang="ja-JP" sz="2800" b="0">
+                <a:solidFill>
+                  <a:srgbClr val="D4D4D4"/>
+                </a:solidFill>
+                <a:effectLst/>
+                <a:latin typeface="Menlo" panose="020B0609030804020204" pitchFamily="49" charset="0"/>
+              </a:rPr>
+              <a:t>,</a:t>
+            </a:r>
+            <a:r>
+              <a:rPr lang="en" altLang="ja-JP" sz="2800" b="0">
+                <a:solidFill>
+                  <a:srgbClr val="B5CEA8"/>
+                </a:solidFill>
+                <a:effectLst/>
+                <a:latin typeface="Menlo" panose="020B0609030804020204" pitchFamily="49" charset="0"/>
+              </a:rPr>
+              <a:t>255</a:t>
+            </a:r>
+            <a:r>
+              <a:rPr lang="en" altLang="ja-JP" sz="2800" b="0">
+                <a:solidFill>
+                  <a:srgbClr val="D4D4D4"/>
+                </a:solidFill>
+                <a:effectLst/>
+                <a:latin typeface="Menlo" panose="020B0609030804020204" pitchFamily="49" charset="0"/>
+              </a:rPr>
+              <a:t>)]</a:t>
+            </a:r>
+          </a:p>
+        </p:txBody>
+      </p:sp>
+      <p:sp>
+        <p:nvSpPr>
+          <p:cNvPr id="10" name="テキスト ボックス 9">
+            <a:extLst>
+              <a:ext uri="{FF2B5EF4-FFF2-40B4-BE49-F238E27FC236}">
+                <a16:creationId xmlns:a16="http://schemas.microsoft.com/office/drawing/2014/main" id="{90D851FB-180C-1546-B97D-2DA9AA561C18}"/>
+              </a:ext>
+            </a:extLst>
+          </p:cNvPr>
+          <p:cNvSpPr txBox="1"/>
+          <p:nvPr/>
+        </p:nvSpPr>
+        <p:spPr>
+          <a:xfrm>
+            <a:off x="6817360" y="5161280"/>
+            <a:ext cx="595035" cy="584775"/>
+          </a:xfrm>
+          <a:prstGeom prst="rect">
+            <a:avLst/>
+          </a:prstGeom>
+          <a:noFill/>
+        </p:spPr>
+        <p:txBody>
+          <a:bodyPr wrap="none" rtlCol="0">
+            <a:spAutoFit/>
+          </a:bodyPr>
+          <a:lstStyle/>
+          <a:p>
+            <a:r>
+              <a:rPr kumimoji="1" lang="ja-JP" altLang="en-US" sz="3200">
+                <a:solidFill>
+                  <a:srgbClr val="011893"/>
+                </a:solidFill>
+              </a:rPr>
+              <a:t>青</a:t>
+            </a:r>
+          </a:p>
+        </p:txBody>
+      </p:sp>
+      <p:sp>
+        <p:nvSpPr>
+          <p:cNvPr id="11" name="テキスト ボックス 10">
+            <a:extLst>
+              <a:ext uri="{FF2B5EF4-FFF2-40B4-BE49-F238E27FC236}">
+                <a16:creationId xmlns:a16="http://schemas.microsoft.com/office/drawing/2014/main" id="{9FB16422-C14D-0A4E-A5C6-0D35023EE625}"/>
+              </a:ext>
+            </a:extLst>
+          </p:cNvPr>
+          <p:cNvSpPr txBox="1"/>
+          <p:nvPr/>
+        </p:nvSpPr>
+        <p:spPr>
+          <a:xfrm>
+            <a:off x="294640" y="5882640"/>
+            <a:ext cx="7237879" cy="523220"/>
+          </a:xfrm>
+          <a:prstGeom prst="rect">
+            <a:avLst/>
+          </a:prstGeom>
+          <a:noFill/>
+        </p:spPr>
+        <p:txBody>
+          <a:bodyPr wrap="none" rtlCol="0">
+            <a:spAutoFit/>
+          </a:bodyPr>
+          <a:lstStyle/>
+          <a:p>
+            <a:r>
+              <a:rPr kumimoji="1" lang="ja-JP" altLang="en-US" sz="2800"/>
+              <a:t>色は何色与えても良い</a:t>
+            </a:r>
+            <a:r>
+              <a:rPr kumimoji="1" lang="en-US" altLang="ja-JP" sz="2800"/>
+              <a:t>(</a:t>
+            </a:r>
+            <a:r>
+              <a:rPr kumimoji="1" lang="ja-JP" altLang="en-US" sz="2800"/>
+              <a:t>リストの長さは自由</a:t>
+            </a:r>
+            <a:r>
+              <a:rPr kumimoji="1" lang="en-US" altLang="ja-JP" sz="2800"/>
+              <a:t>)</a:t>
+            </a:r>
+            <a:endParaRPr kumimoji="1" lang="ja-JP" altLang="en-US" sz="2800"/>
+          </a:p>
+        </p:txBody>
+      </p:sp>
+    </p:spTree>
+    <p:extLst>
+      <p:ext uri="{BB962C8B-B14F-4D97-AF65-F5344CB8AC3E}">
+        <p14:creationId xmlns:p14="http://schemas.microsoft.com/office/powerpoint/2010/main" val="1694547907"/>
       </p:ext>
     </p:extLst>
   </p:cSld>

--- a/list/fig/slide.pptx
+++ b/list/fig/slide.pptx
@@ -5,7 +5,7 @@
     <p:sldMasterId id="2147483663" r:id="rId1"/>
   </p:sldMasterIdLst>
   <p:notesMasterIdLst>
-    <p:notesMasterId r:id="rId35"/>
+    <p:notesMasterId r:id="rId36"/>
   </p:notesMasterIdLst>
   <p:sldIdLst>
     <p:sldId id="256" r:id="rId2"/>
@@ -40,7 +40,8 @@
     <p:sldId id="308" r:id="rId31"/>
     <p:sldId id="309" r:id="rId32"/>
     <p:sldId id="310" r:id="rId33"/>
-    <p:sldId id="311" r:id="rId34"/>
+    <p:sldId id="320" r:id="rId34"/>
+    <p:sldId id="311" r:id="rId35"/>
   </p:sldIdLst>
   <p:sldSz cx="9144000" cy="6858000" type="screen4x3"/>
   <p:notesSz cx="6858000" cy="9144000"/>
@@ -27433,8 +27434,8 @@
           </a:fontRef>
         </p:style>
       </p:cxnSp>
-      <mc:AlternateContent xmlns:mc="http://schemas.openxmlformats.org/markup-compatibility/2006">
-        <mc:Choice xmlns:a14="http://schemas.microsoft.com/office/drawing/2010/main" Requires="a14">
+      <mc:AlternateContent xmlns:mc="http://schemas.openxmlformats.org/markup-compatibility/2006" xmlns:a14="http://schemas.microsoft.com/office/drawing/2010/main">
+        <mc:Choice Requires="a14">
           <p:sp>
             <p:nvSpPr>
               <p:cNvPr id="11" name="テキスト ボックス 10">
@@ -27463,6 +27464,7 @@
               </a:bodyPr>
               <a:lstStyle/>
               <a:p>
+                <a:pPr/>
                 <a14:m>
                   <m:oMathPara xmlns:m="http://schemas.openxmlformats.org/officeDocument/2006/math">
                     <m:oMathParaPr>
@@ -27501,7 +27503,7 @@
             </p:txBody>
           </p:sp>
         </mc:Choice>
-        <mc:Fallback>
+        <mc:Fallback xmlns="">
           <p:sp>
             <p:nvSpPr>
               <p:cNvPr id="11" name="テキスト ボックス 10">
@@ -30427,6 +30429,181 @@
           <p:cNvPr id="2" name="テキスト プレースホルダー 1">
             <a:extLst>
               <a:ext uri="{FF2B5EF4-FFF2-40B4-BE49-F238E27FC236}">
+                <a16:creationId xmlns:a16="http://schemas.microsoft.com/office/drawing/2014/main" id="{042728D0-4060-F141-BC3C-7883398C1080}"/>
+              </a:ext>
+            </a:extLst>
+          </p:cNvPr>
+          <p:cNvSpPr>
+            <a:spLocks noGrp="1"/>
+          </p:cNvSpPr>
+          <p:nvPr>
+            <p:ph type="body" sz="quarter" idx="10"/>
+          </p:nvPr>
+        </p:nvSpPr>
+        <p:spPr/>
+        <p:txBody>
+          <a:bodyPr/>
+          <a:lstStyle/>
+          <a:p>
+            <a:r>
+              <a:rPr kumimoji="1" lang="ja-JP" altLang="en-US"/>
+              <a:t>課題</a:t>
+            </a:r>
+            <a:r>
+              <a:rPr kumimoji="1" lang="en-US" altLang="ja-JP"/>
+              <a:t>1-2: </a:t>
+            </a:r>
+            <a:r>
+              <a:rPr kumimoji="1" lang="ja-JP" altLang="en-US"/>
+              <a:t>オリジナルのフラクタル曲線</a:t>
+            </a:r>
+          </a:p>
+        </p:txBody>
+      </p:sp>
+      <p:pic>
+        <p:nvPicPr>
+          <p:cNvPr id="3" name="図 2">
+            <a:extLst>
+              <a:ext uri="{FF2B5EF4-FFF2-40B4-BE49-F238E27FC236}">
+                <a16:creationId xmlns:a16="http://schemas.microsoft.com/office/drawing/2014/main" id="{C01E0F6F-D692-CD44-9137-9D808F5E6E5E}"/>
+              </a:ext>
+            </a:extLst>
+          </p:cNvPr>
+          <p:cNvPicPr>
+            <a:picLocks noChangeAspect="1"/>
+          </p:cNvPicPr>
+          <p:nvPr/>
+        </p:nvPicPr>
+        <p:blipFill>
+          <a:blip r:embed="rId2"/>
+          <a:stretch>
+            <a:fillRect/>
+          </a:stretch>
+        </p:blipFill>
+        <p:spPr>
+          <a:xfrm>
+            <a:off x="2428240" y="3093720"/>
+            <a:ext cx="3647440" cy="3647440"/>
+          </a:xfrm>
+          <a:prstGeom prst="rect">
+            <a:avLst/>
+          </a:prstGeom>
+        </p:spPr>
+      </p:pic>
+      <p:sp>
+        <p:nvSpPr>
+          <p:cNvPr id="4" name="テキスト ボックス 3">
+            <a:extLst>
+              <a:ext uri="{FF2B5EF4-FFF2-40B4-BE49-F238E27FC236}">
+                <a16:creationId xmlns:a16="http://schemas.microsoft.com/office/drawing/2014/main" id="{C434F592-EF12-1F4C-AC2E-A789C8F95698}"/>
+              </a:ext>
+            </a:extLst>
+          </p:cNvPr>
+          <p:cNvSpPr txBox="1"/>
+          <p:nvPr/>
+        </p:nvSpPr>
+        <p:spPr>
+          <a:xfrm>
+            <a:off x="233680" y="1270000"/>
+            <a:ext cx="8776762" cy="400110"/>
+          </a:xfrm>
+          <a:prstGeom prst="rect">
+            <a:avLst/>
+          </a:prstGeom>
+          <a:noFill/>
+        </p:spPr>
+        <p:txBody>
+          <a:bodyPr wrap="none" rtlCol="0">
+            <a:spAutoFit/>
+          </a:bodyPr>
+          <a:lstStyle/>
+          <a:p>
+            <a:r>
+              <a:rPr kumimoji="1" lang="ja-JP" altLang="en-US" sz="2000"/>
+              <a:t>変換リスト</a:t>
+            </a:r>
+            <a:r>
+              <a:rPr kumimoji="1" lang="en-US" altLang="ja-JP" sz="2000"/>
+              <a:t>b</a:t>
+            </a:r>
+            <a:r>
+              <a:rPr kumimoji="1" lang="ja-JP" altLang="en-US" sz="2000"/>
+              <a:t>に好きなベクトル列を入れて、オリジナルのコッホ曲線を作れ</a:t>
+            </a:r>
+          </a:p>
+        </p:txBody>
+      </p:sp>
+      <p:sp>
+        <p:nvSpPr>
+          <p:cNvPr id="5" name="テキスト ボックス 4">
+            <a:extLst>
+              <a:ext uri="{FF2B5EF4-FFF2-40B4-BE49-F238E27FC236}">
+                <a16:creationId xmlns:a16="http://schemas.microsoft.com/office/drawing/2014/main" id="{31293401-8BD6-DB45-891C-4473D4ED4CCB}"/>
+              </a:ext>
+            </a:extLst>
+          </p:cNvPr>
+          <p:cNvSpPr txBox="1"/>
+          <p:nvPr/>
+        </p:nvSpPr>
+        <p:spPr>
+          <a:xfrm>
+            <a:off x="2580640" y="2651760"/>
+            <a:ext cx="3518912" cy="400110"/>
+          </a:xfrm>
+          <a:prstGeom prst="rect">
+            <a:avLst/>
+          </a:prstGeom>
+          <a:noFill/>
+        </p:spPr>
+        <p:txBody>
+          <a:bodyPr wrap="none" rtlCol="0">
+            <a:spAutoFit/>
+          </a:bodyPr>
+          <a:lstStyle/>
+          <a:p>
+            <a:r>
+              <a:rPr lang="ja-JP" altLang="en-US" sz="2000"/>
+              <a:t>渡辺が作ってみたコッホ曲線</a:t>
+            </a:r>
+            <a:endParaRPr kumimoji="1" lang="ja-JP" altLang="en-US" sz="2000"/>
+          </a:p>
+        </p:txBody>
+      </p:sp>
+    </p:spTree>
+    <p:extLst>
+      <p:ext uri="{BB962C8B-B14F-4D97-AF65-F5344CB8AC3E}">
+        <p14:creationId xmlns:p14="http://schemas.microsoft.com/office/powerpoint/2010/main" val="232397673"/>
+      </p:ext>
+    </p:extLst>
+  </p:cSld>
+  <p:clrMapOvr>
+    <a:masterClrMapping/>
+  </p:clrMapOvr>
+</p:sld>
+</file>
+
+<file path=ppt/slides/slide34.xml><?xml version="1.0" encoding="utf-8"?>
+<p:sld xmlns:a="http://schemas.openxmlformats.org/drawingml/2006/main" xmlns:r="http://schemas.openxmlformats.org/officeDocument/2006/relationships" xmlns:p="http://schemas.openxmlformats.org/presentationml/2006/main">
+  <p:cSld>
+    <p:spTree>
+      <p:nvGrpSpPr>
+        <p:cNvPr id="1" name=""/>
+        <p:cNvGrpSpPr/>
+        <p:nvPr/>
+      </p:nvGrpSpPr>
+      <p:grpSpPr>
+        <a:xfrm>
+          <a:off x="0" y="0"/>
+          <a:ext cx="0" cy="0"/>
+          <a:chOff x="0" y="0"/>
+          <a:chExt cx="0" cy="0"/>
+        </a:xfrm>
+      </p:grpSpPr>
+      <p:sp>
+        <p:nvSpPr>
+          <p:cNvPr id="2" name="テキスト プレースホルダー 1">
+            <a:extLst>
+              <a:ext uri="{FF2B5EF4-FFF2-40B4-BE49-F238E27FC236}">
                 <a16:creationId xmlns:a16="http://schemas.microsoft.com/office/drawing/2014/main" id="{A9522EAE-5893-1B4E-B3F8-D200B0601568}"/>
               </a:ext>
             </a:extLst>
@@ -31078,8 +31255,8 @@
           </a:p>
         </p:txBody>
       </p:sp>
-      <mc:AlternateContent xmlns:mc="http://schemas.openxmlformats.org/markup-compatibility/2006">
-        <mc:Choice xmlns:a14="http://schemas.microsoft.com/office/drawing/2010/main" Requires="a14">
+      <mc:AlternateContent xmlns:mc="http://schemas.openxmlformats.org/markup-compatibility/2006" xmlns:a14="http://schemas.microsoft.com/office/drawing/2010/main">
+        <mc:Choice Requires="a14">
           <p:sp>
             <p:nvSpPr>
               <p:cNvPr id="4" name="テキスト ボックス 3">
@@ -31108,6 +31285,7 @@
               </a:bodyPr>
               <a:lstStyle/>
               <a:p>
+                <a:pPr/>
                 <a14:m>
                   <m:oMathPara xmlns:m="http://schemas.openxmlformats.org/officeDocument/2006/math">
                     <m:oMathParaPr>
@@ -31159,7 +31337,7 @@
             </p:txBody>
           </p:sp>
         </mc:Choice>
-        <mc:Fallback>
+        <mc:Fallback xmlns="">
           <p:sp>
             <p:nvSpPr>
               <p:cNvPr id="4" name="テキスト ボックス 3">
@@ -34359,8 +34537,8 @@
           </a:p>
         </p:txBody>
       </p:sp>
-      <mc:AlternateContent xmlns:mc="http://schemas.openxmlformats.org/markup-compatibility/2006">
-        <mc:Choice xmlns:a14="http://schemas.microsoft.com/office/drawing/2010/main" Requires="a14">
+      <mc:AlternateContent xmlns:mc="http://schemas.openxmlformats.org/markup-compatibility/2006" xmlns:a14="http://schemas.microsoft.com/office/drawing/2010/main">
+        <mc:Choice Requires="a14">
           <p:sp>
             <p:nvSpPr>
               <p:cNvPr id="9" name="テキスト ボックス 8">
@@ -34389,6 +34567,7 @@
               </a:bodyPr>
               <a:lstStyle/>
               <a:p>
+                <a:pPr/>
                 <a14:m>
                   <m:oMathPara xmlns:m="http://schemas.openxmlformats.org/officeDocument/2006/math">
                     <m:oMathParaPr>
@@ -34483,7 +34662,7 @@
             </p:txBody>
           </p:sp>
         </mc:Choice>
-        <mc:Fallback>
+        <mc:Fallback xmlns="">
           <p:sp>
             <p:nvSpPr>
               <p:cNvPr id="9" name="テキスト ボックス 8">
@@ -34603,8 +34782,8 @@
           </a:p>
         </p:txBody>
       </p:sp>
-      <mc:AlternateContent xmlns:mc="http://schemas.openxmlformats.org/markup-compatibility/2006">
-        <mc:Choice xmlns:a14="http://schemas.microsoft.com/office/drawing/2010/main" Requires="a14">
+      <mc:AlternateContent xmlns:mc="http://schemas.openxmlformats.org/markup-compatibility/2006" xmlns:a14="http://schemas.microsoft.com/office/drawing/2010/main">
+        <mc:Choice Requires="a14">
           <p:sp>
             <p:nvSpPr>
               <p:cNvPr id="12" name="正方形/長方形 11">
@@ -34632,6 +34811,7 @@
               </a:bodyPr>
               <a:lstStyle/>
               <a:p>
+                <a:pPr/>
                 <a14:m>
                   <m:oMathPara xmlns:m="http://schemas.openxmlformats.org/officeDocument/2006/math">
                     <m:oMathParaPr>
@@ -34671,7 +34851,7 @@
             </p:txBody>
           </p:sp>
         </mc:Choice>
-        <mc:Fallback>
+        <mc:Fallback xmlns="">
           <p:sp>
             <p:nvSpPr>
               <p:cNvPr id="12" name="正方形/長方形 11">
@@ -34759,8 +34939,8 @@
           </a:p>
         </p:txBody>
       </p:sp>
-      <mc:AlternateContent xmlns:mc="http://schemas.openxmlformats.org/markup-compatibility/2006">
-        <mc:Choice xmlns:a14="http://schemas.microsoft.com/office/drawing/2010/main" Requires="a14">
+      <mc:AlternateContent xmlns:mc="http://schemas.openxmlformats.org/markup-compatibility/2006" xmlns:a14="http://schemas.microsoft.com/office/drawing/2010/main">
+        <mc:Choice Requires="a14">
           <p:sp>
             <p:nvSpPr>
               <p:cNvPr id="14" name="正方形/長方形 13">
@@ -34788,6 +34968,7 @@
               </a:bodyPr>
               <a:lstStyle/>
               <a:p>
+                <a:pPr/>
                 <a14:m>
                   <m:oMathPara xmlns:m="http://schemas.openxmlformats.org/officeDocument/2006/math">
                     <m:oMathParaPr>
@@ -34827,7 +35008,7 @@
             </p:txBody>
           </p:sp>
         </mc:Choice>
-        <mc:Fallback>
+        <mc:Fallback xmlns="">
           <p:sp>
             <p:nvSpPr>
               <p:cNvPr id="14" name="正方形/長方形 13">
